--- a/Xcess Denied.pptx
+++ b/Xcess Denied.pptx
@@ -107,2662 +107,12 @@
       </a:defRPr>
     </a:lvl9pPr>
   </p:defaultTextStyle>
+  <p:extLst>
+    <p:ext uri="{EFAFB233-063F-42B5-8137-9DF3F51BA10A}">
+      <p15:sldGuideLst xmlns:p15="http://schemas.microsoft.com/office/powerpoint/2012/main"/>
+    </p:ext>
+  </p:extLst>
 </p:presentation>
-</file>
-
-<file path=ppt/diagrams/colors1.xml><?xml version="1.0" encoding="utf-8"?>
-<dgm:colorsDef xmlns:dgm="http://schemas.openxmlformats.org/drawingml/2006/diagram" xmlns:a="http://schemas.openxmlformats.org/drawingml/2006/main" uniqueId="urn:microsoft.com/office/officeart/2005/8/colors/accent1_2">
-  <dgm:title val=""/>
-  <dgm:desc val=""/>
-  <dgm:catLst>
-    <dgm:cat type="accent1" pri="11200"/>
-  </dgm:catLst>
-  <dgm:styleLbl name="node0">
-    <dgm:fillClrLst meth="repeat">
-      <a:schemeClr val="accent1"/>
-    </dgm:fillClrLst>
-    <dgm:linClrLst meth="repeat">
-      <a:schemeClr val="lt1"/>
-    </dgm:linClrLst>
-    <dgm:effectClrLst/>
-    <dgm:txLinClrLst/>
-    <dgm:txFillClrLst/>
-    <dgm:txEffectClrLst/>
-  </dgm:styleLbl>
-  <dgm:styleLbl name="alignNode1">
-    <dgm:fillClrLst meth="repeat">
-      <a:schemeClr val="accent1"/>
-    </dgm:fillClrLst>
-    <dgm:linClrLst meth="repeat">
-      <a:schemeClr val="accent1"/>
-    </dgm:linClrLst>
-    <dgm:effectClrLst/>
-    <dgm:txLinClrLst/>
-    <dgm:txFillClrLst/>
-    <dgm:txEffectClrLst/>
-  </dgm:styleLbl>
-  <dgm:styleLbl name="node1">
-    <dgm:fillClrLst meth="repeat">
-      <a:schemeClr val="accent1"/>
-    </dgm:fillClrLst>
-    <dgm:linClrLst meth="repeat">
-      <a:schemeClr val="lt1"/>
-    </dgm:linClrLst>
-    <dgm:effectClrLst/>
-    <dgm:txLinClrLst/>
-    <dgm:txFillClrLst/>
-    <dgm:txEffectClrLst/>
-  </dgm:styleLbl>
-  <dgm:styleLbl name="lnNode1">
-    <dgm:fillClrLst meth="repeat">
-      <a:schemeClr val="accent1"/>
-    </dgm:fillClrLst>
-    <dgm:linClrLst meth="repeat">
-      <a:schemeClr val="lt1"/>
-    </dgm:linClrLst>
-    <dgm:effectClrLst/>
-    <dgm:txLinClrLst/>
-    <dgm:txFillClrLst/>
-    <dgm:txEffectClrLst/>
-  </dgm:styleLbl>
-  <dgm:styleLbl name="vennNode1">
-    <dgm:fillClrLst meth="repeat">
-      <a:schemeClr val="accent1">
-        <a:alpha val="50000"/>
-      </a:schemeClr>
-    </dgm:fillClrLst>
-    <dgm:linClrLst meth="repeat">
-      <a:schemeClr val="lt1"/>
-    </dgm:linClrLst>
-    <dgm:effectClrLst/>
-    <dgm:txLinClrLst/>
-    <dgm:txFillClrLst/>
-    <dgm:txEffectClrLst/>
-  </dgm:styleLbl>
-  <dgm:styleLbl name="node2">
-    <dgm:fillClrLst meth="repeat">
-      <a:schemeClr val="accent1"/>
-    </dgm:fillClrLst>
-    <dgm:linClrLst meth="repeat">
-      <a:schemeClr val="lt1"/>
-    </dgm:linClrLst>
-    <dgm:effectClrLst/>
-    <dgm:txLinClrLst/>
-    <dgm:txFillClrLst/>
-    <dgm:txEffectClrLst/>
-  </dgm:styleLbl>
-  <dgm:styleLbl name="node3">
-    <dgm:fillClrLst meth="repeat">
-      <a:schemeClr val="accent1"/>
-    </dgm:fillClrLst>
-    <dgm:linClrLst meth="repeat">
-      <a:schemeClr val="lt1"/>
-    </dgm:linClrLst>
-    <dgm:effectClrLst/>
-    <dgm:txLinClrLst/>
-    <dgm:txFillClrLst/>
-    <dgm:txEffectClrLst/>
-  </dgm:styleLbl>
-  <dgm:styleLbl name="node4">
-    <dgm:fillClrLst meth="repeat">
-      <a:schemeClr val="accent1"/>
-    </dgm:fillClrLst>
-    <dgm:linClrLst meth="repeat">
-      <a:schemeClr val="lt1"/>
-    </dgm:linClrLst>
-    <dgm:effectClrLst/>
-    <dgm:txLinClrLst/>
-    <dgm:txFillClrLst/>
-    <dgm:txEffectClrLst/>
-  </dgm:styleLbl>
-  <dgm:styleLbl name="fgImgPlace1">
-    <dgm:fillClrLst meth="repeat">
-      <a:schemeClr val="accent1">
-        <a:tint val="50000"/>
-      </a:schemeClr>
-    </dgm:fillClrLst>
-    <dgm:linClrLst meth="repeat">
-      <a:schemeClr val="lt1"/>
-    </dgm:linClrLst>
-    <dgm:effectClrLst/>
-    <dgm:txLinClrLst/>
-    <dgm:txFillClrLst meth="repeat">
-      <a:schemeClr val="lt1"/>
-    </dgm:txFillClrLst>
-    <dgm:txEffectClrLst/>
-  </dgm:styleLbl>
-  <dgm:styleLbl name="alignImgPlace1">
-    <dgm:fillClrLst meth="repeat">
-      <a:schemeClr val="accent1">
-        <a:tint val="50000"/>
-      </a:schemeClr>
-    </dgm:fillClrLst>
-    <dgm:linClrLst meth="repeat">
-      <a:schemeClr val="lt1"/>
-    </dgm:linClrLst>
-    <dgm:effectClrLst/>
-    <dgm:txLinClrLst/>
-    <dgm:txFillClrLst meth="repeat">
-      <a:schemeClr val="lt1"/>
-    </dgm:txFillClrLst>
-    <dgm:txEffectClrLst/>
-  </dgm:styleLbl>
-  <dgm:styleLbl name="bgImgPlace1">
-    <dgm:fillClrLst meth="repeat">
-      <a:schemeClr val="accent1">
-        <a:tint val="50000"/>
-      </a:schemeClr>
-    </dgm:fillClrLst>
-    <dgm:linClrLst meth="repeat">
-      <a:schemeClr val="lt1"/>
-    </dgm:linClrLst>
-    <dgm:effectClrLst/>
-    <dgm:txLinClrLst/>
-    <dgm:txFillClrLst meth="repeat">
-      <a:schemeClr val="lt1"/>
-    </dgm:txFillClrLst>
-    <dgm:txEffectClrLst/>
-  </dgm:styleLbl>
-  <dgm:styleLbl name="sibTrans2D1">
-    <dgm:fillClrLst meth="repeat">
-      <a:schemeClr val="accent1">
-        <a:tint val="60000"/>
-      </a:schemeClr>
-    </dgm:fillClrLst>
-    <dgm:linClrLst meth="repeat">
-      <a:schemeClr val="accent1">
-        <a:tint val="60000"/>
-      </a:schemeClr>
-    </dgm:linClrLst>
-    <dgm:effectClrLst/>
-    <dgm:txLinClrLst/>
-    <dgm:txFillClrLst/>
-    <dgm:txEffectClrLst/>
-  </dgm:styleLbl>
-  <dgm:styleLbl name="fgSibTrans2D1">
-    <dgm:fillClrLst meth="repeat">
-      <a:schemeClr val="accent1">
-        <a:tint val="60000"/>
-      </a:schemeClr>
-    </dgm:fillClrLst>
-    <dgm:linClrLst meth="repeat">
-      <a:schemeClr val="accent1">
-        <a:tint val="60000"/>
-      </a:schemeClr>
-    </dgm:linClrLst>
-    <dgm:effectClrLst/>
-    <dgm:txLinClrLst/>
-    <dgm:txFillClrLst/>
-    <dgm:txEffectClrLst/>
-  </dgm:styleLbl>
-  <dgm:styleLbl name="bgSibTrans2D1">
-    <dgm:fillClrLst meth="repeat">
-      <a:schemeClr val="accent1">
-        <a:tint val="60000"/>
-      </a:schemeClr>
-    </dgm:fillClrLst>
-    <dgm:linClrLst meth="repeat">
-      <a:schemeClr val="accent1">
-        <a:tint val="60000"/>
-      </a:schemeClr>
-    </dgm:linClrLst>
-    <dgm:effectClrLst/>
-    <dgm:txLinClrLst/>
-    <dgm:txFillClrLst/>
-    <dgm:txEffectClrLst/>
-  </dgm:styleLbl>
-  <dgm:styleLbl name="sibTrans1D1">
-    <dgm:fillClrLst meth="repeat">
-      <a:schemeClr val="accent1"/>
-    </dgm:fillClrLst>
-    <dgm:linClrLst meth="repeat">
-      <a:schemeClr val="accent1"/>
-    </dgm:linClrLst>
-    <dgm:effectClrLst/>
-    <dgm:txLinClrLst/>
-    <dgm:txFillClrLst meth="repeat">
-      <a:schemeClr val="tx1"/>
-    </dgm:txFillClrLst>
-    <dgm:txEffectClrLst/>
-  </dgm:styleLbl>
-  <dgm:styleLbl name="callout">
-    <dgm:fillClrLst meth="repeat">
-      <a:schemeClr val="accent1"/>
-    </dgm:fillClrLst>
-    <dgm:linClrLst meth="repeat">
-      <a:schemeClr val="accent1">
-        <a:tint val="50000"/>
-      </a:schemeClr>
-    </dgm:linClrLst>
-    <dgm:effectClrLst/>
-    <dgm:txLinClrLst/>
-    <dgm:txFillClrLst meth="repeat">
-      <a:schemeClr val="tx1"/>
-    </dgm:txFillClrLst>
-    <dgm:txEffectClrLst/>
-  </dgm:styleLbl>
-  <dgm:styleLbl name="asst0">
-    <dgm:fillClrLst meth="repeat">
-      <a:schemeClr val="accent1"/>
-    </dgm:fillClrLst>
-    <dgm:linClrLst meth="repeat">
-      <a:schemeClr val="lt1"/>
-    </dgm:linClrLst>
-    <dgm:effectClrLst/>
-    <dgm:txLinClrLst/>
-    <dgm:txFillClrLst/>
-    <dgm:txEffectClrLst/>
-  </dgm:styleLbl>
-  <dgm:styleLbl name="asst1">
-    <dgm:fillClrLst meth="repeat">
-      <a:schemeClr val="accent1"/>
-    </dgm:fillClrLst>
-    <dgm:linClrLst meth="repeat">
-      <a:schemeClr val="lt1"/>
-    </dgm:linClrLst>
-    <dgm:effectClrLst/>
-    <dgm:txLinClrLst/>
-    <dgm:txFillClrLst/>
-    <dgm:txEffectClrLst/>
-  </dgm:styleLbl>
-  <dgm:styleLbl name="asst2">
-    <dgm:fillClrLst meth="repeat">
-      <a:schemeClr val="accent1"/>
-    </dgm:fillClrLst>
-    <dgm:linClrLst meth="repeat">
-      <a:schemeClr val="lt1"/>
-    </dgm:linClrLst>
-    <dgm:effectClrLst/>
-    <dgm:txLinClrLst/>
-    <dgm:txFillClrLst/>
-    <dgm:txEffectClrLst/>
-  </dgm:styleLbl>
-  <dgm:styleLbl name="asst3">
-    <dgm:fillClrLst meth="repeat">
-      <a:schemeClr val="accent1"/>
-    </dgm:fillClrLst>
-    <dgm:linClrLst meth="repeat">
-      <a:schemeClr val="lt1"/>
-    </dgm:linClrLst>
-    <dgm:effectClrLst/>
-    <dgm:txLinClrLst/>
-    <dgm:txFillClrLst/>
-    <dgm:txEffectClrLst/>
-  </dgm:styleLbl>
-  <dgm:styleLbl name="asst4">
-    <dgm:fillClrLst meth="repeat">
-      <a:schemeClr val="accent1"/>
-    </dgm:fillClrLst>
-    <dgm:linClrLst meth="repeat">
-      <a:schemeClr val="lt1"/>
-    </dgm:linClrLst>
-    <dgm:effectClrLst/>
-    <dgm:txLinClrLst/>
-    <dgm:txFillClrLst/>
-    <dgm:txEffectClrLst/>
-  </dgm:styleLbl>
-  <dgm:styleLbl name="parChTrans2D1">
-    <dgm:fillClrLst meth="repeat">
-      <a:schemeClr val="accent1">
-        <a:tint val="60000"/>
-      </a:schemeClr>
-    </dgm:fillClrLst>
-    <dgm:linClrLst meth="repeat">
-      <a:schemeClr val="accent1">
-        <a:tint val="60000"/>
-      </a:schemeClr>
-    </dgm:linClrLst>
-    <dgm:effectClrLst/>
-    <dgm:txLinClrLst/>
-    <dgm:txFillClrLst meth="repeat">
-      <a:schemeClr val="lt1"/>
-    </dgm:txFillClrLst>
-    <dgm:txEffectClrLst/>
-  </dgm:styleLbl>
-  <dgm:styleLbl name="parChTrans2D2">
-    <dgm:fillClrLst meth="repeat">
-      <a:schemeClr val="accent1"/>
-    </dgm:fillClrLst>
-    <dgm:linClrLst meth="repeat">
-      <a:schemeClr val="accent1"/>
-    </dgm:linClrLst>
-    <dgm:effectClrLst/>
-    <dgm:txLinClrLst/>
-    <dgm:txFillClrLst meth="repeat">
-      <a:schemeClr val="lt1"/>
-    </dgm:txFillClrLst>
-    <dgm:txEffectClrLst/>
-  </dgm:styleLbl>
-  <dgm:styleLbl name="parChTrans2D3">
-    <dgm:fillClrLst meth="repeat">
-      <a:schemeClr val="accent1"/>
-    </dgm:fillClrLst>
-    <dgm:linClrLst meth="repeat">
-      <a:schemeClr val="accent1"/>
-    </dgm:linClrLst>
-    <dgm:effectClrLst/>
-    <dgm:txLinClrLst/>
-    <dgm:txFillClrLst meth="repeat">
-      <a:schemeClr val="lt1"/>
-    </dgm:txFillClrLst>
-    <dgm:txEffectClrLst/>
-  </dgm:styleLbl>
-  <dgm:styleLbl name="parChTrans2D4">
-    <dgm:fillClrLst meth="repeat">
-      <a:schemeClr val="accent1"/>
-    </dgm:fillClrLst>
-    <dgm:linClrLst meth="repeat">
-      <a:schemeClr val="accent1"/>
-    </dgm:linClrLst>
-    <dgm:effectClrLst/>
-    <dgm:txLinClrLst/>
-    <dgm:txFillClrLst meth="repeat">
-      <a:schemeClr val="lt1"/>
-    </dgm:txFillClrLst>
-    <dgm:txEffectClrLst/>
-  </dgm:styleLbl>
-  <dgm:styleLbl name="parChTrans1D1">
-    <dgm:fillClrLst meth="repeat">
-      <a:schemeClr val="accent1"/>
-    </dgm:fillClrLst>
-    <dgm:linClrLst meth="repeat">
-      <a:schemeClr val="accent1">
-        <a:shade val="60000"/>
-      </a:schemeClr>
-    </dgm:linClrLst>
-    <dgm:effectClrLst/>
-    <dgm:txLinClrLst/>
-    <dgm:txFillClrLst meth="repeat">
-      <a:schemeClr val="tx1"/>
-    </dgm:txFillClrLst>
-    <dgm:txEffectClrLst/>
-  </dgm:styleLbl>
-  <dgm:styleLbl name="parChTrans1D2">
-    <dgm:fillClrLst meth="repeat">
-      <a:schemeClr val="accent1"/>
-    </dgm:fillClrLst>
-    <dgm:linClrLst meth="repeat">
-      <a:schemeClr val="accent1">
-        <a:shade val="60000"/>
-      </a:schemeClr>
-    </dgm:linClrLst>
-    <dgm:effectClrLst/>
-    <dgm:txLinClrLst/>
-    <dgm:txFillClrLst meth="repeat">
-      <a:schemeClr val="tx1"/>
-    </dgm:txFillClrLst>
-    <dgm:txEffectClrLst/>
-  </dgm:styleLbl>
-  <dgm:styleLbl name="parChTrans1D3">
-    <dgm:fillClrLst meth="repeat">
-      <a:schemeClr val="accent1"/>
-    </dgm:fillClrLst>
-    <dgm:linClrLst meth="repeat">
-      <a:schemeClr val="accent1">
-        <a:shade val="80000"/>
-      </a:schemeClr>
-    </dgm:linClrLst>
-    <dgm:effectClrLst/>
-    <dgm:txLinClrLst/>
-    <dgm:txFillClrLst meth="repeat">
-      <a:schemeClr val="tx1"/>
-    </dgm:txFillClrLst>
-    <dgm:txEffectClrLst/>
-  </dgm:styleLbl>
-  <dgm:styleLbl name="parChTrans1D4">
-    <dgm:fillClrLst meth="repeat">
-      <a:schemeClr val="accent1"/>
-    </dgm:fillClrLst>
-    <dgm:linClrLst meth="repeat">
-      <a:schemeClr val="accent1">
-        <a:shade val="80000"/>
-      </a:schemeClr>
-    </dgm:linClrLst>
-    <dgm:effectClrLst/>
-    <dgm:txLinClrLst/>
-    <dgm:txFillClrLst meth="repeat">
-      <a:schemeClr val="tx1"/>
-    </dgm:txFillClrLst>
-    <dgm:txEffectClrLst/>
-  </dgm:styleLbl>
-  <dgm:styleLbl name="fgAcc1">
-    <dgm:fillClrLst meth="repeat">
-      <a:schemeClr val="lt1">
-        <a:alpha val="90000"/>
-      </a:schemeClr>
-    </dgm:fillClrLst>
-    <dgm:linClrLst meth="repeat">
-      <a:schemeClr val="accent1"/>
-    </dgm:linClrLst>
-    <dgm:effectClrLst/>
-    <dgm:txLinClrLst/>
-    <dgm:txFillClrLst meth="repeat">
-      <a:schemeClr val="dk1"/>
-    </dgm:txFillClrLst>
-    <dgm:txEffectClrLst/>
-  </dgm:styleLbl>
-  <dgm:styleLbl name="conFgAcc1">
-    <dgm:fillClrLst meth="repeat">
-      <a:schemeClr val="lt1">
-        <a:alpha val="90000"/>
-      </a:schemeClr>
-    </dgm:fillClrLst>
-    <dgm:linClrLst meth="repeat">
-      <a:schemeClr val="accent1"/>
-    </dgm:linClrLst>
-    <dgm:effectClrLst/>
-    <dgm:txLinClrLst/>
-    <dgm:txFillClrLst meth="repeat">
-      <a:schemeClr val="dk1"/>
-    </dgm:txFillClrLst>
-    <dgm:txEffectClrLst/>
-  </dgm:styleLbl>
-  <dgm:styleLbl name="alignAcc1">
-    <dgm:fillClrLst meth="repeat">
-      <a:schemeClr val="lt1">
-        <a:alpha val="90000"/>
-      </a:schemeClr>
-    </dgm:fillClrLst>
-    <dgm:linClrLst meth="repeat">
-      <a:schemeClr val="accent1"/>
-    </dgm:linClrLst>
-    <dgm:effectClrLst/>
-    <dgm:txLinClrLst/>
-    <dgm:txFillClrLst meth="repeat">
-      <a:schemeClr val="dk1"/>
-    </dgm:txFillClrLst>
-    <dgm:txEffectClrLst/>
-  </dgm:styleLbl>
-  <dgm:styleLbl name="trAlignAcc1">
-    <dgm:fillClrLst meth="repeat">
-      <a:schemeClr val="lt1">
-        <a:alpha val="40000"/>
-      </a:schemeClr>
-    </dgm:fillClrLst>
-    <dgm:linClrLst meth="repeat">
-      <a:schemeClr val="accent1"/>
-    </dgm:linClrLst>
-    <dgm:effectClrLst/>
-    <dgm:txLinClrLst/>
-    <dgm:txFillClrLst meth="repeat">
-      <a:schemeClr val="dk1"/>
-    </dgm:txFillClrLst>
-    <dgm:txEffectClrLst/>
-  </dgm:styleLbl>
-  <dgm:styleLbl name="bgAcc1">
-    <dgm:fillClrLst meth="repeat">
-      <a:schemeClr val="lt1">
-        <a:alpha val="90000"/>
-      </a:schemeClr>
-    </dgm:fillClrLst>
-    <dgm:linClrLst meth="repeat">
-      <a:schemeClr val="accent1"/>
-    </dgm:linClrLst>
-    <dgm:effectClrLst/>
-    <dgm:txLinClrLst/>
-    <dgm:txFillClrLst meth="repeat">
-      <a:schemeClr val="dk1"/>
-    </dgm:txFillClrLst>
-    <dgm:txEffectClrLst/>
-  </dgm:styleLbl>
-  <dgm:styleLbl name="solidFgAcc1">
-    <dgm:fillClrLst meth="repeat">
-      <a:schemeClr val="lt1"/>
-    </dgm:fillClrLst>
-    <dgm:linClrLst meth="repeat">
-      <a:schemeClr val="accent1"/>
-    </dgm:linClrLst>
-    <dgm:effectClrLst/>
-    <dgm:txLinClrLst/>
-    <dgm:txFillClrLst meth="repeat">
-      <a:schemeClr val="dk1"/>
-    </dgm:txFillClrLst>
-    <dgm:txEffectClrLst/>
-  </dgm:styleLbl>
-  <dgm:styleLbl name="solidAlignAcc1">
-    <dgm:fillClrLst meth="repeat">
-      <a:schemeClr val="lt1"/>
-    </dgm:fillClrLst>
-    <dgm:linClrLst meth="repeat">
-      <a:schemeClr val="accent1"/>
-    </dgm:linClrLst>
-    <dgm:effectClrLst/>
-    <dgm:txLinClrLst/>
-    <dgm:txFillClrLst meth="repeat">
-      <a:schemeClr val="dk1"/>
-    </dgm:txFillClrLst>
-    <dgm:txEffectClrLst/>
-  </dgm:styleLbl>
-  <dgm:styleLbl name="solidBgAcc1">
-    <dgm:fillClrLst meth="repeat">
-      <a:schemeClr val="lt1"/>
-    </dgm:fillClrLst>
-    <dgm:linClrLst meth="repeat">
-      <a:schemeClr val="accent1"/>
-    </dgm:linClrLst>
-    <dgm:effectClrLst/>
-    <dgm:txLinClrLst/>
-    <dgm:txFillClrLst meth="repeat">
-      <a:schemeClr val="dk1"/>
-    </dgm:txFillClrLst>
-    <dgm:txEffectClrLst/>
-  </dgm:styleLbl>
-  <dgm:styleLbl name="fgAccFollowNode1">
-    <dgm:fillClrLst meth="repeat">
-      <a:schemeClr val="accent1">
-        <a:alpha val="90000"/>
-        <a:tint val="40000"/>
-      </a:schemeClr>
-    </dgm:fillClrLst>
-    <dgm:linClrLst meth="repeat">
-      <a:schemeClr val="accent1">
-        <a:alpha val="90000"/>
-        <a:tint val="40000"/>
-      </a:schemeClr>
-    </dgm:linClrLst>
-    <dgm:effectClrLst/>
-    <dgm:txLinClrLst/>
-    <dgm:txFillClrLst meth="repeat">
-      <a:schemeClr val="dk1"/>
-    </dgm:txFillClrLst>
-    <dgm:txEffectClrLst/>
-  </dgm:styleLbl>
-  <dgm:styleLbl name="alignAccFollowNode1">
-    <dgm:fillClrLst meth="repeat">
-      <a:schemeClr val="accent1">
-        <a:alpha val="90000"/>
-        <a:tint val="40000"/>
-      </a:schemeClr>
-    </dgm:fillClrLst>
-    <dgm:linClrLst meth="repeat">
-      <a:schemeClr val="accent1">
-        <a:alpha val="90000"/>
-        <a:tint val="40000"/>
-      </a:schemeClr>
-    </dgm:linClrLst>
-    <dgm:effectClrLst/>
-    <dgm:txLinClrLst/>
-    <dgm:txFillClrLst meth="repeat">
-      <a:schemeClr val="dk1"/>
-    </dgm:txFillClrLst>
-    <dgm:txEffectClrLst/>
-  </dgm:styleLbl>
-  <dgm:styleLbl name="bgAccFollowNode1">
-    <dgm:fillClrLst meth="repeat">
-      <a:schemeClr val="accent1">
-        <a:alpha val="90000"/>
-        <a:tint val="40000"/>
-      </a:schemeClr>
-    </dgm:fillClrLst>
-    <dgm:linClrLst meth="repeat">
-      <a:schemeClr val="accent1">
-        <a:alpha val="90000"/>
-        <a:tint val="40000"/>
-      </a:schemeClr>
-    </dgm:linClrLst>
-    <dgm:effectClrLst/>
-    <dgm:txLinClrLst/>
-    <dgm:txFillClrLst meth="repeat">
-      <a:schemeClr val="dk1"/>
-    </dgm:txFillClrLst>
-    <dgm:txEffectClrLst/>
-  </dgm:styleLbl>
-  <dgm:styleLbl name="fgAcc0">
-    <dgm:fillClrLst meth="repeat">
-      <a:schemeClr val="lt1">
-        <a:alpha val="90000"/>
-      </a:schemeClr>
-    </dgm:fillClrLst>
-    <dgm:linClrLst meth="repeat">
-      <a:schemeClr val="accent1"/>
-    </dgm:linClrLst>
-    <dgm:effectClrLst/>
-    <dgm:txLinClrLst/>
-    <dgm:txFillClrLst meth="repeat">
-      <a:schemeClr val="dk1"/>
-    </dgm:txFillClrLst>
-    <dgm:txEffectClrLst/>
-  </dgm:styleLbl>
-  <dgm:styleLbl name="fgAcc2">
-    <dgm:fillClrLst meth="repeat">
-      <a:schemeClr val="lt1">
-        <a:alpha val="90000"/>
-      </a:schemeClr>
-    </dgm:fillClrLst>
-    <dgm:linClrLst meth="repeat">
-      <a:schemeClr val="accent1"/>
-    </dgm:linClrLst>
-    <dgm:effectClrLst/>
-    <dgm:txLinClrLst/>
-    <dgm:txFillClrLst meth="repeat">
-      <a:schemeClr val="dk1"/>
-    </dgm:txFillClrLst>
-    <dgm:txEffectClrLst/>
-  </dgm:styleLbl>
-  <dgm:styleLbl name="fgAcc3">
-    <dgm:fillClrLst meth="repeat">
-      <a:schemeClr val="lt1">
-        <a:alpha val="90000"/>
-      </a:schemeClr>
-    </dgm:fillClrLst>
-    <dgm:linClrLst meth="repeat">
-      <a:schemeClr val="accent1"/>
-    </dgm:linClrLst>
-    <dgm:effectClrLst/>
-    <dgm:txLinClrLst/>
-    <dgm:txFillClrLst meth="repeat">
-      <a:schemeClr val="dk1"/>
-    </dgm:txFillClrLst>
-    <dgm:txEffectClrLst/>
-  </dgm:styleLbl>
-  <dgm:styleLbl name="fgAcc4">
-    <dgm:fillClrLst meth="repeat">
-      <a:schemeClr val="lt1">
-        <a:alpha val="90000"/>
-      </a:schemeClr>
-    </dgm:fillClrLst>
-    <dgm:linClrLst meth="repeat">
-      <a:schemeClr val="accent1"/>
-    </dgm:linClrLst>
-    <dgm:effectClrLst/>
-    <dgm:txLinClrLst/>
-    <dgm:txFillClrLst meth="repeat">
-      <a:schemeClr val="dk1"/>
-    </dgm:txFillClrLst>
-    <dgm:txEffectClrLst/>
-  </dgm:styleLbl>
-  <dgm:styleLbl name="bgShp">
-    <dgm:fillClrLst meth="repeat">
-      <a:schemeClr val="accent1">
-        <a:tint val="40000"/>
-      </a:schemeClr>
-    </dgm:fillClrLst>
-    <dgm:linClrLst meth="repeat">
-      <a:schemeClr val="accent1"/>
-    </dgm:linClrLst>
-    <dgm:effectClrLst/>
-    <dgm:txLinClrLst/>
-    <dgm:txFillClrLst meth="repeat">
-      <a:schemeClr val="dk1"/>
-    </dgm:txFillClrLst>
-    <dgm:txEffectClrLst/>
-  </dgm:styleLbl>
-  <dgm:styleLbl name="dkBgShp">
-    <dgm:fillClrLst meth="repeat">
-      <a:schemeClr val="accent1">
-        <a:shade val="80000"/>
-      </a:schemeClr>
-    </dgm:fillClrLst>
-    <dgm:linClrLst meth="repeat">
-      <a:schemeClr val="accent1"/>
-    </dgm:linClrLst>
-    <dgm:effectClrLst/>
-    <dgm:txLinClrLst/>
-    <dgm:txFillClrLst meth="repeat">
-      <a:schemeClr val="lt1"/>
-    </dgm:txFillClrLst>
-    <dgm:txEffectClrLst/>
-  </dgm:styleLbl>
-  <dgm:styleLbl name="trBgShp">
-    <dgm:fillClrLst meth="repeat">
-      <a:schemeClr val="accent1">
-        <a:tint val="50000"/>
-        <a:alpha val="40000"/>
-      </a:schemeClr>
-    </dgm:fillClrLst>
-    <dgm:linClrLst meth="repeat">
-      <a:schemeClr val="accent1"/>
-    </dgm:linClrLst>
-    <dgm:effectClrLst/>
-    <dgm:txLinClrLst/>
-    <dgm:txFillClrLst meth="repeat">
-      <a:schemeClr val="lt1"/>
-    </dgm:txFillClrLst>
-    <dgm:txEffectClrLst/>
-  </dgm:styleLbl>
-  <dgm:styleLbl name="fgShp">
-    <dgm:fillClrLst meth="repeat">
-      <a:schemeClr val="accent1">
-        <a:tint val="60000"/>
-      </a:schemeClr>
-    </dgm:fillClrLst>
-    <dgm:linClrLst meth="repeat">
-      <a:schemeClr val="lt1"/>
-    </dgm:linClrLst>
-    <dgm:effectClrLst/>
-    <dgm:txLinClrLst/>
-    <dgm:txFillClrLst meth="repeat">
-      <a:schemeClr val="dk1"/>
-    </dgm:txFillClrLst>
-    <dgm:txEffectClrLst/>
-  </dgm:styleLbl>
-  <dgm:styleLbl name="revTx">
-    <dgm:fillClrLst meth="repeat">
-      <a:schemeClr val="lt1">
-        <a:alpha val="0"/>
-      </a:schemeClr>
-    </dgm:fillClrLst>
-    <dgm:linClrLst meth="repeat">
-      <a:schemeClr val="dk1">
-        <a:alpha val="0"/>
-      </a:schemeClr>
-    </dgm:linClrLst>
-    <dgm:effectClrLst/>
-    <dgm:txLinClrLst/>
-    <dgm:txFillClrLst meth="repeat">
-      <a:schemeClr val="tx1"/>
-    </dgm:txFillClrLst>
-    <dgm:txEffectClrLst/>
-  </dgm:styleLbl>
-</dgm:colorsDef>
-</file>
-
-<file path=ppt/diagrams/data1.xml><?xml version="1.0" encoding="utf-8"?>
-<dgm:dataModel xmlns:dgm="http://schemas.openxmlformats.org/drawingml/2006/diagram" xmlns:a="http://schemas.openxmlformats.org/drawingml/2006/main">
-  <dgm:ptLst>
-    <dgm:pt modelId="{61B675C4-C6A9-481A-BDE8-41CF89BD06AF}" type="doc">
-      <dgm:prSet loTypeId="urn:microsoft.com/office/officeart/2018/2/layout/IconVerticalSolidList" loCatId="icon" qsTypeId="urn:microsoft.com/office/officeart/2005/8/quickstyle/simple1" qsCatId="simple" csTypeId="urn:microsoft.com/office/officeart/2005/8/colors/accent1_2" csCatId="accent1" phldr="1"/>
-      <dgm:spPr/>
-      <dgm:t>
-        <a:bodyPr/>
-        <a:lstStyle/>
-        <a:p>
-          <a:endParaRPr lang="en-US"/>
-        </a:p>
-      </dgm:t>
-    </dgm:pt>
-    <dgm:pt modelId="{54AECD34-F449-4EE7-B292-FC21845ADFAC}">
-      <dgm:prSet/>
-      <dgm:spPr/>
-      <dgm:t>
-        <a:bodyPr/>
-        <a:lstStyle/>
-        <a:p>
-          <a:pPr>
-            <a:lnSpc>
-              <a:spcPct val="100000"/>
-            </a:lnSpc>
-          </a:pPr>
-          <a:r>
-            <a:rPr lang="de-DE" b="0" i="0" baseline="0"/>
-            <a:t>Private method </a:t>
-          </a:r>
-          <a:r>
-            <a:rPr lang="de-DE" b="1" i="0" baseline="0"/>
-            <a:t>loadTimeSeries Data</a:t>
-          </a:r>
-          <a:r>
-            <a:rPr lang="de-DE" b="0" i="0" baseline="0"/>
-            <a:t> loads CSV files into Spark DataFrames.</a:t>
-          </a:r>
-          <a:endParaRPr lang="en-US"/>
-        </a:p>
-      </dgm:t>
-    </dgm:pt>
-    <dgm:pt modelId="{81FF5D5A-93B1-422A-9981-2F8A866C549D}" type="parTrans" cxnId="{E015BDE1-FD38-421E-AFEC-82EEAD0C5634}">
-      <dgm:prSet/>
-      <dgm:spPr/>
-      <dgm:t>
-        <a:bodyPr/>
-        <a:lstStyle/>
-        <a:p>
-          <a:endParaRPr lang="en-US"/>
-        </a:p>
-      </dgm:t>
-    </dgm:pt>
-    <dgm:pt modelId="{2561BF74-A918-40F5-B265-A6DF98BEE8E9}" type="sibTrans" cxnId="{E015BDE1-FD38-421E-AFEC-82EEAD0C5634}">
-      <dgm:prSet/>
-      <dgm:spPr/>
-      <dgm:t>
-        <a:bodyPr/>
-        <a:lstStyle/>
-        <a:p>
-          <a:endParaRPr lang="en-US"/>
-        </a:p>
-      </dgm:t>
-    </dgm:pt>
-    <dgm:pt modelId="{E443871A-FFAB-469E-A837-B1FDC1F72A00}">
-      <dgm:prSet/>
-      <dgm:spPr/>
-      <dgm:t>
-        <a:bodyPr/>
-        <a:lstStyle/>
-        <a:p>
-          <a:pPr>
-            <a:lnSpc>
-              <a:spcPct val="100000"/>
-            </a:lnSpc>
-          </a:pPr>
-          <a:r>
-            <a:rPr lang="de-DE" b="0" i="0" baseline="0" dirty="0"/>
-            <a:t>Schema is inferred during loading.</a:t>
-          </a:r>
-          <a:endParaRPr lang="en-US" dirty="0"/>
-        </a:p>
-      </dgm:t>
-    </dgm:pt>
-    <dgm:pt modelId="{7B3E0232-33C9-4724-BA1D-35F5069BF0DD}" type="parTrans" cxnId="{08ED95E9-2964-45DF-9A4E-7D48DBA600E0}">
-      <dgm:prSet/>
-      <dgm:spPr/>
-      <dgm:t>
-        <a:bodyPr/>
-        <a:lstStyle/>
-        <a:p>
-          <a:endParaRPr lang="en-US"/>
-        </a:p>
-      </dgm:t>
-    </dgm:pt>
-    <dgm:pt modelId="{906F57E5-BCAD-4840-9DFF-08822130D4E6}" type="sibTrans" cxnId="{08ED95E9-2964-45DF-9A4E-7D48DBA600E0}">
-      <dgm:prSet/>
-      <dgm:spPr/>
-      <dgm:t>
-        <a:bodyPr/>
-        <a:lstStyle/>
-        <a:p>
-          <a:endParaRPr lang="en-US"/>
-        </a:p>
-      </dgm:t>
-    </dgm:pt>
-    <dgm:pt modelId="{CE248839-1607-46BC-869D-70DDD2EB2DAB}" type="pres">
-      <dgm:prSet presAssocID="{61B675C4-C6A9-481A-BDE8-41CF89BD06AF}" presName="root" presStyleCnt="0">
-        <dgm:presLayoutVars>
-          <dgm:dir/>
-          <dgm:resizeHandles val="exact"/>
-        </dgm:presLayoutVars>
-      </dgm:prSet>
-      <dgm:spPr/>
-    </dgm:pt>
-    <dgm:pt modelId="{A01E63CD-3F7F-4E70-BE94-F603D12DF0E3}" type="pres">
-      <dgm:prSet presAssocID="{54AECD34-F449-4EE7-B292-FC21845ADFAC}" presName="compNode" presStyleCnt="0"/>
-      <dgm:spPr/>
-    </dgm:pt>
-    <dgm:pt modelId="{D9ED42DA-BDF2-4861-B77A-BA8B85873F7D}" type="pres">
-      <dgm:prSet presAssocID="{54AECD34-F449-4EE7-B292-FC21845ADFAC}" presName="bgRect" presStyleLbl="bgShp" presStyleIdx="0" presStyleCnt="2"/>
-      <dgm:spPr/>
-    </dgm:pt>
-    <dgm:pt modelId="{71C9712E-E4DC-4571-9B75-C8381231B216}" type="pres">
-      <dgm:prSet presAssocID="{54AECD34-F449-4EE7-B292-FC21845ADFAC}" presName="iconRect" presStyleLbl="node1" presStyleIdx="0" presStyleCnt="2"/>
-      <dgm:spPr>
-        <a:blipFill>
-          <a:blip xmlns:r="http://schemas.openxmlformats.org/officeDocument/2006/relationships" r:embed="rId1">
-            <a:extLst>
-              <a:ext uri="{28A0092B-C50C-407E-A947-70E740481C1C}">
-                <a14:useLocalDpi xmlns:a14="http://schemas.microsoft.com/office/drawing/2010/main" val="0"/>
-              </a:ext>
-              <a:ext uri="{96DAC541-7B7A-43D3-8B79-37D633B846F1}">
-                <asvg:svgBlip xmlns:asvg="http://schemas.microsoft.com/office/drawing/2016/SVG/main" r:embed="rId2"/>
-              </a:ext>
-            </a:extLst>
-          </a:blip>
-          <a:stretch>
-            <a:fillRect/>
-          </a:stretch>
-        </a:blipFill>
-      </dgm:spPr>
-      <dgm:extLst>
-        <a:ext uri="{E40237B7-FDA0-4F09-8148-C483321AD2D9}">
-          <dgm14:cNvPr xmlns:dgm14="http://schemas.microsoft.com/office/drawing/2010/diagram" id="0" name="" descr="Database"/>
-        </a:ext>
-      </dgm:extLst>
-    </dgm:pt>
-    <dgm:pt modelId="{C000EC26-B3EA-48C9-A856-40D679F66201}" type="pres">
-      <dgm:prSet presAssocID="{54AECD34-F449-4EE7-B292-FC21845ADFAC}" presName="spaceRect" presStyleCnt="0"/>
-      <dgm:spPr/>
-    </dgm:pt>
-    <dgm:pt modelId="{735DF7F7-60B8-4A2E-B825-5F9F8B71BE61}" type="pres">
-      <dgm:prSet presAssocID="{54AECD34-F449-4EE7-B292-FC21845ADFAC}" presName="parTx" presStyleLbl="revTx" presStyleIdx="0" presStyleCnt="2">
-        <dgm:presLayoutVars>
-          <dgm:chMax val="0"/>
-          <dgm:chPref val="0"/>
-        </dgm:presLayoutVars>
-      </dgm:prSet>
-      <dgm:spPr/>
-    </dgm:pt>
-    <dgm:pt modelId="{409C884F-65E4-43FD-8E03-98735292F52E}" type="pres">
-      <dgm:prSet presAssocID="{2561BF74-A918-40F5-B265-A6DF98BEE8E9}" presName="sibTrans" presStyleCnt="0"/>
-      <dgm:spPr/>
-    </dgm:pt>
-    <dgm:pt modelId="{7E2CD66E-6D7D-4857-B768-027BE3E53690}" type="pres">
-      <dgm:prSet presAssocID="{E443871A-FFAB-469E-A837-B1FDC1F72A00}" presName="compNode" presStyleCnt="0"/>
-      <dgm:spPr/>
-    </dgm:pt>
-    <dgm:pt modelId="{80B8101D-79F6-464C-A06F-8A8A5CCF7112}" type="pres">
-      <dgm:prSet presAssocID="{E443871A-FFAB-469E-A837-B1FDC1F72A00}" presName="bgRect" presStyleLbl="bgShp" presStyleIdx="1" presStyleCnt="2"/>
-      <dgm:spPr/>
-    </dgm:pt>
-    <dgm:pt modelId="{A40E6939-0F16-477C-BA81-CAF31CCC6385}" type="pres">
-      <dgm:prSet presAssocID="{E443871A-FFAB-469E-A837-B1FDC1F72A00}" presName="iconRect" presStyleLbl="node1" presStyleIdx="1" presStyleCnt="2"/>
-      <dgm:spPr>
-        <a:blipFill>
-          <a:blip xmlns:r="http://schemas.openxmlformats.org/officeDocument/2006/relationships" r:embed="rId3">
-            <a:extLst>
-              <a:ext uri="{28A0092B-C50C-407E-A947-70E740481C1C}">
-                <a14:useLocalDpi xmlns:a14="http://schemas.microsoft.com/office/drawing/2010/main" val="0"/>
-              </a:ext>
-              <a:ext uri="{96DAC541-7B7A-43D3-8B79-37D633B846F1}">
-                <asvg:svgBlip xmlns:asvg="http://schemas.microsoft.com/office/drawing/2016/SVG/main" r:embed="rId4"/>
-              </a:ext>
-            </a:extLst>
-          </a:blip>
-          <a:stretch>
-            <a:fillRect/>
-          </a:stretch>
-        </a:blipFill>
-      </dgm:spPr>
-      <dgm:extLst>
-        <a:ext uri="{E40237B7-FDA0-4F09-8148-C483321AD2D9}">
-          <dgm14:cNvPr xmlns:dgm14="http://schemas.microsoft.com/office/drawing/2010/diagram" id="0" name="" descr="Shredder"/>
-        </a:ext>
-      </dgm:extLst>
-    </dgm:pt>
-    <dgm:pt modelId="{342B73BD-6175-427B-9696-B8FBD6D6DC42}" type="pres">
-      <dgm:prSet presAssocID="{E443871A-FFAB-469E-A837-B1FDC1F72A00}" presName="spaceRect" presStyleCnt="0"/>
-      <dgm:spPr/>
-    </dgm:pt>
-    <dgm:pt modelId="{988EAD12-0F95-4379-943D-FF6F51E1BF4D}" type="pres">
-      <dgm:prSet presAssocID="{E443871A-FFAB-469E-A837-B1FDC1F72A00}" presName="parTx" presStyleLbl="revTx" presStyleIdx="1" presStyleCnt="2">
-        <dgm:presLayoutVars>
-          <dgm:chMax val="0"/>
-          <dgm:chPref val="0"/>
-        </dgm:presLayoutVars>
-      </dgm:prSet>
-      <dgm:spPr/>
-    </dgm:pt>
-  </dgm:ptLst>
-  <dgm:cxnLst>
-    <dgm:cxn modelId="{FB1B5588-EBCB-4E82-8FFB-1CBD1BB140B9}" type="presOf" srcId="{61B675C4-C6A9-481A-BDE8-41CF89BD06AF}" destId="{CE248839-1607-46BC-869D-70DDD2EB2DAB}" srcOrd="0" destOrd="0" presId="urn:microsoft.com/office/officeart/2018/2/layout/IconVerticalSolidList"/>
-    <dgm:cxn modelId="{BF8E618A-2D67-4E8E-93A0-E47AEC6B662B}" type="presOf" srcId="{54AECD34-F449-4EE7-B292-FC21845ADFAC}" destId="{735DF7F7-60B8-4A2E-B825-5F9F8B71BE61}" srcOrd="0" destOrd="0" presId="urn:microsoft.com/office/officeart/2018/2/layout/IconVerticalSolidList"/>
-    <dgm:cxn modelId="{3BA2BAD4-DA71-4734-AAC7-1F96F644D21E}" type="presOf" srcId="{E443871A-FFAB-469E-A837-B1FDC1F72A00}" destId="{988EAD12-0F95-4379-943D-FF6F51E1BF4D}" srcOrd="0" destOrd="0" presId="urn:microsoft.com/office/officeart/2018/2/layout/IconVerticalSolidList"/>
-    <dgm:cxn modelId="{E015BDE1-FD38-421E-AFEC-82EEAD0C5634}" srcId="{61B675C4-C6A9-481A-BDE8-41CF89BD06AF}" destId="{54AECD34-F449-4EE7-B292-FC21845ADFAC}" srcOrd="0" destOrd="0" parTransId="{81FF5D5A-93B1-422A-9981-2F8A866C549D}" sibTransId="{2561BF74-A918-40F5-B265-A6DF98BEE8E9}"/>
-    <dgm:cxn modelId="{08ED95E9-2964-45DF-9A4E-7D48DBA600E0}" srcId="{61B675C4-C6A9-481A-BDE8-41CF89BD06AF}" destId="{E443871A-FFAB-469E-A837-B1FDC1F72A00}" srcOrd="1" destOrd="0" parTransId="{7B3E0232-33C9-4724-BA1D-35F5069BF0DD}" sibTransId="{906F57E5-BCAD-4840-9DFF-08822130D4E6}"/>
-    <dgm:cxn modelId="{7A24E00C-D157-45FF-8E4A-D7263B772B45}" type="presParOf" srcId="{CE248839-1607-46BC-869D-70DDD2EB2DAB}" destId="{A01E63CD-3F7F-4E70-BE94-F603D12DF0E3}" srcOrd="0" destOrd="0" presId="urn:microsoft.com/office/officeart/2018/2/layout/IconVerticalSolidList"/>
-    <dgm:cxn modelId="{EC6284ED-A7FF-40AA-A922-693F41743C64}" type="presParOf" srcId="{A01E63CD-3F7F-4E70-BE94-F603D12DF0E3}" destId="{D9ED42DA-BDF2-4861-B77A-BA8B85873F7D}" srcOrd="0" destOrd="0" presId="urn:microsoft.com/office/officeart/2018/2/layout/IconVerticalSolidList"/>
-    <dgm:cxn modelId="{3D7BC4A0-66B5-4697-AFA0-D04939D54225}" type="presParOf" srcId="{A01E63CD-3F7F-4E70-BE94-F603D12DF0E3}" destId="{71C9712E-E4DC-4571-9B75-C8381231B216}" srcOrd="1" destOrd="0" presId="urn:microsoft.com/office/officeart/2018/2/layout/IconVerticalSolidList"/>
-    <dgm:cxn modelId="{D1F2AC3C-85D0-4273-8993-51C5838C89B0}" type="presParOf" srcId="{A01E63CD-3F7F-4E70-BE94-F603D12DF0E3}" destId="{C000EC26-B3EA-48C9-A856-40D679F66201}" srcOrd="2" destOrd="0" presId="urn:microsoft.com/office/officeart/2018/2/layout/IconVerticalSolidList"/>
-    <dgm:cxn modelId="{5D79E757-4E1F-4188-AC86-8653A36321F0}" type="presParOf" srcId="{A01E63CD-3F7F-4E70-BE94-F603D12DF0E3}" destId="{735DF7F7-60B8-4A2E-B825-5F9F8B71BE61}" srcOrd="3" destOrd="0" presId="urn:microsoft.com/office/officeart/2018/2/layout/IconVerticalSolidList"/>
-    <dgm:cxn modelId="{32263FB8-BAFB-4045-90AF-AF5389E00382}" type="presParOf" srcId="{CE248839-1607-46BC-869D-70DDD2EB2DAB}" destId="{409C884F-65E4-43FD-8E03-98735292F52E}" srcOrd="1" destOrd="0" presId="urn:microsoft.com/office/officeart/2018/2/layout/IconVerticalSolidList"/>
-    <dgm:cxn modelId="{8765147F-DFB4-4593-BF9B-E831F7FC08BF}" type="presParOf" srcId="{CE248839-1607-46BC-869D-70DDD2EB2DAB}" destId="{7E2CD66E-6D7D-4857-B768-027BE3E53690}" srcOrd="2" destOrd="0" presId="urn:microsoft.com/office/officeart/2018/2/layout/IconVerticalSolidList"/>
-    <dgm:cxn modelId="{556AB0F3-2902-4526-96C4-14746AB76249}" type="presParOf" srcId="{7E2CD66E-6D7D-4857-B768-027BE3E53690}" destId="{80B8101D-79F6-464C-A06F-8A8A5CCF7112}" srcOrd="0" destOrd="0" presId="urn:microsoft.com/office/officeart/2018/2/layout/IconVerticalSolidList"/>
-    <dgm:cxn modelId="{140B424A-248A-4E91-9701-F12203C30071}" type="presParOf" srcId="{7E2CD66E-6D7D-4857-B768-027BE3E53690}" destId="{A40E6939-0F16-477C-BA81-CAF31CCC6385}" srcOrd="1" destOrd="0" presId="urn:microsoft.com/office/officeart/2018/2/layout/IconVerticalSolidList"/>
-    <dgm:cxn modelId="{1A73D60B-3A2F-48D9-A4D0-A36D7E8918D7}" type="presParOf" srcId="{7E2CD66E-6D7D-4857-B768-027BE3E53690}" destId="{342B73BD-6175-427B-9696-B8FBD6D6DC42}" srcOrd="2" destOrd="0" presId="urn:microsoft.com/office/officeart/2018/2/layout/IconVerticalSolidList"/>
-    <dgm:cxn modelId="{BF349CEE-0DB6-4AE3-8F7B-5BEF754FB1D1}" type="presParOf" srcId="{7E2CD66E-6D7D-4857-B768-027BE3E53690}" destId="{988EAD12-0F95-4379-943D-FF6F51E1BF4D}" srcOrd="3" destOrd="0" presId="urn:microsoft.com/office/officeart/2018/2/layout/IconVerticalSolidList"/>
-  </dgm:cxnLst>
-  <dgm:bg/>
-  <dgm:whole/>
-  <dgm:extLst>
-    <a:ext uri="http://schemas.microsoft.com/office/drawing/2008/diagram">
-      <dsp:dataModelExt xmlns:dsp="http://schemas.microsoft.com/office/drawing/2008/diagram" relId="rId6" minVer="http://schemas.openxmlformats.org/drawingml/2006/diagram"/>
-    </a:ext>
-  </dgm:extLst>
-</dgm:dataModel>
-</file>
-
-<file path=ppt/diagrams/drawing1.xml><?xml version="1.0" encoding="utf-8"?>
-<dsp:drawing xmlns:dgm="http://schemas.openxmlformats.org/drawingml/2006/diagram" xmlns:dsp="http://schemas.microsoft.com/office/drawing/2008/diagram" xmlns:a="http://schemas.openxmlformats.org/drawingml/2006/main">
-  <dsp:spTree>
-    <dsp:nvGrpSpPr>
-      <dsp:cNvPr id="0" name=""/>
-      <dsp:cNvGrpSpPr/>
-    </dsp:nvGrpSpPr>
-    <dsp:grpSpPr/>
-    <dsp:sp modelId="{D9ED42DA-BDF2-4861-B77A-BA8B85873F7D}">
-      <dsp:nvSpPr>
-        <dsp:cNvPr id="0" name=""/>
-        <dsp:cNvSpPr/>
-      </dsp:nvSpPr>
-      <dsp:spPr>
-        <a:xfrm>
-          <a:off x="0" y="707092"/>
-          <a:ext cx="5181600" cy="1305401"/>
-        </a:xfrm>
-        <a:prstGeom prst="roundRect">
-          <a:avLst>
-            <a:gd name="adj" fmla="val 10000"/>
-          </a:avLst>
-        </a:prstGeom>
-        <a:solidFill>
-          <a:schemeClr val="accent1">
-            <a:tint val="40000"/>
-            <a:hueOff val="0"/>
-            <a:satOff val="0"/>
-            <a:lumOff val="0"/>
-            <a:alphaOff val="0"/>
-          </a:schemeClr>
-        </a:solidFill>
-        <a:ln>
-          <a:noFill/>
-        </a:ln>
-        <a:effectLst/>
-      </dsp:spPr>
-      <dsp:style>
-        <a:lnRef idx="0">
-          <a:scrgbClr r="0" g="0" b="0"/>
-        </a:lnRef>
-        <a:fillRef idx="1">
-          <a:scrgbClr r="0" g="0" b="0"/>
-        </a:fillRef>
-        <a:effectRef idx="0">
-          <a:scrgbClr r="0" g="0" b="0"/>
-        </a:effectRef>
-        <a:fontRef idx="minor"/>
-      </dsp:style>
-    </dsp:sp>
-    <dsp:sp modelId="{71C9712E-E4DC-4571-9B75-C8381231B216}">
-      <dsp:nvSpPr>
-        <dsp:cNvPr id="0" name=""/>
-        <dsp:cNvSpPr/>
-      </dsp:nvSpPr>
-      <dsp:spPr>
-        <a:xfrm>
-          <a:off x="394883" y="1000807"/>
-          <a:ext cx="717970" cy="717970"/>
-        </a:xfrm>
-        <a:prstGeom prst="rect">
-          <a:avLst/>
-        </a:prstGeom>
-        <a:blipFill>
-          <a:blip xmlns:r="http://schemas.openxmlformats.org/officeDocument/2006/relationships" r:embed="rId1">
-            <a:extLst>
-              <a:ext uri="{28A0092B-C50C-407E-A947-70E740481C1C}">
-                <a14:useLocalDpi xmlns:a14="http://schemas.microsoft.com/office/drawing/2010/main" val="0"/>
-              </a:ext>
-              <a:ext uri="{96DAC541-7B7A-43D3-8B79-37D633B846F1}">
-                <asvg:svgBlip xmlns:asvg="http://schemas.microsoft.com/office/drawing/2016/SVG/main" r:embed="rId2"/>
-              </a:ext>
-            </a:extLst>
-          </a:blip>
-          <a:stretch>
-            <a:fillRect/>
-          </a:stretch>
-        </a:blipFill>
-        <a:ln w="12700" cap="flat" cmpd="sng" algn="ctr">
-          <a:solidFill>
-            <a:schemeClr val="lt1">
-              <a:hueOff val="0"/>
-              <a:satOff val="0"/>
-              <a:lumOff val="0"/>
-              <a:alphaOff val="0"/>
-            </a:schemeClr>
-          </a:solidFill>
-          <a:prstDash val="solid"/>
-          <a:miter lim="800000"/>
-        </a:ln>
-        <a:effectLst/>
-      </dsp:spPr>
-      <dsp:style>
-        <a:lnRef idx="2">
-          <a:scrgbClr r="0" g="0" b="0"/>
-        </a:lnRef>
-        <a:fillRef idx="1">
-          <a:scrgbClr r="0" g="0" b="0"/>
-        </a:fillRef>
-        <a:effectRef idx="0">
-          <a:scrgbClr r="0" g="0" b="0"/>
-        </a:effectRef>
-        <a:fontRef idx="minor">
-          <a:schemeClr val="lt1"/>
-        </a:fontRef>
-      </dsp:style>
-    </dsp:sp>
-    <dsp:sp modelId="{735DF7F7-60B8-4A2E-B825-5F9F8B71BE61}">
-      <dsp:nvSpPr>
-        <dsp:cNvPr id="0" name=""/>
-        <dsp:cNvSpPr/>
-      </dsp:nvSpPr>
-      <dsp:spPr>
-        <a:xfrm>
-          <a:off x="1507738" y="707092"/>
-          <a:ext cx="3673861" cy="1305401"/>
-        </a:xfrm>
-        <a:prstGeom prst="rect">
-          <a:avLst/>
-        </a:prstGeom>
-        <a:noFill/>
-        <a:ln>
-          <a:noFill/>
-        </a:ln>
-        <a:effectLst/>
-      </dsp:spPr>
-      <dsp:style>
-        <a:lnRef idx="0">
-          <a:scrgbClr r="0" g="0" b="0"/>
-        </a:lnRef>
-        <a:fillRef idx="0">
-          <a:scrgbClr r="0" g="0" b="0"/>
-        </a:fillRef>
-        <a:effectRef idx="0">
-          <a:scrgbClr r="0" g="0" b="0"/>
-        </a:effectRef>
-        <a:fontRef idx="minor"/>
-      </dsp:style>
-      <dsp:txBody>
-        <a:bodyPr spcFirstLastPara="0" vert="horz" wrap="square" lIns="138155" tIns="138155" rIns="138155" bIns="138155" numCol="1" spcCol="1270" anchor="ctr" anchorCtr="0">
-          <a:noAutofit/>
-        </a:bodyPr>
-        <a:lstStyle/>
-        <a:p>
-          <a:pPr marL="0" lvl="0" indent="0" algn="l" defTabSz="933450">
-            <a:lnSpc>
-              <a:spcPct val="100000"/>
-            </a:lnSpc>
-            <a:spcBef>
-              <a:spcPct val="0"/>
-            </a:spcBef>
-            <a:spcAft>
-              <a:spcPct val="35000"/>
-            </a:spcAft>
-            <a:buNone/>
-          </a:pPr>
-          <a:r>
-            <a:rPr lang="de-DE" sz="2100" b="0" i="0" kern="1200" baseline="0"/>
-            <a:t>Private method </a:t>
-          </a:r>
-          <a:r>
-            <a:rPr lang="de-DE" sz="2100" b="1" i="0" kern="1200" baseline="0"/>
-            <a:t>loadTimeSeries Data</a:t>
-          </a:r>
-          <a:r>
-            <a:rPr lang="de-DE" sz="2100" b="0" i="0" kern="1200" baseline="0"/>
-            <a:t> loads CSV files into Spark DataFrames.</a:t>
-          </a:r>
-          <a:endParaRPr lang="en-US" sz="2100" kern="1200"/>
-        </a:p>
-      </dsp:txBody>
-      <dsp:txXfrm>
-        <a:off x="1507738" y="707092"/>
-        <a:ext cx="3673861" cy="1305401"/>
-      </dsp:txXfrm>
-    </dsp:sp>
-    <dsp:sp modelId="{80B8101D-79F6-464C-A06F-8A8A5CCF7112}">
-      <dsp:nvSpPr>
-        <dsp:cNvPr id="0" name=""/>
-        <dsp:cNvSpPr/>
-      </dsp:nvSpPr>
-      <dsp:spPr>
-        <a:xfrm>
-          <a:off x="0" y="2338844"/>
-          <a:ext cx="5181600" cy="1305401"/>
-        </a:xfrm>
-        <a:prstGeom prst="roundRect">
-          <a:avLst>
-            <a:gd name="adj" fmla="val 10000"/>
-          </a:avLst>
-        </a:prstGeom>
-        <a:solidFill>
-          <a:schemeClr val="accent1">
-            <a:tint val="40000"/>
-            <a:hueOff val="0"/>
-            <a:satOff val="0"/>
-            <a:lumOff val="0"/>
-            <a:alphaOff val="0"/>
-          </a:schemeClr>
-        </a:solidFill>
-        <a:ln>
-          <a:noFill/>
-        </a:ln>
-        <a:effectLst/>
-      </dsp:spPr>
-      <dsp:style>
-        <a:lnRef idx="0">
-          <a:scrgbClr r="0" g="0" b="0"/>
-        </a:lnRef>
-        <a:fillRef idx="1">
-          <a:scrgbClr r="0" g="0" b="0"/>
-        </a:fillRef>
-        <a:effectRef idx="0">
-          <a:scrgbClr r="0" g="0" b="0"/>
-        </a:effectRef>
-        <a:fontRef idx="minor"/>
-      </dsp:style>
-    </dsp:sp>
-    <dsp:sp modelId="{A40E6939-0F16-477C-BA81-CAF31CCC6385}">
-      <dsp:nvSpPr>
-        <dsp:cNvPr id="0" name=""/>
-        <dsp:cNvSpPr/>
-      </dsp:nvSpPr>
-      <dsp:spPr>
-        <a:xfrm>
-          <a:off x="394883" y="2632559"/>
-          <a:ext cx="717970" cy="717970"/>
-        </a:xfrm>
-        <a:prstGeom prst="rect">
-          <a:avLst/>
-        </a:prstGeom>
-        <a:blipFill>
-          <a:blip xmlns:r="http://schemas.openxmlformats.org/officeDocument/2006/relationships" r:embed="rId3">
-            <a:extLst>
-              <a:ext uri="{28A0092B-C50C-407E-A947-70E740481C1C}">
-                <a14:useLocalDpi xmlns:a14="http://schemas.microsoft.com/office/drawing/2010/main" val="0"/>
-              </a:ext>
-              <a:ext uri="{96DAC541-7B7A-43D3-8B79-37D633B846F1}">
-                <asvg:svgBlip xmlns:asvg="http://schemas.microsoft.com/office/drawing/2016/SVG/main" r:embed="rId4"/>
-              </a:ext>
-            </a:extLst>
-          </a:blip>
-          <a:stretch>
-            <a:fillRect/>
-          </a:stretch>
-        </a:blipFill>
-        <a:ln w="12700" cap="flat" cmpd="sng" algn="ctr">
-          <a:solidFill>
-            <a:schemeClr val="lt1">
-              <a:hueOff val="0"/>
-              <a:satOff val="0"/>
-              <a:lumOff val="0"/>
-              <a:alphaOff val="0"/>
-            </a:schemeClr>
-          </a:solidFill>
-          <a:prstDash val="solid"/>
-          <a:miter lim="800000"/>
-        </a:ln>
-        <a:effectLst/>
-      </dsp:spPr>
-      <dsp:style>
-        <a:lnRef idx="2">
-          <a:scrgbClr r="0" g="0" b="0"/>
-        </a:lnRef>
-        <a:fillRef idx="1">
-          <a:scrgbClr r="0" g="0" b="0"/>
-        </a:fillRef>
-        <a:effectRef idx="0">
-          <a:scrgbClr r="0" g="0" b="0"/>
-        </a:effectRef>
-        <a:fontRef idx="minor">
-          <a:schemeClr val="lt1"/>
-        </a:fontRef>
-      </dsp:style>
-    </dsp:sp>
-    <dsp:sp modelId="{988EAD12-0F95-4379-943D-FF6F51E1BF4D}">
-      <dsp:nvSpPr>
-        <dsp:cNvPr id="0" name=""/>
-        <dsp:cNvSpPr/>
-      </dsp:nvSpPr>
-      <dsp:spPr>
-        <a:xfrm>
-          <a:off x="1507738" y="2338844"/>
-          <a:ext cx="3673861" cy="1305401"/>
-        </a:xfrm>
-        <a:prstGeom prst="rect">
-          <a:avLst/>
-        </a:prstGeom>
-        <a:noFill/>
-        <a:ln>
-          <a:noFill/>
-        </a:ln>
-        <a:effectLst/>
-      </dsp:spPr>
-      <dsp:style>
-        <a:lnRef idx="0">
-          <a:scrgbClr r="0" g="0" b="0"/>
-        </a:lnRef>
-        <a:fillRef idx="0">
-          <a:scrgbClr r="0" g="0" b="0"/>
-        </a:fillRef>
-        <a:effectRef idx="0">
-          <a:scrgbClr r="0" g="0" b="0"/>
-        </a:effectRef>
-        <a:fontRef idx="minor"/>
-      </dsp:style>
-      <dsp:txBody>
-        <a:bodyPr spcFirstLastPara="0" vert="horz" wrap="square" lIns="138155" tIns="138155" rIns="138155" bIns="138155" numCol="1" spcCol="1270" anchor="ctr" anchorCtr="0">
-          <a:noAutofit/>
-        </a:bodyPr>
-        <a:lstStyle/>
-        <a:p>
-          <a:pPr marL="0" lvl="0" indent="0" algn="l" defTabSz="933450">
-            <a:lnSpc>
-              <a:spcPct val="100000"/>
-            </a:lnSpc>
-            <a:spcBef>
-              <a:spcPct val="0"/>
-            </a:spcBef>
-            <a:spcAft>
-              <a:spcPct val="35000"/>
-            </a:spcAft>
-            <a:buNone/>
-          </a:pPr>
-          <a:r>
-            <a:rPr lang="de-DE" sz="2100" b="0" i="0" kern="1200" baseline="0" dirty="0"/>
-            <a:t>Schema is inferred during loading.</a:t>
-          </a:r>
-          <a:endParaRPr lang="en-US" sz="2100" kern="1200" dirty="0"/>
-        </a:p>
-      </dsp:txBody>
-      <dsp:txXfrm>
-        <a:off x="1507738" y="2338844"/>
-        <a:ext cx="3673861" cy="1305401"/>
-      </dsp:txXfrm>
-    </dsp:sp>
-  </dsp:spTree>
-</dsp:drawing>
-</file>
-
-<file path=ppt/diagrams/layout1.xml><?xml version="1.0" encoding="utf-8"?>
-<dgm:layoutDef xmlns:dgm="http://schemas.openxmlformats.org/drawingml/2006/diagram" xmlns:a="http://schemas.openxmlformats.org/drawingml/2006/main" uniqueId="urn:microsoft.com/office/officeart/2018/2/layout/IconVerticalSolidList">
-  <dgm:title val="Icon Vertical Solid List"/>
-  <dgm:desc val="Use to show a series of visuals from top to bottom with Level 1 or Level 1 and Level 2 text grouped in a shape. Works best with icons or small pictures with lengthier descriptions."/>
-  <dgm:catLst>
-    <dgm:cat type="icon" pri="500"/>
-  </dgm:catLst>
-  <dgm:sampData useDef="1">
-    <dgm:dataModel>
-      <dgm:ptLst/>
-      <dgm:bg/>
-      <dgm:whole/>
-    </dgm:dataModel>
-  </dgm:sampData>
-  <dgm:styleData useDef="1">
-    <dgm:dataModel>
-      <dgm:ptLst/>
-      <dgm:bg/>
-      <dgm:whole/>
-    </dgm:dataModel>
-  </dgm:styleData>
-  <dgm:clrData useDef="1">
-    <dgm:dataModel>
-      <dgm:ptLst/>
-      <dgm:bg/>
-      <dgm:whole/>
-    </dgm:dataModel>
-  </dgm:clrData>
-  <dgm:layoutNode name="root">
-    <dgm:varLst>
-      <dgm:dir/>
-      <dgm:resizeHandles val="exact"/>
-    </dgm:varLst>
-    <dgm:choose name="Name0">
-      <dgm:if name="Name1" axis="self" func="var" arg="dir" op="equ" val="norm">
-        <dgm:alg type="lin">
-          <dgm:param type="linDir" val="fromT"/>
-          <dgm:param type="nodeHorzAlign" val="l"/>
-        </dgm:alg>
-      </dgm:if>
-      <dgm:else name="Name2">
-        <dgm:alg type="lin">
-          <dgm:param type="linDir" val="fromT"/>
-          <dgm:param type="nodeHorzAlign" val="r"/>
-        </dgm:alg>
-      </dgm:else>
-    </dgm:choose>
-    <dgm:shape xmlns:r="http://schemas.openxmlformats.org/officeDocument/2006/relationships" r:blip="">
-      <dgm:adjLst/>
-    </dgm:shape>
-    <dgm:presOf/>
-    <dgm:choose name="Name3">
-      <dgm:if name="Name4" axis="ch" ptType="node" func="cnt" op="lte" val="3">
-        <dgm:constrLst>
-          <dgm:constr type="h" for="ch" forName="compNode" refType="h" fact="0.3"/>
-          <dgm:constr type="w" for="ch" forName="compNode" refType="w"/>
-          <dgm:constr type="h" for="ch" forName="sibTrans" refType="h" refFor="ch" refForName="compNode" fact="0.25"/>
-          <dgm:constr type="primFontSz" for="des" forName="parTx" val="25"/>
-          <dgm:constr type="primFontSz" for="des" forName="desTx" refType="primFontSz" refFor="des" refForName="parTx" op="lte" fact="0.75"/>
-          <dgm:constr type="h" for="des" forName="compNode" op="equ"/>
-          <dgm:constr type="h" for="des" forName="bgRect" op="equ"/>
-          <dgm:constr type="h" for="des" forName="iconRect" op="equ"/>
-          <dgm:constr type="w" for="des" forName="iconRect" op="equ"/>
-          <dgm:constr type="h" for="des" forName="spaceRect" op="equ"/>
-          <dgm:constr type="h" for="des" forName="parTx" op="equ"/>
-          <dgm:constr type="h" for="des" forName="desTx" op="equ"/>
-        </dgm:constrLst>
-      </dgm:if>
-      <dgm:if name="Name5" axis="ch" ptType="node" func="cnt" op="lte" val="4">
-        <dgm:constrLst>
-          <dgm:constr type="h" for="ch" forName="compNode" refType="h" fact="0.3"/>
-          <dgm:constr type="w" for="ch" forName="compNode" refType="w"/>
-          <dgm:constr type="h" for="ch" forName="sibTrans" refType="h" refFor="ch" refForName="compNode" fact="0.25"/>
-          <dgm:constr type="primFontSz" for="des" forName="parTx" val="22"/>
-          <dgm:constr type="primFontSz" for="des" forName="desTx" refType="primFontSz" refFor="des" refForName="parTx" op="lte" fact="0.75"/>
-          <dgm:constr type="h" for="des" forName="compNode" op="equ"/>
-          <dgm:constr type="h" for="des" forName="bgRect" op="equ"/>
-          <dgm:constr type="h" for="des" forName="iconRect" op="equ"/>
-          <dgm:constr type="w" for="des" forName="iconRect" op="equ"/>
-          <dgm:constr type="h" for="des" forName="spaceRect" op="equ"/>
-          <dgm:constr type="h" for="des" forName="parTx" op="equ"/>
-          <dgm:constr type="h" for="des" forName="desTx" op="equ"/>
-        </dgm:constrLst>
-      </dgm:if>
-      <dgm:if name="Name6" axis="ch" ptType="node" func="cnt" op="lte" val="6">
-        <dgm:constrLst>
-          <dgm:constr type="h" for="ch" forName="compNode" refType="h" fact="0.3"/>
-          <dgm:constr type="w" for="ch" forName="compNode" refType="w"/>
-          <dgm:constr type="h" for="ch" forName="sibTrans" refType="h" refFor="ch" refForName="compNode" fact="0.25"/>
-          <dgm:constr type="primFontSz" for="des" forName="parTx" val="19"/>
-          <dgm:constr type="primFontSz" for="des" forName="desTx" refType="primFontSz" refFor="des" refForName="parTx" op="lte" fact="0.75"/>
-          <dgm:constr type="h" for="des" forName="compNode" op="equ"/>
-          <dgm:constr type="h" for="des" forName="bgRect" op="equ"/>
-          <dgm:constr type="h" for="des" forName="iconRect" op="equ"/>
-          <dgm:constr type="w" for="des" forName="iconRect" op="equ"/>
-          <dgm:constr type="h" for="des" forName="spaceRect" op="equ"/>
-          <dgm:constr type="h" for="des" forName="parTx" op="equ"/>
-          <dgm:constr type="h" for="des" forName="desTx" op="equ"/>
-        </dgm:constrLst>
-      </dgm:if>
-      <dgm:else name="Name7">
-        <dgm:constrLst>
-          <dgm:constr type="h" for="ch" forName="compNode" refType="h" fact="0.3"/>
-          <dgm:constr type="w" for="ch" forName="compNode" refType="w"/>
-          <dgm:constr type="h" for="ch" forName="sibTrans" refType="h" refFor="ch" refForName="compNode" fact="0.25"/>
-          <dgm:constr type="primFontSz" for="des" forName="parTx" val="16"/>
-          <dgm:constr type="primFontSz" for="des" forName="desTx" refType="primFontSz" refFor="des" refForName="parTx" op="lte" fact="0.75"/>
-          <dgm:constr type="h" for="des" forName="compNode" op="equ"/>
-          <dgm:constr type="h" for="des" forName="bgRect" op="equ"/>
-          <dgm:constr type="h" for="des" forName="iconRect" op="equ"/>
-          <dgm:constr type="w" for="des" forName="iconRect" op="equ"/>
-          <dgm:constr type="h" for="des" forName="spaceRect" op="equ"/>
-          <dgm:constr type="h" for="des" forName="parTx" op="equ"/>
-          <dgm:constr type="h" for="des" forName="desTx" op="equ"/>
-        </dgm:constrLst>
-      </dgm:else>
-    </dgm:choose>
-    <dgm:ruleLst>
-      <dgm:rule type="h" for="ch" forName="compNode" val="0" fact="NaN" max="NaN"/>
-    </dgm:ruleLst>
-    <dgm:forEach name="Name8" axis="ch" ptType="node">
-      <dgm:layoutNode name="compNode">
-        <dgm:alg type="composite"/>
-        <dgm:shape xmlns:r="http://schemas.openxmlformats.org/officeDocument/2006/relationships" r:blip="">
-          <dgm:adjLst/>
-        </dgm:shape>
-        <dgm:presOf axis="self"/>
-        <dgm:choose name="Name9">
-          <dgm:if name="Name10" axis="ch" ptType="node" func="cnt" op="gte" val="1">
-            <dgm:constrLst>
-              <dgm:constr type="w" for="ch" forName="bgRect" refType="w"/>
-              <dgm:constr type="h" for="ch" forName="bgRect" refType="h"/>
-              <dgm:constr type="l" for="ch" forName="bgRect"/>
-              <dgm:constr type="t" for="ch" forName="bgRect"/>
-              <dgm:constr type="h" for="ch" forName="iconRect" refType="h" fact="0.55"/>
-              <dgm:constr type="w" for="ch" forName="iconRect" refType="h" refFor="ch" refForName="iconRect"/>
-              <dgm:constr type="l" for="ch" forName="iconRect" refType="h" refFor="ch" refForName="iconRect" fact="0.55"/>
-              <dgm:constr type="ctrY" for="ch" forName="iconRect" refType="ctrY" refFor="ch" refForName="bgRect"/>
-              <dgm:constr type="w" for="ch" forName="spaceRect" refType="l" refFor="ch" refForName="iconRect"/>
-              <dgm:constr type="h" for="ch" forName="spaceRect" refType="h"/>
-              <dgm:constr type="l" for="ch" forName="spaceRect" refType="r" refFor="ch" refForName="iconRect"/>
-              <dgm:constr type="t" for="ch" forName="spaceRect"/>
-              <dgm:constr type="w" for="ch" forName="parTx" refType="w" fact="0.45"/>
-              <dgm:constr type="h" for="ch" forName="parTx" refType="h"/>
-              <dgm:constr type="l" for="ch" forName="parTx" refType="r" refFor="ch" refForName="spaceRect"/>
-              <dgm:constr type="t" for="ch" forName="parTx"/>
-              <dgm:constr type="h" for="ch" forName="desTx" refType="h"/>
-              <dgm:constr type="l" for="ch" forName="desTx" refType="r" refFor="ch" refForName="parTx"/>
-              <dgm:constr type="t" for="ch" forName="desTx"/>
-            </dgm:constrLst>
-          </dgm:if>
-          <dgm:else name="Name11">
-            <dgm:constrLst>
-              <dgm:constr type="w" for="ch" forName="bgRect" refType="w"/>
-              <dgm:constr type="h" for="ch" forName="bgRect" refType="h"/>
-              <dgm:constr type="l" for="ch" forName="bgRect"/>
-              <dgm:constr type="t" for="ch" forName="bgRect"/>
-              <dgm:constr type="h" for="ch" forName="iconRect" refType="h" fact="0.55"/>
-              <dgm:constr type="w" for="ch" forName="iconRect" refType="h" refFor="ch" refForName="iconRect"/>
-              <dgm:constr type="l" for="ch" forName="iconRect" refType="h" refFor="ch" refForName="iconRect" fact="0.55"/>
-              <dgm:constr type="ctrY" for="ch" forName="iconRect" refType="ctrY" refFor="ch" refForName="bgRect"/>
-              <dgm:constr type="w" for="ch" forName="spaceRect" refType="l" refFor="ch" refForName="iconRect"/>
-              <dgm:constr type="h" for="ch" forName="spaceRect" refType="h"/>
-              <dgm:constr type="l" for="ch" forName="spaceRect" refType="r" refFor="ch" refForName="iconRect"/>
-              <dgm:constr type="t" for="ch" forName="spaceRect"/>
-              <dgm:constr type="h" for="ch" forName="parTx" refType="h"/>
-              <dgm:constr type="l" for="ch" forName="parTx" refType="r" refFor="ch" refForName="spaceRect"/>
-              <dgm:constr type="t" for="ch" forName="parTx"/>
-            </dgm:constrLst>
-          </dgm:else>
-        </dgm:choose>
-        <dgm:ruleLst>
-          <dgm:rule type="h" val="INF" fact="NaN" max="NaN"/>
-        </dgm:ruleLst>
-        <dgm:layoutNode name="bgRect" styleLbl="bgShp">
-          <dgm:alg type="sp"/>
-          <dgm:shape xmlns:r="http://schemas.openxmlformats.org/officeDocument/2006/relationships" type="roundRect" r:blip="">
-            <dgm:adjLst>
-              <dgm:adj idx="1" val="0.1"/>
-            </dgm:adjLst>
-          </dgm:shape>
-          <dgm:presOf/>
-          <dgm:constrLst/>
-          <dgm:ruleLst/>
-        </dgm:layoutNode>
-        <dgm:layoutNode name="iconRect" styleLbl="node1">
-          <dgm:alg type="sp"/>
-          <dgm:shape xmlns:r="http://schemas.openxmlformats.org/officeDocument/2006/relationships" type="rect" r:blip="" blipPhldr="1">
-            <dgm:adjLst/>
-          </dgm:shape>
-          <dgm:presOf/>
-          <dgm:constrLst/>
-          <dgm:ruleLst/>
-        </dgm:layoutNode>
-        <dgm:layoutNode name="spaceRect">
-          <dgm:alg type="sp"/>
-          <dgm:shape xmlns:r="http://schemas.openxmlformats.org/officeDocument/2006/relationships" r:blip="">
-            <dgm:adjLst/>
-          </dgm:shape>
-          <dgm:presOf/>
-          <dgm:constrLst/>
-          <dgm:ruleLst/>
-        </dgm:layoutNode>
-        <dgm:layoutNode name="parTx" styleLbl="revTx">
-          <dgm:varLst>
-            <dgm:chMax val="0"/>
-            <dgm:chPref val="0"/>
-          </dgm:varLst>
-          <dgm:alg type="tx">
-            <dgm:param type="txAnchorVert" val="mid"/>
-            <dgm:param type="parTxLTRAlign" val="l"/>
-            <dgm:param type="shpTxLTRAlignCh" val="l"/>
-            <dgm:param type="parTxRTLAlign" val="r"/>
-            <dgm:param type="shpTxRTLAlignCh" val="r"/>
-          </dgm:alg>
-          <dgm:shape xmlns:r="http://schemas.openxmlformats.org/officeDocument/2006/relationships" type="rect" r:blip="">
-            <dgm:adjLst/>
-          </dgm:shape>
-          <dgm:presOf axis="self" ptType="node"/>
-          <dgm:constrLst>
-            <dgm:constr type="lMarg" refType="h" fact="0.3"/>
-            <dgm:constr type="rMarg" refType="h" fact="0.3"/>
-            <dgm:constr type="tMarg" refType="h" fact="0.3"/>
-            <dgm:constr type="bMarg" refType="h" fact="0.3"/>
-          </dgm:constrLst>
-          <dgm:ruleLst>
-            <dgm:rule type="primFontSz" val="14" fact="NaN" max="NaN"/>
-            <dgm:rule type="h" val="INF" fact="NaN" max="NaN"/>
-          </dgm:ruleLst>
-        </dgm:layoutNode>
-        <dgm:choose name="Name12">
-          <dgm:if name="Name13" axis="ch" ptType="node" func="cnt" op="gte" val="1">
-            <dgm:layoutNode name="desTx" styleLbl="revTx">
-              <dgm:varLst/>
-              <dgm:alg type="tx">
-                <dgm:param type="txAnchorVertCh" val="mid"/>
-                <dgm:param type="parTxLTRAlign" val="l"/>
-                <dgm:param type="shpTxLTRAlignCh" val="l"/>
-                <dgm:param type="parTxRTLAlign" val="r"/>
-                <dgm:param type="shpTxRTLAlignCh" val="r"/>
-                <dgm:param type="stBulletLvl" val="0"/>
-              </dgm:alg>
-              <dgm:shape xmlns:r="http://schemas.openxmlformats.org/officeDocument/2006/relationships" type="rect" r:blip="">
-                <dgm:adjLst/>
-              </dgm:shape>
-              <dgm:presOf axis="des" ptType="node"/>
-              <dgm:constrLst>
-                <dgm:constr type="primFontSz" val="18"/>
-                <dgm:constr type="secFontSz" refType="primFontSz"/>
-                <dgm:constr type="lMarg" refType="h" fact="0.3"/>
-                <dgm:constr type="rMarg" refType="h" fact="0.3"/>
-                <dgm:constr type="tMarg" refType="h" fact="0.3"/>
-                <dgm:constr type="bMarg" refType="h" fact="0.3"/>
-              </dgm:constrLst>
-              <dgm:ruleLst>
-                <dgm:rule type="primFontSz" val="11" fact="NaN" max="NaN"/>
-              </dgm:ruleLst>
-            </dgm:layoutNode>
-          </dgm:if>
-          <dgm:else name="Name14"/>
-        </dgm:choose>
-      </dgm:layoutNode>
-      <dgm:forEach name="Name15" axis="followSib" ptType="sibTrans" cnt="1">
-        <dgm:layoutNode name="sibTrans">
-          <dgm:alg type="sp"/>
-          <dgm:shape xmlns:r="http://schemas.openxmlformats.org/officeDocument/2006/relationships" r:blip="">
-            <dgm:adjLst/>
-          </dgm:shape>
-          <dgm:presOf axis="self"/>
-          <dgm:constrLst/>
-          <dgm:ruleLst/>
-        </dgm:layoutNode>
-      </dgm:forEach>
-    </dgm:forEach>
-  </dgm:layoutNode>
-  <dgm:extLst>
-    <a:ext uri="{68A01E43-0DF5-4B5B-8FA6-DAF915123BFB}">
-      <dgm1612:lstStyle xmlns:dgm1612="http://schemas.microsoft.com/office/drawing/2016/12/diagram">
-        <a:lvl1pPr>
-          <a:lnSpc>
-            <a:spcPct val="100000"/>
-          </a:lnSpc>
-        </a:lvl1pPr>
-        <a:lvl2pPr>
-          <a:lnSpc>
-            <a:spcPct val="100000"/>
-          </a:lnSpc>
-        </a:lvl2pPr>
-      </dgm1612:lstStyle>
-    </a:ext>
-  </dgm:extLst>
-</dgm:layoutDef>
-</file>
-
-<file path=ppt/diagrams/quickStyle1.xml><?xml version="1.0" encoding="utf-8"?>
-<dgm:styleDef xmlns:dgm="http://schemas.openxmlformats.org/drawingml/2006/diagram" xmlns:a="http://schemas.openxmlformats.org/drawingml/2006/main" uniqueId="urn:microsoft.com/office/officeart/2005/8/quickstyle/simple1">
-  <dgm:title val=""/>
-  <dgm:desc val=""/>
-  <dgm:catLst>
-    <dgm:cat type="simple" pri="10100"/>
-  </dgm:catLst>
-  <dgm:scene3d>
-    <a:camera prst="orthographicFront"/>
-    <a:lightRig rig="threePt" dir="t"/>
-  </dgm:scene3d>
-  <dgm:styleLbl name="node0">
-    <dgm:scene3d>
-      <a:camera prst="orthographicFront"/>
-      <a:lightRig rig="threePt" dir="t"/>
-    </dgm:scene3d>
-    <dgm:sp3d/>
-    <dgm:txPr/>
-    <dgm:style>
-      <a:lnRef idx="2">
-        <a:scrgbClr r="0" g="0" b="0"/>
-      </a:lnRef>
-      <a:fillRef idx="1">
-        <a:scrgbClr r="0" g="0" b="0"/>
-      </a:fillRef>
-      <a:effectRef idx="0">
-        <a:scrgbClr r="0" g="0" b="0"/>
-      </a:effectRef>
-      <a:fontRef idx="minor">
-        <a:schemeClr val="lt1"/>
-      </a:fontRef>
-    </dgm:style>
-  </dgm:styleLbl>
-  <dgm:styleLbl name="lnNode1">
-    <dgm:scene3d>
-      <a:camera prst="orthographicFront"/>
-      <a:lightRig rig="threePt" dir="t"/>
-    </dgm:scene3d>
-    <dgm:sp3d/>
-    <dgm:txPr/>
-    <dgm:style>
-      <a:lnRef idx="2">
-        <a:scrgbClr r="0" g="0" b="0"/>
-      </a:lnRef>
-      <a:fillRef idx="1">
-        <a:scrgbClr r="0" g="0" b="0"/>
-      </a:fillRef>
-      <a:effectRef idx="0">
-        <a:scrgbClr r="0" g="0" b="0"/>
-      </a:effectRef>
-      <a:fontRef idx="minor">
-        <a:schemeClr val="lt1"/>
-      </a:fontRef>
-    </dgm:style>
-  </dgm:styleLbl>
-  <dgm:styleLbl name="vennNode1">
-    <dgm:scene3d>
-      <a:camera prst="orthographicFront"/>
-      <a:lightRig rig="threePt" dir="t"/>
-    </dgm:scene3d>
-    <dgm:sp3d/>
-    <dgm:txPr/>
-    <dgm:style>
-      <a:lnRef idx="2">
-        <a:scrgbClr r="0" g="0" b="0"/>
-      </a:lnRef>
-      <a:fillRef idx="1">
-        <a:scrgbClr r="0" g="0" b="0"/>
-      </a:fillRef>
-      <a:effectRef idx="0">
-        <a:scrgbClr r="0" g="0" b="0"/>
-      </a:effectRef>
-      <a:fontRef idx="minor">
-        <a:schemeClr val="tx1"/>
-      </a:fontRef>
-    </dgm:style>
-  </dgm:styleLbl>
-  <dgm:styleLbl name="alignNode1">
-    <dgm:scene3d>
-      <a:camera prst="orthographicFront"/>
-      <a:lightRig rig="threePt" dir="t"/>
-    </dgm:scene3d>
-    <dgm:sp3d/>
-    <dgm:txPr/>
-    <dgm:style>
-      <a:lnRef idx="2">
-        <a:scrgbClr r="0" g="0" b="0"/>
-      </a:lnRef>
-      <a:fillRef idx="1">
-        <a:scrgbClr r="0" g="0" b="0"/>
-      </a:fillRef>
-      <a:effectRef idx="0">
-        <a:scrgbClr r="0" g="0" b="0"/>
-      </a:effectRef>
-      <a:fontRef idx="minor">
-        <a:schemeClr val="lt1"/>
-      </a:fontRef>
-    </dgm:style>
-  </dgm:styleLbl>
-  <dgm:styleLbl name="node1">
-    <dgm:scene3d>
-      <a:camera prst="orthographicFront"/>
-      <a:lightRig rig="threePt" dir="t"/>
-    </dgm:scene3d>
-    <dgm:sp3d/>
-    <dgm:txPr/>
-    <dgm:style>
-      <a:lnRef idx="2">
-        <a:scrgbClr r="0" g="0" b="0"/>
-      </a:lnRef>
-      <a:fillRef idx="1">
-        <a:scrgbClr r="0" g="0" b="0"/>
-      </a:fillRef>
-      <a:effectRef idx="0">
-        <a:scrgbClr r="0" g="0" b="0"/>
-      </a:effectRef>
-      <a:fontRef idx="minor">
-        <a:schemeClr val="lt1"/>
-      </a:fontRef>
-    </dgm:style>
-  </dgm:styleLbl>
-  <dgm:styleLbl name="node2">
-    <dgm:scene3d>
-      <a:camera prst="orthographicFront"/>
-      <a:lightRig rig="threePt" dir="t"/>
-    </dgm:scene3d>
-    <dgm:sp3d/>
-    <dgm:txPr/>
-    <dgm:style>
-      <a:lnRef idx="2">
-        <a:scrgbClr r="0" g="0" b="0"/>
-      </a:lnRef>
-      <a:fillRef idx="1">
-        <a:scrgbClr r="0" g="0" b="0"/>
-      </a:fillRef>
-      <a:effectRef idx="0">
-        <a:scrgbClr r="0" g="0" b="0"/>
-      </a:effectRef>
-      <a:fontRef idx="minor">
-        <a:schemeClr val="lt1"/>
-      </a:fontRef>
-    </dgm:style>
-  </dgm:styleLbl>
-  <dgm:styleLbl name="node3">
-    <dgm:scene3d>
-      <a:camera prst="orthographicFront"/>
-      <a:lightRig rig="threePt" dir="t"/>
-    </dgm:scene3d>
-    <dgm:sp3d/>
-    <dgm:txPr/>
-    <dgm:style>
-      <a:lnRef idx="2">
-        <a:scrgbClr r="0" g="0" b="0"/>
-      </a:lnRef>
-      <a:fillRef idx="1">
-        <a:scrgbClr r="0" g="0" b="0"/>
-      </a:fillRef>
-      <a:effectRef idx="0">
-        <a:scrgbClr r="0" g="0" b="0"/>
-      </a:effectRef>
-      <a:fontRef idx="minor">
-        <a:schemeClr val="lt1"/>
-      </a:fontRef>
-    </dgm:style>
-  </dgm:styleLbl>
-  <dgm:styleLbl name="node4">
-    <dgm:scene3d>
-      <a:camera prst="orthographicFront"/>
-      <a:lightRig rig="threePt" dir="t"/>
-    </dgm:scene3d>
-    <dgm:sp3d/>
-    <dgm:txPr/>
-    <dgm:style>
-      <a:lnRef idx="2">
-        <a:scrgbClr r="0" g="0" b="0"/>
-      </a:lnRef>
-      <a:fillRef idx="1">
-        <a:scrgbClr r="0" g="0" b="0"/>
-      </a:fillRef>
-      <a:effectRef idx="0">
-        <a:scrgbClr r="0" g="0" b="0"/>
-      </a:effectRef>
-      <a:fontRef idx="minor">
-        <a:schemeClr val="lt1"/>
-      </a:fontRef>
-    </dgm:style>
-  </dgm:styleLbl>
-  <dgm:styleLbl name="fgImgPlace1">
-    <dgm:scene3d>
-      <a:camera prst="orthographicFront"/>
-      <a:lightRig rig="threePt" dir="t"/>
-    </dgm:scene3d>
-    <dgm:sp3d/>
-    <dgm:txPr/>
-    <dgm:style>
-      <a:lnRef idx="2">
-        <a:scrgbClr r="0" g="0" b="0"/>
-      </a:lnRef>
-      <a:fillRef idx="1">
-        <a:scrgbClr r="0" g="0" b="0"/>
-      </a:fillRef>
-      <a:effectRef idx="0">
-        <a:scrgbClr r="0" g="0" b="0"/>
-      </a:effectRef>
-      <a:fontRef idx="minor"/>
-    </dgm:style>
-  </dgm:styleLbl>
-  <dgm:styleLbl name="alignImgPlace1">
-    <dgm:scene3d>
-      <a:camera prst="orthographicFront"/>
-      <a:lightRig rig="threePt" dir="t"/>
-    </dgm:scene3d>
-    <dgm:sp3d/>
-    <dgm:txPr/>
-    <dgm:style>
-      <a:lnRef idx="2">
-        <a:scrgbClr r="0" g="0" b="0"/>
-      </a:lnRef>
-      <a:fillRef idx="1">
-        <a:scrgbClr r="0" g="0" b="0"/>
-      </a:fillRef>
-      <a:effectRef idx="0">
-        <a:scrgbClr r="0" g="0" b="0"/>
-      </a:effectRef>
-      <a:fontRef idx="minor"/>
-    </dgm:style>
-  </dgm:styleLbl>
-  <dgm:styleLbl name="bgImgPlace1">
-    <dgm:scene3d>
-      <a:camera prst="orthographicFront"/>
-      <a:lightRig rig="threePt" dir="t"/>
-    </dgm:scene3d>
-    <dgm:sp3d/>
-    <dgm:txPr/>
-    <dgm:style>
-      <a:lnRef idx="2">
-        <a:scrgbClr r="0" g="0" b="0"/>
-      </a:lnRef>
-      <a:fillRef idx="1">
-        <a:scrgbClr r="0" g="0" b="0"/>
-      </a:fillRef>
-      <a:effectRef idx="0">
-        <a:scrgbClr r="0" g="0" b="0"/>
-      </a:effectRef>
-      <a:fontRef idx="minor"/>
-    </dgm:style>
-  </dgm:styleLbl>
-  <dgm:styleLbl name="sibTrans2D1">
-    <dgm:scene3d>
-      <a:camera prst="orthographicFront"/>
-      <a:lightRig rig="threePt" dir="t"/>
-    </dgm:scene3d>
-    <dgm:sp3d/>
-    <dgm:txPr/>
-    <dgm:style>
-      <a:lnRef idx="0">
-        <a:scrgbClr r="0" g="0" b="0"/>
-      </a:lnRef>
-      <a:fillRef idx="1">
-        <a:scrgbClr r="0" g="0" b="0"/>
-      </a:fillRef>
-      <a:effectRef idx="0">
-        <a:scrgbClr r="0" g="0" b="0"/>
-      </a:effectRef>
-      <a:fontRef idx="minor">
-        <a:schemeClr val="lt1"/>
-      </a:fontRef>
-    </dgm:style>
-  </dgm:styleLbl>
-  <dgm:styleLbl name="fgSibTrans2D1">
-    <dgm:scene3d>
-      <a:camera prst="orthographicFront"/>
-      <a:lightRig rig="threePt" dir="t"/>
-    </dgm:scene3d>
-    <dgm:sp3d/>
-    <dgm:txPr/>
-    <dgm:style>
-      <a:lnRef idx="0">
-        <a:scrgbClr r="0" g="0" b="0"/>
-      </a:lnRef>
-      <a:fillRef idx="1">
-        <a:scrgbClr r="0" g="0" b="0"/>
-      </a:fillRef>
-      <a:effectRef idx="0">
-        <a:scrgbClr r="0" g="0" b="0"/>
-      </a:effectRef>
-      <a:fontRef idx="minor">
-        <a:schemeClr val="lt1"/>
-      </a:fontRef>
-    </dgm:style>
-  </dgm:styleLbl>
-  <dgm:styleLbl name="bgSibTrans2D1">
-    <dgm:scene3d>
-      <a:camera prst="orthographicFront"/>
-      <a:lightRig rig="threePt" dir="t"/>
-    </dgm:scene3d>
-    <dgm:sp3d/>
-    <dgm:txPr/>
-    <dgm:style>
-      <a:lnRef idx="0">
-        <a:scrgbClr r="0" g="0" b="0"/>
-      </a:lnRef>
-      <a:fillRef idx="1">
-        <a:scrgbClr r="0" g="0" b="0"/>
-      </a:fillRef>
-      <a:effectRef idx="0">
-        <a:scrgbClr r="0" g="0" b="0"/>
-      </a:effectRef>
-      <a:fontRef idx="minor">
-        <a:schemeClr val="lt1"/>
-      </a:fontRef>
-    </dgm:style>
-  </dgm:styleLbl>
-  <dgm:styleLbl name="sibTrans1D1">
-    <dgm:scene3d>
-      <a:camera prst="orthographicFront"/>
-      <a:lightRig rig="threePt" dir="t"/>
-    </dgm:scene3d>
-    <dgm:sp3d/>
-    <dgm:txPr/>
-    <dgm:style>
-      <a:lnRef idx="1">
-        <a:scrgbClr r="0" g="0" b="0"/>
-      </a:lnRef>
-      <a:fillRef idx="0">
-        <a:scrgbClr r="0" g="0" b="0"/>
-      </a:fillRef>
-      <a:effectRef idx="0">
-        <a:scrgbClr r="0" g="0" b="0"/>
-      </a:effectRef>
-      <a:fontRef idx="minor"/>
-    </dgm:style>
-  </dgm:styleLbl>
-  <dgm:styleLbl name="callout">
-    <dgm:scene3d>
-      <a:camera prst="orthographicFront"/>
-      <a:lightRig rig="threePt" dir="t"/>
-    </dgm:scene3d>
-    <dgm:sp3d/>
-    <dgm:txPr/>
-    <dgm:style>
-      <a:lnRef idx="2">
-        <a:scrgbClr r="0" g="0" b="0"/>
-      </a:lnRef>
-      <a:fillRef idx="1">
-        <a:scrgbClr r="0" g="0" b="0"/>
-      </a:fillRef>
-      <a:effectRef idx="0">
-        <a:scrgbClr r="0" g="0" b="0"/>
-      </a:effectRef>
-      <a:fontRef idx="minor"/>
-    </dgm:style>
-  </dgm:styleLbl>
-  <dgm:styleLbl name="asst0">
-    <dgm:scene3d>
-      <a:camera prst="orthographicFront"/>
-      <a:lightRig rig="threePt" dir="t"/>
-    </dgm:scene3d>
-    <dgm:sp3d/>
-    <dgm:txPr/>
-    <dgm:style>
-      <a:lnRef idx="2">
-        <a:scrgbClr r="0" g="0" b="0"/>
-      </a:lnRef>
-      <a:fillRef idx="1">
-        <a:scrgbClr r="0" g="0" b="0"/>
-      </a:fillRef>
-      <a:effectRef idx="0">
-        <a:scrgbClr r="0" g="0" b="0"/>
-      </a:effectRef>
-      <a:fontRef idx="minor">
-        <a:schemeClr val="lt1"/>
-      </a:fontRef>
-    </dgm:style>
-  </dgm:styleLbl>
-  <dgm:styleLbl name="asst1">
-    <dgm:scene3d>
-      <a:camera prst="orthographicFront"/>
-      <a:lightRig rig="threePt" dir="t"/>
-    </dgm:scene3d>
-    <dgm:sp3d/>
-    <dgm:txPr/>
-    <dgm:style>
-      <a:lnRef idx="2">
-        <a:scrgbClr r="0" g="0" b="0"/>
-      </a:lnRef>
-      <a:fillRef idx="1">
-        <a:scrgbClr r="0" g="0" b="0"/>
-      </a:fillRef>
-      <a:effectRef idx="0">
-        <a:scrgbClr r="0" g="0" b="0"/>
-      </a:effectRef>
-      <a:fontRef idx="minor">
-        <a:schemeClr val="lt1"/>
-      </a:fontRef>
-    </dgm:style>
-  </dgm:styleLbl>
-  <dgm:styleLbl name="asst2">
-    <dgm:scene3d>
-      <a:camera prst="orthographicFront"/>
-      <a:lightRig rig="threePt" dir="t"/>
-    </dgm:scene3d>
-    <dgm:sp3d/>
-    <dgm:txPr/>
-    <dgm:style>
-      <a:lnRef idx="2">
-        <a:scrgbClr r="0" g="0" b="0"/>
-      </a:lnRef>
-      <a:fillRef idx="1">
-        <a:scrgbClr r="0" g="0" b="0"/>
-      </a:fillRef>
-      <a:effectRef idx="0">
-        <a:scrgbClr r="0" g="0" b="0"/>
-      </a:effectRef>
-      <a:fontRef idx="minor">
-        <a:schemeClr val="lt1"/>
-      </a:fontRef>
-    </dgm:style>
-  </dgm:styleLbl>
-  <dgm:styleLbl name="asst3">
-    <dgm:scene3d>
-      <a:camera prst="orthographicFront"/>
-      <a:lightRig rig="threePt" dir="t"/>
-    </dgm:scene3d>
-    <dgm:sp3d/>
-    <dgm:txPr/>
-    <dgm:style>
-      <a:lnRef idx="2">
-        <a:scrgbClr r="0" g="0" b="0"/>
-      </a:lnRef>
-      <a:fillRef idx="1">
-        <a:scrgbClr r="0" g="0" b="0"/>
-      </a:fillRef>
-      <a:effectRef idx="0">
-        <a:scrgbClr r="0" g="0" b="0"/>
-      </a:effectRef>
-      <a:fontRef idx="minor">
-        <a:schemeClr val="lt1"/>
-      </a:fontRef>
-    </dgm:style>
-  </dgm:styleLbl>
-  <dgm:styleLbl name="asst4">
-    <dgm:scene3d>
-      <a:camera prst="orthographicFront"/>
-      <a:lightRig rig="threePt" dir="t"/>
-    </dgm:scene3d>
-    <dgm:sp3d/>
-    <dgm:txPr/>
-    <dgm:style>
-      <a:lnRef idx="2">
-        <a:scrgbClr r="0" g="0" b="0"/>
-      </a:lnRef>
-      <a:fillRef idx="1">
-        <a:scrgbClr r="0" g="0" b="0"/>
-      </a:fillRef>
-      <a:effectRef idx="0">
-        <a:scrgbClr r="0" g="0" b="0"/>
-      </a:effectRef>
-      <a:fontRef idx="minor">
-        <a:schemeClr val="lt1"/>
-      </a:fontRef>
-    </dgm:style>
-  </dgm:styleLbl>
-  <dgm:styleLbl name="parChTrans2D1">
-    <dgm:scene3d>
-      <a:camera prst="orthographicFront"/>
-      <a:lightRig rig="threePt" dir="t"/>
-    </dgm:scene3d>
-    <dgm:sp3d/>
-    <dgm:txPr/>
-    <dgm:style>
-      <a:lnRef idx="2">
-        <a:scrgbClr r="0" g="0" b="0"/>
-      </a:lnRef>
-      <a:fillRef idx="1">
-        <a:scrgbClr r="0" g="0" b="0"/>
-      </a:fillRef>
-      <a:effectRef idx="0">
-        <a:scrgbClr r="0" g="0" b="0"/>
-      </a:effectRef>
-      <a:fontRef idx="minor">
-        <a:schemeClr val="lt1"/>
-      </a:fontRef>
-    </dgm:style>
-  </dgm:styleLbl>
-  <dgm:styleLbl name="parChTrans2D2">
-    <dgm:scene3d>
-      <a:camera prst="orthographicFront"/>
-      <a:lightRig rig="threePt" dir="t"/>
-    </dgm:scene3d>
-    <dgm:sp3d/>
-    <dgm:txPr/>
-    <dgm:style>
-      <a:lnRef idx="2">
-        <a:scrgbClr r="0" g="0" b="0"/>
-      </a:lnRef>
-      <a:fillRef idx="1">
-        <a:scrgbClr r="0" g="0" b="0"/>
-      </a:fillRef>
-      <a:effectRef idx="0">
-        <a:scrgbClr r="0" g="0" b="0"/>
-      </a:effectRef>
-      <a:fontRef idx="minor">
-        <a:schemeClr val="lt1"/>
-      </a:fontRef>
-    </dgm:style>
-  </dgm:styleLbl>
-  <dgm:styleLbl name="parChTrans2D3">
-    <dgm:scene3d>
-      <a:camera prst="orthographicFront"/>
-      <a:lightRig rig="threePt" dir="t"/>
-    </dgm:scene3d>
-    <dgm:sp3d/>
-    <dgm:txPr/>
-    <dgm:style>
-      <a:lnRef idx="2">
-        <a:scrgbClr r="0" g="0" b="0"/>
-      </a:lnRef>
-      <a:fillRef idx="1">
-        <a:scrgbClr r="0" g="0" b="0"/>
-      </a:fillRef>
-      <a:effectRef idx="0">
-        <a:scrgbClr r="0" g="0" b="0"/>
-      </a:effectRef>
-      <a:fontRef idx="minor">
-        <a:schemeClr val="lt1"/>
-      </a:fontRef>
-    </dgm:style>
-  </dgm:styleLbl>
-  <dgm:styleLbl name="parChTrans2D4">
-    <dgm:scene3d>
-      <a:camera prst="orthographicFront"/>
-      <a:lightRig rig="threePt" dir="t"/>
-    </dgm:scene3d>
-    <dgm:sp3d/>
-    <dgm:txPr/>
-    <dgm:style>
-      <a:lnRef idx="2">
-        <a:scrgbClr r="0" g="0" b="0"/>
-      </a:lnRef>
-      <a:fillRef idx="1">
-        <a:scrgbClr r="0" g="0" b="0"/>
-      </a:fillRef>
-      <a:effectRef idx="0">
-        <a:scrgbClr r="0" g="0" b="0"/>
-      </a:effectRef>
-      <a:fontRef idx="minor">
-        <a:schemeClr val="lt1"/>
-      </a:fontRef>
-    </dgm:style>
-  </dgm:styleLbl>
-  <dgm:styleLbl name="parChTrans1D1">
-    <dgm:scene3d>
-      <a:camera prst="orthographicFront"/>
-      <a:lightRig rig="threePt" dir="t"/>
-    </dgm:scene3d>
-    <dgm:sp3d/>
-    <dgm:txPr/>
-    <dgm:style>
-      <a:lnRef idx="2">
-        <a:scrgbClr r="0" g="0" b="0"/>
-      </a:lnRef>
-      <a:fillRef idx="0">
-        <a:scrgbClr r="0" g="0" b="0"/>
-      </a:fillRef>
-      <a:effectRef idx="0">
-        <a:scrgbClr r="0" g="0" b="0"/>
-      </a:effectRef>
-      <a:fontRef idx="minor"/>
-    </dgm:style>
-  </dgm:styleLbl>
-  <dgm:styleLbl name="parChTrans1D2">
-    <dgm:scene3d>
-      <a:camera prst="orthographicFront"/>
-      <a:lightRig rig="threePt" dir="t"/>
-    </dgm:scene3d>
-    <dgm:sp3d/>
-    <dgm:txPr/>
-    <dgm:style>
-      <a:lnRef idx="2">
-        <a:scrgbClr r="0" g="0" b="0"/>
-      </a:lnRef>
-      <a:fillRef idx="0">
-        <a:scrgbClr r="0" g="0" b="0"/>
-      </a:fillRef>
-      <a:effectRef idx="0">
-        <a:scrgbClr r="0" g="0" b="0"/>
-      </a:effectRef>
-      <a:fontRef idx="minor"/>
-    </dgm:style>
-  </dgm:styleLbl>
-  <dgm:styleLbl name="parChTrans1D3">
-    <dgm:scene3d>
-      <a:camera prst="orthographicFront"/>
-      <a:lightRig rig="threePt" dir="t"/>
-    </dgm:scene3d>
-    <dgm:sp3d/>
-    <dgm:txPr/>
-    <dgm:style>
-      <a:lnRef idx="2">
-        <a:scrgbClr r="0" g="0" b="0"/>
-      </a:lnRef>
-      <a:fillRef idx="0">
-        <a:scrgbClr r="0" g="0" b="0"/>
-      </a:fillRef>
-      <a:effectRef idx="0">
-        <a:scrgbClr r="0" g="0" b="0"/>
-      </a:effectRef>
-      <a:fontRef idx="minor"/>
-    </dgm:style>
-  </dgm:styleLbl>
-  <dgm:styleLbl name="parChTrans1D4">
-    <dgm:scene3d>
-      <a:camera prst="orthographicFront"/>
-      <a:lightRig rig="threePt" dir="t"/>
-    </dgm:scene3d>
-    <dgm:sp3d/>
-    <dgm:txPr/>
-    <dgm:style>
-      <a:lnRef idx="2">
-        <a:scrgbClr r="0" g="0" b="0"/>
-      </a:lnRef>
-      <a:fillRef idx="0">
-        <a:scrgbClr r="0" g="0" b="0"/>
-      </a:fillRef>
-      <a:effectRef idx="0">
-        <a:scrgbClr r="0" g="0" b="0"/>
-      </a:effectRef>
-      <a:fontRef idx="minor"/>
-    </dgm:style>
-  </dgm:styleLbl>
-  <dgm:styleLbl name="fgAcc1">
-    <dgm:scene3d>
-      <a:camera prst="orthographicFront"/>
-      <a:lightRig rig="threePt" dir="t"/>
-    </dgm:scene3d>
-    <dgm:sp3d/>
-    <dgm:txPr/>
-    <dgm:style>
-      <a:lnRef idx="2">
-        <a:scrgbClr r="0" g="0" b="0"/>
-      </a:lnRef>
-      <a:fillRef idx="1">
-        <a:scrgbClr r="0" g="0" b="0"/>
-      </a:fillRef>
-      <a:effectRef idx="0">
-        <a:scrgbClr r="0" g="0" b="0"/>
-      </a:effectRef>
-      <a:fontRef idx="minor"/>
-    </dgm:style>
-  </dgm:styleLbl>
-  <dgm:styleLbl name="conFgAcc1">
-    <dgm:scene3d>
-      <a:camera prst="orthographicFront"/>
-      <a:lightRig rig="threePt" dir="t"/>
-    </dgm:scene3d>
-    <dgm:sp3d/>
-    <dgm:txPr/>
-    <dgm:style>
-      <a:lnRef idx="2">
-        <a:scrgbClr r="0" g="0" b="0"/>
-      </a:lnRef>
-      <a:fillRef idx="1">
-        <a:scrgbClr r="0" g="0" b="0"/>
-      </a:fillRef>
-      <a:effectRef idx="0">
-        <a:scrgbClr r="0" g="0" b="0"/>
-      </a:effectRef>
-      <a:fontRef idx="minor"/>
-    </dgm:style>
-  </dgm:styleLbl>
-  <dgm:styleLbl name="alignAcc1">
-    <dgm:scene3d>
-      <a:camera prst="orthographicFront"/>
-      <a:lightRig rig="threePt" dir="t"/>
-    </dgm:scene3d>
-    <dgm:sp3d/>
-    <dgm:txPr/>
-    <dgm:style>
-      <a:lnRef idx="2">
-        <a:scrgbClr r="0" g="0" b="0"/>
-      </a:lnRef>
-      <a:fillRef idx="1">
-        <a:scrgbClr r="0" g="0" b="0"/>
-      </a:fillRef>
-      <a:effectRef idx="0">
-        <a:scrgbClr r="0" g="0" b="0"/>
-      </a:effectRef>
-      <a:fontRef idx="minor"/>
-    </dgm:style>
-  </dgm:styleLbl>
-  <dgm:styleLbl name="trAlignAcc1">
-    <dgm:scene3d>
-      <a:camera prst="orthographicFront"/>
-      <a:lightRig rig="threePt" dir="t"/>
-    </dgm:scene3d>
-    <dgm:sp3d/>
-    <dgm:txPr/>
-    <dgm:style>
-      <a:lnRef idx="1">
-        <a:scrgbClr r="0" g="0" b="0"/>
-      </a:lnRef>
-      <a:fillRef idx="1">
-        <a:scrgbClr r="0" g="0" b="0"/>
-      </a:fillRef>
-      <a:effectRef idx="0">
-        <a:scrgbClr r="0" g="0" b="0"/>
-      </a:effectRef>
-      <a:fontRef idx="minor"/>
-    </dgm:style>
-  </dgm:styleLbl>
-  <dgm:styleLbl name="bgAcc1">
-    <dgm:scene3d>
-      <a:camera prst="orthographicFront"/>
-      <a:lightRig rig="threePt" dir="t"/>
-    </dgm:scene3d>
-    <dgm:sp3d/>
-    <dgm:txPr/>
-    <dgm:style>
-      <a:lnRef idx="2">
-        <a:scrgbClr r="0" g="0" b="0"/>
-      </a:lnRef>
-      <a:fillRef idx="1">
-        <a:scrgbClr r="0" g="0" b="0"/>
-      </a:fillRef>
-      <a:effectRef idx="0">
-        <a:scrgbClr r="0" g="0" b="0"/>
-      </a:effectRef>
-      <a:fontRef idx="minor"/>
-    </dgm:style>
-  </dgm:styleLbl>
-  <dgm:styleLbl name="solidFgAcc1">
-    <dgm:scene3d>
-      <a:camera prst="orthographicFront"/>
-      <a:lightRig rig="threePt" dir="t"/>
-    </dgm:scene3d>
-    <dgm:sp3d/>
-    <dgm:txPr/>
-    <dgm:style>
-      <a:lnRef idx="2">
-        <a:scrgbClr r="0" g="0" b="0"/>
-      </a:lnRef>
-      <a:fillRef idx="1">
-        <a:scrgbClr r="0" g="0" b="0"/>
-      </a:fillRef>
-      <a:effectRef idx="0">
-        <a:scrgbClr r="0" g="0" b="0"/>
-      </a:effectRef>
-      <a:fontRef idx="minor"/>
-    </dgm:style>
-  </dgm:styleLbl>
-  <dgm:styleLbl name="solidAlignAcc1">
-    <dgm:scene3d>
-      <a:camera prst="orthographicFront"/>
-      <a:lightRig rig="threePt" dir="t"/>
-    </dgm:scene3d>
-    <dgm:sp3d/>
-    <dgm:txPr/>
-    <dgm:style>
-      <a:lnRef idx="2">
-        <a:scrgbClr r="0" g="0" b="0"/>
-      </a:lnRef>
-      <a:fillRef idx="1">
-        <a:scrgbClr r="0" g="0" b="0"/>
-      </a:fillRef>
-      <a:effectRef idx="0">
-        <a:scrgbClr r="0" g="0" b="0"/>
-      </a:effectRef>
-      <a:fontRef idx="minor"/>
-    </dgm:style>
-  </dgm:styleLbl>
-  <dgm:styleLbl name="solidBgAcc1">
-    <dgm:scene3d>
-      <a:camera prst="orthographicFront"/>
-      <a:lightRig rig="threePt" dir="t"/>
-    </dgm:scene3d>
-    <dgm:sp3d/>
-    <dgm:txPr/>
-    <dgm:style>
-      <a:lnRef idx="2">
-        <a:scrgbClr r="0" g="0" b="0"/>
-      </a:lnRef>
-      <a:fillRef idx="1">
-        <a:scrgbClr r="0" g="0" b="0"/>
-      </a:fillRef>
-      <a:effectRef idx="0">
-        <a:scrgbClr r="0" g="0" b="0"/>
-      </a:effectRef>
-      <a:fontRef idx="minor"/>
-    </dgm:style>
-  </dgm:styleLbl>
-  <dgm:styleLbl name="fgAccFollowNode1">
-    <dgm:scene3d>
-      <a:camera prst="orthographicFront"/>
-      <a:lightRig rig="threePt" dir="t"/>
-    </dgm:scene3d>
-    <dgm:sp3d/>
-    <dgm:txPr/>
-    <dgm:style>
-      <a:lnRef idx="2">
-        <a:scrgbClr r="0" g="0" b="0"/>
-      </a:lnRef>
-      <a:fillRef idx="1">
-        <a:scrgbClr r="0" g="0" b="0"/>
-      </a:fillRef>
-      <a:effectRef idx="0">
-        <a:scrgbClr r="0" g="0" b="0"/>
-      </a:effectRef>
-      <a:fontRef idx="minor"/>
-    </dgm:style>
-  </dgm:styleLbl>
-  <dgm:styleLbl name="alignAccFollowNode1">
-    <dgm:scene3d>
-      <a:camera prst="orthographicFront"/>
-      <a:lightRig rig="threePt" dir="t"/>
-    </dgm:scene3d>
-    <dgm:sp3d/>
-    <dgm:txPr/>
-    <dgm:style>
-      <a:lnRef idx="2">
-        <a:scrgbClr r="0" g="0" b="0"/>
-      </a:lnRef>
-      <a:fillRef idx="1">
-        <a:scrgbClr r="0" g="0" b="0"/>
-      </a:fillRef>
-      <a:effectRef idx="0">
-        <a:scrgbClr r="0" g="0" b="0"/>
-      </a:effectRef>
-      <a:fontRef idx="minor"/>
-    </dgm:style>
-  </dgm:styleLbl>
-  <dgm:styleLbl name="bgAccFollowNode1">
-    <dgm:scene3d>
-      <a:camera prst="orthographicFront"/>
-      <a:lightRig rig="threePt" dir="t"/>
-    </dgm:scene3d>
-    <dgm:sp3d/>
-    <dgm:txPr/>
-    <dgm:style>
-      <a:lnRef idx="2">
-        <a:scrgbClr r="0" g="0" b="0"/>
-      </a:lnRef>
-      <a:fillRef idx="1">
-        <a:scrgbClr r="0" g="0" b="0"/>
-      </a:fillRef>
-      <a:effectRef idx="0">
-        <a:scrgbClr r="0" g="0" b="0"/>
-      </a:effectRef>
-      <a:fontRef idx="minor"/>
-    </dgm:style>
-  </dgm:styleLbl>
-  <dgm:styleLbl name="fgAcc0">
-    <dgm:scene3d>
-      <a:camera prst="orthographicFront"/>
-      <a:lightRig rig="threePt" dir="t"/>
-    </dgm:scene3d>
-    <dgm:sp3d/>
-    <dgm:txPr/>
-    <dgm:style>
-      <a:lnRef idx="2">
-        <a:scrgbClr r="0" g="0" b="0"/>
-      </a:lnRef>
-      <a:fillRef idx="1">
-        <a:scrgbClr r="0" g="0" b="0"/>
-      </a:fillRef>
-      <a:effectRef idx="0">
-        <a:scrgbClr r="0" g="0" b="0"/>
-      </a:effectRef>
-      <a:fontRef idx="minor"/>
-    </dgm:style>
-  </dgm:styleLbl>
-  <dgm:styleLbl name="fgAcc2">
-    <dgm:scene3d>
-      <a:camera prst="orthographicFront"/>
-      <a:lightRig rig="threePt" dir="t"/>
-    </dgm:scene3d>
-    <dgm:sp3d/>
-    <dgm:txPr/>
-    <dgm:style>
-      <a:lnRef idx="2">
-        <a:scrgbClr r="0" g="0" b="0"/>
-      </a:lnRef>
-      <a:fillRef idx="1">
-        <a:scrgbClr r="0" g="0" b="0"/>
-      </a:fillRef>
-      <a:effectRef idx="0">
-        <a:scrgbClr r="0" g="0" b="0"/>
-      </a:effectRef>
-      <a:fontRef idx="minor"/>
-    </dgm:style>
-  </dgm:styleLbl>
-  <dgm:styleLbl name="fgAcc3">
-    <dgm:scene3d>
-      <a:camera prst="orthographicFront"/>
-      <a:lightRig rig="threePt" dir="t"/>
-    </dgm:scene3d>
-    <dgm:sp3d/>
-    <dgm:txPr/>
-    <dgm:style>
-      <a:lnRef idx="2">
-        <a:scrgbClr r="0" g="0" b="0"/>
-      </a:lnRef>
-      <a:fillRef idx="1">
-        <a:scrgbClr r="0" g="0" b="0"/>
-      </a:fillRef>
-      <a:effectRef idx="0">
-        <a:scrgbClr r="0" g="0" b="0"/>
-      </a:effectRef>
-      <a:fontRef idx="minor"/>
-    </dgm:style>
-  </dgm:styleLbl>
-  <dgm:styleLbl name="fgAcc4">
-    <dgm:scene3d>
-      <a:camera prst="orthographicFront"/>
-      <a:lightRig rig="threePt" dir="t"/>
-    </dgm:scene3d>
-    <dgm:sp3d/>
-    <dgm:txPr/>
-    <dgm:style>
-      <a:lnRef idx="2">
-        <a:scrgbClr r="0" g="0" b="0"/>
-      </a:lnRef>
-      <a:fillRef idx="1">
-        <a:scrgbClr r="0" g="0" b="0"/>
-      </a:fillRef>
-      <a:effectRef idx="0">
-        <a:scrgbClr r="0" g="0" b="0"/>
-      </a:effectRef>
-      <a:fontRef idx="minor"/>
-    </dgm:style>
-  </dgm:styleLbl>
-  <dgm:styleLbl name="bgShp">
-    <dgm:scene3d>
-      <a:camera prst="orthographicFront"/>
-      <a:lightRig rig="threePt" dir="t"/>
-    </dgm:scene3d>
-    <dgm:sp3d/>
-    <dgm:txPr/>
-    <dgm:style>
-      <a:lnRef idx="0">
-        <a:scrgbClr r="0" g="0" b="0"/>
-      </a:lnRef>
-      <a:fillRef idx="1">
-        <a:scrgbClr r="0" g="0" b="0"/>
-      </a:fillRef>
-      <a:effectRef idx="0">
-        <a:scrgbClr r="0" g="0" b="0"/>
-      </a:effectRef>
-      <a:fontRef idx="minor"/>
-    </dgm:style>
-  </dgm:styleLbl>
-  <dgm:styleLbl name="dkBgShp">
-    <dgm:scene3d>
-      <a:camera prst="orthographicFront"/>
-      <a:lightRig rig="threePt" dir="t"/>
-    </dgm:scene3d>
-    <dgm:sp3d/>
-    <dgm:txPr/>
-    <dgm:style>
-      <a:lnRef idx="0">
-        <a:scrgbClr r="0" g="0" b="0"/>
-      </a:lnRef>
-      <a:fillRef idx="1">
-        <a:scrgbClr r="0" g="0" b="0"/>
-      </a:fillRef>
-      <a:effectRef idx="0">
-        <a:scrgbClr r="0" g="0" b="0"/>
-      </a:effectRef>
-      <a:fontRef idx="minor"/>
-    </dgm:style>
-  </dgm:styleLbl>
-  <dgm:styleLbl name="trBgShp">
-    <dgm:scene3d>
-      <a:camera prst="orthographicFront"/>
-      <a:lightRig rig="threePt" dir="t"/>
-    </dgm:scene3d>
-    <dgm:sp3d/>
-    <dgm:txPr/>
-    <dgm:style>
-      <a:lnRef idx="0">
-        <a:scrgbClr r="0" g="0" b="0"/>
-      </a:lnRef>
-      <a:fillRef idx="1">
-        <a:scrgbClr r="0" g="0" b="0"/>
-      </a:fillRef>
-      <a:effectRef idx="0">
-        <a:scrgbClr r="0" g="0" b="0"/>
-      </a:effectRef>
-      <a:fontRef idx="minor"/>
-    </dgm:style>
-  </dgm:styleLbl>
-  <dgm:styleLbl name="fgShp">
-    <dgm:scene3d>
-      <a:camera prst="orthographicFront"/>
-      <a:lightRig rig="threePt" dir="t"/>
-    </dgm:scene3d>
-    <dgm:sp3d/>
-    <dgm:txPr/>
-    <dgm:style>
-      <a:lnRef idx="2">
-        <a:scrgbClr r="0" g="0" b="0"/>
-      </a:lnRef>
-      <a:fillRef idx="1">
-        <a:scrgbClr r="0" g="0" b="0"/>
-      </a:fillRef>
-      <a:effectRef idx="0">
-        <a:scrgbClr r="0" g="0" b="0"/>
-      </a:effectRef>
-      <a:fontRef idx="minor"/>
-    </dgm:style>
-  </dgm:styleLbl>
-  <dgm:styleLbl name="revTx">
-    <dgm:scene3d>
-      <a:camera prst="orthographicFront"/>
-      <a:lightRig rig="threePt" dir="t"/>
-    </dgm:scene3d>
-    <dgm:sp3d/>
-    <dgm:txPr/>
-    <dgm:style>
-      <a:lnRef idx="0">
-        <a:scrgbClr r="0" g="0" b="0"/>
-      </a:lnRef>
-      <a:fillRef idx="0">
-        <a:scrgbClr r="0" g="0" b="0"/>
-      </a:fillRef>
-      <a:effectRef idx="0">
-        <a:scrgbClr r="0" g="0" b="0"/>
-      </a:effectRef>
-      <a:fontRef idx="minor"/>
-    </dgm:style>
-  </dgm:styleLbl>
-</dgm:styleDef>
 </file>
 
 <file path=ppt/slideLayouts/slideLayout1.xml><?xml version="1.0" encoding="utf-8"?>
@@ -10337,6 +7687,14 @@
 <file path=ppt/slides/slide3.xml><?xml version="1.0" encoding="utf-8"?>
 <p:sld xmlns:a="http://schemas.openxmlformats.org/drawingml/2006/main" xmlns:r="http://schemas.openxmlformats.org/officeDocument/2006/relationships" xmlns:p="http://schemas.openxmlformats.org/presentationml/2006/main">
   <p:cSld>
+    <p:bg>
+      <p:bgPr>
+        <a:solidFill>
+          <a:schemeClr val="bg1"/>
+        </a:solidFill>
+        <a:effectLst/>
+      </p:bgPr>
+    </p:bg>
     <p:spTree>
       <p:nvGrpSpPr>
         <p:cNvPr id="1" name=""/>
@@ -10351,6 +7709,1800 @@
           <a:chExt cx="0" cy="0"/>
         </a:xfrm>
       </p:grpSpPr>
+      <p:sp useBgFill="1">
+        <p:nvSpPr>
+          <p:cNvPr id="25" name="Rectangle 24">
+            <a:extLst>
+              <a:ext uri="{FF2B5EF4-FFF2-40B4-BE49-F238E27FC236}">
+                <a16:creationId xmlns:a16="http://schemas.microsoft.com/office/drawing/2014/main" id="{DA8886A6-5426-494B-96D8-D962D2BA0818}"/>
+              </a:ext>
+              <a:ext uri="{C183D7F6-B498-43B3-948B-1728B52AA6E4}">
+                <adec:decorative xmlns:adec="http://schemas.microsoft.com/office/drawing/2017/decorative" val="1"/>
+              </a:ext>
+            </a:extLst>
+          </p:cNvPr>
+          <p:cNvSpPr>
+            <a:spLocks noGrp="1" noRot="1" noChangeAspect="1" noMove="1" noResize="1" noEditPoints="1" noAdjustHandles="1" noChangeArrowheads="1" noChangeShapeType="1" noTextEdit="1"/>
+          </p:cNvSpPr>
+          <p:nvPr>
+            <p:extLst>
+              <p:ext uri="{386F3935-93C4-4BCD-93E2-E3B085C9AB24}">
+                <p16:designElem xmlns:p16="http://schemas.microsoft.com/office/powerpoint/2015/main" val="1"/>
+              </p:ext>
+            </p:extLst>
+          </p:nvPr>
+        </p:nvSpPr>
+        <p:spPr>
+          <a:xfrm>
+            <a:off x="0" y="0"/>
+            <a:ext cx="12188952" cy="6858000"/>
+          </a:xfrm>
+          <a:prstGeom prst="rect">
+            <a:avLst/>
+          </a:prstGeom>
+          <a:ln>
+            <a:noFill/>
+          </a:ln>
+        </p:spPr>
+        <p:style>
+          <a:lnRef idx="2">
+            <a:schemeClr val="accent1">
+              <a:shade val="50000"/>
+            </a:schemeClr>
+          </a:lnRef>
+          <a:fillRef idx="1">
+            <a:schemeClr val="accent1"/>
+          </a:fillRef>
+          <a:effectRef idx="0">
+            <a:schemeClr val="accent1"/>
+          </a:effectRef>
+          <a:fontRef idx="minor">
+            <a:schemeClr val="lt1"/>
+          </a:fontRef>
+        </p:style>
+        <p:txBody>
+          <a:bodyPr rtlCol="0" anchor="ctr"/>
+          <a:lstStyle/>
+          <a:p>
+            <a:pPr algn="ctr"/>
+            <a:endParaRPr lang="en-US"/>
+          </a:p>
+        </p:txBody>
+      </p:sp>
+      <p:sp>
+        <p:nvSpPr>
+          <p:cNvPr id="26" name="Freeform: Shape 25">
+            <a:extLst>
+              <a:ext uri="{FF2B5EF4-FFF2-40B4-BE49-F238E27FC236}">
+                <a16:creationId xmlns:a16="http://schemas.microsoft.com/office/drawing/2014/main" id="{AA3ED336-C09E-46E8-9774-B977D15FC5E0}"/>
+              </a:ext>
+              <a:ext uri="{C183D7F6-B498-43B3-948B-1728B52AA6E4}">
+                <adec:decorative xmlns:adec="http://schemas.microsoft.com/office/drawing/2017/decorative" val="1"/>
+              </a:ext>
+            </a:extLst>
+          </p:cNvPr>
+          <p:cNvSpPr>
+            <a:spLocks noGrp="1" noRot="1" noChangeAspect="1" noMove="1" noResize="1" noEditPoints="1" noAdjustHandles="1" noChangeArrowheads="1" noChangeShapeType="1" noTextEdit="1"/>
+          </p:cNvSpPr>
+          <p:nvPr>
+            <p:extLst>
+              <p:ext uri="{386F3935-93C4-4BCD-93E2-E3B085C9AB24}">
+                <p16:designElem xmlns:p16="http://schemas.microsoft.com/office/powerpoint/2015/main" val="1"/>
+              </p:ext>
+            </p:extLst>
+          </p:nvPr>
+        </p:nvSpPr>
+        <p:spPr>
+          <a:xfrm>
+            <a:off x="1" y="752347"/>
+            <a:ext cx="12191999" cy="6105653"/>
+          </a:xfrm>
+          <a:custGeom>
+            <a:avLst/>
+            <a:gdLst>
+              <a:gd name="connsiteX0" fmla="*/ 7538181 w 12191999"/>
+              <a:gd name="connsiteY0" fmla="*/ 484 h 6105653"/>
+              <a:gd name="connsiteX1" fmla="*/ 7569993 w 12191999"/>
+              <a:gd name="connsiteY1" fmla="*/ 5527 h 6105653"/>
+              <a:gd name="connsiteX2" fmla="*/ 7587853 w 12191999"/>
+              <a:gd name="connsiteY2" fmla="*/ 84028 h 6105653"/>
+              <a:gd name="connsiteX3" fmla="*/ 7559278 w 12191999"/>
+              <a:gd name="connsiteY3" fmla="*/ 325347 h 6105653"/>
+              <a:gd name="connsiteX4" fmla="*/ 7795021 w 12191999"/>
+              <a:gd name="connsiteY4" fmla="*/ 25878 h 6105653"/>
+              <a:gd name="connsiteX5" fmla="*/ 7759302 w 12191999"/>
+              <a:gd name="connsiteY5" fmla="*/ 249752 h 6105653"/>
+              <a:gd name="connsiteX6" fmla="*/ 7852171 w 12191999"/>
+              <a:gd name="connsiteY6" fmla="*/ 313717 h 6105653"/>
+              <a:gd name="connsiteX7" fmla="*/ 8002190 w 12191999"/>
+              <a:gd name="connsiteY7" fmla="*/ 418385 h 6105653"/>
+              <a:gd name="connsiteX8" fmla="*/ 8084343 w 12191999"/>
+              <a:gd name="connsiteY8" fmla="*/ 491072 h 6105653"/>
+              <a:gd name="connsiteX9" fmla="*/ 8348662 w 12191999"/>
+              <a:gd name="connsiteY9" fmla="*/ 520146 h 6105653"/>
+              <a:gd name="connsiteX10" fmla="*/ 8637984 w 12191999"/>
+              <a:gd name="connsiteY10" fmla="*/ 459090 h 6105653"/>
+              <a:gd name="connsiteX11" fmla="*/ 8784431 w 12191999"/>
+              <a:gd name="connsiteY11" fmla="*/ 290457 h 6105653"/>
+              <a:gd name="connsiteX12" fmla="*/ 8948737 w 12191999"/>
+              <a:gd name="connsiteY12" fmla="*/ 339884 h 6105653"/>
+              <a:gd name="connsiteX13" fmla="*/ 8848725 w 12191999"/>
+              <a:gd name="connsiteY13" fmla="*/ 697501 h 6105653"/>
+              <a:gd name="connsiteX14" fmla="*/ 9238059 w 12191999"/>
+              <a:gd name="connsiteY14" fmla="*/ 165437 h 6105653"/>
+              <a:gd name="connsiteX15" fmla="*/ 9255919 w 12191999"/>
+              <a:gd name="connsiteY15" fmla="*/ 255567 h 6105653"/>
+              <a:gd name="connsiteX16" fmla="*/ 9477374 w 12191999"/>
+              <a:gd name="connsiteY16" fmla="*/ 578295 h 6105653"/>
+              <a:gd name="connsiteX17" fmla="*/ 9488091 w 12191999"/>
+              <a:gd name="connsiteY17" fmla="*/ 595740 h 6105653"/>
+              <a:gd name="connsiteX18" fmla="*/ 9627393 w 12191999"/>
+              <a:gd name="connsiteY18" fmla="*/ 650981 h 6105653"/>
+              <a:gd name="connsiteX19" fmla="*/ 9648824 w 12191999"/>
+              <a:gd name="connsiteY19" fmla="*/ 825429 h 6105653"/>
+              <a:gd name="connsiteX20" fmla="*/ 9616678 w 12191999"/>
+              <a:gd name="connsiteY20" fmla="*/ 970802 h 6105653"/>
+              <a:gd name="connsiteX21" fmla="*/ 9655968 w 12191999"/>
+              <a:gd name="connsiteY21" fmla="*/ 1127805 h 6105653"/>
+              <a:gd name="connsiteX22" fmla="*/ 9638109 w 12191999"/>
+              <a:gd name="connsiteY22" fmla="*/ 1267362 h 6105653"/>
+              <a:gd name="connsiteX23" fmla="*/ 9663111 w 12191999"/>
+              <a:gd name="connsiteY23" fmla="*/ 1386568 h 6105653"/>
+              <a:gd name="connsiteX24" fmla="*/ 9780984 w 12191999"/>
+              <a:gd name="connsiteY24" fmla="*/ 1270269 h 6105653"/>
+              <a:gd name="connsiteX25" fmla="*/ 9780984 w 12191999"/>
+              <a:gd name="connsiteY25" fmla="*/ 1107452 h 6105653"/>
+              <a:gd name="connsiteX26" fmla="*/ 9855993 w 12191999"/>
+              <a:gd name="connsiteY26" fmla="*/ 991154 h 6105653"/>
+              <a:gd name="connsiteX27" fmla="*/ 9991724 w 12191999"/>
+              <a:gd name="connsiteY27" fmla="*/ 880670 h 6105653"/>
+              <a:gd name="connsiteX28" fmla="*/ 10209609 w 12191999"/>
+              <a:gd name="connsiteY28" fmla="*/ 491071 h 6105653"/>
+              <a:gd name="connsiteX29" fmla="*/ 10291762 w 12191999"/>
+              <a:gd name="connsiteY29" fmla="*/ 421292 h 6105653"/>
+              <a:gd name="connsiteX30" fmla="*/ 9973865 w 12191999"/>
+              <a:gd name="connsiteY30" fmla="*/ 1531941 h 6105653"/>
+              <a:gd name="connsiteX31" fmla="*/ 10106024 w 12191999"/>
+              <a:gd name="connsiteY31" fmla="*/ 1188861 h 6105653"/>
+              <a:gd name="connsiteX32" fmla="*/ 10081022 w 12191999"/>
+              <a:gd name="connsiteY32" fmla="*/ 1421458 h 6105653"/>
+              <a:gd name="connsiteX33" fmla="*/ 10170318 w 12191999"/>
+              <a:gd name="connsiteY33" fmla="*/ 1549385 h 6105653"/>
+              <a:gd name="connsiteX34" fmla="*/ 10198893 w 12191999"/>
+              <a:gd name="connsiteY34" fmla="*/ 1549385 h 6105653"/>
+              <a:gd name="connsiteX35" fmla="*/ 10281046 w 12191999"/>
+              <a:gd name="connsiteY35" fmla="*/ 1453439 h 6105653"/>
+              <a:gd name="connsiteX36" fmla="*/ 10334625 w 12191999"/>
+              <a:gd name="connsiteY36" fmla="*/ 1398198 h 6105653"/>
+              <a:gd name="connsiteX37" fmla="*/ 10527506 w 12191999"/>
+              <a:gd name="connsiteY37" fmla="*/ 1247010 h 6105653"/>
+              <a:gd name="connsiteX38" fmla="*/ 10548937 w 12191999"/>
+              <a:gd name="connsiteY38" fmla="*/ 1354586 h 6105653"/>
+              <a:gd name="connsiteX39" fmla="*/ 10588228 w 12191999"/>
+              <a:gd name="connsiteY39" fmla="*/ 1395290 h 6105653"/>
+              <a:gd name="connsiteX40" fmla="*/ 10645378 w 12191999"/>
+              <a:gd name="connsiteY40" fmla="*/ 1366216 h 6105653"/>
+              <a:gd name="connsiteX41" fmla="*/ 10820400 w 12191999"/>
+              <a:gd name="connsiteY41" fmla="*/ 1031858 h 6105653"/>
+              <a:gd name="connsiteX42" fmla="*/ 10956131 w 12191999"/>
+              <a:gd name="connsiteY42" fmla="*/ 1005691 h 6105653"/>
+              <a:gd name="connsiteX43" fmla="*/ 10977562 w 12191999"/>
+              <a:gd name="connsiteY43" fmla="*/ 1069655 h 6105653"/>
+              <a:gd name="connsiteX44" fmla="*/ 10966847 w 12191999"/>
+              <a:gd name="connsiteY44" fmla="*/ 1142341 h 6105653"/>
+              <a:gd name="connsiteX45" fmla="*/ 11074003 w 12191999"/>
+              <a:gd name="connsiteY45" fmla="*/ 1084192 h 6105653"/>
+              <a:gd name="connsiteX46" fmla="*/ 11181159 w 12191999"/>
+              <a:gd name="connsiteY46" fmla="*/ 848688 h 6105653"/>
+              <a:gd name="connsiteX47" fmla="*/ 11238309 w 12191999"/>
+              <a:gd name="connsiteY47" fmla="*/ 805077 h 6105653"/>
+              <a:gd name="connsiteX48" fmla="*/ 11266884 w 12191999"/>
+              <a:gd name="connsiteY48" fmla="*/ 863226 h 6105653"/>
+              <a:gd name="connsiteX49" fmla="*/ 11277600 w 12191999"/>
+              <a:gd name="connsiteY49" fmla="*/ 906838 h 6105653"/>
+              <a:gd name="connsiteX50" fmla="*/ 11724084 w 12191999"/>
+              <a:gd name="connsiteY50" fmla="*/ 5527 h 6105653"/>
+              <a:gd name="connsiteX51" fmla="*/ 11727656 w 12191999"/>
+              <a:gd name="connsiteY51" fmla="*/ 209048 h 6105653"/>
+              <a:gd name="connsiteX52" fmla="*/ 11656218 w 12191999"/>
+              <a:gd name="connsiteY52" fmla="*/ 409663 h 6105653"/>
+              <a:gd name="connsiteX53" fmla="*/ 11666934 w 12191999"/>
+              <a:gd name="connsiteY53" fmla="*/ 621907 h 6105653"/>
+              <a:gd name="connsiteX54" fmla="*/ 11631215 w 12191999"/>
+              <a:gd name="connsiteY54" fmla="*/ 822521 h 6105653"/>
+              <a:gd name="connsiteX55" fmla="*/ 11631215 w 12191999"/>
+              <a:gd name="connsiteY55" fmla="*/ 996969 h 6105653"/>
+              <a:gd name="connsiteX56" fmla="*/ 11684793 w 12191999"/>
+              <a:gd name="connsiteY56" fmla="*/ 834151 h 6105653"/>
+              <a:gd name="connsiteX57" fmla="*/ 11774090 w 12191999"/>
+              <a:gd name="connsiteY57" fmla="*/ 773095 h 6105653"/>
+              <a:gd name="connsiteX58" fmla="*/ 11856243 w 12191999"/>
+              <a:gd name="connsiteY58" fmla="*/ 793447 h 6105653"/>
+              <a:gd name="connsiteX59" fmla="*/ 11831240 w 12191999"/>
+              <a:gd name="connsiteY59" fmla="*/ 860319 h 6105653"/>
+              <a:gd name="connsiteX60" fmla="*/ 11738371 w 12191999"/>
+              <a:gd name="connsiteY60" fmla="*/ 938820 h 6105653"/>
+              <a:gd name="connsiteX61" fmla="*/ 11795521 w 12191999"/>
+              <a:gd name="connsiteY61" fmla="*/ 956264 h 6105653"/>
+              <a:gd name="connsiteX62" fmla="*/ 11838384 w 12191999"/>
+              <a:gd name="connsiteY62" fmla="*/ 1002784 h 6105653"/>
+              <a:gd name="connsiteX63" fmla="*/ 11816952 w 12191999"/>
+              <a:gd name="connsiteY63" fmla="*/ 1270269 h 6105653"/>
+              <a:gd name="connsiteX64" fmla="*/ 11999118 w 12191999"/>
+              <a:gd name="connsiteY64" fmla="*/ 1092915 h 6105653"/>
+              <a:gd name="connsiteX65" fmla="*/ 12027693 w 12191999"/>
+              <a:gd name="connsiteY65" fmla="*/ 979524 h 6105653"/>
+              <a:gd name="connsiteX66" fmla="*/ 12102703 w 12191999"/>
+              <a:gd name="connsiteY66" fmla="*/ 953357 h 6105653"/>
+              <a:gd name="connsiteX67" fmla="*/ 12120562 w 12191999"/>
+              <a:gd name="connsiteY67" fmla="*/ 1005691 h 6105653"/>
+              <a:gd name="connsiteX68" fmla="*/ 12056268 w 12191999"/>
+              <a:gd name="connsiteY68" fmla="*/ 1267362 h 6105653"/>
+              <a:gd name="connsiteX69" fmla="*/ 12081272 w 12191999"/>
+              <a:gd name="connsiteY69" fmla="*/ 1310974 h 6105653"/>
+              <a:gd name="connsiteX70" fmla="*/ 12191999 w 12191999"/>
+              <a:gd name="connsiteY70" fmla="*/ 1008598 h 6105653"/>
+              <a:gd name="connsiteX71" fmla="*/ 12191999 w 12191999"/>
+              <a:gd name="connsiteY71" fmla="*/ 6105653 h 6105653"/>
+              <a:gd name="connsiteX72" fmla="*/ 0 w 12191999"/>
+              <a:gd name="connsiteY72" fmla="*/ 6105653 h 6105653"/>
+              <a:gd name="connsiteX73" fmla="*/ 0 w 12191999"/>
+              <a:gd name="connsiteY73" fmla="*/ 927116 h 6105653"/>
+              <a:gd name="connsiteX74" fmla="*/ 61930 w 12191999"/>
+              <a:gd name="connsiteY74" fmla="*/ 902578 h 6105653"/>
+              <a:gd name="connsiteX75" fmla="*/ 155971 w 12191999"/>
+              <a:gd name="connsiteY75" fmla="*/ 883588 h 6105653"/>
+              <a:gd name="connsiteX76" fmla="*/ 277414 w 12191999"/>
+              <a:gd name="connsiteY76" fmla="*/ 802179 h 6105653"/>
+              <a:gd name="connsiteX77" fmla="*/ 638174 w 12191999"/>
+              <a:gd name="connsiteY77" fmla="*/ 430025 h 6105653"/>
+              <a:gd name="connsiteX78" fmla="*/ 477440 w 12191999"/>
+              <a:gd name="connsiteY78" fmla="*/ 784735 h 6105653"/>
+              <a:gd name="connsiteX79" fmla="*/ 827483 w 12191999"/>
+              <a:gd name="connsiteY79" fmla="*/ 418395 h 6105653"/>
+              <a:gd name="connsiteX80" fmla="*/ 956071 w 12191999"/>
+              <a:gd name="connsiteY80" fmla="*/ 241040 h 6105653"/>
+              <a:gd name="connsiteX81" fmla="*/ 999268 w 12191999"/>
+              <a:gd name="connsiteY81" fmla="*/ 192386 h 6105653"/>
+              <a:gd name="connsiteX82" fmla="*/ 1031080 w 12191999"/>
+              <a:gd name="connsiteY82" fmla="*/ 197429 h 6105653"/>
+              <a:gd name="connsiteX83" fmla="*/ 1048940 w 12191999"/>
+              <a:gd name="connsiteY83" fmla="*/ 275930 h 6105653"/>
+              <a:gd name="connsiteX84" fmla="*/ 1020365 w 12191999"/>
+              <a:gd name="connsiteY84" fmla="*/ 517249 h 6105653"/>
+              <a:gd name="connsiteX85" fmla="*/ 1256108 w 12191999"/>
+              <a:gd name="connsiteY85" fmla="*/ 217780 h 6105653"/>
+              <a:gd name="connsiteX86" fmla="*/ 1220389 w 12191999"/>
+              <a:gd name="connsiteY86" fmla="*/ 441654 h 6105653"/>
+              <a:gd name="connsiteX87" fmla="*/ 1313258 w 12191999"/>
+              <a:gd name="connsiteY87" fmla="*/ 505619 h 6105653"/>
+              <a:gd name="connsiteX88" fmla="*/ 1463277 w 12191999"/>
+              <a:gd name="connsiteY88" fmla="*/ 610287 h 6105653"/>
+              <a:gd name="connsiteX89" fmla="*/ 1545430 w 12191999"/>
+              <a:gd name="connsiteY89" fmla="*/ 682974 h 6105653"/>
+              <a:gd name="connsiteX90" fmla="*/ 1809749 w 12191999"/>
+              <a:gd name="connsiteY90" fmla="*/ 712048 h 6105653"/>
+              <a:gd name="connsiteX91" fmla="*/ 2099071 w 12191999"/>
+              <a:gd name="connsiteY91" fmla="*/ 650992 h 6105653"/>
+              <a:gd name="connsiteX92" fmla="*/ 2245518 w 12191999"/>
+              <a:gd name="connsiteY92" fmla="*/ 482359 h 6105653"/>
+              <a:gd name="connsiteX93" fmla="*/ 2409824 w 12191999"/>
+              <a:gd name="connsiteY93" fmla="*/ 531786 h 6105653"/>
+              <a:gd name="connsiteX94" fmla="*/ 2309812 w 12191999"/>
+              <a:gd name="connsiteY94" fmla="*/ 889403 h 6105653"/>
+              <a:gd name="connsiteX95" fmla="*/ 2699146 w 12191999"/>
+              <a:gd name="connsiteY95" fmla="*/ 357339 h 6105653"/>
+              <a:gd name="connsiteX96" fmla="*/ 2717006 w 12191999"/>
+              <a:gd name="connsiteY96" fmla="*/ 447469 h 6105653"/>
+              <a:gd name="connsiteX97" fmla="*/ 2938461 w 12191999"/>
+              <a:gd name="connsiteY97" fmla="*/ 770197 h 6105653"/>
+              <a:gd name="connsiteX98" fmla="*/ 2949178 w 12191999"/>
+              <a:gd name="connsiteY98" fmla="*/ 787642 h 6105653"/>
+              <a:gd name="connsiteX99" fmla="*/ 3088480 w 12191999"/>
+              <a:gd name="connsiteY99" fmla="*/ 842883 h 6105653"/>
+              <a:gd name="connsiteX100" fmla="*/ 3109911 w 12191999"/>
+              <a:gd name="connsiteY100" fmla="*/ 1017331 h 6105653"/>
+              <a:gd name="connsiteX101" fmla="*/ 3077765 w 12191999"/>
+              <a:gd name="connsiteY101" fmla="*/ 1162704 h 6105653"/>
+              <a:gd name="connsiteX102" fmla="*/ 3117055 w 12191999"/>
+              <a:gd name="connsiteY102" fmla="*/ 1319707 h 6105653"/>
+              <a:gd name="connsiteX103" fmla="*/ 3099196 w 12191999"/>
+              <a:gd name="connsiteY103" fmla="*/ 1459264 h 6105653"/>
+              <a:gd name="connsiteX104" fmla="*/ 3124198 w 12191999"/>
+              <a:gd name="connsiteY104" fmla="*/ 1578470 h 6105653"/>
+              <a:gd name="connsiteX105" fmla="*/ 3242071 w 12191999"/>
+              <a:gd name="connsiteY105" fmla="*/ 1462171 h 6105653"/>
+              <a:gd name="connsiteX106" fmla="*/ 3242071 w 12191999"/>
+              <a:gd name="connsiteY106" fmla="*/ 1299354 h 6105653"/>
+              <a:gd name="connsiteX107" fmla="*/ 3317080 w 12191999"/>
+              <a:gd name="connsiteY107" fmla="*/ 1183056 h 6105653"/>
+              <a:gd name="connsiteX108" fmla="*/ 3452811 w 12191999"/>
+              <a:gd name="connsiteY108" fmla="*/ 1072572 h 6105653"/>
+              <a:gd name="connsiteX109" fmla="*/ 3670696 w 12191999"/>
+              <a:gd name="connsiteY109" fmla="*/ 682973 h 6105653"/>
+              <a:gd name="connsiteX110" fmla="*/ 3752849 w 12191999"/>
+              <a:gd name="connsiteY110" fmla="*/ 613194 h 6105653"/>
+              <a:gd name="connsiteX111" fmla="*/ 3434952 w 12191999"/>
+              <a:gd name="connsiteY111" fmla="*/ 1723843 h 6105653"/>
+              <a:gd name="connsiteX112" fmla="*/ 3567111 w 12191999"/>
+              <a:gd name="connsiteY112" fmla="*/ 1380763 h 6105653"/>
+              <a:gd name="connsiteX113" fmla="*/ 3542109 w 12191999"/>
+              <a:gd name="connsiteY113" fmla="*/ 1613360 h 6105653"/>
+              <a:gd name="connsiteX114" fmla="*/ 3631405 w 12191999"/>
+              <a:gd name="connsiteY114" fmla="*/ 1741287 h 6105653"/>
+              <a:gd name="connsiteX115" fmla="*/ 3659980 w 12191999"/>
+              <a:gd name="connsiteY115" fmla="*/ 1741287 h 6105653"/>
+              <a:gd name="connsiteX116" fmla="*/ 3742133 w 12191999"/>
+              <a:gd name="connsiteY116" fmla="*/ 1645341 h 6105653"/>
+              <a:gd name="connsiteX117" fmla="*/ 3795712 w 12191999"/>
+              <a:gd name="connsiteY117" fmla="*/ 1590100 h 6105653"/>
+              <a:gd name="connsiteX118" fmla="*/ 3988593 w 12191999"/>
+              <a:gd name="connsiteY118" fmla="*/ 1438912 h 6105653"/>
+              <a:gd name="connsiteX119" fmla="*/ 4010024 w 12191999"/>
+              <a:gd name="connsiteY119" fmla="*/ 1546488 h 6105653"/>
+              <a:gd name="connsiteX120" fmla="*/ 4049315 w 12191999"/>
+              <a:gd name="connsiteY120" fmla="*/ 1587192 h 6105653"/>
+              <a:gd name="connsiteX121" fmla="*/ 4106465 w 12191999"/>
+              <a:gd name="connsiteY121" fmla="*/ 1558118 h 6105653"/>
+              <a:gd name="connsiteX122" fmla="*/ 4281487 w 12191999"/>
+              <a:gd name="connsiteY122" fmla="*/ 1223760 h 6105653"/>
+              <a:gd name="connsiteX123" fmla="*/ 4417219 w 12191999"/>
+              <a:gd name="connsiteY123" fmla="*/ 1197593 h 6105653"/>
+              <a:gd name="connsiteX124" fmla="*/ 4438649 w 12191999"/>
+              <a:gd name="connsiteY124" fmla="*/ 1261557 h 6105653"/>
+              <a:gd name="connsiteX125" fmla="*/ 4427935 w 12191999"/>
+              <a:gd name="connsiteY125" fmla="*/ 1334243 h 6105653"/>
+              <a:gd name="connsiteX126" fmla="*/ 4535090 w 12191999"/>
+              <a:gd name="connsiteY126" fmla="*/ 1276094 h 6105653"/>
+              <a:gd name="connsiteX127" fmla="*/ 4642246 w 12191999"/>
+              <a:gd name="connsiteY127" fmla="*/ 1040590 h 6105653"/>
+              <a:gd name="connsiteX128" fmla="*/ 4699396 w 12191999"/>
+              <a:gd name="connsiteY128" fmla="*/ 996979 h 6105653"/>
+              <a:gd name="connsiteX129" fmla="*/ 4727971 w 12191999"/>
+              <a:gd name="connsiteY129" fmla="*/ 1055128 h 6105653"/>
+              <a:gd name="connsiteX130" fmla="*/ 4738688 w 12191999"/>
+              <a:gd name="connsiteY130" fmla="*/ 1098740 h 6105653"/>
+              <a:gd name="connsiteX131" fmla="*/ 5185172 w 12191999"/>
+              <a:gd name="connsiteY131" fmla="*/ 197429 h 6105653"/>
+              <a:gd name="connsiteX132" fmla="*/ 5188744 w 12191999"/>
+              <a:gd name="connsiteY132" fmla="*/ 400950 h 6105653"/>
+              <a:gd name="connsiteX133" fmla="*/ 5117306 w 12191999"/>
+              <a:gd name="connsiteY133" fmla="*/ 601565 h 6105653"/>
+              <a:gd name="connsiteX134" fmla="*/ 5128021 w 12191999"/>
+              <a:gd name="connsiteY134" fmla="*/ 813809 h 6105653"/>
+              <a:gd name="connsiteX135" fmla="*/ 5092302 w 12191999"/>
+              <a:gd name="connsiteY135" fmla="*/ 1014423 h 6105653"/>
+              <a:gd name="connsiteX136" fmla="*/ 5092302 w 12191999"/>
+              <a:gd name="connsiteY136" fmla="*/ 1188871 h 6105653"/>
+              <a:gd name="connsiteX137" fmla="*/ 5145880 w 12191999"/>
+              <a:gd name="connsiteY137" fmla="*/ 1026053 h 6105653"/>
+              <a:gd name="connsiteX138" fmla="*/ 5235177 w 12191999"/>
+              <a:gd name="connsiteY138" fmla="*/ 964997 h 6105653"/>
+              <a:gd name="connsiteX139" fmla="*/ 5317331 w 12191999"/>
+              <a:gd name="connsiteY139" fmla="*/ 985349 h 6105653"/>
+              <a:gd name="connsiteX140" fmla="*/ 5292327 w 12191999"/>
+              <a:gd name="connsiteY140" fmla="*/ 1052221 h 6105653"/>
+              <a:gd name="connsiteX141" fmla="*/ 5199458 w 12191999"/>
+              <a:gd name="connsiteY141" fmla="*/ 1130722 h 6105653"/>
+              <a:gd name="connsiteX142" fmla="*/ 5256608 w 12191999"/>
+              <a:gd name="connsiteY142" fmla="*/ 1148166 h 6105653"/>
+              <a:gd name="connsiteX143" fmla="*/ 5299471 w 12191999"/>
+              <a:gd name="connsiteY143" fmla="*/ 1194686 h 6105653"/>
+              <a:gd name="connsiteX144" fmla="*/ 5278039 w 12191999"/>
+              <a:gd name="connsiteY144" fmla="*/ 1462171 h 6105653"/>
+              <a:gd name="connsiteX145" fmla="*/ 5460205 w 12191999"/>
+              <a:gd name="connsiteY145" fmla="*/ 1284817 h 6105653"/>
+              <a:gd name="connsiteX146" fmla="*/ 5488780 w 12191999"/>
+              <a:gd name="connsiteY146" fmla="*/ 1171426 h 6105653"/>
+              <a:gd name="connsiteX147" fmla="*/ 5539513 w 12191999"/>
+              <a:gd name="connsiteY147" fmla="*/ 1140353 h 6105653"/>
+              <a:gd name="connsiteX148" fmla="*/ 5552720 w 12191999"/>
+              <a:gd name="connsiteY148" fmla="*/ 1143022 h 6105653"/>
+              <a:gd name="connsiteX149" fmla="*/ 5574208 w 12191999"/>
+              <a:gd name="connsiteY149" fmla="*/ 1115811 h 6105653"/>
+              <a:gd name="connsiteX150" fmla="*/ 5734050 w 12191999"/>
+              <a:gd name="connsiteY150" fmla="*/ 1075470 h 6105653"/>
+              <a:gd name="connsiteX151" fmla="*/ 5798343 w 12191999"/>
+              <a:gd name="connsiteY151" fmla="*/ 1020228 h 6105653"/>
+              <a:gd name="connsiteX152" fmla="*/ 5884068 w 12191999"/>
+              <a:gd name="connsiteY152" fmla="*/ 883578 h 6105653"/>
+              <a:gd name="connsiteX153" fmla="*/ 6066234 w 12191999"/>
+              <a:gd name="connsiteY153" fmla="*/ 645166 h 6105653"/>
+              <a:gd name="connsiteX154" fmla="*/ 6109096 w 12191999"/>
+              <a:gd name="connsiteY154" fmla="*/ 732391 h 6105653"/>
+              <a:gd name="connsiteX155" fmla="*/ 5998368 w 12191999"/>
+              <a:gd name="connsiteY155" fmla="*/ 985338 h 6105653"/>
+              <a:gd name="connsiteX156" fmla="*/ 5969793 w 12191999"/>
+              <a:gd name="connsiteY156" fmla="*/ 1168509 h 6105653"/>
+              <a:gd name="connsiteX157" fmla="*/ 6162674 w 12191999"/>
+              <a:gd name="connsiteY157" fmla="*/ 909745 h 6105653"/>
+              <a:gd name="connsiteX158" fmla="*/ 6412705 w 12191999"/>
+              <a:gd name="connsiteY158" fmla="*/ 659704 h 6105653"/>
+              <a:gd name="connsiteX159" fmla="*/ 6366271 w 12191999"/>
+              <a:gd name="connsiteY159" fmla="*/ 851596 h 6105653"/>
+              <a:gd name="connsiteX160" fmla="*/ 6398418 w 12191999"/>
+              <a:gd name="connsiteY160" fmla="*/ 860319 h 6105653"/>
+              <a:gd name="connsiteX161" fmla="*/ 6694884 w 12191999"/>
+              <a:gd name="connsiteY161" fmla="*/ 691686 h 6105653"/>
+              <a:gd name="connsiteX162" fmla="*/ 6816327 w 12191999"/>
+              <a:gd name="connsiteY162" fmla="*/ 610277 h 6105653"/>
+              <a:gd name="connsiteX163" fmla="*/ 7177087 w 12191999"/>
+              <a:gd name="connsiteY163" fmla="*/ 238123 h 6105653"/>
+              <a:gd name="connsiteX164" fmla="*/ 7016353 w 12191999"/>
+              <a:gd name="connsiteY164" fmla="*/ 592833 h 6105653"/>
+              <a:gd name="connsiteX165" fmla="*/ 7366396 w 12191999"/>
+              <a:gd name="connsiteY165" fmla="*/ 226493 h 6105653"/>
+              <a:gd name="connsiteX166" fmla="*/ 7494984 w 12191999"/>
+              <a:gd name="connsiteY166" fmla="*/ 49138 h 6105653"/>
+              <a:gd name="connsiteX167" fmla="*/ 7538181 w 12191999"/>
+              <a:gd name="connsiteY167" fmla="*/ 484 h 6105653"/>
+            </a:gdLst>
+            <a:ahLst/>
+            <a:cxnLst>
+              <a:cxn ang="0">
+                <a:pos x="connsiteX0" y="connsiteY0"/>
+              </a:cxn>
+              <a:cxn ang="0">
+                <a:pos x="connsiteX1" y="connsiteY1"/>
+              </a:cxn>
+              <a:cxn ang="0">
+                <a:pos x="connsiteX2" y="connsiteY2"/>
+              </a:cxn>
+              <a:cxn ang="0">
+                <a:pos x="connsiteX3" y="connsiteY3"/>
+              </a:cxn>
+              <a:cxn ang="0">
+                <a:pos x="connsiteX4" y="connsiteY4"/>
+              </a:cxn>
+              <a:cxn ang="0">
+                <a:pos x="connsiteX5" y="connsiteY5"/>
+              </a:cxn>
+              <a:cxn ang="0">
+                <a:pos x="connsiteX6" y="connsiteY6"/>
+              </a:cxn>
+              <a:cxn ang="0">
+                <a:pos x="connsiteX7" y="connsiteY7"/>
+              </a:cxn>
+              <a:cxn ang="0">
+                <a:pos x="connsiteX8" y="connsiteY8"/>
+              </a:cxn>
+              <a:cxn ang="0">
+                <a:pos x="connsiteX9" y="connsiteY9"/>
+              </a:cxn>
+              <a:cxn ang="0">
+                <a:pos x="connsiteX10" y="connsiteY10"/>
+              </a:cxn>
+              <a:cxn ang="0">
+                <a:pos x="connsiteX11" y="connsiteY11"/>
+              </a:cxn>
+              <a:cxn ang="0">
+                <a:pos x="connsiteX12" y="connsiteY12"/>
+              </a:cxn>
+              <a:cxn ang="0">
+                <a:pos x="connsiteX13" y="connsiteY13"/>
+              </a:cxn>
+              <a:cxn ang="0">
+                <a:pos x="connsiteX14" y="connsiteY14"/>
+              </a:cxn>
+              <a:cxn ang="0">
+                <a:pos x="connsiteX15" y="connsiteY15"/>
+              </a:cxn>
+              <a:cxn ang="0">
+                <a:pos x="connsiteX16" y="connsiteY16"/>
+              </a:cxn>
+              <a:cxn ang="0">
+                <a:pos x="connsiteX17" y="connsiteY17"/>
+              </a:cxn>
+              <a:cxn ang="0">
+                <a:pos x="connsiteX18" y="connsiteY18"/>
+              </a:cxn>
+              <a:cxn ang="0">
+                <a:pos x="connsiteX19" y="connsiteY19"/>
+              </a:cxn>
+              <a:cxn ang="0">
+                <a:pos x="connsiteX20" y="connsiteY20"/>
+              </a:cxn>
+              <a:cxn ang="0">
+                <a:pos x="connsiteX21" y="connsiteY21"/>
+              </a:cxn>
+              <a:cxn ang="0">
+                <a:pos x="connsiteX22" y="connsiteY22"/>
+              </a:cxn>
+              <a:cxn ang="0">
+                <a:pos x="connsiteX23" y="connsiteY23"/>
+              </a:cxn>
+              <a:cxn ang="0">
+                <a:pos x="connsiteX24" y="connsiteY24"/>
+              </a:cxn>
+              <a:cxn ang="0">
+                <a:pos x="connsiteX25" y="connsiteY25"/>
+              </a:cxn>
+              <a:cxn ang="0">
+                <a:pos x="connsiteX26" y="connsiteY26"/>
+              </a:cxn>
+              <a:cxn ang="0">
+                <a:pos x="connsiteX27" y="connsiteY27"/>
+              </a:cxn>
+              <a:cxn ang="0">
+                <a:pos x="connsiteX28" y="connsiteY28"/>
+              </a:cxn>
+              <a:cxn ang="0">
+                <a:pos x="connsiteX29" y="connsiteY29"/>
+              </a:cxn>
+              <a:cxn ang="0">
+                <a:pos x="connsiteX30" y="connsiteY30"/>
+              </a:cxn>
+              <a:cxn ang="0">
+                <a:pos x="connsiteX31" y="connsiteY31"/>
+              </a:cxn>
+              <a:cxn ang="0">
+                <a:pos x="connsiteX32" y="connsiteY32"/>
+              </a:cxn>
+              <a:cxn ang="0">
+                <a:pos x="connsiteX33" y="connsiteY33"/>
+              </a:cxn>
+              <a:cxn ang="0">
+                <a:pos x="connsiteX34" y="connsiteY34"/>
+              </a:cxn>
+              <a:cxn ang="0">
+                <a:pos x="connsiteX35" y="connsiteY35"/>
+              </a:cxn>
+              <a:cxn ang="0">
+                <a:pos x="connsiteX36" y="connsiteY36"/>
+              </a:cxn>
+              <a:cxn ang="0">
+                <a:pos x="connsiteX37" y="connsiteY37"/>
+              </a:cxn>
+              <a:cxn ang="0">
+                <a:pos x="connsiteX38" y="connsiteY38"/>
+              </a:cxn>
+              <a:cxn ang="0">
+                <a:pos x="connsiteX39" y="connsiteY39"/>
+              </a:cxn>
+              <a:cxn ang="0">
+                <a:pos x="connsiteX40" y="connsiteY40"/>
+              </a:cxn>
+              <a:cxn ang="0">
+                <a:pos x="connsiteX41" y="connsiteY41"/>
+              </a:cxn>
+              <a:cxn ang="0">
+                <a:pos x="connsiteX42" y="connsiteY42"/>
+              </a:cxn>
+              <a:cxn ang="0">
+                <a:pos x="connsiteX43" y="connsiteY43"/>
+              </a:cxn>
+              <a:cxn ang="0">
+                <a:pos x="connsiteX44" y="connsiteY44"/>
+              </a:cxn>
+              <a:cxn ang="0">
+                <a:pos x="connsiteX45" y="connsiteY45"/>
+              </a:cxn>
+              <a:cxn ang="0">
+                <a:pos x="connsiteX46" y="connsiteY46"/>
+              </a:cxn>
+              <a:cxn ang="0">
+                <a:pos x="connsiteX47" y="connsiteY47"/>
+              </a:cxn>
+              <a:cxn ang="0">
+                <a:pos x="connsiteX48" y="connsiteY48"/>
+              </a:cxn>
+              <a:cxn ang="0">
+                <a:pos x="connsiteX49" y="connsiteY49"/>
+              </a:cxn>
+              <a:cxn ang="0">
+                <a:pos x="connsiteX50" y="connsiteY50"/>
+              </a:cxn>
+              <a:cxn ang="0">
+                <a:pos x="connsiteX51" y="connsiteY51"/>
+              </a:cxn>
+              <a:cxn ang="0">
+                <a:pos x="connsiteX52" y="connsiteY52"/>
+              </a:cxn>
+              <a:cxn ang="0">
+                <a:pos x="connsiteX53" y="connsiteY53"/>
+              </a:cxn>
+              <a:cxn ang="0">
+                <a:pos x="connsiteX54" y="connsiteY54"/>
+              </a:cxn>
+              <a:cxn ang="0">
+                <a:pos x="connsiteX55" y="connsiteY55"/>
+              </a:cxn>
+              <a:cxn ang="0">
+                <a:pos x="connsiteX56" y="connsiteY56"/>
+              </a:cxn>
+              <a:cxn ang="0">
+                <a:pos x="connsiteX57" y="connsiteY57"/>
+              </a:cxn>
+              <a:cxn ang="0">
+                <a:pos x="connsiteX58" y="connsiteY58"/>
+              </a:cxn>
+              <a:cxn ang="0">
+                <a:pos x="connsiteX59" y="connsiteY59"/>
+              </a:cxn>
+              <a:cxn ang="0">
+                <a:pos x="connsiteX60" y="connsiteY60"/>
+              </a:cxn>
+              <a:cxn ang="0">
+                <a:pos x="connsiteX61" y="connsiteY61"/>
+              </a:cxn>
+              <a:cxn ang="0">
+                <a:pos x="connsiteX62" y="connsiteY62"/>
+              </a:cxn>
+              <a:cxn ang="0">
+                <a:pos x="connsiteX63" y="connsiteY63"/>
+              </a:cxn>
+              <a:cxn ang="0">
+                <a:pos x="connsiteX64" y="connsiteY64"/>
+              </a:cxn>
+              <a:cxn ang="0">
+                <a:pos x="connsiteX65" y="connsiteY65"/>
+              </a:cxn>
+              <a:cxn ang="0">
+                <a:pos x="connsiteX66" y="connsiteY66"/>
+              </a:cxn>
+              <a:cxn ang="0">
+                <a:pos x="connsiteX67" y="connsiteY67"/>
+              </a:cxn>
+              <a:cxn ang="0">
+                <a:pos x="connsiteX68" y="connsiteY68"/>
+              </a:cxn>
+              <a:cxn ang="0">
+                <a:pos x="connsiteX69" y="connsiteY69"/>
+              </a:cxn>
+              <a:cxn ang="0">
+                <a:pos x="connsiteX70" y="connsiteY70"/>
+              </a:cxn>
+              <a:cxn ang="0">
+                <a:pos x="connsiteX71" y="connsiteY71"/>
+              </a:cxn>
+              <a:cxn ang="0">
+                <a:pos x="connsiteX72" y="connsiteY72"/>
+              </a:cxn>
+              <a:cxn ang="0">
+                <a:pos x="connsiteX73" y="connsiteY73"/>
+              </a:cxn>
+              <a:cxn ang="0">
+                <a:pos x="connsiteX74" y="connsiteY74"/>
+              </a:cxn>
+              <a:cxn ang="0">
+                <a:pos x="connsiteX75" y="connsiteY75"/>
+              </a:cxn>
+              <a:cxn ang="0">
+                <a:pos x="connsiteX76" y="connsiteY76"/>
+              </a:cxn>
+              <a:cxn ang="0">
+                <a:pos x="connsiteX77" y="connsiteY77"/>
+              </a:cxn>
+              <a:cxn ang="0">
+                <a:pos x="connsiteX78" y="connsiteY78"/>
+              </a:cxn>
+              <a:cxn ang="0">
+                <a:pos x="connsiteX79" y="connsiteY79"/>
+              </a:cxn>
+              <a:cxn ang="0">
+                <a:pos x="connsiteX80" y="connsiteY80"/>
+              </a:cxn>
+              <a:cxn ang="0">
+                <a:pos x="connsiteX81" y="connsiteY81"/>
+              </a:cxn>
+              <a:cxn ang="0">
+                <a:pos x="connsiteX82" y="connsiteY82"/>
+              </a:cxn>
+              <a:cxn ang="0">
+                <a:pos x="connsiteX83" y="connsiteY83"/>
+              </a:cxn>
+              <a:cxn ang="0">
+                <a:pos x="connsiteX84" y="connsiteY84"/>
+              </a:cxn>
+              <a:cxn ang="0">
+                <a:pos x="connsiteX85" y="connsiteY85"/>
+              </a:cxn>
+              <a:cxn ang="0">
+                <a:pos x="connsiteX86" y="connsiteY86"/>
+              </a:cxn>
+              <a:cxn ang="0">
+                <a:pos x="connsiteX87" y="connsiteY87"/>
+              </a:cxn>
+              <a:cxn ang="0">
+                <a:pos x="connsiteX88" y="connsiteY88"/>
+              </a:cxn>
+              <a:cxn ang="0">
+                <a:pos x="connsiteX89" y="connsiteY89"/>
+              </a:cxn>
+              <a:cxn ang="0">
+                <a:pos x="connsiteX90" y="connsiteY90"/>
+              </a:cxn>
+              <a:cxn ang="0">
+                <a:pos x="connsiteX91" y="connsiteY91"/>
+              </a:cxn>
+              <a:cxn ang="0">
+                <a:pos x="connsiteX92" y="connsiteY92"/>
+              </a:cxn>
+              <a:cxn ang="0">
+                <a:pos x="connsiteX93" y="connsiteY93"/>
+              </a:cxn>
+              <a:cxn ang="0">
+                <a:pos x="connsiteX94" y="connsiteY94"/>
+              </a:cxn>
+              <a:cxn ang="0">
+                <a:pos x="connsiteX95" y="connsiteY95"/>
+              </a:cxn>
+              <a:cxn ang="0">
+                <a:pos x="connsiteX96" y="connsiteY96"/>
+              </a:cxn>
+              <a:cxn ang="0">
+                <a:pos x="connsiteX97" y="connsiteY97"/>
+              </a:cxn>
+              <a:cxn ang="0">
+                <a:pos x="connsiteX98" y="connsiteY98"/>
+              </a:cxn>
+              <a:cxn ang="0">
+                <a:pos x="connsiteX99" y="connsiteY99"/>
+              </a:cxn>
+              <a:cxn ang="0">
+                <a:pos x="connsiteX100" y="connsiteY100"/>
+              </a:cxn>
+              <a:cxn ang="0">
+                <a:pos x="connsiteX101" y="connsiteY101"/>
+              </a:cxn>
+              <a:cxn ang="0">
+                <a:pos x="connsiteX102" y="connsiteY102"/>
+              </a:cxn>
+              <a:cxn ang="0">
+                <a:pos x="connsiteX103" y="connsiteY103"/>
+              </a:cxn>
+              <a:cxn ang="0">
+                <a:pos x="connsiteX104" y="connsiteY104"/>
+              </a:cxn>
+              <a:cxn ang="0">
+                <a:pos x="connsiteX105" y="connsiteY105"/>
+              </a:cxn>
+              <a:cxn ang="0">
+                <a:pos x="connsiteX106" y="connsiteY106"/>
+              </a:cxn>
+              <a:cxn ang="0">
+                <a:pos x="connsiteX107" y="connsiteY107"/>
+              </a:cxn>
+              <a:cxn ang="0">
+                <a:pos x="connsiteX108" y="connsiteY108"/>
+              </a:cxn>
+              <a:cxn ang="0">
+                <a:pos x="connsiteX109" y="connsiteY109"/>
+              </a:cxn>
+              <a:cxn ang="0">
+                <a:pos x="connsiteX110" y="connsiteY110"/>
+              </a:cxn>
+              <a:cxn ang="0">
+                <a:pos x="connsiteX111" y="connsiteY111"/>
+              </a:cxn>
+              <a:cxn ang="0">
+                <a:pos x="connsiteX112" y="connsiteY112"/>
+              </a:cxn>
+              <a:cxn ang="0">
+                <a:pos x="connsiteX113" y="connsiteY113"/>
+              </a:cxn>
+              <a:cxn ang="0">
+                <a:pos x="connsiteX114" y="connsiteY114"/>
+              </a:cxn>
+              <a:cxn ang="0">
+                <a:pos x="connsiteX115" y="connsiteY115"/>
+              </a:cxn>
+              <a:cxn ang="0">
+                <a:pos x="connsiteX116" y="connsiteY116"/>
+              </a:cxn>
+              <a:cxn ang="0">
+                <a:pos x="connsiteX117" y="connsiteY117"/>
+              </a:cxn>
+              <a:cxn ang="0">
+                <a:pos x="connsiteX118" y="connsiteY118"/>
+              </a:cxn>
+              <a:cxn ang="0">
+                <a:pos x="connsiteX119" y="connsiteY119"/>
+              </a:cxn>
+              <a:cxn ang="0">
+                <a:pos x="connsiteX120" y="connsiteY120"/>
+              </a:cxn>
+              <a:cxn ang="0">
+                <a:pos x="connsiteX121" y="connsiteY121"/>
+              </a:cxn>
+              <a:cxn ang="0">
+                <a:pos x="connsiteX122" y="connsiteY122"/>
+              </a:cxn>
+              <a:cxn ang="0">
+                <a:pos x="connsiteX123" y="connsiteY123"/>
+              </a:cxn>
+              <a:cxn ang="0">
+                <a:pos x="connsiteX124" y="connsiteY124"/>
+              </a:cxn>
+              <a:cxn ang="0">
+                <a:pos x="connsiteX125" y="connsiteY125"/>
+              </a:cxn>
+              <a:cxn ang="0">
+                <a:pos x="connsiteX126" y="connsiteY126"/>
+              </a:cxn>
+              <a:cxn ang="0">
+                <a:pos x="connsiteX127" y="connsiteY127"/>
+              </a:cxn>
+              <a:cxn ang="0">
+                <a:pos x="connsiteX128" y="connsiteY128"/>
+              </a:cxn>
+              <a:cxn ang="0">
+                <a:pos x="connsiteX129" y="connsiteY129"/>
+              </a:cxn>
+              <a:cxn ang="0">
+                <a:pos x="connsiteX130" y="connsiteY130"/>
+              </a:cxn>
+              <a:cxn ang="0">
+                <a:pos x="connsiteX131" y="connsiteY131"/>
+              </a:cxn>
+              <a:cxn ang="0">
+                <a:pos x="connsiteX132" y="connsiteY132"/>
+              </a:cxn>
+              <a:cxn ang="0">
+                <a:pos x="connsiteX133" y="connsiteY133"/>
+              </a:cxn>
+              <a:cxn ang="0">
+                <a:pos x="connsiteX134" y="connsiteY134"/>
+              </a:cxn>
+              <a:cxn ang="0">
+                <a:pos x="connsiteX135" y="connsiteY135"/>
+              </a:cxn>
+              <a:cxn ang="0">
+                <a:pos x="connsiteX136" y="connsiteY136"/>
+              </a:cxn>
+              <a:cxn ang="0">
+                <a:pos x="connsiteX137" y="connsiteY137"/>
+              </a:cxn>
+              <a:cxn ang="0">
+                <a:pos x="connsiteX138" y="connsiteY138"/>
+              </a:cxn>
+              <a:cxn ang="0">
+                <a:pos x="connsiteX139" y="connsiteY139"/>
+              </a:cxn>
+              <a:cxn ang="0">
+                <a:pos x="connsiteX140" y="connsiteY140"/>
+              </a:cxn>
+              <a:cxn ang="0">
+                <a:pos x="connsiteX141" y="connsiteY141"/>
+              </a:cxn>
+              <a:cxn ang="0">
+                <a:pos x="connsiteX142" y="connsiteY142"/>
+              </a:cxn>
+              <a:cxn ang="0">
+                <a:pos x="connsiteX143" y="connsiteY143"/>
+              </a:cxn>
+              <a:cxn ang="0">
+                <a:pos x="connsiteX144" y="connsiteY144"/>
+              </a:cxn>
+              <a:cxn ang="0">
+                <a:pos x="connsiteX145" y="connsiteY145"/>
+              </a:cxn>
+              <a:cxn ang="0">
+                <a:pos x="connsiteX146" y="connsiteY146"/>
+              </a:cxn>
+              <a:cxn ang="0">
+                <a:pos x="connsiteX147" y="connsiteY147"/>
+              </a:cxn>
+              <a:cxn ang="0">
+                <a:pos x="connsiteX148" y="connsiteY148"/>
+              </a:cxn>
+              <a:cxn ang="0">
+                <a:pos x="connsiteX149" y="connsiteY149"/>
+              </a:cxn>
+              <a:cxn ang="0">
+                <a:pos x="connsiteX150" y="connsiteY150"/>
+              </a:cxn>
+              <a:cxn ang="0">
+                <a:pos x="connsiteX151" y="connsiteY151"/>
+              </a:cxn>
+              <a:cxn ang="0">
+                <a:pos x="connsiteX152" y="connsiteY152"/>
+              </a:cxn>
+              <a:cxn ang="0">
+                <a:pos x="connsiteX153" y="connsiteY153"/>
+              </a:cxn>
+              <a:cxn ang="0">
+                <a:pos x="connsiteX154" y="connsiteY154"/>
+              </a:cxn>
+              <a:cxn ang="0">
+                <a:pos x="connsiteX155" y="connsiteY155"/>
+              </a:cxn>
+              <a:cxn ang="0">
+                <a:pos x="connsiteX156" y="connsiteY156"/>
+              </a:cxn>
+              <a:cxn ang="0">
+                <a:pos x="connsiteX157" y="connsiteY157"/>
+              </a:cxn>
+              <a:cxn ang="0">
+                <a:pos x="connsiteX158" y="connsiteY158"/>
+              </a:cxn>
+              <a:cxn ang="0">
+                <a:pos x="connsiteX159" y="connsiteY159"/>
+              </a:cxn>
+              <a:cxn ang="0">
+                <a:pos x="connsiteX160" y="connsiteY160"/>
+              </a:cxn>
+              <a:cxn ang="0">
+                <a:pos x="connsiteX161" y="connsiteY161"/>
+              </a:cxn>
+              <a:cxn ang="0">
+                <a:pos x="connsiteX162" y="connsiteY162"/>
+              </a:cxn>
+              <a:cxn ang="0">
+                <a:pos x="connsiteX163" y="connsiteY163"/>
+              </a:cxn>
+              <a:cxn ang="0">
+                <a:pos x="connsiteX164" y="connsiteY164"/>
+              </a:cxn>
+              <a:cxn ang="0">
+                <a:pos x="connsiteX165" y="connsiteY165"/>
+              </a:cxn>
+              <a:cxn ang="0">
+                <a:pos x="connsiteX166" y="connsiteY166"/>
+              </a:cxn>
+              <a:cxn ang="0">
+                <a:pos x="connsiteX167" y="connsiteY167"/>
+              </a:cxn>
+            </a:cxnLst>
+            <a:rect l="l" t="t" r="r" b="b"/>
+            <a:pathLst>
+              <a:path w="12191999" h="6105653">
+                <a:moveTo>
+                  <a:pt x="7538181" y="484"/>
+                </a:moveTo>
+                <a:cubicBezTo>
+                  <a:pt x="7546999" y="-833"/>
+                  <a:pt x="7557492" y="439"/>
+                  <a:pt x="7569993" y="5527"/>
+                </a:cubicBezTo>
+                <a:cubicBezTo>
+                  <a:pt x="7612855" y="22971"/>
+                  <a:pt x="7598567" y="54953"/>
+                  <a:pt x="7587853" y="84028"/>
+                </a:cubicBezTo>
+                <a:cubicBezTo>
+                  <a:pt x="7559278" y="153806"/>
+                  <a:pt x="7559278" y="229401"/>
+                  <a:pt x="7559278" y="325347"/>
+                </a:cubicBezTo>
+                <a:cubicBezTo>
+                  <a:pt x="7695009" y="243938"/>
+                  <a:pt x="7652146" y="95658"/>
+                  <a:pt x="7795021" y="25878"/>
+                </a:cubicBezTo>
+                <a:cubicBezTo>
+                  <a:pt x="7820024" y="113102"/>
+                  <a:pt x="7770018" y="179974"/>
+                  <a:pt x="7759302" y="249752"/>
+                </a:cubicBezTo>
+                <a:cubicBezTo>
+                  <a:pt x="7748587" y="313717"/>
+                  <a:pt x="7773590" y="328254"/>
+                  <a:pt x="7852171" y="313717"/>
+                </a:cubicBezTo>
+                <a:cubicBezTo>
+                  <a:pt x="7973615" y="290457"/>
+                  <a:pt x="8034337" y="325347"/>
+                  <a:pt x="8002190" y="418385"/>
+                </a:cubicBezTo>
+                <a:cubicBezTo>
+                  <a:pt x="7970043" y="505609"/>
+                  <a:pt x="8016478" y="514331"/>
+                  <a:pt x="8084343" y="491072"/>
+                </a:cubicBezTo>
+                <a:cubicBezTo>
+                  <a:pt x="8184355" y="456182"/>
+                  <a:pt x="8262937" y="493979"/>
+                  <a:pt x="8348662" y="520146"/>
+                </a:cubicBezTo>
+                <a:cubicBezTo>
+                  <a:pt x="8477249" y="560851"/>
+                  <a:pt x="8541543" y="543406"/>
+                  <a:pt x="8637984" y="459090"/>
+                </a:cubicBezTo>
+                <a:cubicBezTo>
+                  <a:pt x="8691561" y="409663"/>
+                  <a:pt x="8737996" y="360236"/>
+                  <a:pt x="8784431" y="290457"/>
+                </a:cubicBezTo>
+                <a:cubicBezTo>
+                  <a:pt x="8809434" y="450367"/>
+                  <a:pt x="8895158" y="284642"/>
+                  <a:pt x="8948737" y="339884"/>
+                </a:cubicBezTo>
+                <a:cubicBezTo>
+                  <a:pt x="8970168" y="453274"/>
+                  <a:pt x="8798717" y="543406"/>
+                  <a:pt x="8848725" y="697501"/>
+                </a:cubicBezTo>
+                <a:cubicBezTo>
+                  <a:pt x="8995171" y="511424"/>
+                  <a:pt x="9041606" y="302087"/>
+                  <a:pt x="9238059" y="165437"/>
+                </a:cubicBezTo>
+                <a:cubicBezTo>
+                  <a:pt x="9280921" y="197419"/>
+                  <a:pt x="9238059" y="229401"/>
+                  <a:pt x="9255919" y="255567"/>
+                </a:cubicBezTo>
+                <a:cubicBezTo>
+                  <a:pt x="9266634" y="255567"/>
+                  <a:pt x="9198767" y="560851"/>
+                  <a:pt x="9477374" y="578295"/>
+                </a:cubicBezTo>
+                <a:cubicBezTo>
+                  <a:pt x="9477374" y="584110"/>
+                  <a:pt x="9477374" y="589925"/>
+                  <a:pt x="9488091" y="595740"/>
+                </a:cubicBezTo>
+                <a:cubicBezTo>
+                  <a:pt x="9527380" y="627722"/>
+                  <a:pt x="9620249" y="598648"/>
+                  <a:pt x="9627393" y="650981"/>
+                </a:cubicBezTo>
+                <a:cubicBezTo>
+                  <a:pt x="9634537" y="709131"/>
+                  <a:pt x="9666684" y="764373"/>
+                  <a:pt x="9648824" y="825429"/>
+                </a:cubicBezTo>
+                <a:cubicBezTo>
+                  <a:pt x="9634537" y="871948"/>
+                  <a:pt x="9616678" y="921374"/>
+                  <a:pt x="9616678" y="970802"/>
+                </a:cubicBezTo>
+                <a:cubicBezTo>
+                  <a:pt x="9616678" y="1023136"/>
+                  <a:pt x="9495233" y="1095822"/>
+                  <a:pt x="9655968" y="1127805"/>
+                </a:cubicBezTo>
+                <a:cubicBezTo>
+                  <a:pt x="9663111" y="1127805"/>
+                  <a:pt x="9645252" y="1217935"/>
+                  <a:pt x="9638109" y="1267362"/>
+                </a:cubicBezTo>
+                <a:cubicBezTo>
+                  <a:pt x="9630965" y="1308066"/>
+                  <a:pt x="9598818" y="1357494"/>
+                  <a:pt x="9663111" y="1386568"/>
+                </a:cubicBezTo>
+                <a:cubicBezTo>
+                  <a:pt x="9702403" y="1401105"/>
+                  <a:pt x="9773840" y="1331326"/>
+                  <a:pt x="9780984" y="1270269"/>
+                </a:cubicBezTo>
+                <a:cubicBezTo>
+                  <a:pt x="9788127" y="1215028"/>
+                  <a:pt x="9795271" y="1159787"/>
+                  <a:pt x="9780984" y="1107452"/>
+                </a:cubicBezTo>
+                <a:cubicBezTo>
+                  <a:pt x="9763125" y="1043488"/>
+                  <a:pt x="9791699" y="1008598"/>
+                  <a:pt x="9855993" y="991154"/>
+                </a:cubicBezTo>
+                <a:cubicBezTo>
+                  <a:pt x="9923858" y="970802"/>
+                  <a:pt x="9959577" y="933005"/>
+                  <a:pt x="9991724" y="880670"/>
+                </a:cubicBezTo>
+                <a:cubicBezTo>
+                  <a:pt x="10070305" y="752742"/>
+                  <a:pt x="10163174" y="630630"/>
+                  <a:pt x="10209609" y="491071"/>
+                </a:cubicBezTo>
+                <a:cubicBezTo>
+                  <a:pt x="10216753" y="464905"/>
+                  <a:pt x="10231040" y="432923"/>
+                  <a:pt x="10291762" y="421292"/>
+                </a:cubicBezTo>
+                <a:cubicBezTo>
+                  <a:pt x="10198893" y="799262"/>
+                  <a:pt x="9959577" y="1142341"/>
+                  <a:pt x="9973865" y="1531941"/>
+                </a:cubicBezTo>
+                <a:cubicBezTo>
+                  <a:pt x="10048874" y="1427272"/>
+                  <a:pt x="10052446" y="1302252"/>
+                  <a:pt x="10106024" y="1188861"/>
+                </a:cubicBezTo>
+                <a:cubicBezTo>
+                  <a:pt x="10145315" y="1270269"/>
+                  <a:pt x="10102453" y="1345863"/>
+                  <a:pt x="10081022" y="1421458"/>
+                </a:cubicBezTo>
+                <a:cubicBezTo>
+                  <a:pt x="10063162" y="1485421"/>
+                  <a:pt x="10059590" y="1543570"/>
+                  <a:pt x="10170318" y="1549385"/>
+                </a:cubicBezTo>
+                <a:cubicBezTo>
+                  <a:pt x="10181034" y="1549385"/>
+                  <a:pt x="10188178" y="1549385"/>
+                  <a:pt x="10198893" y="1549385"/>
+                </a:cubicBezTo>
+                <a:cubicBezTo>
+                  <a:pt x="10245327" y="1526126"/>
+                  <a:pt x="10266759" y="1494144"/>
+                  <a:pt x="10281046" y="1453439"/>
+                </a:cubicBezTo>
+                <a:cubicBezTo>
+                  <a:pt x="10288190" y="1430180"/>
+                  <a:pt x="10302477" y="1398198"/>
+                  <a:pt x="10334625" y="1398198"/>
+                </a:cubicBezTo>
+                <a:cubicBezTo>
+                  <a:pt x="10456068" y="1401105"/>
+                  <a:pt x="10491787" y="1322604"/>
+                  <a:pt x="10527506" y="1247010"/>
+                </a:cubicBezTo>
+                <a:cubicBezTo>
+                  <a:pt x="10588228" y="1287714"/>
+                  <a:pt x="10545365" y="1322604"/>
+                  <a:pt x="10548937" y="1354586"/>
+                </a:cubicBezTo>
+                <a:cubicBezTo>
+                  <a:pt x="10552509" y="1374938"/>
+                  <a:pt x="10556080" y="1395290"/>
+                  <a:pt x="10588228" y="1395290"/>
+                </a:cubicBezTo>
+                <a:cubicBezTo>
+                  <a:pt x="10613230" y="1395290"/>
+                  <a:pt x="10645378" y="1386568"/>
+                  <a:pt x="10645378" y="1366216"/>
+                </a:cubicBezTo>
+                <a:cubicBezTo>
+                  <a:pt x="10648949" y="1238288"/>
+                  <a:pt x="10820400" y="1165601"/>
+                  <a:pt x="10820400" y="1031858"/>
+                </a:cubicBezTo>
+                <a:cubicBezTo>
+                  <a:pt x="10820400" y="950449"/>
+                  <a:pt x="10916840" y="1072563"/>
+                  <a:pt x="10956131" y="1005691"/>
+                </a:cubicBezTo>
+                <a:cubicBezTo>
+                  <a:pt x="10966847" y="991154"/>
+                  <a:pt x="10981133" y="1046395"/>
+                  <a:pt x="10977562" y="1069655"/>
+                </a:cubicBezTo>
+                <a:cubicBezTo>
+                  <a:pt x="10973991" y="1092915"/>
+                  <a:pt x="10948987" y="1113267"/>
+                  <a:pt x="10966847" y="1142341"/>
+                </a:cubicBezTo>
+                <a:cubicBezTo>
+                  <a:pt x="11031140" y="1156879"/>
+                  <a:pt x="11056143" y="1119081"/>
+                  <a:pt x="11074003" y="1084192"/>
+                </a:cubicBezTo>
+                <a:cubicBezTo>
+                  <a:pt x="11116865" y="1008598"/>
+                  <a:pt x="11166871" y="933005"/>
+                  <a:pt x="11181159" y="848688"/>
+                </a:cubicBezTo>
+                <a:cubicBezTo>
+                  <a:pt x="11184730" y="819614"/>
+                  <a:pt x="11202590" y="802169"/>
+                  <a:pt x="11238309" y="805077"/>
+                </a:cubicBezTo>
+                <a:cubicBezTo>
+                  <a:pt x="11284744" y="810891"/>
+                  <a:pt x="11270456" y="839966"/>
+                  <a:pt x="11266884" y="863226"/>
+                </a:cubicBezTo>
+                <a:cubicBezTo>
+                  <a:pt x="11263312" y="877763"/>
+                  <a:pt x="11252596" y="892300"/>
+                  <a:pt x="11277600" y="906838"/>
+                </a:cubicBezTo>
+                <a:cubicBezTo>
+                  <a:pt x="11531203" y="566666"/>
+                  <a:pt x="11516915" y="386403"/>
+                  <a:pt x="11724084" y="5527"/>
+                </a:cubicBezTo>
+                <a:cubicBezTo>
+                  <a:pt x="11763375" y="89842"/>
+                  <a:pt x="11734800" y="150899"/>
+                  <a:pt x="11727656" y="209048"/>
+                </a:cubicBezTo>
+                <a:cubicBezTo>
+                  <a:pt x="11709796" y="354421"/>
+                  <a:pt x="11677649" y="264290"/>
+                  <a:pt x="11656218" y="409663"/>
+                </a:cubicBezTo>
+                <a:cubicBezTo>
+                  <a:pt x="11645503" y="479442"/>
+                  <a:pt x="11609784" y="543406"/>
+                  <a:pt x="11666934" y="621907"/>
+                </a:cubicBezTo>
+                <a:cubicBezTo>
+                  <a:pt x="11706225" y="674241"/>
+                  <a:pt x="11663362" y="758557"/>
+                  <a:pt x="11631215" y="822521"/>
+                </a:cubicBezTo>
+                <a:cubicBezTo>
+                  <a:pt x="11602640" y="874856"/>
+                  <a:pt x="11595497" y="927190"/>
+                  <a:pt x="11631215" y="996969"/>
+                </a:cubicBezTo>
+                <a:cubicBezTo>
+                  <a:pt x="11652646" y="933005"/>
+                  <a:pt x="11670505" y="883578"/>
+                  <a:pt x="11684793" y="834151"/>
+                </a:cubicBezTo>
+                <a:cubicBezTo>
+                  <a:pt x="11695509" y="793447"/>
+                  <a:pt x="11720512" y="770187"/>
+                  <a:pt x="11774090" y="773095"/>
+                </a:cubicBezTo>
+                <a:cubicBezTo>
+                  <a:pt x="11802665" y="773095"/>
+                  <a:pt x="11841956" y="764373"/>
+                  <a:pt x="11856243" y="793447"/>
+                </a:cubicBezTo>
+                <a:cubicBezTo>
+                  <a:pt x="11870531" y="816706"/>
+                  <a:pt x="11856243" y="848688"/>
+                  <a:pt x="11831240" y="860319"/>
+                </a:cubicBezTo>
+                <a:cubicBezTo>
+                  <a:pt x="11784806" y="874856"/>
+                  <a:pt x="11741944" y="889393"/>
+                  <a:pt x="11738371" y="938820"/>
+                </a:cubicBezTo>
+                <a:cubicBezTo>
+                  <a:pt x="11731228" y="1005691"/>
+                  <a:pt x="11759802" y="967894"/>
+                  <a:pt x="11795521" y="956264"/>
+                </a:cubicBezTo>
+                <a:cubicBezTo>
+                  <a:pt x="11834812" y="944634"/>
+                  <a:pt x="11845527" y="979524"/>
+                  <a:pt x="11838384" y="1002784"/>
+                </a:cubicBezTo>
+                <a:cubicBezTo>
+                  <a:pt x="11806237" y="1090007"/>
+                  <a:pt x="11863387" y="1180138"/>
+                  <a:pt x="11816952" y="1270269"/>
+                </a:cubicBezTo>
+                <a:cubicBezTo>
+                  <a:pt x="11931252" y="1247010"/>
+                  <a:pt x="11981259" y="1197583"/>
+                  <a:pt x="11999118" y="1092915"/>
+                </a:cubicBezTo>
+                <a:cubicBezTo>
+                  <a:pt x="12002690" y="1055118"/>
+                  <a:pt x="11995547" y="1014413"/>
+                  <a:pt x="12027693" y="979524"/>
+                </a:cubicBezTo>
+                <a:cubicBezTo>
+                  <a:pt x="12045553" y="959172"/>
+                  <a:pt x="12066984" y="938820"/>
+                  <a:pt x="12102703" y="953357"/>
+                </a:cubicBezTo>
+                <a:cubicBezTo>
+                  <a:pt x="12127705" y="962080"/>
+                  <a:pt x="12127705" y="985338"/>
+                  <a:pt x="12120562" y="1005691"/>
+                </a:cubicBezTo>
+                <a:cubicBezTo>
+                  <a:pt x="12081272" y="1090007"/>
+                  <a:pt x="12070555" y="1180138"/>
+                  <a:pt x="12056268" y="1267362"/>
+                </a:cubicBezTo>
+                <a:cubicBezTo>
+                  <a:pt x="12052697" y="1281899"/>
+                  <a:pt x="12045553" y="1296437"/>
+                  <a:pt x="12081272" y="1310974"/>
+                </a:cubicBezTo>
+                <a:cubicBezTo>
+                  <a:pt x="12113418" y="1209213"/>
+                  <a:pt x="12156280" y="1110359"/>
+                  <a:pt x="12191999" y="1008598"/>
+                </a:cubicBezTo>
+                <a:lnTo>
+                  <a:pt x="12191999" y="6105653"/>
+                </a:lnTo>
+                <a:lnTo>
+                  <a:pt x="0" y="6105653"/>
+                </a:lnTo>
+                <a:lnTo>
+                  <a:pt x="0" y="927116"/>
+                </a:lnTo>
+                <a:lnTo>
+                  <a:pt x="61930" y="902578"/>
+                </a:lnTo>
+                <a:cubicBezTo>
+                  <a:pt x="91454" y="894128"/>
+                  <a:pt x="122931" y="887949"/>
+                  <a:pt x="155971" y="883588"/>
+                </a:cubicBezTo>
+                <a:cubicBezTo>
+                  <a:pt x="223837" y="877773"/>
+                  <a:pt x="245268" y="839976"/>
+                  <a:pt x="277414" y="802179"/>
+                </a:cubicBezTo>
+                <a:cubicBezTo>
+                  <a:pt x="388143" y="674251"/>
+                  <a:pt x="488155" y="537601"/>
+                  <a:pt x="638174" y="430025"/>
+                </a:cubicBezTo>
+                <a:cubicBezTo>
+                  <a:pt x="620315" y="555046"/>
+                  <a:pt x="520302" y="653899"/>
+                  <a:pt x="477440" y="784735"/>
+                </a:cubicBezTo>
+                <a:cubicBezTo>
+                  <a:pt x="641746" y="680066"/>
+                  <a:pt x="727471" y="543415"/>
+                  <a:pt x="827483" y="418395"/>
+                </a:cubicBezTo>
+                <a:cubicBezTo>
+                  <a:pt x="873917" y="360246"/>
+                  <a:pt x="931068" y="307912"/>
+                  <a:pt x="956071" y="241040"/>
+                </a:cubicBezTo>
+                <a:cubicBezTo>
+                  <a:pt x="961429" y="223595"/>
+                  <a:pt x="972814" y="196338"/>
+                  <a:pt x="999268" y="192386"/>
+                </a:cubicBezTo>
+                <a:cubicBezTo>
+                  <a:pt x="1008086" y="191069"/>
+                  <a:pt x="1018579" y="192341"/>
+                  <a:pt x="1031080" y="197429"/>
+                </a:cubicBezTo>
+                <a:cubicBezTo>
+                  <a:pt x="1073942" y="214873"/>
+                  <a:pt x="1059654" y="246855"/>
+                  <a:pt x="1048940" y="275930"/>
+                </a:cubicBezTo>
+                <a:cubicBezTo>
+                  <a:pt x="1020365" y="345708"/>
+                  <a:pt x="1020365" y="421303"/>
+                  <a:pt x="1020365" y="517249"/>
+                </a:cubicBezTo>
+                <a:cubicBezTo>
+                  <a:pt x="1156096" y="435840"/>
+                  <a:pt x="1113233" y="287560"/>
+                  <a:pt x="1256108" y="217780"/>
+                </a:cubicBezTo>
+                <a:cubicBezTo>
+                  <a:pt x="1281111" y="305004"/>
+                  <a:pt x="1231105" y="371876"/>
+                  <a:pt x="1220389" y="441654"/>
+                </a:cubicBezTo>
+                <a:cubicBezTo>
+                  <a:pt x="1209674" y="505619"/>
+                  <a:pt x="1234677" y="520156"/>
+                  <a:pt x="1313258" y="505619"/>
+                </a:cubicBezTo>
+                <a:cubicBezTo>
+                  <a:pt x="1434702" y="482359"/>
+                  <a:pt x="1495424" y="517249"/>
+                  <a:pt x="1463277" y="610287"/>
+                </a:cubicBezTo>
+                <a:cubicBezTo>
+                  <a:pt x="1431130" y="697511"/>
+                  <a:pt x="1477565" y="706233"/>
+                  <a:pt x="1545430" y="682974"/>
+                </a:cubicBezTo>
+                <a:cubicBezTo>
+                  <a:pt x="1645442" y="648084"/>
+                  <a:pt x="1724024" y="685881"/>
+                  <a:pt x="1809749" y="712048"/>
+                </a:cubicBezTo>
+                <a:cubicBezTo>
+                  <a:pt x="1938336" y="752753"/>
+                  <a:pt x="2002630" y="735308"/>
+                  <a:pt x="2099071" y="650992"/>
+                </a:cubicBezTo>
+                <a:cubicBezTo>
+                  <a:pt x="2152648" y="601565"/>
+                  <a:pt x="2199083" y="552138"/>
+                  <a:pt x="2245518" y="482359"/>
+                </a:cubicBezTo>
+                <a:cubicBezTo>
+                  <a:pt x="2270521" y="642269"/>
+                  <a:pt x="2356245" y="476544"/>
+                  <a:pt x="2409824" y="531786"/>
+                </a:cubicBezTo>
+                <a:cubicBezTo>
+                  <a:pt x="2431255" y="645176"/>
+                  <a:pt x="2259804" y="735308"/>
+                  <a:pt x="2309812" y="889403"/>
+                </a:cubicBezTo>
+                <a:cubicBezTo>
+                  <a:pt x="2456258" y="703326"/>
+                  <a:pt x="2502693" y="493989"/>
+                  <a:pt x="2699146" y="357339"/>
+                </a:cubicBezTo>
+                <a:cubicBezTo>
+                  <a:pt x="2742008" y="389321"/>
+                  <a:pt x="2699146" y="421303"/>
+                  <a:pt x="2717006" y="447469"/>
+                </a:cubicBezTo>
+                <a:cubicBezTo>
+                  <a:pt x="2727721" y="447469"/>
+                  <a:pt x="2659854" y="752753"/>
+                  <a:pt x="2938461" y="770197"/>
+                </a:cubicBezTo>
+                <a:cubicBezTo>
+                  <a:pt x="2938461" y="776012"/>
+                  <a:pt x="2938461" y="781827"/>
+                  <a:pt x="2949178" y="787642"/>
+                </a:cubicBezTo>
+                <a:cubicBezTo>
+                  <a:pt x="2988467" y="819624"/>
+                  <a:pt x="3081336" y="790550"/>
+                  <a:pt x="3088480" y="842883"/>
+                </a:cubicBezTo>
+                <a:cubicBezTo>
+                  <a:pt x="3095624" y="901033"/>
+                  <a:pt x="3127771" y="956275"/>
+                  <a:pt x="3109911" y="1017331"/>
+                </a:cubicBezTo>
+                <a:cubicBezTo>
+                  <a:pt x="3095624" y="1063850"/>
+                  <a:pt x="3077765" y="1113276"/>
+                  <a:pt x="3077765" y="1162704"/>
+                </a:cubicBezTo>
+                <a:cubicBezTo>
+                  <a:pt x="3077765" y="1215038"/>
+                  <a:pt x="2956320" y="1287724"/>
+                  <a:pt x="3117055" y="1319707"/>
+                </a:cubicBezTo>
+                <a:cubicBezTo>
+                  <a:pt x="3124198" y="1319707"/>
+                  <a:pt x="3106339" y="1409837"/>
+                  <a:pt x="3099196" y="1459264"/>
+                </a:cubicBezTo>
+                <a:cubicBezTo>
+                  <a:pt x="3092052" y="1499968"/>
+                  <a:pt x="3059905" y="1549396"/>
+                  <a:pt x="3124198" y="1578470"/>
+                </a:cubicBezTo>
+                <a:cubicBezTo>
+                  <a:pt x="3163490" y="1593007"/>
+                  <a:pt x="3234927" y="1523228"/>
+                  <a:pt x="3242071" y="1462171"/>
+                </a:cubicBezTo>
+                <a:cubicBezTo>
+                  <a:pt x="3249214" y="1406930"/>
+                  <a:pt x="3256358" y="1351689"/>
+                  <a:pt x="3242071" y="1299354"/>
+                </a:cubicBezTo>
+                <a:cubicBezTo>
+                  <a:pt x="3224212" y="1235390"/>
+                  <a:pt x="3252786" y="1200500"/>
+                  <a:pt x="3317080" y="1183056"/>
+                </a:cubicBezTo>
+                <a:cubicBezTo>
+                  <a:pt x="3384945" y="1162704"/>
+                  <a:pt x="3420664" y="1124907"/>
+                  <a:pt x="3452811" y="1072572"/>
+                </a:cubicBezTo>
+                <a:cubicBezTo>
+                  <a:pt x="3531392" y="944644"/>
+                  <a:pt x="3624261" y="822532"/>
+                  <a:pt x="3670696" y="682973"/>
+                </a:cubicBezTo>
+                <a:cubicBezTo>
+                  <a:pt x="3677840" y="656807"/>
+                  <a:pt x="3692127" y="624825"/>
+                  <a:pt x="3752849" y="613194"/>
+                </a:cubicBezTo>
+                <a:cubicBezTo>
+                  <a:pt x="3659980" y="991164"/>
+                  <a:pt x="3420664" y="1334243"/>
+                  <a:pt x="3434952" y="1723843"/>
+                </a:cubicBezTo>
+                <a:cubicBezTo>
+                  <a:pt x="3509961" y="1619174"/>
+                  <a:pt x="3513533" y="1494154"/>
+                  <a:pt x="3567111" y="1380763"/>
+                </a:cubicBezTo>
+                <a:cubicBezTo>
+                  <a:pt x="3606402" y="1462171"/>
+                  <a:pt x="3563540" y="1537765"/>
+                  <a:pt x="3542109" y="1613360"/>
+                </a:cubicBezTo>
+                <a:cubicBezTo>
+                  <a:pt x="3524249" y="1677323"/>
+                  <a:pt x="3520677" y="1735472"/>
+                  <a:pt x="3631405" y="1741287"/>
+                </a:cubicBezTo>
+                <a:cubicBezTo>
+                  <a:pt x="3642121" y="1741287"/>
+                  <a:pt x="3649265" y="1741287"/>
+                  <a:pt x="3659980" y="1741287"/>
+                </a:cubicBezTo>
+                <a:cubicBezTo>
+                  <a:pt x="3706414" y="1718028"/>
+                  <a:pt x="3727846" y="1686046"/>
+                  <a:pt x="3742133" y="1645341"/>
+                </a:cubicBezTo>
+                <a:cubicBezTo>
+                  <a:pt x="3749277" y="1622082"/>
+                  <a:pt x="3763564" y="1590100"/>
+                  <a:pt x="3795712" y="1590100"/>
+                </a:cubicBezTo>
+                <a:cubicBezTo>
+                  <a:pt x="3917155" y="1593007"/>
+                  <a:pt x="3952874" y="1514506"/>
+                  <a:pt x="3988593" y="1438912"/>
+                </a:cubicBezTo>
+                <a:cubicBezTo>
+                  <a:pt x="4049315" y="1479616"/>
+                  <a:pt x="4006452" y="1514506"/>
+                  <a:pt x="4010024" y="1546488"/>
+                </a:cubicBezTo>
+                <a:cubicBezTo>
+                  <a:pt x="4013596" y="1566840"/>
+                  <a:pt x="4017167" y="1587192"/>
+                  <a:pt x="4049315" y="1587192"/>
+                </a:cubicBezTo>
+                <a:cubicBezTo>
+                  <a:pt x="4074317" y="1587192"/>
+                  <a:pt x="4106465" y="1578470"/>
+                  <a:pt x="4106465" y="1558118"/>
+                </a:cubicBezTo>
+                <a:cubicBezTo>
+                  <a:pt x="4110036" y="1430190"/>
+                  <a:pt x="4281487" y="1357503"/>
+                  <a:pt x="4281487" y="1223760"/>
+                </a:cubicBezTo>
+                <a:cubicBezTo>
+                  <a:pt x="4281487" y="1142351"/>
+                  <a:pt x="4377927" y="1264465"/>
+                  <a:pt x="4417219" y="1197593"/>
+                </a:cubicBezTo>
+                <a:cubicBezTo>
+                  <a:pt x="4427935" y="1183056"/>
+                  <a:pt x="4442220" y="1238297"/>
+                  <a:pt x="4438649" y="1261557"/>
+                </a:cubicBezTo>
+                <a:cubicBezTo>
+                  <a:pt x="4435078" y="1284817"/>
+                  <a:pt x="4410074" y="1305169"/>
+                  <a:pt x="4427935" y="1334243"/>
+                </a:cubicBezTo>
+                <a:cubicBezTo>
+                  <a:pt x="4492228" y="1348781"/>
+                  <a:pt x="4517230" y="1310983"/>
+                  <a:pt x="4535090" y="1276094"/>
+                </a:cubicBezTo>
+                <a:cubicBezTo>
+                  <a:pt x="4577952" y="1200500"/>
+                  <a:pt x="4627958" y="1124907"/>
+                  <a:pt x="4642246" y="1040590"/>
+                </a:cubicBezTo>
+                <a:cubicBezTo>
+                  <a:pt x="4645817" y="1011516"/>
+                  <a:pt x="4663677" y="994071"/>
+                  <a:pt x="4699396" y="996979"/>
+                </a:cubicBezTo>
+                <a:cubicBezTo>
+                  <a:pt x="4745832" y="1002793"/>
+                  <a:pt x="4731544" y="1031868"/>
+                  <a:pt x="4727971" y="1055128"/>
+                </a:cubicBezTo>
+                <a:cubicBezTo>
+                  <a:pt x="4724399" y="1069665"/>
+                  <a:pt x="4713683" y="1084202"/>
+                  <a:pt x="4738688" y="1098740"/>
+                </a:cubicBezTo>
+                <a:cubicBezTo>
+                  <a:pt x="4992291" y="758568"/>
+                  <a:pt x="4978002" y="578305"/>
+                  <a:pt x="5185172" y="197429"/>
+                </a:cubicBezTo>
+                <a:cubicBezTo>
+                  <a:pt x="5224462" y="281744"/>
+                  <a:pt x="5195887" y="342801"/>
+                  <a:pt x="5188744" y="400950"/>
+                </a:cubicBezTo>
+                <a:cubicBezTo>
+                  <a:pt x="5170883" y="546323"/>
+                  <a:pt x="5138736" y="456192"/>
+                  <a:pt x="5117306" y="601565"/>
+                </a:cubicBezTo>
+                <a:cubicBezTo>
+                  <a:pt x="5106590" y="671344"/>
+                  <a:pt x="5070871" y="735308"/>
+                  <a:pt x="5128021" y="813809"/>
+                </a:cubicBezTo>
+                <a:cubicBezTo>
+                  <a:pt x="5167312" y="866143"/>
+                  <a:pt x="5124450" y="950459"/>
+                  <a:pt x="5092302" y="1014423"/>
+                </a:cubicBezTo>
+                <a:cubicBezTo>
+                  <a:pt x="5063727" y="1066758"/>
+                  <a:pt x="5056585" y="1119092"/>
+                  <a:pt x="5092302" y="1188871"/>
+                </a:cubicBezTo>
+                <a:cubicBezTo>
+                  <a:pt x="5113734" y="1124907"/>
+                  <a:pt x="5131592" y="1075480"/>
+                  <a:pt x="5145880" y="1026053"/>
+                </a:cubicBezTo>
+                <a:cubicBezTo>
+                  <a:pt x="5156596" y="985349"/>
+                  <a:pt x="5181600" y="962089"/>
+                  <a:pt x="5235177" y="964997"/>
+                </a:cubicBezTo>
+                <a:cubicBezTo>
+                  <a:pt x="5263752" y="964997"/>
+                  <a:pt x="5303044" y="956275"/>
+                  <a:pt x="5317331" y="985349"/>
+                </a:cubicBezTo>
+                <a:cubicBezTo>
+                  <a:pt x="5331618" y="1008608"/>
+                  <a:pt x="5317331" y="1040590"/>
+                  <a:pt x="5292327" y="1052221"/>
+                </a:cubicBezTo>
+                <a:cubicBezTo>
+                  <a:pt x="5245894" y="1066758"/>
+                  <a:pt x="5203031" y="1081295"/>
+                  <a:pt x="5199458" y="1130722"/>
+                </a:cubicBezTo>
+                <a:cubicBezTo>
+                  <a:pt x="5192315" y="1197593"/>
+                  <a:pt x="5220889" y="1159796"/>
+                  <a:pt x="5256608" y="1148166"/>
+                </a:cubicBezTo>
+                <a:cubicBezTo>
+                  <a:pt x="5295899" y="1136536"/>
+                  <a:pt x="5306616" y="1171426"/>
+                  <a:pt x="5299471" y="1194686"/>
+                </a:cubicBezTo>
+                <a:cubicBezTo>
+                  <a:pt x="5267324" y="1281909"/>
+                  <a:pt x="5324474" y="1372040"/>
+                  <a:pt x="5278039" y="1462171"/>
+                </a:cubicBezTo>
+                <a:cubicBezTo>
+                  <a:pt x="5392339" y="1438912"/>
+                  <a:pt x="5442347" y="1389485"/>
+                  <a:pt x="5460205" y="1284817"/>
+                </a:cubicBezTo>
+                <a:cubicBezTo>
+                  <a:pt x="5463777" y="1247020"/>
+                  <a:pt x="5456634" y="1206315"/>
+                  <a:pt x="5488780" y="1171426"/>
+                </a:cubicBezTo>
+                <a:cubicBezTo>
+                  <a:pt x="5502175" y="1156162"/>
+                  <a:pt x="5517579" y="1140898"/>
+                  <a:pt x="5539513" y="1140353"/>
+                </a:cubicBezTo>
+                <a:lnTo>
+                  <a:pt x="5552720" y="1143022"/>
+                </a:lnTo>
+                <a:lnTo>
+                  <a:pt x="5574208" y="1115811"/>
+                </a:lnTo>
+                <a:cubicBezTo>
+                  <a:pt x="5609034" y="1085646"/>
+                  <a:pt x="5659040" y="1068202"/>
+                  <a:pt x="5734050" y="1075470"/>
+                </a:cubicBezTo>
+                <a:cubicBezTo>
+                  <a:pt x="5776912" y="1078377"/>
+                  <a:pt x="5809058" y="1055118"/>
+                  <a:pt x="5798343" y="1020228"/>
+                </a:cubicBezTo>
+                <a:cubicBezTo>
+                  <a:pt x="5776912" y="953357"/>
+                  <a:pt x="5837634" y="921375"/>
+                  <a:pt x="5884068" y="883578"/>
+                </a:cubicBezTo>
+                <a:cubicBezTo>
+                  <a:pt x="5966221" y="816706"/>
+                  <a:pt x="6051947" y="752742"/>
+                  <a:pt x="6066234" y="645166"/>
+                </a:cubicBezTo>
+                <a:cubicBezTo>
+                  <a:pt x="6130528" y="665519"/>
+                  <a:pt x="6123384" y="700408"/>
+                  <a:pt x="6109096" y="732391"/>
+                </a:cubicBezTo>
+                <a:cubicBezTo>
+                  <a:pt x="6073377" y="816706"/>
+                  <a:pt x="6034087" y="901023"/>
+                  <a:pt x="5998368" y="985338"/>
+                </a:cubicBezTo>
+                <a:cubicBezTo>
+                  <a:pt x="5976937" y="1040581"/>
+                  <a:pt x="5944790" y="1095822"/>
+                  <a:pt x="5969793" y="1168509"/>
+                </a:cubicBezTo>
+                <a:cubicBezTo>
+                  <a:pt x="6098380" y="1104545"/>
+                  <a:pt x="6123384" y="996969"/>
+                  <a:pt x="6162674" y="909745"/>
+                </a:cubicBezTo>
+                <a:cubicBezTo>
+                  <a:pt x="6212681" y="802169"/>
+                  <a:pt x="6305549" y="738205"/>
+                  <a:pt x="6412705" y="659704"/>
+                </a:cubicBezTo>
+                <a:cubicBezTo>
+                  <a:pt x="6441280" y="738205"/>
+                  <a:pt x="6362699" y="787632"/>
+                  <a:pt x="6366271" y="851596"/>
+                </a:cubicBezTo>
+                <a:cubicBezTo>
+                  <a:pt x="6376987" y="854503"/>
+                  <a:pt x="6398418" y="860319"/>
+                  <a:pt x="6398418" y="860319"/>
+                </a:cubicBezTo>
+                <a:cubicBezTo>
+                  <a:pt x="6455568" y="755650"/>
+                  <a:pt x="6562724" y="709131"/>
+                  <a:pt x="6694884" y="691686"/>
+                </a:cubicBezTo>
+                <a:cubicBezTo>
+                  <a:pt x="6762750" y="685871"/>
+                  <a:pt x="6784181" y="648074"/>
+                  <a:pt x="6816327" y="610277"/>
+                </a:cubicBezTo>
+                <a:cubicBezTo>
+                  <a:pt x="6927056" y="482349"/>
+                  <a:pt x="7027068" y="345699"/>
+                  <a:pt x="7177087" y="238123"/>
+                </a:cubicBezTo>
+                <a:cubicBezTo>
+                  <a:pt x="7159228" y="363144"/>
+                  <a:pt x="7059215" y="461997"/>
+                  <a:pt x="7016353" y="592833"/>
+                </a:cubicBezTo>
+                <a:cubicBezTo>
+                  <a:pt x="7180659" y="488164"/>
+                  <a:pt x="7266384" y="351513"/>
+                  <a:pt x="7366396" y="226493"/>
+                </a:cubicBezTo>
+                <a:cubicBezTo>
+                  <a:pt x="7412830" y="168344"/>
+                  <a:pt x="7469981" y="116010"/>
+                  <a:pt x="7494984" y="49138"/>
+                </a:cubicBezTo>
+                <a:cubicBezTo>
+                  <a:pt x="7500342" y="31693"/>
+                  <a:pt x="7511727" y="4436"/>
+                  <a:pt x="7538181" y="484"/>
+                </a:cubicBezTo>
+                <a:close/>
+              </a:path>
+            </a:pathLst>
+          </a:custGeom>
+          <a:solidFill>
+            <a:schemeClr val="bg2">
+              <a:alpha val="50000"/>
+            </a:schemeClr>
+          </a:solidFill>
+          <a:ln w="32707" cap="flat">
+            <a:noFill/>
+            <a:prstDash val="solid"/>
+            <a:miter/>
+          </a:ln>
+        </p:spPr>
+        <p:txBody>
+          <a:bodyPr wrap="square" rtlCol="0" anchor="ctr">
+            <a:noAutofit/>
+          </a:bodyPr>
+          <a:lstStyle/>
+          <a:p>
+            <a:pPr algn="ctr"/>
+            <a:endParaRPr lang="en-US" dirty="0">
+              <a:solidFill>
+                <a:schemeClr val="tx1"/>
+              </a:solidFill>
+            </a:endParaRPr>
+          </a:p>
+        </p:txBody>
+      </p:sp>
       <p:sp>
         <p:nvSpPr>
           <p:cNvPr id="2" name="Title 1">
@@ -10367,54 +9519,50 @@
             <p:ph type="title"/>
           </p:nvPr>
         </p:nvSpPr>
-        <p:spPr/>
+        <p:spPr>
+          <a:xfrm>
+            <a:off x="838200" y="365125"/>
+            <a:ext cx="10515600" cy="1325563"/>
+          </a:xfrm>
+        </p:spPr>
         <p:txBody>
-          <a:bodyPr/>
+          <a:bodyPr vert="horz" lIns="91440" tIns="45720" rIns="91440" bIns="45720" rtlCol="0" anchor="ctr">
+            <a:normAutofit/>
+          </a:bodyPr>
           <a:lstStyle/>
           <a:p>
-            <a:pPr algn="ctr"/>
             <a:r>
-              <a:rPr lang="de-DE" b="1" i="0" baseline="0" dirty="0"/>
+              <a:rPr lang="en-US" b="1" i="0" kern="1200" baseline="0">
+                <a:solidFill>
+                  <a:schemeClr val="tx1"/>
+                </a:solidFill>
+                <a:latin typeface="+mj-lt"/>
+                <a:ea typeface="+mj-ea"/>
+                <a:cs typeface="+mj-cs"/>
+              </a:rPr>
               <a:t>Data Loading:</a:t>
             </a:r>
             <a:br>
-              <a:rPr lang="en-US" dirty="0"/>
+              <a:rPr lang="en-US" kern="1200">
+                <a:solidFill>
+                  <a:schemeClr val="tx1"/>
+                </a:solidFill>
+                <a:latin typeface="+mj-lt"/>
+                <a:ea typeface="+mj-ea"/>
+                <a:cs typeface="+mj-cs"/>
+              </a:rPr>
             </a:br>
-            <a:endParaRPr lang="de-DE" dirty="0"/>
+            <a:endParaRPr lang="en-US" kern="1200">
+              <a:solidFill>
+                <a:schemeClr val="tx1"/>
+              </a:solidFill>
+              <a:latin typeface="+mj-lt"/>
+              <a:ea typeface="+mj-ea"/>
+              <a:cs typeface="+mj-cs"/>
+            </a:endParaRPr>
           </a:p>
         </p:txBody>
       </p:sp>
-      <p:graphicFrame>
-        <p:nvGraphicFramePr>
-          <p:cNvPr id="8" name="Rectangle 1">
-            <a:extLst>
-              <a:ext uri="{FF2B5EF4-FFF2-40B4-BE49-F238E27FC236}">
-                <a16:creationId xmlns:a16="http://schemas.microsoft.com/office/drawing/2014/main" id="{7E33FC40-AA4C-F516-DECE-CD95B3349635}"/>
-              </a:ext>
-            </a:extLst>
-          </p:cNvPr>
-          <p:cNvGraphicFramePr>
-            <a:graphicFrameLocks noGrp="1"/>
-          </p:cNvGraphicFramePr>
-          <p:nvPr>
-            <p:ph sz="half" idx="2"/>
-            <p:extLst>
-              <p:ext uri="{D42A27DB-BD31-4B8C-83A1-F6EECF244321}">
-                <p14:modId xmlns:p14="http://schemas.microsoft.com/office/powerpoint/2010/main" val="2714748818"/>
-              </p:ext>
-            </p:extLst>
-          </p:nvPr>
-        </p:nvGraphicFramePr>
-        <p:xfrm>
-          <a:off x="6172200" y="1825625"/>
-          <a:ext cx="5181600" cy="4351338"/>
-        </p:xfrm>
-        <a:graphic>
-          <a:graphicData uri="http://schemas.openxmlformats.org/drawingml/2006/diagram">
-            <dgm:relIds xmlns:dgm="http://schemas.openxmlformats.org/drawingml/2006/diagram" xmlns:r="http://schemas.openxmlformats.org/officeDocument/2006/relationships" r:dm="rId2" r:lo="rId3" r:qs="rId4" r:cs="rId5"/>
-          </a:graphicData>
-        </a:graphic>
-      </p:graphicFrame>
       <p:pic>
         <p:nvPicPr>
           <p:cNvPr id="6" name="Content Placeholder 5" descr="A computer screen shot of a program code&#10;&#10;Description automatically generated">
@@ -10425,28 +9573,600 @@
             </a:extLst>
           </p:cNvPr>
           <p:cNvPicPr>
-            <a:picLocks noGrp="1" noChangeAspect="1"/>
+            <a:picLocks noChangeAspect="1"/>
           </p:cNvPicPr>
-          <p:nvPr>
-            <p:ph sz="half" idx="1"/>
-          </p:nvPr>
+          <p:nvPr/>
         </p:nvPicPr>
         <p:blipFill>
-          <a:blip r:embed="rId7"/>
+          <a:blip r:embed="rId2"/>
           <a:stretch>
             <a:fillRect/>
           </a:stretch>
         </p:blipFill>
         <p:spPr>
           <a:xfrm>
-            <a:off x="838200" y="3207923"/>
-            <a:ext cx="5181600" cy="1586741"/>
+            <a:off x="838200" y="2107870"/>
+            <a:ext cx="5412186" cy="1657353"/>
           </a:xfrm>
           <a:prstGeom prst="rect">
             <a:avLst/>
           </a:prstGeom>
         </p:spPr>
       </p:pic>
+      <p:sp>
+        <p:nvSpPr>
+          <p:cNvPr id="3" name="Rectangle 2">
+            <a:extLst>
+              <a:ext uri="{FF2B5EF4-FFF2-40B4-BE49-F238E27FC236}">
+                <a16:creationId xmlns:a16="http://schemas.microsoft.com/office/drawing/2014/main" id="{B2026F46-5EDB-DB7F-1746-B16CE02474C7}"/>
+              </a:ext>
+            </a:extLst>
+          </p:cNvPr>
+          <p:cNvSpPr/>
+          <p:nvPr/>
+        </p:nvSpPr>
+        <p:spPr>
+          <a:xfrm>
+            <a:off x="838200" y="3877500"/>
+            <a:ext cx="5329825" cy="420144"/>
+          </a:xfrm>
+          <a:prstGeom prst="rect">
+            <a:avLst/>
+          </a:prstGeom>
+        </p:spPr>
+        <p:style>
+          <a:lnRef idx="2">
+            <a:schemeClr val="accent1">
+              <a:shade val="15000"/>
+            </a:schemeClr>
+          </a:lnRef>
+          <a:fillRef idx="1">
+            <a:schemeClr val="accent1"/>
+          </a:fillRef>
+          <a:effectRef idx="0">
+            <a:schemeClr val="accent1"/>
+          </a:effectRef>
+          <a:fontRef idx="minor">
+            <a:schemeClr val="lt1"/>
+          </a:fontRef>
+        </p:style>
+        <p:txBody>
+          <a:bodyPr rtlCol="0" anchor="ctr"/>
+          <a:lstStyle/>
+          <a:p>
+            <a:pPr algn="ctr"/>
+            <a:endParaRPr lang="de-DE"/>
+          </a:p>
+        </p:txBody>
+      </p:sp>
+      <p:sp>
+        <p:nvSpPr>
+          <p:cNvPr id="7" name="TextBox 6">
+            <a:extLst>
+              <a:ext uri="{FF2B5EF4-FFF2-40B4-BE49-F238E27FC236}">
+                <a16:creationId xmlns:a16="http://schemas.microsoft.com/office/drawing/2014/main" id="{A9B28BE2-2D61-7EDA-C9C1-151941CFA7E6}"/>
+              </a:ext>
+            </a:extLst>
+          </p:cNvPr>
+          <p:cNvSpPr txBox="1"/>
+          <p:nvPr/>
+        </p:nvSpPr>
+        <p:spPr>
+          <a:xfrm>
+            <a:off x="838200" y="3907773"/>
+            <a:ext cx="5761973" cy="706668"/>
+          </a:xfrm>
+          <a:prstGeom prst="rect">
+            <a:avLst/>
+          </a:prstGeom>
+          <a:noFill/>
+        </p:spPr>
+        <p:txBody>
+          <a:bodyPr wrap="square">
+            <a:spAutoFit/>
+          </a:bodyPr>
+          <a:lstStyle/>
+          <a:p>
+            <a:pPr defTabSz="859536">
+              <a:spcAft>
+                <a:spcPts val="600"/>
+              </a:spcAft>
+            </a:pPr>
+            <a:r>
+              <a:rPr lang="de-DE" sz="1692" b="1" kern="1200">
+                <a:solidFill>
+                  <a:schemeClr val="tx1"/>
+                </a:solidFill>
+                <a:latin typeface="+mn-lt"/>
+                <a:ea typeface="+mn-ea"/>
+                <a:cs typeface="+mn-cs"/>
+              </a:rPr>
+              <a:t>loadTimeSeries Data</a:t>
+            </a:r>
+            <a:r>
+              <a:rPr lang="de-DE" sz="1692" kern="1200">
+                <a:solidFill>
+                  <a:schemeClr val="tx1"/>
+                </a:solidFill>
+                <a:latin typeface="+mn-lt"/>
+                <a:ea typeface="+mn-ea"/>
+                <a:cs typeface="+mn-cs"/>
+              </a:rPr>
+              <a:t> loads CSV files into Spark DataFrames.</a:t>
+            </a:r>
+          </a:p>
+          <a:p>
+            <a:pPr lvl="0">
+              <a:spcAft>
+                <a:spcPts val="600"/>
+              </a:spcAft>
+            </a:pPr>
+            <a:endParaRPr lang="de-DE"/>
+          </a:p>
+        </p:txBody>
+      </p:sp>
+      <p:sp>
+        <p:nvSpPr>
+          <p:cNvPr id="16" name="Rectangle 1">
+            <a:extLst>
+              <a:ext uri="{FF2B5EF4-FFF2-40B4-BE49-F238E27FC236}">
+                <a16:creationId xmlns:a16="http://schemas.microsoft.com/office/drawing/2014/main" id="{4E77814B-24DC-7086-5A64-9EAFBC3028FC}"/>
+              </a:ext>
+            </a:extLst>
+          </p:cNvPr>
+          <p:cNvSpPr>
+            <a:spLocks noChangeArrowheads="1"/>
+          </p:cNvSpPr>
+          <p:nvPr/>
+        </p:nvSpPr>
+        <p:spPr bwMode="auto">
+          <a:xfrm>
+            <a:off x="6456123" y="2187057"/>
+            <a:ext cx="4292714" cy="3790527"/>
+          </a:xfrm>
+          <a:prstGeom prst="rect">
+            <a:avLst/>
+          </a:prstGeom>
+          <a:noFill/>
+          <a:ln>
+            <a:noFill/>
+          </a:ln>
+          <a:effectLst/>
+          <a:extLst>
+            <a:ext uri="{909E8E84-426E-40DD-AFC4-6F175D3DCCD1}">
+              <a14:hiddenFill xmlns:a14="http://schemas.microsoft.com/office/drawing/2010/main">
+                <a:solidFill>
+                  <a:schemeClr val="accent1"/>
+                </a:solidFill>
+              </a14:hiddenFill>
+            </a:ext>
+            <a:ext uri="{91240B29-F687-4F45-9708-019B960494DF}">
+              <a14:hiddenLine xmlns:a14="http://schemas.microsoft.com/office/drawing/2010/main" w="9525">
+                <a:solidFill>
+                  <a:schemeClr val="tx1"/>
+                </a:solidFill>
+                <a:miter lim="800000"/>
+                <a:headEnd/>
+                <a:tailEnd/>
+              </a14:hiddenLine>
+            </a:ext>
+            <a:ext uri="{AF507438-7753-43E0-B8FC-AC1667EBCBE1}">
+              <a14:hiddenEffects xmlns:a14="http://schemas.microsoft.com/office/drawing/2010/main">
+                <a:effectLst>
+                  <a:outerShdw dist="35921" dir="2700000" algn="ctr" rotWithShape="0">
+                    <a:schemeClr val="bg2"/>
+                  </a:outerShdw>
+                </a:effectLst>
+              </a14:hiddenEffects>
+            </a:ext>
+          </a:extLst>
+        </p:spPr>
+        <p:txBody>
+          <a:bodyPr vert="horz" wrap="none" lIns="0" tIns="198375" rIns="0" bIns="198375" numCol="1" anchor="ctr" anchorCtr="0" compatLnSpc="1">
+            <a:prstTxWarp prst="textNoShape">
+              <a:avLst/>
+            </a:prstTxWarp>
+            <a:spAutoFit/>
+          </a:bodyPr>
+          <a:lstStyle/>
+          <a:p>
+            <a:pPr defTabSz="859536" eaLnBrk="0" fontAlgn="base" hangingPunct="0">
+              <a:spcBef>
+                <a:spcPct val="0"/>
+              </a:spcBef>
+              <a:spcAft>
+                <a:spcPts val="600"/>
+              </a:spcAft>
+            </a:pPr>
+            <a:endParaRPr lang="de-DE" altLang="de-DE" sz="1692" kern="1200">
+              <a:solidFill>
+                <a:schemeClr val="tx1"/>
+              </a:solidFill>
+              <a:latin typeface="Arial" panose="020B0604020202020204" pitchFamily="34" charset="0"/>
+              <a:ea typeface="+mn-ea"/>
+              <a:cs typeface="+mn-cs"/>
+            </a:endParaRPr>
+          </a:p>
+          <a:p>
+            <a:pPr defTabSz="859536" eaLnBrk="0" fontAlgn="base" hangingPunct="0">
+              <a:spcBef>
+                <a:spcPct val="0"/>
+              </a:spcBef>
+              <a:spcAft>
+                <a:spcPts val="600"/>
+              </a:spcAft>
+              <a:buFontTx/>
+              <a:buChar char="•"/>
+            </a:pPr>
+            <a:r>
+              <a:rPr lang="de-DE" altLang="de-DE" sz="1128" kern="1200">
+                <a:solidFill>
+                  <a:srgbClr val="374151"/>
+                </a:solidFill>
+                <a:latin typeface="Söhne"/>
+                <a:ea typeface="+mn-ea"/>
+                <a:cs typeface="+mn-cs"/>
+              </a:rPr>
+              <a:t>Introduction to </a:t>
+            </a:r>
+            <a:r>
+              <a:rPr lang="de-DE" altLang="de-DE" sz="1692" b="1" kern="1200">
+                <a:solidFill>
+                  <a:srgbClr val="374151"/>
+                </a:solidFill>
+                <a:latin typeface="Söhne Mono"/>
+                <a:ea typeface="+mn-ea"/>
+                <a:cs typeface="+mn-cs"/>
+              </a:rPr>
+              <a:t>SINDyAlgorithm</a:t>
+            </a:r>
+            <a:r>
+              <a:rPr lang="de-DE" altLang="de-DE" sz="1128" kern="1200">
+                <a:solidFill>
+                  <a:srgbClr val="374151"/>
+                </a:solidFill>
+                <a:latin typeface="Söhne"/>
+                <a:ea typeface="+mn-ea"/>
+                <a:cs typeface="+mn-cs"/>
+              </a:rPr>
+              <a:t> Scala object.</a:t>
+            </a:r>
+          </a:p>
+          <a:p>
+            <a:pPr defTabSz="859536" eaLnBrk="0" fontAlgn="base" hangingPunct="0">
+              <a:spcBef>
+                <a:spcPct val="0"/>
+              </a:spcBef>
+              <a:spcAft>
+                <a:spcPts val="600"/>
+              </a:spcAft>
+              <a:buFontTx/>
+              <a:buChar char="•"/>
+            </a:pPr>
+            <a:r>
+              <a:rPr lang="de-DE" altLang="de-DE" sz="1692" b="1" kern="1200">
+                <a:solidFill>
+                  <a:srgbClr val="374151"/>
+                </a:solidFill>
+                <a:latin typeface="Söhne Mono"/>
+                <a:ea typeface="+mn-ea"/>
+                <a:cs typeface="+mn-cs"/>
+              </a:rPr>
+              <a:t>loadTimeSeriesData</a:t>
+            </a:r>
+            <a:r>
+              <a:rPr lang="de-DE" altLang="de-DE" sz="1128" kern="1200">
+                <a:solidFill>
+                  <a:srgbClr val="374151"/>
+                </a:solidFill>
+                <a:latin typeface="Söhne"/>
+                <a:ea typeface="+mn-ea"/>
+                <a:cs typeface="+mn-cs"/>
+              </a:rPr>
+              <a:t> method breakdown:</a:t>
+            </a:r>
+          </a:p>
+          <a:p>
+            <a:pPr marL="429768" lvl="1" defTabSz="859536" eaLnBrk="0" fontAlgn="base" hangingPunct="0">
+              <a:spcBef>
+                <a:spcPct val="0"/>
+              </a:spcBef>
+              <a:spcAft>
+                <a:spcPts val="600"/>
+              </a:spcAft>
+              <a:buFontTx/>
+              <a:buChar char="•"/>
+            </a:pPr>
+            <a:r>
+              <a:rPr lang="de-DE" altLang="de-DE" sz="1128" kern="1200">
+                <a:solidFill>
+                  <a:srgbClr val="374151"/>
+                </a:solidFill>
+                <a:latin typeface="Söhne"/>
+                <a:ea typeface="+mn-ea"/>
+                <a:cs typeface="+mn-cs"/>
+              </a:rPr>
+              <a:t>Private method for loading time series data.</a:t>
+            </a:r>
+          </a:p>
+          <a:p>
+            <a:pPr marL="429768" lvl="1" defTabSz="859536" eaLnBrk="0" fontAlgn="base" hangingPunct="0">
+              <a:spcBef>
+                <a:spcPct val="0"/>
+              </a:spcBef>
+              <a:spcAft>
+                <a:spcPts val="600"/>
+              </a:spcAft>
+              <a:buFontTx/>
+              <a:buChar char="•"/>
+            </a:pPr>
+            <a:r>
+              <a:rPr lang="de-DE" altLang="de-DE" sz="1128" kern="1200">
+                <a:solidFill>
+                  <a:srgbClr val="374151"/>
+                </a:solidFill>
+                <a:latin typeface="Söhne"/>
+                <a:ea typeface="+mn-ea"/>
+                <a:cs typeface="+mn-cs"/>
+              </a:rPr>
+              <a:t>Parameters: </a:t>
+            </a:r>
+            <a:r>
+              <a:rPr lang="de-DE" altLang="de-DE" sz="1692" b="1" kern="1200">
+                <a:solidFill>
+                  <a:srgbClr val="374151"/>
+                </a:solidFill>
+                <a:latin typeface="Söhne Mono"/>
+                <a:ea typeface="+mn-ea"/>
+                <a:cs typeface="+mn-cs"/>
+              </a:rPr>
+              <a:t>inputPath</a:t>
+            </a:r>
+            <a:r>
+              <a:rPr lang="de-DE" altLang="de-DE" sz="1128" kern="1200">
+                <a:solidFill>
+                  <a:srgbClr val="374151"/>
+                </a:solidFill>
+                <a:latin typeface="Söhne"/>
+                <a:ea typeface="+mn-ea"/>
+                <a:cs typeface="+mn-cs"/>
+              </a:rPr>
+              <a:t> (String) and </a:t>
+            </a:r>
+            <a:r>
+              <a:rPr lang="de-DE" altLang="de-DE" sz="1692" b="1" kern="1200">
+                <a:solidFill>
+                  <a:srgbClr val="374151"/>
+                </a:solidFill>
+                <a:latin typeface="Söhne Mono"/>
+                <a:ea typeface="+mn-ea"/>
+                <a:cs typeface="+mn-cs"/>
+              </a:rPr>
+              <a:t>spark</a:t>
+            </a:r>
+            <a:r>
+              <a:rPr lang="de-DE" altLang="de-DE" sz="1128" kern="1200">
+                <a:solidFill>
+                  <a:srgbClr val="374151"/>
+                </a:solidFill>
+                <a:latin typeface="Söhne"/>
+                <a:ea typeface="+mn-ea"/>
+                <a:cs typeface="+mn-cs"/>
+              </a:rPr>
+              <a:t> (SparkSession).</a:t>
+            </a:r>
+          </a:p>
+          <a:p>
+            <a:pPr marL="429768" lvl="1" defTabSz="859536" eaLnBrk="0" fontAlgn="base" hangingPunct="0">
+              <a:spcBef>
+                <a:spcPct val="0"/>
+              </a:spcBef>
+              <a:spcAft>
+                <a:spcPts val="600"/>
+              </a:spcAft>
+              <a:buFontTx/>
+              <a:buChar char="•"/>
+            </a:pPr>
+            <a:r>
+              <a:rPr lang="de-DE" altLang="de-DE" sz="1128" kern="1200">
+                <a:solidFill>
+                  <a:srgbClr val="374151"/>
+                </a:solidFill>
+                <a:latin typeface="Söhne"/>
+                <a:ea typeface="+mn-ea"/>
+                <a:cs typeface="+mn-cs"/>
+              </a:rPr>
+              <a:t>Returns: </a:t>
+            </a:r>
+            <a:r>
+              <a:rPr lang="de-DE" altLang="de-DE" sz="1692" b="1" kern="1200">
+                <a:solidFill>
+                  <a:srgbClr val="374151"/>
+                </a:solidFill>
+                <a:latin typeface="Söhne Mono"/>
+                <a:ea typeface="+mn-ea"/>
+                <a:cs typeface="+mn-cs"/>
+              </a:rPr>
+              <a:t>Dataset[Row]</a:t>
+            </a:r>
+            <a:r>
+              <a:rPr lang="de-DE" altLang="de-DE" sz="1128" kern="1200">
+                <a:solidFill>
+                  <a:srgbClr val="374151"/>
+                </a:solidFill>
+                <a:latin typeface="Söhne"/>
+                <a:ea typeface="+mn-ea"/>
+                <a:cs typeface="+mn-cs"/>
+              </a:rPr>
+              <a:t>.</a:t>
+            </a:r>
+          </a:p>
+          <a:p>
+            <a:pPr defTabSz="859536" eaLnBrk="0" fontAlgn="base" hangingPunct="0">
+              <a:spcBef>
+                <a:spcPct val="0"/>
+              </a:spcBef>
+              <a:spcAft>
+                <a:spcPts val="600"/>
+              </a:spcAft>
+              <a:buFontTx/>
+              <a:buChar char="•"/>
+            </a:pPr>
+            <a:r>
+              <a:rPr lang="de-DE" altLang="de-DE" sz="1128" kern="1200">
+                <a:solidFill>
+                  <a:srgbClr val="374151"/>
+                </a:solidFill>
+                <a:latin typeface="Söhne"/>
+                <a:ea typeface="+mn-ea"/>
+                <a:cs typeface="+mn-cs"/>
+              </a:rPr>
+              <a:t>Utilizes Spark's </a:t>
+            </a:r>
+            <a:r>
+              <a:rPr lang="de-DE" altLang="de-DE" sz="1692" b="1" kern="1200">
+                <a:solidFill>
+                  <a:srgbClr val="374151"/>
+                </a:solidFill>
+                <a:latin typeface="Söhne Mono"/>
+                <a:ea typeface="+mn-ea"/>
+                <a:cs typeface="+mn-cs"/>
+              </a:rPr>
+              <a:t>read</a:t>
+            </a:r>
+            <a:r>
+              <a:rPr lang="de-DE" altLang="de-DE" sz="1128" kern="1200">
+                <a:solidFill>
+                  <a:srgbClr val="374151"/>
+                </a:solidFill>
+                <a:latin typeface="Söhne"/>
+                <a:ea typeface="+mn-ea"/>
+                <a:cs typeface="+mn-cs"/>
+              </a:rPr>
+              <a:t> method to read data.</a:t>
+            </a:r>
+          </a:p>
+          <a:p>
+            <a:pPr defTabSz="859536" eaLnBrk="0" fontAlgn="base" hangingPunct="0">
+              <a:spcBef>
+                <a:spcPct val="0"/>
+              </a:spcBef>
+              <a:spcAft>
+                <a:spcPts val="600"/>
+              </a:spcAft>
+              <a:buFontTx/>
+              <a:buChar char="•"/>
+            </a:pPr>
+            <a:r>
+              <a:rPr lang="de-DE" altLang="de-DE" sz="1128" kern="1200">
+                <a:solidFill>
+                  <a:srgbClr val="374151"/>
+                </a:solidFill>
+                <a:latin typeface="Söhne"/>
+                <a:ea typeface="+mn-ea"/>
+                <a:cs typeface="+mn-cs"/>
+              </a:rPr>
+              <a:t>Options set: "inferSchema" set to "true" for schema inference.</a:t>
+            </a:r>
+          </a:p>
+          <a:p>
+            <a:pPr defTabSz="859536" eaLnBrk="0" fontAlgn="base" hangingPunct="0">
+              <a:spcBef>
+                <a:spcPct val="0"/>
+              </a:spcBef>
+              <a:spcAft>
+                <a:spcPts val="600"/>
+              </a:spcAft>
+              <a:buFontTx/>
+              <a:buChar char="•"/>
+            </a:pPr>
+            <a:r>
+              <a:rPr lang="de-DE" altLang="de-DE" sz="1128" kern="1200">
+                <a:solidFill>
+                  <a:srgbClr val="374151"/>
+                </a:solidFill>
+                <a:latin typeface="Söhne"/>
+                <a:ea typeface="+mn-ea"/>
+                <a:cs typeface="+mn-cs"/>
+              </a:rPr>
+              <a:t>Reads data from a CSV file specified by </a:t>
+            </a:r>
+            <a:r>
+              <a:rPr lang="de-DE" altLang="de-DE" sz="1692" b="1" kern="1200">
+                <a:solidFill>
+                  <a:srgbClr val="374151"/>
+                </a:solidFill>
+                <a:latin typeface="Söhne Mono"/>
+                <a:ea typeface="+mn-ea"/>
+                <a:cs typeface="+mn-cs"/>
+              </a:rPr>
+              <a:t>inputPath</a:t>
+            </a:r>
+            <a:r>
+              <a:rPr lang="de-DE" altLang="de-DE" sz="1128" kern="1200">
+                <a:solidFill>
+                  <a:srgbClr val="374151"/>
+                </a:solidFill>
+                <a:latin typeface="Söhne"/>
+                <a:ea typeface="+mn-ea"/>
+                <a:cs typeface="+mn-cs"/>
+              </a:rPr>
+              <a:t>.</a:t>
+            </a:r>
+          </a:p>
+          <a:p>
+            <a:pPr defTabSz="859536" eaLnBrk="0" fontAlgn="base" hangingPunct="0">
+              <a:spcBef>
+                <a:spcPct val="0"/>
+              </a:spcBef>
+              <a:spcAft>
+                <a:spcPts val="600"/>
+              </a:spcAft>
+              <a:buFontTx/>
+              <a:buChar char="•"/>
+            </a:pPr>
+            <a:r>
+              <a:rPr lang="de-DE" altLang="de-DE" sz="1128" kern="1200">
+                <a:solidFill>
+                  <a:srgbClr val="374151"/>
+                </a:solidFill>
+                <a:latin typeface="Söhne"/>
+                <a:ea typeface="+mn-ea"/>
+                <a:cs typeface="+mn-cs"/>
+              </a:rPr>
+              <a:t>Assumes the CSV file has an inferable schema.</a:t>
+            </a:r>
+          </a:p>
+          <a:p>
+            <a:pPr marL="0" marR="0" lvl="0" indent="0" algn="l" defTabSz="914400" rtl="0" eaLnBrk="0" fontAlgn="base" latinLnBrk="0" hangingPunct="0">
+              <a:lnSpc>
+                <a:spcPct val="100000"/>
+              </a:lnSpc>
+              <a:spcBef>
+                <a:spcPct val="0"/>
+              </a:spcBef>
+              <a:spcAft>
+                <a:spcPts val="600"/>
+              </a:spcAft>
+              <a:buClrTx/>
+              <a:buSzTx/>
+              <a:buFontTx/>
+              <a:buNone/>
+              <a:tabLst/>
+            </a:pPr>
+            <a:endParaRPr kumimoji="0" lang="de-DE" altLang="de-DE" sz="1800" b="0" i="0" u="none" strike="noStrike" cap="none" normalizeH="0" baseline="0">
+              <a:ln>
+                <a:noFill/>
+              </a:ln>
+              <a:solidFill>
+                <a:schemeClr val="tx1"/>
+              </a:solidFill>
+              <a:effectLst/>
+              <a:latin typeface="Arial" panose="020B0604020202020204" pitchFamily="34" charset="0"/>
+            </a:endParaRPr>
+          </a:p>
+        </p:txBody>
+      </p:sp>
     </p:spTree>
     <p:extLst>
       <p:ext uri="{BB962C8B-B14F-4D97-AF65-F5344CB8AC3E}">

--- a/Xcess Denied.pptx
+++ b/Xcess Denied.pptx
@@ -9,6 +9,8 @@
     <p:sldId id="257" r:id="rId3"/>
     <p:sldId id="261" r:id="rId4"/>
     <p:sldId id="260" r:id="rId5"/>
+    <p:sldId id="263" r:id="rId6"/>
+    <p:sldId id="264" r:id="rId7"/>
   </p:sldIdLst>
   <p:sldSz cx="12192000" cy="6858000"/>
   <p:notesSz cx="6858000" cy="9144000"/>
@@ -113,6 +115,2432 @@
     </p:ext>
   </p:extLst>
 </p:presentation>
+</file>
+
+<file path=ppt/diagrams/colors1.xml><?xml version="1.0" encoding="utf-8"?>
+<dgm:colorsDef xmlns:dgm="http://schemas.openxmlformats.org/drawingml/2006/diagram" xmlns:a="http://schemas.openxmlformats.org/drawingml/2006/main" uniqueId="urn:microsoft.com/office/officeart/2005/8/colors/colorful2">
+  <dgm:title val=""/>
+  <dgm:desc val=""/>
+  <dgm:catLst>
+    <dgm:cat type="colorful" pri="10200"/>
+  </dgm:catLst>
+  <dgm:styleLbl name="node0">
+    <dgm:fillClrLst meth="repeat">
+      <a:schemeClr val="accent1"/>
+    </dgm:fillClrLst>
+    <dgm:linClrLst meth="repeat">
+      <a:schemeClr val="lt1"/>
+    </dgm:linClrLst>
+    <dgm:effectClrLst/>
+    <dgm:txLinClrLst/>
+    <dgm:txFillClrLst/>
+    <dgm:txEffectClrLst/>
+  </dgm:styleLbl>
+  <dgm:styleLbl name="node1">
+    <dgm:fillClrLst>
+      <a:schemeClr val="accent2"/>
+      <a:schemeClr val="accent3"/>
+    </dgm:fillClrLst>
+    <dgm:linClrLst meth="repeat">
+      <a:schemeClr val="lt1"/>
+    </dgm:linClrLst>
+    <dgm:effectClrLst/>
+    <dgm:txLinClrLst/>
+    <dgm:txFillClrLst/>
+    <dgm:txEffectClrLst/>
+  </dgm:styleLbl>
+  <dgm:styleLbl name="alignNode1">
+    <dgm:fillClrLst>
+      <a:schemeClr val="accent2"/>
+      <a:schemeClr val="accent3"/>
+    </dgm:fillClrLst>
+    <dgm:linClrLst>
+      <a:schemeClr val="accent2"/>
+      <a:schemeClr val="accent3"/>
+    </dgm:linClrLst>
+    <dgm:effectClrLst/>
+    <dgm:txLinClrLst/>
+    <dgm:txFillClrLst/>
+    <dgm:txEffectClrLst/>
+  </dgm:styleLbl>
+  <dgm:styleLbl name="lnNode1">
+    <dgm:fillClrLst>
+      <a:schemeClr val="accent2"/>
+      <a:schemeClr val="accent3"/>
+    </dgm:fillClrLst>
+    <dgm:linClrLst meth="repeat">
+      <a:schemeClr val="lt1"/>
+    </dgm:linClrLst>
+    <dgm:effectClrLst/>
+    <dgm:txLinClrLst/>
+    <dgm:txFillClrLst/>
+    <dgm:txEffectClrLst/>
+  </dgm:styleLbl>
+  <dgm:styleLbl name="vennNode1">
+    <dgm:fillClrLst>
+      <a:schemeClr val="accent2">
+        <a:alpha val="50000"/>
+      </a:schemeClr>
+      <a:schemeClr val="accent3">
+        <a:alpha val="50000"/>
+      </a:schemeClr>
+    </dgm:fillClrLst>
+    <dgm:linClrLst meth="repeat">
+      <a:schemeClr val="lt1"/>
+    </dgm:linClrLst>
+    <dgm:effectClrLst/>
+    <dgm:txLinClrLst/>
+    <dgm:txFillClrLst/>
+    <dgm:txEffectClrLst/>
+  </dgm:styleLbl>
+  <dgm:styleLbl name="node2">
+    <dgm:fillClrLst>
+      <a:schemeClr val="accent3"/>
+    </dgm:fillClrLst>
+    <dgm:linClrLst meth="repeat">
+      <a:schemeClr val="lt1"/>
+    </dgm:linClrLst>
+    <dgm:effectClrLst/>
+    <dgm:txLinClrLst/>
+    <dgm:txFillClrLst/>
+    <dgm:txEffectClrLst/>
+  </dgm:styleLbl>
+  <dgm:styleLbl name="node3">
+    <dgm:fillClrLst>
+      <a:schemeClr val="accent4"/>
+    </dgm:fillClrLst>
+    <dgm:linClrLst meth="repeat">
+      <a:schemeClr val="lt1"/>
+    </dgm:linClrLst>
+    <dgm:effectClrLst/>
+    <dgm:txLinClrLst/>
+    <dgm:txFillClrLst/>
+    <dgm:txEffectClrLst/>
+  </dgm:styleLbl>
+  <dgm:styleLbl name="node4">
+    <dgm:fillClrLst>
+      <a:schemeClr val="accent5"/>
+    </dgm:fillClrLst>
+    <dgm:linClrLst meth="repeat">
+      <a:schemeClr val="lt1"/>
+    </dgm:linClrLst>
+    <dgm:effectClrLst/>
+    <dgm:txLinClrLst/>
+    <dgm:txFillClrLst/>
+    <dgm:txEffectClrLst/>
+  </dgm:styleLbl>
+  <dgm:styleLbl name="fgImgPlace1">
+    <dgm:fillClrLst>
+      <a:schemeClr val="accent2">
+        <a:tint val="50000"/>
+      </a:schemeClr>
+      <a:schemeClr val="accent3">
+        <a:tint val="50000"/>
+      </a:schemeClr>
+    </dgm:fillClrLst>
+    <dgm:linClrLst meth="repeat">
+      <a:schemeClr val="lt1"/>
+    </dgm:linClrLst>
+    <dgm:effectClrLst/>
+    <dgm:txLinClrLst/>
+    <dgm:txFillClrLst meth="repeat">
+      <a:schemeClr val="lt1"/>
+    </dgm:txFillClrLst>
+    <dgm:txEffectClrLst/>
+  </dgm:styleLbl>
+  <dgm:styleLbl name="alignImgPlace1">
+    <dgm:fillClrLst>
+      <a:schemeClr val="accent2">
+        <a:tint val="50000"/>
+      </a:schemeClr>
+      <a:schemeClr val="accent3">
+        <a:tint val="20000"/>
+      </a:schemeClr>
+    </dgm:fillClrLst>
+    <dgm:linClrLst meth="repeat">
+      <a:schemeClr val="lt1"/>
+    </dgm:linClrLst>
+    <dgm:effectClrLst/>
+    <dgm:txLinClrLst/>
+    <dgm:txFillClrLst meth="repeat">
+      <a:schemeClr val="lt1"/>
+    </dgm:txFillClrLst>
+    <dgm:txEffectClrLst/>
+  </dgm:styleLbl>
+  <dgm:styleLbl name="bgImgPlace1">
+    <dgm:fillClrLst>
+      <a:schemeClr val="accent2">
+        <a:tint val="50000"/>
+      </a:schemeClr>
+      <a:schemeClr val="accent3">
+        <a:tint val="20000"/>
+      </a:schemeClr>
+    </dgm:fillClrLst>
+    <dgm:linClrLst meth="repeat">
+      <a:schemeClr val="lt1"/>
+    </dgm:linClrLst>
+    <dgm:effectClrLst/>
+    <dgm:txLinClrLst/>
+    <dgm:txFillClrLst meth="repeat">
+      <a:schemeClr val="lt1"/>
+    </dgm:txFillClrLst>
+    <dgm:txEffectClrLst/>
+  </dgm:styleLbl>
+  <dgm:styleLbl name="sibTrans2D1">
+    <dgm:fillClrLst>
+      <a:schemeClr val="accent2"/>
+      <a:schemeClr val="accent3"/>
+    </dgm:fillClrLst>
+    <dgm:linClrLst meth="repeat">
+      <a:schemeClr val="lt1"/>
+    </dgm:linClrLst>
+    <dgm:effectClrLst/>
+    <dgm:txLinClrLst/>
+    <dgm:txFillClrLst/>
+    <dgm:txEffectClrLst/>
+  </dgm:styleLbl>
+  <dgm:styleLbl name="fgSibTrans2D1">
+    <dgm:fillClrLst>
+      <a:schemeClr val="accent2"/>
+      <a:schemeClr val="accent3"/>
+    </dgm:fillClrLst>
+    <dgm:linClrLst meth="repeat">
+      <a:schemeClr val="lt1"/>
+    </dgm:linClrLst>
+    <dgm:effectClrLst/>
+    <dgm:txLinClrLst/>
+    <dgm:txFillClrLst meth="repeat">
+      <a:schemeClr val="lt1"/>
+    </dgm:txFillClrLst>
+    <dgm:txEffectClrLst/>
+  </dgm:styleLbl>
+  <dgm:styleLbl name="bgSibTrans2D1">
+    <dgm:fillClrLst>
+      <a:schemeClr val="accent2"/>
+      <a:schemeClr val="accent3"/>
+    </dgm:fillClrLst>
+    <dgm:linClrLst meth="repeat">
+      <a:schemeClr val="lt1"/>
+    </dgm:linClrLst>
+    <dgm:effectClrLst/>
+    <dgm:txLinClrLst/>
+    <dgm:txFillClrLst meth="repeat">
+      <a:schemeClr val="lt1"/>
+    </dgm:txFillClrLst>
+    <dgm:txEffectClrLst/>
+  </dgm:styleLbl>
+  <dgm:styleLbl name="sibTrans1D1">
+    <dgm:fillClrLst/>
+    <dgm:linClrLst>
+      <a:schemeClr val="accent2"/>
+      <a:schemeClr val="accent3"/>
+    </dgm:linClrLst>
+    <dgm:effectClrLst/>
+    <dgm:txLinClrLst/>
+    <dgm:txFillClrLst meth="repeat">
+      <a:schemeClr val="tx1"/>
+    </dgm:txFillClrLst>
+    <dgm:txEffectClrLst/>
+  </dgm:styleLbl>
+  <dgm:styleLbl name="callout">
+    <dgm:fillClrLst meth="repeat">
+      <a:schemeClr val="accent2"/>
+    </dgm:fillClrLst>
+    <dgm:linClrLst meth="repeat">
+      <a:schemeClr val="accent2">
+        <a:tint val="50000"/>
+      </a:schemeClr>
+    </dgm:linClrLst>
+    <dgm:effectClrLst/>
+    <dgm:txLinClrLst/>
+    <dgm:txFillClrLst meth="repeat">
+      <a:schemeClr val="tx1"/>
+    </dgm:txFillClrLst>
+    <dgm:txEffectClrLst/>
+  </dgm:styleLbl>
+  <dgm:styleLbl name="asst0">
+    <dgm:fillClrLst meth="repeat">
+      <a:schemeClr val="accent2"/>
+    </dgm:fillClrLst>
+    <dgm:linClrLst meth="repeat">
+      <a:schemeClr val="lt1">
+        <a:shade val="80000"/>
+      </a:schemeClr>
+    </dgm:linClrLst>
+    <dgm:effectClrLst/>
+    <dgm:txLinClrLst/>
+    <dgm:txFillClrLst/>
+    <dgm:txEffectClrLst/>
+  </dgm:styleLbl>
+  <dgm:styleLbl name="asst1">
+    <dgm:fillClrLst meth="repeat">
+      <a:schemeClr val="accent3"/>
+    </dgm:fillClrLst>
+    <dgm:linClrLst meth="repeat">
+      <a:schemeClr val="lt1">
+        <a:shade val="80000"/>
+      </a:schemeClr>
+    </dgm:linClrLst>
+    <dgm:effectClrLst/>
+    <dgm:txLinClrLst/>
+    <dgm:txFillClrLst/>
+    <dgm:txEffectClrLst/>
+  </dgm:styleLbl>
+  <dgm:styleLbl name="asst2">
+    <dgm:fillClrLst>
+      <a:schemeClr val="accent4"/>
+    </dgm:fillClrLst>
+    <dgm:linClrLst meth="repeat">
+      <a:schemeClr val="lt1"/>
+    </dgm:linClrLst>
+    <dgm:effectClrLst/>
+    <dgm:txLinClrLst/>
+    <dgm:txFillClrLst/>
+    <dgm:txEffectClrLst/>
+  </dgm:styleLbl>
+  <dgm:styleLbl name="asst3">
+    <dgm:fillClrLst>
+      <a:schemeClr val="accent5"/>
+    </dgm:fillClrLst>
+    <dgm:linClrLst meth="repeat">
+      <a:schemeClr val="lt1"/>
+    </dgm:linClrLst>
+    <dgm:effectClrLst/>
+    <dgm:txLinClrLst/>
+    <dgm:txFillClrLst/>
+    <dgm:txEffectClrLst/>
+  </dgm:styleLbl>
+  <dgm:styleLbl name="asst4">
+    <dgm:fillClrLst>
+      <a:schemeClr val="accent6"/>
+    </dgm:fillClrLst>
+    <dgm:linClrLst meth="repeat">
+      <a:schemeClr val="lt1"/>
+    </dgm:linClrLst>
+    <dgm:effectClrLst/>
+    <dgm:txLinClrLst/>
+    <dgm:txFillClrLst/>
+    <dgm:txEffectClrLst/>
+  </dgm:styleLbl>
+  <dgm:styleLbl name="parChTrans2D1">
+    <dgm:fillClrLst meth="repeat">
+      <a:schemeClr val="accent2"/>
+    </dgm:fillClrLst>
+    <dgm:linClrLst meth="repeat">
+      <a:schemeClr val="lt1"/>
+    </dgm:linClrLst>
+    <dgm:effectClrLst/>
+    <dgm:txLinClrLst/>
+    <dgm:txFillClrLst meth="repeat">
+      <a:schemeClr val="lt1"/>
+    </dgm:txFillClrLst>
+    <dgm:txEffectClrLst/>
+  </dgm:styleLbl>
+  <dgm:styleLbl name="parChTrans2D2">
+    <dgm:fillClrLst meth="repeat">
+      <a:schemeClr val="accent3"/>
+    </dgm:fillClrLst>
+    <dgm:linClrLst meth="repeat">
+      <a:schemeClr val="lt1"/>
+    </dgm:linClrLst>
+    <dgm:effectClrLst/>
+    <dgm:txLinClrLst/>
+    <dgm:txFillClrLst/>
+    <dgm:txEffectClrLst/>
+  </dgm:styleLbl>
+  <dgm:styleLbl name="parChTrans2D3">
+    <dgm:fillClrLst meth="repeat">
+      <a:schemeClr val="accent4"/>
+    </dgm:fillClrLst>
+    <dgm:linClrLst meth="repeat">
+      <a:schemeClr val="lt1"/>
+    </dgm:linClrLst>
+    <dgm:effectClrLst/>
+    <dgm:txLinClrLst/>
+    <dgm:txFillClrLst/>
+    <dgm:txEffectClrLst/>
+  </dgm:styleLbl>
+  <dgm:styleLbl name="parChTrans2D4">
+    <dgm:fillClrLst meth="repeat">
+      <a:schemeClr val="accent5"/>
+    </dgm:fillClrLst>
+    <dgm:linClrLst meth="repeat">
+      <a:schemeClr val="lt1"/>
+    </dgm:linClrLst>
+    <dgm:effectClrLst/>
+    <dgm:txLinClrLst/>
+    <dgm:txFillClrLst meth="repeat">
+      <a:schemeClr val="lt1"/>
+    </dgm:txFillClrLst>
+    <dgm:txEffectClrLst/>
+  </dgm:styleLbl>
+  <dgm:styleLbl name="parChTrans1D1">
+    <dgm:fillClrLst meth="repeat">
+      <a:schemeClr val="accent2"/>
+    </dgm:fillClrLst>
+    <dgm:linClrLst meth="repeat">
+      <a:schemeClr val="accent2"/>
+    </dgm:linClrLst>
+    <dgm:effectClrLst/>
+    <dgm:txLinClrLst/>
+    <dgm:txFillClrLst meth="repeat">
+      <a:schemeClr val="tx1"/>
+    </dgm:txFillClrLst>
+    <dgm:txEffectClrLst/>
+  </dgm:styleLbl>
+  <dgm:styleLbl name="parChTrans1D2">
+    <dgm:fillClrLst meth="repeat">
+      <a:schemeClr val="accent2">
+        <a:tint val="90000"/>
+      </a:schemeClr>
+    </dgm:fillClrLst>
+    <dgm:linClrLst meth="repeat">
+      <a:schemeClr val="accent3"/>
+    </dgm:linClrLst>
+    <dgm:effectClrLst/>
+    <dgm:txLinClrLst/>
+    <dgm:txFillClrLst meth="repeat">
+      <a:schemeClr val="tx1"/>
+    </dgm:txFillClrLst>
+    <dgm:txEffectClrLst/>
+  </dgm:styleLbl>
+  <dgm:styleLbl name="parChTrans1D3">
+    <dgm:fillClrLst meth="repeat">
+      <a:schemeClr val="accent2">
+        <a:tint val="70000"/>
+      </a:schemeClr>
+    </dgm:fillClrLst>
+    <dgm:linClrLst meth="repeat">
+      <a:schemeClr val="accent4"/>
+    </dgm:linClrLst>
+    <dgm:effectClrLst/>
+    <dgm:txLinClrLst/>
+    <dgm:txFillClrLst meth="repeat">
+      <a:schemeClr val="tx1"/>
+    </dgm:txFillClrLst>
+    <dgm:txEffectClrLst/>
+  </dgm:styleLbl>
+  <dgm:styleLbl name="parChTrans1D4">
+    <dgm:fillClrLst meth="repeat">
+      <a:schemeClr val="accent2">
+        <a:tint val="50000"/>
+      </a:schemeClr>
+    </dgm:fillClrLst>
+    <dgm:linClrLst meth="repeat">
+      <a:schemeClr val="accent5"/>
+    </dgm:linClrLst>
+    <dgm:effectClrLst/>
+    <dgm:txLinClrLst/>
+    <dgm:txFillClrLst meth="repeat">
+      <a:schemeClr val="tx1"/>
+    </dgm:txFillClrLst>
+    <dgm:txEffectClrLst/>
+  </dgm:styleLbl>
+  <dgm:styleLbl name="fgAcc1">
+    <dgm:fillClrLst meth="repeat">
+      <a:schemeClr val="lt1">
+        <a:alpha val="90000"/>
+      </a:schemeClr>
+    </dgm:fillClrLst>
+    <dgm:linClrLst>
+      <a:schemeClr val="accent2"/>
+      <a:schemeClr val="accent3"/>
+    </dgm:linClrLst>
+    <dgm:effectClrLst/>
+    <dgm:txLinClrLst/>
+    <dgm:txFillClrLst meth="repeat">
+      <a:schemeClr val="dk1"/>
+    </dgm:txFillClrLst>
+    <dgm:txEffectClrLst/>
+  </dgm:styleLbl>
+  <dgm:styleLbl name="conFgAcc1">
+    <dgm:fillClrLst meth="repeat">
+      <a:schemeClr val="lt1">
+        <a:alpha val="90000"/>
+      </a:schemeClr>
+    </dgm:fillClrLst>
+    <dgm:linClrLst>
+      <a:schemeClr val="accent2"/>
+      <a:schemeClr val="accent3"/>
+    </dgm:linClrLst>
+    <dgm:effectClrLst/>
+    <dgm:txLinClrLst/>
+    <dgm:txFillClrLst meth="repeat">
+      <a:schemeClr val="dk1"/>
+    </dgm:txFillClrLst>
+    <dgm:txEffectClrLst/>
+  </dgm:styleLbl>
+  <dgm:styleLbl name="alignAcc1">
+    <dgm:fillClrLst meth="repeat">
+      <a:schemeClr val="lt1">
+        <a:alpha val="90000"/>
+      </a:schemeClr>
+    </dgm:fillClrLst>
+    <dgm:linClrLst>
+      <a:schemeClr val="accent2"/>
+      <a:schemeClr val="accent3"/>
+    </dgm:linClrLst>
+    <dgm:effectClrLst/>
+    <dgm:txLinClrLst/>
+    <dgm:txFillClrLst meth="repeat">
+      <a:schemeClr val="dk1"/>
+    </dgm:txFillClrLst>
+    <dgm:txEffectClrLst/>
+  </dgm:styleLbl>
+  <dgm:styleLbl name="trAlignAcc1">
+    <dgm:fillClrLst meth="repeat">
+      <a:schemeClr val="lt1">
+        <a:alpha val="40000"/>
+      </a:schemeClr>
+    </dgm:fillClrLst>
+    <dgm:linClrLst meth="repeat">
+      <a:schemeClr val="accent2"/>
+    </dgm:linClrLst>
+    <dgm:effectClrLst/>
+    <dgm:txLinClrLst/>
+    <dgm:txFillClrLst meth="repeat">
+      <a:schemeClr val="dk1"/>
+    </dgm:txFillClrLst>
+    <dgm:txEffectClrLst/>
+  </dgm:styleLbl>
+  <dgm:styleLbl name="bgAcc1">
+    <dgm:fillClrLst meth="repeat">
+      <a:schemeClr val="lt1">
+        <a:alpha val="90000"/>
+      </a:schemeClr>
+    </dgm:fillClrLst>
+    <dgm:linClrLst>
+      <a:schemeClr val="accent2"/>
+      <a:schemeClr val="accent3"/>
+    </dgm:linClrLst>
+    <dgm:effectClrLst/>
+    <dgm:txLinClrLst/>
+    <dgm:txFillClrLst meth="repeat">
+      <a:schemeClr val="dk1"/>
+    </dgm:txFillClrLst>
+    <dgm:txEffectClrLst/>
+  </dgm:styleLbl>
+  <dgm:styleLbl name="solidFgAcc1">
+    <dgm:fillClrLst meth="repeat">
+      <a:schemeClr val="lt1"/>
+    </dgm:fillClrLst>
+    <dgm:linClrLst>
+      <a:schemeClr val="accent2"/>
+      <a:schemeClr val="accent3"/>
+    </dgm:linClrLst>
+    <dgm:effectClrLst/>
+    <dgm:txLinClrLst/>
+    <dgm:txFillClrLst meth="repeat">
+      <a:schemeClr val="dk1"/>
+    </dgm:txFillClrLst>
+    <dgm:txEffectClrLst/>
+  </dgm:styleLbl>
+  <dgm:styleLbl name="solidAlignAcc1">
+    <dgm:fillClrLst meth="repeat">
+      <a:schemeClr val="lt1"/>
+    </dgm:fillClrLst>
+    <dgm:linClrLst>
+      <a:schemeClr val="accent2"/>
+      <a:schemeClr val="accent3"/>
+    </dgm:linClrLst>
+    <dgm:effectClrLst/>
+    <dgm:txLinClrLst/>
+    <dgm:txFillClrLst meth="repeat">
+      <a:schemeClr val="dk1"/>
+    </dgm:txFillClrLst>
+    <dgm:txEffectClrLst/>
+  </dgm:styleLbl>
+  <dgm:styleLbl name="solidBgAcc1">
+    <dgm:fillClrLst meth="repeat">
+      <a:schemeClr val="lt1"/>
+    </dgm:fillClrLst>
+    <dgm:linClrLst>
+      <a:schemeClr val="accent2"/>
+      <a:schemeClr val="accent3"/>
+    </dgm:linClrLst>
+    <dgm:effectClrLst/>
+    <dgm:txLinClrLst/>
+    <dgm:txFillClrLst meth="repeat">
+      <a:schemeClr val="dk1"/>
+    </dgm:txFillClrLst>
+    <dgm:txEffectClrLst/>
+  </dgm:styleLbl>
+  <dgm:styleLbl name="fgAccFollowNode1">
+    <dgm:fillClrLst>
+      <a:schemeClr val="accent2">
+        <a:tint val="40000"/>
+        <a:alpha val="90000"/>
+      </a:schemeClr>
+      <a:schemeClr val="accent3">
+        <a:tint val="40000"/>
+        <a:alpha val="90000"/>
+      </a:schemeClr>
+    </dgm:fillClrLst>
+    <dgm:linClrLst>
+      <a:schemeClr val="accent2">
+        <a:tint val="40000"/>
+        <a:alpha val="90000"/>
+      </a:schemeClr>
+      <a:schemeClr val="accent3">
+        <a:tint val="40000"/>
+        <a:alpha val="90000"/>
+      </a:schemeClr>
+    </dgm:linClrLst>
+    <dgm:effectClrLst/>
+    <dgm:txLinClrLst/>
+    <dgm:txFillClrLst meth="repeat">
+      <a:schemeClr val="dk1"/>
+    </dgm:txFillClrLst>
+    <dgm:txEffectClrLst/>
+  </dgm:styleLbl>
+  <dgm:styleLbl name="alignAccFollowNode1">
+    <dgm:fillClrLst>
+      <a:schemeClr val="accent2">
+        <a:tint val="40000"/>
+        <a:alpha val="90000"/>
+      </a:schemeClr>
+      <a:schemeClr val="accent3">
+        <a:tint val="40000"/>
+        <a:alpha val="90000"/>
+      </a:schemeClr>
+    </dgm:fillClrLst>
+    <dgm:linClrLst>
+      <a:schemeClr val="accent2">
+        <a:tint val="40000"/>
+        <a:alpha val="90000"/>
+      </a:schemeClr>
+      <a:schemeClr val="accent3">
+        <a:tint val="40000"/>
+        <a:alpha val="90000"/>
+      </a:schemeClr>
+    </dgm:linClrLst>
+    <dgm:effectClrLst/>
+    <dgm:txLinClrLst/>
+    <dgm:txFillClrLst meth="repeat">
+      <a:schemeClr val="dk1"/>
+    </dgm:txFillClrLst>
+    <dgm:txEffectClrLst/>
+  </dgm:styleLbl>
+  <dgm:styleLbl name="bgAccFollowNode1">
+    <dgm:fillClrLst>
+      <a:schemeClr val="accent2">
+        <a:tint val="40000"/>
+        <a:alpha val="90000"/>
+      </a:schemeClr>
+      <a:schemeClr val="accent3">
+        <a:tint val="40000"/>
+        <a:alpha val="90000"/>
+      </a:schemeClr>
+    </dgm:fillClrLst>
+    <dgm:linClrLst>
+      <a:schemeClr val="accent2">
+        <a:tint val="40000"/>
+        <a:alpha val="90000"/>
+      </a:schemeClr>
+      <a:schemeClr val="accent3">
+        <a:tint val="40000"/>
+        <a:alpha val="90000"/>
+      </a:schemeClr>
+    </dgm:linClrLst>
+    <dgm:effectClrLst/>
+    <dgm:txLinClrLst/>
+    <dgm:txFillClrLst meth="repeat">
+      <a:schemeClr val="dk1"/>
+    </dgm:txFillClrLst>
+    <dgm:txEffectClrLst/>
+  </dgm:styleLbl>
+  <dgm:styleLbl name="fgAcc0">
+    <dgm:fillClrLst meth="repeat">
+      <a:schemeClr val="lt1">
+        <a:alpha val="90000"/>
+      </a:schemeClr>
+    </dgm:fillClrLst>
+    <dgm:linClrLst>
+      <a:schemeClr val="accent1"/>
+    </dgm:linClrLst>
+    <dgm:effectClrLst/>
+    <dgm:txLinClrLst/>
+    <dgm:txFillClrLst meth="repeat">
+      <a:schemeClr val="dk1"/>
+    </dgm:txFillClrLst>
+    <dgm:txEffectClrLst/>
+  </dgm:styleLbl>
+  <dgm:styleLbl name="fgAcc2">
+    <dgm:fillClrLst meth="repeat">
+      <a:schemeClr val="lt1">
+        <a:alpha val="90000"/>
+      </a:schemeClr>
+    </dgm:fillClrLst>
+    <dgm:linClrLst>
+      <a:schemeClr val="accent3"/>
+    </dgm:linClrLst>
+    <dgm:effectClrLst/>
+    <dgm:txLinClrLst/>
+    <dgm:txFillClrLst meth="repeat">
+      <a:schemeClr val="dk1"/>
+    </dgm:txFillClrLst>
+    <dgm:txEffectClrLst/>
+  </dgm:styleLbl>
+  <dgm:styleLbl name="fgAcc3">
+    <dgm:fillClrLst meth="repeat">
+      <a:schemeClr val="lt1">
+        <a:alpha val="90000"/>
+      </a:schemeClr>
+    </dgm:fillClrLst>
+    <dgm:linClrLst>
+      <a:schemeClr val="accent4"/>
+    </dgm:linClrLst>
+    <dgm:effectClrLst/>
+    <dgm:txLinClrLst/>
+    <dgm:txFillClrLst meth="repeat">
+      <a:schemeClr val="dk1"/>
+    </dgm:txFillClrLst>
+    <dgm:txEffectClrLst/>
+  </dgm:styleLbl>
+  <dgm:styleLbl name="fgAcc4">
+    <dgm:fillClrLst meth="repeat">
+      <a:schemeClr val="lt1">
+        <a:alpha val="90000"/>
+      </a:schemeClr>
+    </dgm:fillClrLst>
+    <dgm:linClrLst>
+      <a:schemeClr val="accent5"/>
+    </dgm:linClrLst>
+    <dgm:effectClrLst/>
+    <dgm:txLinClrLst/>
+    <dgm:txFillClrLst meth="repeat">
+      <a:schemeClr val="dk1"/>
+    </dgm:txFillClrLst>
+    <dgm:txEffectClrLst/>
+  </dgm:styleLbl>
+  <dgm:styleLbl name="bgShp">
+    <dgm:fillClrLst meth="repeat">
+      <a:schemeClr val="accent2">
+        <a:tint val="40000"/>
+      </a:schemeClr>
+    </dgm:fillClrLst>
+    <dgm:linClrLst meth="repeat">
+      <a:schemeClr val="dk1"/>
+    </dgm:linClrLst>
+    <dgm:effectClrLst/>
+    <dgm:txLinClrLst/>
+    <dgm:txFillClrLst meth="repeat">
+      <a:schemeClr val="dk1"/>
+    </dgm:txFillClrLst>
+    <dgm:txEffectClrLst/>
+  </dgm:styleLbl>
+  <dgm:styleLbl name="dkBgShp">
+    <dgm:fillClrLst meth="repeat">
+      <a:schemeClr val="accent2">
+        <a:shade val="90000"/>
+      </a:schemeClr>
+    </dgm:fillClrLst>
+    <dgm:linClrLst meth="repeat">
+      <a:schemeClr val="dk1"/>
+    </dgm:linClrLst>
+    <dgm:effectClrLst/>
+    <dgm:txLinClrLst/>
+    <dgm:txFillClrLst meth="repeat">
+      <a:schemeClr val="lt1"/>
+    </dgm:txFillClrLst>
+    <dgm:txEffectClrLst/>
+  </dgm:styleLbl>
+  <dgm:styleLbl name="trBgShp">
+    <dgm:fillClrLst meth="repeat">
+      <a:schemeClr val="accent2">
+        <a:tint val="50000"/>
+        <a:alpha val="40000"/>
+      </a:schemeClr>
+    </dgm:fillClrLst>
+    <dgm:linClrLst meth="repeat">
+      <a:schemeClr val="accent2"/>
+    </dgm:linClrLst>
+    <dgm:effectClrLst/>
+    <dgm:txLinClrLst/>
+    <dgm:txFillClrLst meth="repeat">
+      <a:schemeClr val="lt1"/>
+    </dgm:txFillClrLst>
+    <dgm:txEffectClrLst/>
+  </dgm:styleLbl>
+  <dgm:styleLbl name="fgShp">
+    <dgm:fillClrLst meth="repeat">
+      <a:schemeClr val="accent2">
+        <a:tint val="40000"/>
+      </a:schemeClr>
+    </dgm:fillClrLst>
+    <dgm:linClrLst meth="repeat">
+      <a:schemeClr val="lt1"/>
+    </dgm:linClrLst>
+    <dgm:effectClrLst/>
+    <dgm:txLinClrLst/>
+    <dgm:txFillClrLst meth="repeat">
+      <a:schemeClr val="dk1"/>
+    </dgm:txFillClrLst>
+    <dgm:txEffectClrLst/>
+  </dgm:styleLbl>
+  <dgm:styleLbl name="revTx">
+    <dgm:fillClrLst meth="repeat">
+      <a:schemeClr val="lt1">
+        <a:alpha val="0"/>
+      </a:schemeClr>
+    </dgm:fillClrLst>
+    <dgm:linClrLst meth="repeat">
+      <a:schemeClr val="dk1">
+        <a:alpha val="0"/>
+      </a:schemeClr>
+    </dgm:linClrLst>
+    <dgm:effectClrLst/>
+    <dgm:txLinClrLst/>
+    <dgm:txFillClrLst meth="repeat">
+      <a:schemeClr val="tx1"/>
+    </dgm:txFillClrLst>
+    <dgm:txEffectClrLst/>
+  </dgm:styleLbl>
+</dgm:colorsDef>
+</file>
+
+<file path=ppt/diagrams/data1.xml><?xml version="1.0" encoding="utf-8"?>
+<dgm:dataModel xmlns:dgm="http://schemas.openxmlformats.org/drawingml/2006/diagram" xmlns:a="http://schemas.openxmlformats.org/drawingml/2006/main">
+  <dgm:ptLst>
+    <dgm:pt modelId="{44FC0D17-81E8-4515-9ACA-AC55238A25F7}" type="doc">
+      <dgm:prSet loTypeId="urn:microsoft.com/office/officeart/2005/8/layout/vList2" loCatId="list" qsTypeId="urn:microsoft.com/office/officeart/2005/8/quickstyle/simple1" qsCatId="simple" csTypeId="urn:microsoft.com/office/officeart/2005/8/colors/colorful2" csCatId="colorful"/>
+      <dgm:spPr/>
+      <dgm:t>
+        <a:bodyPr/>
+        <a:lstStyle/>
+        <a:p>
+          <a:endParaRPr lang="en-US"/>
+        </a:p>
+      </dgm:t>
+    </dgm:pt>
+    <dgm:pt modelId="{764BBD6E-FE4D-4D2A-9E2C-9AAF10DAAB34}">
+      <dgm:prSet/>
+      <dgm:spPr/>
+      <dgm:t>
+        <a:bodyPr/>
+        <a:lstStyle/>
+        <a:p>
+          <a:r>
+            <a:rPr lang="en-US" b="0" i="0"/>
+            <a:t>The code efficiently extracts attribute sets from combined tables.</a:t>
+          </a:r>
+          <a:endParaRPr lang="en-US"/>
+        </a:p>
+      </dgm:t>
+    </dgm:pt>
+    <dgm:pt modelId="{5A8FE429-C084-4EF1-B96A-EC03B06649A1}" type="parTrans" cxnId="{ED7B7428-7C6A-4342-9965-EDBACA0E58BC}">
+      <dgm:prSet/>
+      <dgm:spPr/>
+      <dgm:t>
+        <a:bodyPr/>
+        <a:lstStyle/>
+        <a:p>
+          <a:endParaRPr lang="en-US"/>
+        </a:p>
+      </dgm:t>
+    </dgm:pt>
+    <dgm:pt modelId="{79809329-1082-4B83-8C36-DC056D81DD80}" type="sibTrans" cxnId="{ED7B7428-7C6A-4342-9965-EDBACA0E58BC}">
+      <dgm:prSet/>
+      <dgm:spPr/>
+      <dgm:t>
+        <a:bodyPr/>
+        <a:lstStyle/>
+        <a:p>
+          <a:endParaRPr lang="en-US"/>
+        </a:p>
+      </dgm:t>
+    </dgm:pt>
+    <dgm:pt modelId="{6DBDAE74-F496-4396-8ECB-F4B5EB10D527}">
+      <dgm:prSet/>
+      <dgm:spPr/>
+      <dgm:t>
+        <a:bodyPr/>
+        <a:lstStyle/>
+        <a:p>
+          <a:r>
+            <a:rPr lang="en-US" b="0" i="0"/>
+            <a:t>It systematically discovers Inclusion Dependencies (INDs) by finding intersecting attribute sets.</a:t>
+          </a:r>
+          <a:endParaRPr lang="en-US"/>
+        </a:p>
+      </dgm:t>
+    </dgm:pt>
+    <dgm:pt modelId="{F5C4BA52-32A2-4D3A-9F67-B91FAD1342D8}" type="parTrans" cxnId="{97033597-A14E-4057-88D0-79C87CF5716C}">
+      <dgm:prSet/>
+      <dgm:spPr/>
+      <dgm:t>
+        <a:bodyPr/>
+        <a:lstStyle/>
+        <a:p>
+          <a:endParaRPr lang="en-US"/>
+        </a:p>
+      </dgm:t>
+    </dgm:pt>
+    <dgm:pt modelId="{DFB2335F-F39E-467B-B351-B196AEEC5413}" type="sibTrans" cxnId="{97033597-A14E-4057-88D0-79C87CF5716C}">
+      <dgm:prSet/>
+      <dgm:spPr/>
+      <dgm:t>
+        <a:bodyPr/>
+        <a:lstStyle/>
+        <a:p>
+          <a:endParaRPr lang="en-US"/>
+        </a:p>
+      </dgm:t>
+    </dgm:pt>
+    <dgm:pt modelId="{A914AB93-B258-4860-BAFF-37EAF273AFCF}">
+      <dgm:prSet/>
+      <dgm:spPr/>
+      <dgm:t>
+        <a:bodyPr/>
+        <a:lstStyle/>
+        <a:p>
+          <a:r>
+            <a:rPr lang="en-US" b="0" i="0"/>
+            <a:t>Results are sorted and printed, providing insights into the relationships within the data.</a:t>
+          </a:r>
+          <a:endParaRPr lang="en-US"/>
+        </a:p>
+      </dgm:t>
+    </dgm:pt>
+    <dgm:pt modelId="{D8A473A1-A540-4C97-AE48-6B25FDDBC657}" type="parTrans" cxnId="{EE6D9741-12D6-47EB-B823-7FC1DF39F3D8}">
+      <dgm:prSet/>
+      <dgm:spPr/>
+      <dgm:t>
+        <a:bodyPr/>
+        <a:lstStyle/>
+        <a:p>
+          <a:endParaRPr lang="en-US"/>
+        </a:p>
+      </dgm:t>
+    </dgm:pt>
+    <dgm:pt modelId="{4EA8A62C-DED5-4ABC-9948-FF1EA0395982}" type="sibTrans" cxnId="{EE6D9741-12D6-47EB-B823-7FC1DF39F3D8}">
+      <dgm:prSet/>
+      <dgm:spPr/>
+      <dgm:t>
+        <a:bodyPr/>
+        <a:lstStyle/>
+        <a:p>
+          <a:endParaRPr lang="en-US"/>
+        </a:p>
+      </dgm:t>
+    </dgm:pt>
+    <dgm:pt modelId="{20EA566D-E842-433C-90B0-4F8DCCA7D738}" type="pres">
+      <dgm:prSet presAssocID="{44FC0D17-81E8-4515-9ACA-AC55238A25F7}" presName="linear" presStyleCnt="0">
+        <dgm:presLayoutVars>
+          <dgm:animLvl val="lvl"/>
+          <dgm:resizeHandles val="exact"/>
+        </dgm:presLayoutVars>
+      </dgm:prSet>
+      <dgm:spPr/>
+    </dgm:pt>
+    <dgm:pt modelId="{939F10F7-74B0-400F-8CFC-DE8EF2CF209D}" type="pres">
+      <dgm:prSet presAssocID="{764BBD6E-FE4D-4D2A-9E2C-9AAF10DAAB34}" presName="parentText" presStyleLbl="node1" presStyleIdx="0" presStyleCnt="3">
+        <dgm:presLayoutVars>
+          <dgm:chMax val="0"/>
+          <dgm:bulletEnabled val="1"/>
+        </dgm:presLayoutVars>
+      </dgm:prSet>
+      <dgm:spPr/>
+    </dgm:pt>
+    <dgm:pt modelId="{71D52B10-B481-438E-ACA3-03219A6FB263}" type="pres">
+      <dgm:prSet presAssocID="{79809329-1082-4B83-8C36-DC056D81DD80}" presName="spacer" presStyleCnt="0"/>
+      <dgm:spPr/>
+    </dgm:pt>
+    <dgm:pt modelId="{553DE5A9-3836-4529-98D0-71DD4541C2B9}" type="pres">
+      <dgm:prSet presAssocID="{6DBDAE74-F496-4396-8ECB-F4B5EB10D527}" presName="parentText" presStyleLbl="node1" presStyleIdx="1" presStyleCnt="3">
+        <dgm:presLayoutVars>
+          <dgm:chMax val="0"/>
+          <dgm:bulletEnabled val="1"/>
+        </dgm:presLayoutVars>
+      </dgm:prSet>
+      <dgm:spPr/>
+    </dgm:pt>
+    <dgm:pt modelId="{0C688D9F-83B9-487B-8E45-BAD7386CA43B}" type="pres">
+      <dgm:prSet presAssocID="{DFB2335F-F39E-467B-B351-B196AEEC5413}" presName="spacer" presStyleCnt="0"/>
+      <dgm:spPr/>
+    </dgm:pt>
+    <dgm:pt modelId="{9002064E-9A03-4C08-A112-6890742B0C19}" type="pres">
+      <dgm:prSet presAssocID="{A914AB93-B258-4860-BAFF-37EAF273AFCF}" presName="parentText" presStyleLbl="node1" presStyleIdx="2" presStyleCnt="3">
+        <dgm:presLayoutVars>
+          <dgm:chMax val="0"/>
+          <dgm:bulletEnabled val="1"/>
+        </dgm:presLayoutVars>
+      </dgm:prSet>
+      <dgm:spPr/>
+    </dgm:pt>
+  </dgm:ptLst>
+  <dgm:cxnLst>
+    <dgm:cxn modelId="{ED7B7428-7C6A-4342-9965-EDBACA0E58BC}" srcId="{44FC0D17-81E8-4515-9ACA-AC55238A25F7}" destId="{764BBD6E-FE4D-4D2A-9E2C-9AAF10DAAB34}" srcOrd="0" destOrd="0" parTransId="{5A8FE429-C084-4EF1-B96A-EC03B06649A1}" sibTransId="{79809329-1082-4B83-8C36-DC056D81DD80}"/>
+    <dgm:cxn modelId="{3A6FC92C-4463-49F0-95C7-844E306D143D}" type="presOf" srcId="{A914AB93-B258-4860-BAFF-37EAF273AFCF}" destId="{9002064E-9A03-4C08-A112-6890742B0C19}" srcOrd="0" destOrd="0" presId="urn:microsoft.com/office/officeart/2005/8/layout/vList2"/>
+    <dgm:cxn modelId="{EE6D9741-12D6-47EB-B823-7FC1DF39F3D8}" srcId="{44FC0D17-81E8-4515-9ACA-AC55238A25F7}" destId="{A914AB93-B258-4860-BAFF-37EAF273AFCF}" srcOrd="2" destOrd="0" parTransId="{D8A473A1-A540-4C97-AE48-6B25FDDBC657}" sibTransId="{4EA8A62C-DED5-4ABC-9948-FF1EA0395982}"/>
+    <dgm:cxn modelId="{4FF90467-B7FB-4034-8AF1-C6FA893BD624}" type="presOf" srcId="{764BBD6E-FE4D-4D2A-9E2C-9AAF10DAAB34}" destId="{939F10F7-74B0-400F-8CFC-DE8EF2CF209D}" srcOrd="0" destOrd="0" presId="urn:microsoft.com/office/officeart/2005/8/layout/vList2"/>
+    <dgm:cxn modelId="{97033597-A14E-4057-88D0-79C87CF5716C}" srcId="{44FC0D17-81E8-4515-9ACA-AC55238A25F7}" destId="{6DBDAE74-F496-4396-8ECB-F4B5EB10D527}" srcOrd="1" destOrd="0" parTransId="{F5C4BA52-32A2-4D3A-9F67-B91FAD1342D8}" sibTransId="{DFB2335F-F39E-467B-B351-B196AEEC5413}"/>
+    <dgm:cxn modelId="{E1F1EF9B-A083-423D-AE0D-605CF17A92BD}" type="presOf" srcId="{6DBDAE74-F496-4396-8ECB-F4B5EB10D527}" destId="{553DE5A9-3836-4529-98D0-71DD4541C2B9}" srcOrd="0" destOrd="0" presId="urn:microsoft.com/office/officeart/2005/8/layout/vList2"/>
+    <dgm:cxn modelId="{2ADF67E1-86AE-49C4-AF68-36FB3C7319A7}" type="presOf" srcId="{44FC0D17-81E8-4515-9ACA-AC55238A25F7}" destId="{20EA566D-E842-433C-90B0-4F8DCCA7D738}" srcOrd="0" destOrd="0" presId="urn:microsoft.com/office/officeart/2005/8/layout/vList2"/>
+    <dgm:cxn modelId="{C7272410-C5D0-4CDC-9C55-076DBCD81C92}" type="presParOf" srcId="{20EA566D-E842-433C-90B0-4F8DCCA7D738}" destId="{939F10F7-74B0-400F-8CFC-DE8EF2CF209D}" srcOrd="0" destOrd="0" presId="urn:microsoft.com/office/officeart/2005/8/layout/vList2"/>
+    <dgm:cxn modelId="{BD3C59F9-08BD-4C58-AA0C-5CF18E2B9821}" type="presParOf" srcId="{20EA566D-E842-433C-90B0-4F8DCCA7D738}" destId="{71D52B10-B481-438E-ACA3-03219A6FB263}" srcOrd="1" destOrd="0" presId="urn:microsoft.com/office/officeart/2005/8/layout/vList2"/>
+    <dgm:cxn modelId="{3BC0AEB6-C1A9-4702-A770-65C29BC8D9E4}" type="presParOf" srcId="{20EA566D-E842-433C-90B0-4F8DCCA7D738}" destId="{553DE5A9-3836-4529-98D0-71DD4541C2B9}" srcOrd="2" destOrd="0" presId="urn:microsoft.com/office/officeart/2005/8/layout/vList2"/>
+    <dgm:cxn modelId="{468B9BB2-D143-411D-AF87-D25206BD91E0}" type="presParOf" srcId="{20EA566D-E842-433C-90B0-4F8DCCA7D738}" destId="{0C688D9F-83B9-487B-8E45-BAD7386CA43B}" srcOrd="3" destOrd="0" presId="urn:microsoft.com/office/officeart/2005/8/layout/vList2"/>
+    <dgm:cxn modelId="{DAD435D5-CCA9-44B6-9DF7-18C5067C1943}" type="presParOf" srcId="{20EA566D-E842-433C-90B0-4F8DCCA7D738}" destId="{9002064E-9A03-4C08-A112-6890742B0C19}" srcOrd="4" destOrd="0" presId="urn:microsoft.com/office/officeart/2005/8/layout/vList2"/>
+  </dgm:cxnLst>
+  <dgm:bg/>
+  <dgm:whole/>
+  <dgm:extLst>
+    <a:ext uri="http://schemas.microsoft.com/office/drawing/2008/diagram">
+      <dsp:dataModelExt xmlns:dsp="http://schemas.microsoft.com/office/drawing/2008/diagram" relId="rId6" minVer="http://schemas.openxmlformats.org/drawingml/2006/diagram"/>
+    </a:ext>
+  </dgm:extLst>
+</dgm:dataModel>
+</file>
+
+<file path=ppt/diagrams/drawing1.xml><?xml version="1.0" encoding="utf-8"?>
+<dsp:drawing xmlns:dgm="http://schemas.openxmlformats.org/drawingml/2006/diagram" xmlns:dsp="http://schemas.microsoft.com/office/drawing/2008/diagram" xmlns:a="http://schemas.openxmlformats.org/drawingml/2006/main">
+  <dsp:spTree>
+    <dsp:nvGrpSpPr>
+      <dsp:cNvPr id="0" name=""/>
+      <dsp:cNvGrpSpPr/>
+    </dsp:nvGrpSpPr>
+    <dsp:grpSpPr/>
+    <dsp:sp modelId="{939F10F7-74B0-400F-8CFC-DE8EF2CF209D}">
+      <dsp:nvSpPr>
+        <dsp:cNvPr id="0" name=""/>
+        <dsp:cNvSpPr/>
+      </dsp:nvSpPr>
+      <dsp:spPr>
+        <a:xfrm>
+          <a:off x="0" y="9918"/>
+          <a:ext cx="10515600" cy="1312740"/>
+        </a:xfrm>
+        <a:prstGeom prst="roundRect">
+          <a:avLst/>
+        </a:prstGeom>
+        <a:solidFill>
+          <a:schemeClr val="accent2">
+            <a:hueOff val="0"/>
+            <a:satOff val="0"/>
+            <a:lumOff val="0"/>
+            <a:alphaOff val="0"/>
+          </a:schemeClr>
+        </a:solidFill>
+        <a:ln w="12700" cap="flat" cmpd="sng" algn="ctr">
+          <a:solidFill>
+            <a:schemeClr val="lt1">
+              <a:hueOff val="0"/>
+              <a:satOff val="0"/>
+              <a:lumOff val="0"/>
+              <a:alphaOff val="0"/>
+            </a:schemeClr>
+          </a:solidFill>
+          <a:prstDash val="solid"/>
+          <a:miter lim="800000"/>
+        </a:ln>
+        <a:effectLst/>
+      </dsp:spPr>
+      <dsp:style>
+        <a:lnRef idx="2">
+          <a:scrgbClr r="0" g="0" b="0"/>
+        </a:lnRef>
+        <a:fillRef idx="1">
+          <a:scrgbClr r="0" g="0" b="0"/>
+        </a:fillRef>
+        <a:effectRef idx="0">
+          <a:scrgbClr r="0" g="0" b="0"/>
+        </a:effectRef>
+        <a:fontRef idx="minor">
+          <a:schemeClr val="lt1"/>
+        </a:fontRef>
+      </dsp:style>
+      <dsp:txBody>
+        <a:bodyPr spcFirstLastPara="0" vert="horz" wrap="square" lIns="125730" tIns="125730" rIns="125730" bIns="125730" numCol="1" spcCol="1270" anchor="ctr" anchorCtr="0">
+          <a:noAutofit/>
+        </a:bodyPr>
+        <a:lstStyle/>
+        <a:p>
+          <a:pPr marL="0" lvl="0" indent="0" algn="l" defTabSz="1466850">
+            <a:lnSpc>
+              <a:spcPct val="90000"/>
+            </a:lnSpc>
+            <a:spcBef>
+              <a:spcPct val="0"/>
+            </a:spcBef>
+            <a:spcAft>
+              <a:spcPct val="35000"/>
+            </a:spcAft>
+            <a:buNone/>
+          </a:pPr>
+          <a:r>
+            <a:rPr lang="en-US" sz="3300" b="0" i="0" kern="1200"/>
+            <a:t>The code efficiently extracts attribute sets from combined tables.</a:t>
+          </a:r>
+          <a:endParaRPr lang="en-US" sz="3300" kern="1200"/>
+        </a:p>
+      </dsp:txBody>
+      <dsp:txXfrm>
+        <a:off x="64083" y="74001"/>
+        <a:ext cx="10387434" cy="1184574"/>
+      </dsp:txXfrm>
+    </dsp:sp>
+    <dsp:sp modelId="{553DE5A9-3836-4529-98D0-71DD4541C2B9}">
+      <dsp:nvSpPr>
+        <dsp:cNvPr id="0" name=""/>
+        <dsp:cNvSpPr/>
+      </dsp:nvSpPr>
+      <dsp:spPr>
+        <a:xfrm>
+          <a:off x="0" y="1417699"/>
+          <a:ext cx="10515600" cy="1312740"/>
+        </a:xfrm>
+        <a:prstGeom prst="roundRect">
+          <a:avLst/>
+        </a:prstGeom>
+        <a:solidFill>
+          <a:schemeClr val="accent2">
+            <a:hueOff val="-727682"/>
+            <a:satOff val="-41964"/>
+            <a:lumOff val="4314"/>
+            <a:alphaOff val="0"/>
+          </a:schemeClr>
+        </a:solidFill>
+        <a:ln w="12700" cap="flat" cmpd="sng" algn="ctr">
+          <a:solidFill>
+            <a:schemeClr val="lt1">
+              <a:hueOff val="0"/>
+              <a:satOff val="0"/>
+              <a:lumOff val="0"/>
+              <a:alphaOff val="0"/>
+            </a:schemeClr>
+          </a:solidFill>
+          <a:prstDash val="solid"/>
+          <a:miter lim="800000"/>
+        </a:ln>
+        <a:effectLst/>
+      </dsp:spPr>
+      <dsp:style>
+        <a:lnRef idx="2">
+          <a:scrgbClr r="0" g="0" b="0"/>
+        </a:lnRef>
+        <a:fillRef idx="1">
+          <a:scrgbClr r="0" g="0" b="0"/>
+        </a:fillRef>
+        <a:effectRef idx="0">
+          <a:scrgbClr r="0" g="0" b="0"/>
+        </a:effectRef>
+        <a:fontRef idx="minor">
+          <a:schemeClr val="lt1"/>
+        </a:fontRef>
+      </dsp:style>
+      <dsp:txBody>
+        <a:bodyPr spcFirstLastPara="0" vert="horz" wrap="square" lIns="125730" tIns="125730" rIns="125730" bIns="125730" numCol="1" spcCol="1270" anchor="ctr" anchorCtr="0">
+          <a:noAutofit/>
+        </a:bodyPr>
+        <a:lstStyle/>
+        <a:p>
+          <a:pPr marL="0" lvl="0" indent="0" algn="l" defTabSz="1466850">
+            <a:lnSpc>
+              <a:spcPct val="90000"/>
+            </a:lnSpc>
+            <a:spcBef>
+              <a:spcPct val="0"/>
+            </a:spcBef>
+            <a:spcAft>
+              <a:spcPct val="35000"/>
+            </a:spcAft>
+            <a:buNone/>
+          </a:pPr>
+          <a:r>
+            <a:rPr lang="en-US" sz="3300" b="0" i="0" kern="1200"/>
+            <a:t>It systematically discovers Inclusion Dependencies (INDs) by finding intersecting attribute sets.</a:t>
+          </a:r>
+          <a:endParaRPr lang="en-US" sz="3300" kern="1200"/>
+        </a:p>
+      </dsp:txBody>
+      <dsp:txXfrm>
+        <a:off x="64083" y="1481782"/>
+        <a:ext cx="10387434" cy="1184574"/>
+      </dsp:txXfrm>
+    </dsp:sp>
+    <dsp:sp modelId="{9002064E-9A03-4C08-A112-6890742B0C19}">
+      <dsp:nvSpPr>
+        <dsp:cNvPr id="0" name=""/>
+        <dsp:cNvSpPr/>
+      </dsp:nvSpPr>
+      <dsp:spPr>
+        <a:xfrm>
+          <a:off x="0" y="2825479"/>
+          <a:ext cx="10515600" cy="1312740"/>
+        </a:xfrm>
+        <a:prstGeom prst="roundRect">
+          <a:avLst/>
+        </a:prstGeom>
+        <a:solidFill>
+          <a:schemeClr val="accent2">
+            <a:hueOff val="-1455363"/>
+            <a:satOff val="-83928"/>
+            <a:lumOff val="8628"/>
+            <a:alphaOff val="0"/>
+          </a:schemeClr>
+        </a:solidFill>
+        <a:ln w="12700" cap="flat" cmpd="sng" algn="ctr">
+          <a:solidFill>
+            <a:schemeClr val="lt1">
+              <a:hueOff val="0"/>
+              <a:satOff val="0"/>
+              <a:lumOff val="0"/>
+              <a:alphaOff val="0"/>
+            </a:schemeClr>
+          </a:solidFill>
+          <a:prstDash val="solid"/>
+          <a:miter lim="800000"/>
+        </a:ln>
+        <a:effectLst/>
+      </dsp:spPr>
+      <dsp:style>
+        <a:lnRef idx="2">
+          <a:scrgbClr r="0" g="0" b="0"/>
+        </a:lnRef>
+        <a:fillRef idx="1">
+          <a:scrgbClr r="0" g="0" b="0"/>
+        </a:fillRef>
+        <a:effectRef idx="0">
+          <a:scrgbClr r="0" g="0" b="0"/>
+        </a:effectRef>
+        <a:fontRef idx="minor">
+          <a:schemeClr val="lt1"/>
+        </a:fontRef>
+      </dsp:style>
+      <dsp:txBody>
+        <a:bodyPr spcFirstLastPara="0" vert="horz" wrap="square" lIns="125730" tIns="125730" rIns="125730" bIns="125730" numCol="1" spcCol="1270" anchor="ctr" anchorCtr="0">
+          <a:noAutofit/>
+        </a:bodyPr>
+        <a:lstStyle/>
+        <a:p>
+          <a:pPr marL="0" lvl="0" indent="0" algn="l" defTabSz="1466850">
+            <a:lnSpc>
+              <a:spcPct val="90000"/>
+            </a:lnSpc>
+            <a:spcBef>
+              <a:spcPct val="0"/>
+            </a:spcBef>
+            <a:spcAft>
+              <a:spcPct val="35000"/>
+            </a:spcAft>
+            <a:buNone/>
+          </a:pPr>
+          <a:r>
+            <a:rPr lang="en-US" sz="3300" b="0" i="0" kern="1200"/>
+            <a:t>Results are sorted and printed, providing insights into the relationships within the data.</a:t>
+          </a:r>
+          <a:endParaRPr lang="en-US" sz="3300" kern="1200"/>
+        </a:p>
+      </dsp:txBody>
+      <dsp:txXfrm>
+        <a:off x="64083" y="2889562"/>
+        <a:ext cx="10387434" cy="1184574"/>
+      </dsp:txXfrm>
+    </dsp:sp>
+  </dsp:spTree>
+</dsp:drawing>
+</file>
+
+<file path=ppt/diagrams/layout1.xml><?xml version="1.0" encoding="utf-8"?>
+<dgm:layoutDef xmlns:dgm="http://schemas.openxmlformats.org/drawingml/2006/diagram" xmlns:a="http://schemas.openxmlformats.org/drawingml/2006/main" uniqueId="urn:microsoft.com/office/officeart/2005/8/layout/vList2">
+  <dgm:title val=""/>
+  <dgm:desc val=""/>
+  <dgm:catLst>
+    <dgm:cat type="list" pri="3000"/>
+    <dgm:cat type="convert" pri="1000"/>
+  </dgm:catLst>
+  <dgm:sampData>
+    <dgm:dataModel>
+      <dgm:ptLst>
+        <dgm:pt modelId="0" type="doc"/>
+        <dgm:pt modelId="1">
+          <dgm:prSet phldr="1"/>
+        </dgm:pt>
+        <dgm:pt modelId="11">
+          <dgm:prSet phldr="1"/>
+        </dgm:pt>
+        <dgm:pt modelId="2">
+          <dgm:prSet phldr="1"/>
+        </dgm:pt>
+        <dgm:pt modelId="21">
+          <dgm:prSet phldr="1"/>
+        </dgm:pt>
+      </dgm:ptLst>
+      <dgm:cxnLst>
+        <dgm:cxn modelId="4" srcId="0" destId="1" srcOrd="0" destOrd="0"/>
+        <dgm:cxn modelId="5" srcId="0" destId="2" srcOrd="1" destOrd="0"/>
+        <dgm:cxn modelId="12" srcId="1" destId="11" srcOrd="0" destOrd="0"/>
+        <dgm:cxn modelId="23" srcId="2" destId="21" srcOrd="0" destOrd="0"/>
+      </dgm:cxnLst>
+      <dgm:bg/>
+      <dgm:whole/>
+    </dgm:dataModel>
+  </dgm:sampData>
+  <dgm:styleData>
+    <dgm:dataModel>
+      <dgm:ptLst>
+        <dgm:pt modelId="0" type="doc"/>
+        <dgm:pt modelId="1"/>
+        <dgm:pt modelId="2"/>
+      </dgm:ptLst>
+      <dgm:cxnLst>
+        <dgm:cxn modelId="3" srcId="0" destId="1" srcOrd="0" destOrd="0"/>
+        <dgm:cxn modelId="4" srcId="0" destId="2" srcOrd="1" destOrd="0"/>
+      </dgm:cxnLst>
+      <dgm:bg/>
+      <dgm:whole/>
+    </dgm:dataModel>
+  </dgm:styleData>
+  <dgm:clrData>
+    <dgm:dataModel>
+      <dgm:ptLst>
+        <dgm:pt modelId="0" type="doc"/>
+        <dgm:pt modelId="1"/>
+        <dgm:pt modelId="2"/>
+        <dgm:pt modelId="3"/>
+        <dgm:pt modelId="4"/>
+      </dgm:ptLst>
+      <dgm:cxnLst>
+        <dgm:cxn modelId="5" srcId="0" destId="1" srcOrd="0" destOrd="0"/>
+        <dgm:cxn modelId="6" srcId="0" destId="2" srcOrd="1" destOrd="0"/>
+        <dgm:cxn modelId="7" srcId="0" destId="3" srcOrd="2" destOrd="0"/>
+        <dgm:cxn modelId="8" srcId="0" destId="4" srcOrd="3" destOrd="0"/>
+      </dgm:cxnLst>
+      <dgm:bg/>
+      <dgm:whole/>
+    </dgm:dataModel>
+  </dgm:clrData>
+  <dgm:layoutNode name="linear">
+    <dgm:varLst>
+      <dgm:animLvl val="lvl"/>
+      <dgm:resizeHandles val="exact"/>
+    </dgm:varLst>
+    <dgm:alg type="lin">
+      <dgm:param type="linDir" val="fromT"/>
+      <dgm:param type="vertAlign" val="mid"/>
+    </dgm:alg>
+    <dgm:shape xmlns:r="http://schemas.openxmlformats.org/officeDocument/2006/relationships" r:blip="">
+      <dgm:adjLst/>
+    </dgm:shape>
+    <dgm:presOf/>
+    <dgm:constrLst>
+      <dgm:constr type="w" for="ch" forName="parentText" refType="w"/>
+      <dgm:constr type="h" for="ch" forName="parentText" refType="primFontSz" refFor="ch" refForName="parentText" fact="0.52"/>
+      <dgm:constr type="w" for="ch" forName="childText" refType="w"/>
+      <dgm:constr type="h" for="ch" forName="childText" refType="primFontSz" refFor="ch" refForName="parentText" fact="0.46"/>
+      <dgm:constr type="h" for="ch" forName="parentText" op="equ"/>
+      <dgm:constr type="primFontSz" for="ch" forName="parentText" op="equ" val="65"/>
+      <dgm:constr type="primFontSz" for="ch" forName="childText" refType="primFontSz" refFor="ch" refForName="parentText" op="equ"/>
+      <dgm:constr type="h" for="ch" forName="spacer" refType="primFontSz" refFor="ch" refForName="parentText" fact="0.08"/>
+    </dgm:constrLst>
+    <dgm:ruleLst>
+      <dgm:rule type="primFontSz" for="ch" forName="parentText" val="5" fact="NaN" max="NaN"/>
+    </dgm:ruleLst>
+    <dgm:forEach name="Name0" axis="ch" ptType="node">
+      <dgm:layoutNode name="parentText" styleLbl="node1">
+        <dgm:varLst>
+          <dgm:chMax val="0"/>
+          <dgm:bulletEnabled val="1"/>
+        </dgm:varLst>
+        <dgm:alg type="tx">
+          <dgm:param type="parTxLTRAlign" val="l"/>
+          <dgm:param type="parTxRTLAlign" val="r"/>
+        </dgm:alg>
+        <dgm:shape xmlns:r="http://schemas.openxmlformats.org/officeDocument/2006/relationships" type="roundRect" r:blip="">
+          <dgm:adjLst/>
+        </dgm:shape>
+        <dgm:presOf axis="self"/>
+        <dgm:constrLst>
+          <dgm:constr type="tMarg" refType="primFontSz" fact="0.3"/>
+          <dgm:constr type="bMarg" refType="primFontSz" fact="0.3"/>
+          <dgm:constr type="lMarg" refType="primFontSz" fact="0.3"/>
+          <dgm:constr type="rMarg" refType="primFontSz" fact="0.3"/>
+        </dgm:constrLst>
+        <dgm:ruleLst>
+          <dgm:rule type="h" val="INF" fact="NaN" max="NaN"/>
+        </dgm:ruleLst>
+      </dgm:layoutNode>
+      <dgm:choose name="Name1">
+        <dgm:if name="Name2" axis="ch" ptType="node" func="cnt" op="gte" val="1">
+          <dgm:layoutNode name="childText" styleLbl="revTx">
+            <dgm:varLst>
+              <dgm:bulletEnabled val="1"/>
+            </dgm:varLst>
+            <dgm:alg type="tx">
+              <dgm:param type="stBulletLvl" val="1"/>
+              <dgm:param type="lnSpAfChP" val="20"/>
+            </dgm:alg>
+            <dgm:shape xmlns:r="http://schemas.openxmlformats.org/officeDocument/2006/relationships" type="rect" r:blip="">
+              <dgm:adjLst/>
+            </dgm:shape>
+            <dgm:presOf axis="des" ptType="node"/>
+            <dgm:constrLst>
+              <dgm:constr type="tMarg" refType="primFontSz" fact="0.1"/>
+              <dgm:constr type="bMarg" refType="primFontSz" fact="0.1"/>
+              <dgm:constr type="lMarg" refType="w" fact="0.09"/>
+            </dgm:constrLst>
+            <dgm:ruleLst>
+              <dgm:rule type="h" val="INF" fact="NaN" max="NaN"/>
+            </dgm:ruleLst>
+          </dgm:layoutNode>
+        </dgm:if>
+        <dgm:else name="Name3">
+          <dgm:choose name="Name4">
+            <dgm:if name="Name5" axis="par ch" ptType="doc node" func="cnt" op="gte" val="2">
+              <dgm:forEach name="Name6" axis="followSib" ptType="sibTrans" cnt="1">
+                <dgm:layoutNode name="spacer">
+                  <dgm:alg type="sp"/>
+                  <dgm:shape xmlns:r="http://schemas.openxmlformats.org/officeDocument/2006/relationships" r:blip="">
+                    <dgm:adjLst/>
+                  </dgm:shape>
+                  <dgm:presOf/>
+                  <dgm:constrLst/>
+                  <dgm:ruleLst/>
+                </dgm:layoutNode>
+              </dgm:forEach>
+            </dgm:if>
+            <dgm:else name="Name7"/>
+          </dgm:choose>
+        </dgm:else>
+      </dgm:choose>
+    </dgm:forEach>
+  </dgm:layoutNode>
+</dgm:layoutDef>
+</file>
+
+<file path=ppt/diagrams/quickStyle1.xml><?xml version="1.0" encoding="utf-8"?>
+<dgm:styleDef xmlns:dgm="http://schemas.openxmlformats.org/drawingml/2006/diagram" xmlns:a="http://schemas.openxmlformats.org/drawingml/2006/main" uniqueId="urn:microsoft.com/office/officeart/2005/8/quickstyle/simple1">
+  <dgm:title val=""/>
+  <dgm:desc val=""/>
+  <dgm:catLst>
+    <dgm:cat type="simple" pri="10100"/>
+  </dgm:catLst>
+  <dgm:scene3d>
+    <a:camera prst="orthographicFront"/>
+    <a:lightRig rig="threePt" dir="t"/>
+  </dgm:scene3d>
+  <dgm:styleLbl name="node0">
+    <dgm:scene3d>
+      <a:camera prst="orthographicFront"/>
+      <a:lightRig rig="threePt" dir="t"/>
+    </dgm:scene3d>
+    <dgm:sp3d/>
+    <dgm:txPr/>
+    <dgm:style>
+      <a:lnRef idx="2">
+        <a:scrgbClr r="0" g="0" b="0"/>
+      </a:lnRef>
+      <a:fillRef idx="1">
+        <a:scrgbClr r="0" g="0" b="0"/>
+      </a:fillRef>
+      <a:effectRef idx="0">
+        <a:scrgbClr r="0" g="0" b="0"/>
+      </a:effectRef>
+      <a:fontRef idx="minor">
+        <a:schemeClr val="lt1"/>
+      </a:fontRef>
+    </dgm:style>
+  </dgm:styleLbl>
+  <dgm:styleLbl name="lnNode1">
+    <dgm:scene3d>
+      <a:camera prst="orthographicFront"/>
+      <a:lightRig rig="threePt" dir="t"/>
+    </dgm:scene3d>
+    <dgm:sp3d/>
+    <dgm:txPr/>
+    <dgm:style>
+      <a:lnRef idx="2">
+        <a:scrgbClr r="0" g="0" b="0"/>
+      </a:lnRef>
+      <a:fillRef idx="1">
+        <a:scrgbClr r="0" g="0" b="0"/>
+      </a:fillRef>
+      <a:effectRef idx="0">
+        <a:scrgbClr r="0" g="0" b="0"/>
+      </a:effectRef>
+      <a:fontRef idx="minor">
+        <a:schemeClr val="lt1"/>
+      </a:fontRef>
+    </dgm:style>
+  </dgm:styleLbl>
+  <dgm:styleLbl name="vennNode1">
+    <dgm:scene3d>
+      <a:camera prst="orthographicFront"/>
+      <a:lightRig rig="threePt" dir="t"/>
+    </dgm:scene3d>
+    <dgm:sp3d/>
+    <dgm:txPr/>
+    <dgm:style>
+      <a:lnRef idx="2">
+        <a:scrgbClr r="0" g="0" b="0"/>
+      </a:lnRef>
+      <a:fillRef idx="1">
+        <a:scrgbClr r="0" g="0" b="0"/>
+      </a:fillRef>
+      <a:effectRef idx="0">
+        <a:scrgbClr r="0" g="0" b="0"/>
+      </a:effectRef>
+      <a:fontRef idx="minor">
+        <a:schemeClr val="tx1"/>
+      </a:fontRef>
+    </dgm:style>
+  </dgm:styleLbl>
+  <dgm:styleLbl name="alignNode1">
+    <dgm:scene3d>
+      <a:camera prst="orthographicFront"/>
+      <a:lightRig rig="threePt" dir="t"/>
+    </dgm:scene3d>
+    <dgm:sp3d/>
+    <dgm:txPr/>
+    <dgm:style>
+      <a:lnRef idx="2">
+        <a:scrgbClr r="0" g="0" b="0"/>
+      </a:lnRef>
+      <a:fillRef idx="1">
+        <a:scrgbClr r="0" g="0" b="0"/>
+      </a:fillRef>
+      <a:effectRef idx="0">
+        <a:scrgbClr r="0" g="0" b="0"/>
+      </a:effectRef>
+      <a:fontRef idx="minor">
+        <a:schemeClr val="lt1"/>
+      </a:fontRef>
+    </dgm:style>
+  </dgm:styleLbl>
+  <dgm:styleLbl name="node1">
+    <dgm:scene3d>
+      <a:camera prst="orthographicFront"/>
+      <a:lightRig rig="threePt" dir="t"/>
+    </dgm:scene3d>
+    <dgm:sp3d/>
+    <dgm:txPr/>
+    <dgm:style>
+      <a:lnRef idx="2">
+        <a:scrgbClr r="0" g="0" b="0"/>
+      </a:lnRef>
+      <a:fillRef idx="1">
+        <a:scrgbClr r="0" g="0" b="0"/>
+      </a:fillRef>
+      <a:effectRef idx="0">
+        <a:scrgbClr r="0" g="0" b="0"/>
+      </a:effectRef>
+      <a:fontRef idx="minor">
+        <a:schemeClr val="lt1"/>
+      </a:fontRef>
+    </dgm:style>
+  </dgm:styleLbl>
+  <dgm:styleLbl name="node2">
+    <dgm:scene3d>
+      <a:camera prst="orthographicFront"/>
+      <a:lightRig rig="threePt" dir="t"/>
+    </dgm:scene3d>
+    <dgm:sp3d/>
+    <dgm:txPr/>
+    <dgm:style>
+      <a:lnRef idx="2">
+        <a:scrgbClr r="0" g="0" b="0"/>
+      </a:lnRef>
+      <a:fillRef idx="1">
+        <a:scrgbClr r="0" g="0" b="0"/>
+      </a:fillRef>
+      <a:effectRef idx="0">
+        <a:scrgbClr r="0" g="0" b="0"/>
+      </a:effectRef>
+      <a:fontRef idx="minor">
+        <a:schemeClr val="lt1"/>
+      </a:fontRef>
+    </dgm:style>
+  </dgm:styleLbl>
+  <dgm:styleLbl name="node3">
+    <dgm:scene3d>
+      <a:camera prst="orthographicFront"/>
+      <a:lightRig rig="threePt" dir="t"/>
+    </dgm:scene3d>
+    <dgm:sp3d/>
+    <dgm:txPr/>
+    <dgm:style>
+      <a:lnRef idx="2">
+        <a:scrgbClr r="0" g="0" b="0"/>
+      </a:lnRef>
+      <a:fillRef idx="1">
+        <a:scrgbClr r="0" g="0" b="0"/>
+      </a:fillRef>
+      <a:effectRef idx="0">
+        <a:scrgbClr r="0" g="0" b="0"/>
+      </a:effectRef>
+      <a:fontRef idx="minor">
+        <a:schemeClr val="lt1"/>
+      </a:fontRef>
+    </dgm:style>
+  </dgm:styleLbl>
+  <dgm:styleLbl name="node4">
+    <dgm:scene3d>
+      <a:camera prst="orthographicFront"/>
+      <a:lightRig rig="threePt" dir="t"/>
+    </dgm:scene3d>
+    <dgm:sp3d/>
+    <dgm:txPr/>
+    <dgm:style>
+      <a:lnRef idx="2">
+        <a:scrgbClr r="0" g="0" b="0"/>
+      </a:lnRef>
+      <a:fillRef idx="1">
+        <a:scrgbClr r="0" g="0" b="0"/>
+      </a:fillRef>
+      <a:effectRef idx="0">
+        <a:scrgbClr r="0" g="0" b="0"/>
+      </a:effectRef>
+      <a:fontRef idx="minor">
+        <a:schemeClr val="lt1"/>
+      </a:fontRef>
+    </dgm:style>
+  </dgm:styleLbl>
+  <dgm:styleLbl name="fgImgPlace1">
+    <dgm:scene3d>
+      <a:camera prst="orthographicFront"/>
+      <a:lightRig rig="threePt" dir="t"/>
+    </dgm:scene3d>
+    <dgm:sp3d/>
+    <dgm:txPr/>
+    <dgm:style>
+      <a:lnRef idx="2">
+        <a:scrgbClr r="0" g="0" b="0"/>
+      </a:lnRef>
+      <a:fillRef idx="1">
+        <a:scrgbClr r="0" g="0" b="0"/>
+      </a:fillRef>
+      <a:effectRef idx="0">
+        <a:scrgbClr r="0" g="0" b="0"/>
+      </a:effectRef>
+      <a:fontRef idx="minor"/>
+    </dgm:style>
+  </dgm:styleLbl>
+  <dgm:styleLbl name="alignImgPlace1">
+    <dgm:scene3d>
+      <a:camera prst="orthographicFront"/>
+      <a:lightRig rig="threePt" dir="t"/>
+    </dgm:scene3d>
+    <dgm:sp3d/>
+    <dgm:txPr/>
+    <dgm:style>
+      <a:lnRef idx="2">
+        <a:scrgbClr r="0" g="0" b="0"/>
+      </a:lnRef>
+      <a:fillRef idx="1">
+        <a:scrgbClr r="0" g="0" b="0"/>
+      </a:fillRef>
+      <a:effectRef idx="0">
+        <a:scrgbClr r="0" g="0" b="0"/>
+      </a:effectRef>
+      <a:fontRef idx="minor"/>
+    </dgm:style>
+  </dgm:styleLbl>
+  <dgm:styleLbl name="bgImgPlace1">
+    <dgm:scene3d>
+      <a:camera prst="orthographicFront"/>
+      <a:lightRig rig="threePt" dir="t"/>
+    </dgm:scene3d>
+    <dgm:sp3d/>
+    <dgm:txPr/>
+    <dgm:style>
+      <a:lnRef idx="2">
+        <a:scrgbClr r="0" g="0" b="0"/>
+      </a:lnRef>
+      <a:fillRef idx="1">
+        <a:scrgbClr r="0" g="0" b="0"/>
+      </a:fillRef>
+      <a:effectRef idx="0">
+        <a:scrgbClr r="0" g="0" b="0"/>
+      </a:effectRef>
+      <a:fontRef idx="minor"/>
+    </dgm:style>
+  </dgm:styleLbl>
+  <dgm:styleLbl name="sibTrans2D1">
+    <dgm:scene3d>
+      <a:camera prst="orthographicFront"/>
+      <a:lightRig rig="threePt" dir="t"/>
+    </dgm:scene3d>
+    <dgm:sp3d/>
+    <dgm:txPr/>
+    <dgm:style>
+      <a:lnRef idx="0">
+        <a:scrgbClr r="0" g="0" b="0"/>
+      </a:lnRef>
+      <a:fillRef idx="1">
+        <a:scrgbClr r="0" g="0" b="0"/>
+      </a:fillRef>
+      <a:effectRef idx="0">
+        <a:scrgbClr r="0" g="0" b="0"/>
+      </a:effectRef>
+      <a:fontRef idx="minor">
+        <a:schemeClr val="lt1"/>
+      </a:fontRef>
+    </dgm:style>
+  </dgm:styleLbl>
+  <dgm:styleLbl name="fgSibTrans2D1">
+    <dgm:scene3d>
+      <a:camera prst="orthographicFront"/>
+      <a:lightRig rig="threePt" dir="t"/>
+    </dgm:scene3d>
+    <dgm:sp3d/>
+    <dgm:txPr/>
+    <dgm:style>
+      <a:lnRef idx="0">
+        <a:scrgbClr r="0" g="0" b="0"/>
+      </a:lnRef>
+      <a:fillRef idx="1">
+        <a:scrgbClr r="0" g="0" b="0"/>
+      </a:fillRef>
+      <a:effectRef idx="0">
+        <a:scrgbClr r="0" g="0" b="0"/>
+      </a:effectRef>
+      <a:fontRef idx="minor">
+        <a:schemeClr val="lt1"/>
+      </a:fontRef>
+    </dgm:style>
+  </dgm:styleLbl>
+  <dgm:styleLbl name="bgSibTrans2D1">
+    <dgm:scene3d>
+      <a:camera prst="orthographicFront"/>
+      <a:lightRig rig="threePt" dir="t"/>
+    </dgm:scene3d>
+    <dgm:sp3d/>
+    <dgm:txPr/>
+    <dgm:style>
+      <a:lnRef idx="0">
+        <a:scrgbClr r="0" g="0" b="0"/>
+      </a:lnRef>
+      <a:fillRef idx="1">
+        <a:scrgbClr r="0" g="0" b="0"/>
+      </a:fillRef>
+      <a:effectRef idx="0">
+        <a:scrgbClr r="0" g="0" b="0"/>
+      </a:effectRef>
+      <a:fontRef idx="minor">
+        <a:schemeClr val="lt1"/>
+      </a:fontRef>
+    </dgm:style>
+  </dgm:styleLbl>
+  <dgm:styleLbl name="sibTrans1D1">
+    <dgm:scene3d>
+      <a:camera prst="orthographicFront"/>
+      <a:lightRig rig="threePt" dir="t"/>
+    </dgm:scene3d>
+    <dgm:sp3d/>
+    <dgm:txPr/>
+    <dgm:style>
+      <a:lnRef idx="1">
+        <a:scrgbClr r="0" g="0" b="0"/>
+      </a:lnRef>
+      <a:fillRef idx="0">
+        <a:scrgbClr r="0" g="0" b="0"/>
+      </a:fillRef>
+      <a:effectRef idx="0">
+        <a:scrgbClr r="0" g="0" b="0"/>
+      </a:effectRef>
+      <a:fontRef idx="minor"/>
+    </dgm:style>
+  </dgm:styleLbl>
+  <dgm:styleLbl name="callout">
+    <dgm:scene3d>
+      <a:camera prst="orthographicFront"/>
+      <a:lightRig rig="threePt" dir="t"/>
+    </dgm:scene3d>
+    <dgm:sp3d/>
+    <dgm:txPr/>
+    <dgm:style>
+      <a:lnRef idx="2">
+        <a:scrgbClr r="0" g="0" b="0"/>
+      </a:lnRef>
+      <a:fillRef idx="1">
+        <a:scrgbClr r="0" g="0" b="0"/>
+      </a:fillRef>
+      <a:effectRef idx="0">
+        <a:scrgbClr r="0" g="0" b="0"/>
+      </a:effectRef>
+      <a:fontRef idx="minor"/>
+    </dgm:style>
+  </dgm:styleLbl>
+  <dgm:styleLbl name="asst0">
+    <dgm:scene3d>
+      <a:camera prst="orthographicFront"/>
+      <a:lightRig rig="threePt" dir="t"/>
+    </dgm:scene3d>
+    <dgm:sp3d/>
+    <dgm:txPr/>
+    <dgm:style>
+      <a:lnRef idx="2">
+        <a:scrgbClr r="0" g="0" b="0"/>
+      </a:lnRef>
+      <a:fillRef idx="1">
+        <a:scrgbClr r="0" g="0" b="0"/>
+      </a:fillRef>
+      <a:effectRef idx="0">
+        <a:scrgbClr r="0" g="0" b="0"/>
+      </a:effectRef>
+      <a:fontRef idx="minor">
+        <a:schemeClr val="lt1"/>
+      </a:fontRef>
+    </dgm:style>
+  </dgm:styleLbl>
+  <dgm:styleLbl name="asst1">
+    <dgm:scene3d>
+      <a:camera prst="orthographicFront"/>
+      <a:lightRig rig="threePt" dir="t"/>
+    </dgm:scene3d>
+    <dgm:sp3d/>
+    <dgm:txPr/>
+    <dgm:style>
+      <a:lnRef idx="2">
+        <a:scrgbClr r="0" g="0" b="0"/>
+      </a:lnRef>
+      <a:fillRef idx="1">
+        <a:scrgbClr r="0" g="0" b="0"/>
+      </a:fillRef>
+      <a:effectRef idx="0">
+        <a:scrgbClr r="0" g="0" b="0"/>
+      </a:effectRef>
+      <a:fontRef idx="minor">
+        <a:schemeClr val="lt1"/>
+      </a:fontRef>
+    </dgm:style>
+  </dgm:styleLbl>
+  <dgm:styleLbl name="asst2">
+    <dgm:scene3d>
+      <a:camera prst="orthographicFront"/>
+      <a:lightRig rig="threePt" dir="t"/>
+    </dgm:scene3d>
+    <dgm:sp3d/>
+    <dgm:txPr/>
+    <dgm:style>
+      <a:lnRef idx="2">
+        <a:scrgbClr r="0" g="0" b="0"/>
+      </a:lnRef>
+      <a:fillRef idx="1">
+        <a:scrgbClr r="0" g="0" b="0"/>
+      </a:fillRef>
+      <a:effectRef idx="0">
+        <a:scrgbClr r="0" g="0" b="0"/>
+      </a:effectRef>
+      <a:fontRef idx="minor">
+        <a:schemeClr val="lt1"/>
+      </a:fontRef>
+    </dgm:style>
+  </dgm:styleLbl>
+  <dgm:styleLbl name="asst3">
+    <dgm:scene3d>
+      <a:camera prst="orthographicFront"/>
+      <a:lightRig rig="threePt" dir="t"/>
+    </dgm:scene3d>
+    <dgm:sp3d/>
+    <dgm:txPr/>
+    <dgm:style>
+      <a:lnRef idx="2">
+        <a:scrgbClr r="0" g="0" b="0"/>
+      </a:lnRef>
+      <a:fillRef idx="1">
+        <a:scrgbClr r="0" g="0" b="0"/>
+      </a:fillRef>
+      <a:effectRef idx="0">
+        <a:scrgbClr r="0" g="0" b="0"/>
+      </a:effectRef>
+      <a:fontRef idx="minor">
+        <a:schemeClr val="lt1"/>
+      </a:fontRef>
+    </dgm:style>
+  </dgm:styleLbl>
+  <dgm:styleLbl name="asst4">
+    <dgm:scene3d>
+      <a:camera prst="orthographicFront"/>
+      <a:lightRig rig="threePt" dir="t"/>
+    </dgm:scene3d>
+    <dgm:sp3d/>
+    <dgm:txPr/>
+    <dgm:style>
+      <a:lnRef idx="2">
+        <a:scrgbClr r="0" g="0" b="0"/>
+      </a:lnRef>
+      <a:fillRef idx="1">
+        <a:scrgbClr r="0" g="0" b="0"/>
+      </a:fillRef>
+      <a:effectRef idx="0">
+        <a:scrgbClr r="0" g="0" b="0"/>
+      </a:effectRef>
+      <a:fontRef idx="minor">
+        <a:schemeClr val="lt1"/>
+      </a:fontRef>
+    </dgm:style>
+  </dgm:styleLbl>
+  <dgm:styleLbl name="parChTrans2D1">
+    <dgm:scene3d>
+      <a:camera prst="orthographicFront"/>
+      <a:lightRig rig="threePt" dir="t"/>
+    </dgm:scene3d>
+    <dgm:sp3d/>
+    <dgm:txPr/>
+    <dgm:style>
+      <a:lnRef idx="2">
+        <a:scrgbClr r="0" g="0" b="0"/>
+      </a:lnRef>
+      <a:fillRef idx="1">
+        <a:scrgbClr r="0" g="0" b="0"/>
+      </a:fillRef>
+      <a:effectRef idx="0">
+        <a:scrgbClr r="0" g="0" b="0"/>
+      </a:effectRef>
+      <a:fontRef idx="minor">
+        <a:schemeClr val="lt1"/>
+      </a:fontRef>
+    </dgm:style>
+  </dgm:styleLbl>
+  <dgm:styleLbl name="parChTrans2D2">
+    <dgm:scene3d>
+      <a:camera prst="orthographicFront"/>
+      <a:lightRig rig="threePt" dir="t"/>
+    </dgm:scene3d>
+    <dgm:sp3d/>
+    <dgm:txPr/>
+    <dgm:style>
+      <a:lnRef idx="2">
+        <a:scrgbClr r="0" g="0" b="0"/>
+      </a:lnRef>
+      <a:fillRef idx="1">
+        <a:scrgbClr r="0" g="0" b="0"/>
+      </a:fillRef>
+      <a:effectRef idx="0">
+        <a:scrgbClr r="0" g="0" b="0"/>
+      </a:effectRef>
+      <a:fontRef idx="minor">
+        <a:schemeClr val="lt1"/>
+      </a:fontRef>
+    </dgm:style>
+  </dgm:styleLbl>
+  <dgm:styleLbl name="parChTrans2D3">
+    <dgm:scene3d>
+      <a:camera prst="orthographicFront"/>
+      <a:lightRig rig="threePt" dir="t"/>
+    </dgm:scene3d>
+    <dgm:sp3d/>
+    <dgm:txPr/>
+    <dgm:style>
+      <a:lnRef idx="2">
+        <a:scrgbClr r="0" g="0" b="0"/>
+      </a:lnRef>
+      <a:fillRef idx="1">
+        <a:scrgbClr r="0" g="0" b="0"/>
+      </a:fillRef>
+      <a:effectRef idx="0">
+        <a:scrgbClr r="0" g="0" b="0"/>
+      </a:effectRef>
+      <a:fontRef idx="minor">
+        <a:schemeClr val="lt1"/>
+      </a:fontRef>
+    </dgm:style>
+  </dgm:styleLbl>
+  <dgm:styleLbl name="parChTrans2D4">
+    <dgm:scene3d>
+      <a:camera prst="orthographicFront"/>
+      <a:lightRig rig="threePt" dir="t"/>
+    </dgm:scene3d>
+    <dgm:sp3d/>
+    <dgm:txPr/>
+    <dgm:style>
+      <a:lnRef idx="2">
+        <a:scrgbClr r="0" g="0" b="0"/>
+      </a:lnRef>
+      <a:fillRef idx="1">
+        <a:scrgbClr r="0" g="0" b="0"/>
+      </a:fillRef>
+      <a:effectRef idx="0">
+        <a:scrgbClr r="0" g="0" b="0"/>
+      </a:effectRef>
+      <a:fontRef idx="minor">
+        <a:schemeClr val="lt1"/>
+      </a:fontRef>
+    </dgm:style>
+  </dgm:styleLbl>
+  <dgm:styleLbl name="parChTrans1D1">
+    <dgm:scene3d>
+      <a:camera prst="orthographicFront"/>
+      <a:lightRig rig="threePt" dir="t"/>
+    </dgm:scene3d>
+    <dgm:sp3d/>
+    <dgm:txPr/>
+    <dgm:style>
+      <a:lnRef idx="2">
+        <a:scrgbClr r="0" g="0" b="0"/>
+      </a:lnRef>
+      <a:fillRef idx="0">
+        <a:scrgbClr r="0" g="0" b="0"/>
+      </a:fillRef>
+      <a:effectRef idx="0">
+        <a:scrgbClr r="0" g="0" b="0"/>
+      </a:effectRef>
+      <a:fontRef idx="minor"/>
+    </dgm:style>
+  </dgm:styleLbl>
+  <dgm:styleLbl name="parChTrans1D2">
+    <dgm:scene3d>
+      <a:camera prst="orthographicFront"/>
+      <a:lightRig rig="threePt" dir="t"/>
+    </dgm:scene3d>
+    <dgm:sp3d/>
+    <dgm:txPr/>
+    <dgm:style>
+      <a:lnRef idx="2">
+        <a:scrgbClr r="0" g="0" b="0"/>
+      </a:lnRef>
+      <a:fillRef idx="0">
+        <a:scrgbClr r="0" g="0" b="0"/>
+      </a:fillRef>
+      <a:effectRef idx="0">
+        <a:scrgbClr r="0" g="0" b="0"/>
+      </a:effectRef>
+      <a:fontRef idx="minor"/>
+    </dgm:style>
+  </dgm:styleLbl>
+  <dgm:styleLbl name="parChTrans1D3">
+    <dgm:scene3d>
+      <a:camera prst="orthographicFront"/>
+      <a:lightRig rig="threePt" dir="t"/>
+    </dgm:scene3d>
+    <dgm:sp3d/>
+    <dgm:txPr/>
+    <dgm:style>
+      <a:lnRef idx="2">
+        <a:scrgbClr r="0" g="0" b="0"/>
+      </a:lnRef>
+      <a:fillRef idx="0">
+        <a:scrgbClr r="0" g="0" b="0"/>
+      </a:fillRef>
+      <a:effectRef idx="0">
+        <a:scrgbClr r="0" g="0" b="0"/>
+      </a:effectRef>
+      <a:fontRef idx="minor"/>
+    </dgm:style>
+  </dgm:styleLbl>
+  <dgm:styleLbl name="parChTrans1D4">
+    <dgm:scene3d>
+      <a:camera prst="orthographicFront"/>
+      <a:lightRig rig="threePt" dir="t"/>
+    </dgm:scene3d>
+    <dgm:sp3d/>
+    <dgm:txPr/>
+    <dgm:style>
+      <a:lnRef idx="2">
+        <a:scrgbClr r="0" g="0" b="0"/>
+      </a:lnRef>
+      <a:fillRef idx="0">
+        <a:scrgbClr r="0" g="0" b="0"/>
+      </a:fillRef>
+      <a:effectRef idx="0">
+        <a:scrgbClr r="0" g="0" b="0"/>
+      </a:effectRef>
+      <a:fontRef idx="minor"/>
+    </dgm:style>
+  </dgm:styleLbl>
+  <dgm:styleLbl name="fgAcc1">
+    <dgm:scene3d>
+      <a:camera prst="orthographicFront"/>
+      <a:lightRig rig="threePt" dir="t"/>
+    </dgm:scene3d>
+    <dgm:sp3d/>
+    <dgm:txPr/>
+    <dgm:style>
+      <a:lnRef idx="2">
+        <a:scrgbClr r="0" g="0" b="0"/>
+      </a:lnRef>
+      <a:fillRef idx="1">
+        <a:scrgbClr r="0" g="0" b="0"/>
+      </a:fillRef>
+      <a:effectRef idx="0">
+        <a:scrgbClr r="0" g="0" b="0"/>
+      </a:effectRef>
+      <a:fontRef idx="minor"/>
+    </dgm:style>
+  </dgm:styleLbl>
+  <dgm:styleLbl name="conFgAcc1">
+    <dgm:scene3d>
+      <a:camera prst="orthographicFront"/>
+      <a:lightRig rig="threePt" dir="t"/>
+    </dgm:scene3d>
+    <dgm:sp3d/>
+    <dgm:txPr/>
+    <dgm:style>
+      <a:lnRef idx="2">
+        <a:scrgbClr r="0" g="0" b="0"/>
+      </a:lnRef>
+      <a:fillRef idx="1">
+        <a:scrgbClr r="0" g="0" b="0"/>
+      </a:fillRef>
+      <a:effectRef idx="0">
+        <a:scrgbClr r="0" g="0" b="0"/>
+      </a:effectRef>
+      <a:fontRef idx="minor"/>
+    </dgm:style>
+  </dgm:styleLbl>
+  <dgm:styleLbl name="alignAcc1">
+    <dgm:scene3d>
+      <a:camera prst="orthographicFront"/>
+      <a:lightRig rig="threePt" dir="t"/>
+    </dgm:scene3d>
+    <dgm:sp3d/>
+    <dgm:txPr/>
+    <dgm:style>
+      <a:lnRef idx="2">
+        <a:scrgbClr r="0" g="0" b="0"/>
+      </a:lnRef>
+      <a:fillRef idx="1">
+        <a:scrgbClr r="0" g="0" b="0"/>
+      </a:fillRef>
+      <a:effectRef idx="0">
+        <a:scrgbClr r="0" g="0" b="0"/>
+      </a:effectRef>
+      <a:fontRef idx="minor"/>
+    </dgm:style>
+  </dgm:styleLbl>
+  <dgm:styleLbl name="trAlignAcc1">
+    <dgm:scene3d>
+      <a:camera prst="orthographicFront"/>
+      <a:lightRig rig="threePt" dir="t"/>
+    </dgm:scene3d>
+    <dgm:sp3d/>
+    <dgm:txPr/>
+    <dgm:style>
+      <a:lnRef idx="1">
+        <a:scrgbClr r="0" g="0" b="0"/>
+      </a:lnRef>
+      <a:fillRef idx="1">
+        <a:scrgbClr r="0" g="0" b="0"/>
+      </a:fillRef>
+      <a:effectRef idx="0">
+        <a:scrgbClr r="0" g="0" b="0"/>
+      </a:effectRef>
+      <a:fontRef idx="minor"/>
+    </dgm:style>
+  </dgm:styleLbl>
+  <dgm:styleLbl name="bgAcc1">
+    <dgm:scene3d>
+      <a:camera prst="orthographicFront"/>
+      <a:lightRig rig="threePt" dir="t"/>
+    </dgm:scene3d>
+    <dgm:sp3d/>
+    <dgm:txPr/>
+    <dgm:style>
+      <a:lnRef idx="2">
+        <a:scrgbClr r="0" g="0" b="0"/>
+      </a:lnRef>
+      <a:fillRef idx="1">
+        <a:scrgbClr r="0" g="0" b="0"/>
+      </a:fillRef>
+      <a:effectRef idx="0">
+        <a:scrgbClr r="0" g="0" b="0"/>
+      </a:effectRef>
+      <a:fontRef idx="minor"/>
+    </dgm:style>
+  </dgm:styleLbl>
+  <dgm:styleLbl name="solidFgAcc1">
+    <dgm:scene3d>
+      <a:camera prst="orthographicFront"/>
+      <a:lightRig rig="threePt" dir="t"/>
+    </dgm:scene3d>
+    <dgm:sp3d/>
+    <dgm:txPr/>
+    <dgm:style>
+      <a:lnRef idx="2">
+        <a:scrgbClr r="0" g="0" b="0"/>
+      </a:lnRef>
+      <a:fillRef idx="1">
+        <a:scrgbClr r="0" g="0" b="0"/>
+      </a:fillRef>
+      <a:effectRef idx="0">
+        <a:scrgbClr r="0" g="0" b="0"/>
+      </a:effectRef>
+      <a:fontRef idx="minor"/>
+    </dgm:style>
+  </dgm:styleLbl>
+  <dgm:styleLbl name="solidAlignAcc1">
+    <dgm:scene3d>
+      <a:camera prst="orthographicFront"/>
+      <a:lightRig rig="threePt" dir="t"/>
+    </dgm:scene3d>
+    <dgm:sp3d/>
+    <dgm:txPr/>
+    <dgm:style>
+      <a:lnRef idx="2">
+        <a:scrgbClr r="0" g="0" b="0"/>
+      </a:lnRef>
+      <a:fillRef idx="1">
+        <a:scrgbClr r="0" g="0" b="0"/>
+      </a:fillRef>
+      <a:effectRef idx="0">
+        <a:scrgbClr r="0" g="0" b="0"/>
+      </a:effectRef>
+      <a:fontRef idx="minor"/>
+    </dgm:style>
+  </dgm:styleLbl>
+  <dgm:styleLbl name="solidBgAcc1">
+    <dgm:scene3d>
+      <a:camera prst="orthographicFront"/>
+      <a:lightRig rig="threePt" dir="t"/>
+    </dgm:scene3d>
+    <dgm:sp3d/>
+    <dgm:txPr/>
+    <dgm:style>
+      <a:lnRef idx="2">
+        <a:scrgbClr r="0" g="0" b="0"/>
+      </a:lnRef>
+      <a:fillRef idx="1">
+        <a:scrgbClr r="0" g="0" b="0"/>
+      </a:fillRef>
+      <a:effectRef idx="0">
+        <a:scrgbClr r="0" g="0" b="0"/>
+      </a:effectRef>
+      <a:fontRef idx="minor"/>
+    </dgm:style>
+  </dgm:styleLbl>
+  <dgm:styleLbl name="fgAccFollowNode1">
+    <dgm:scene3d>
+      <a:camera prst="orthographicFront"/>
+      <a:lightRig rig="threePt" dir="t"/>
+    </dgm:scene3d>
+    <dgm:sp3d/>
+    <dgm:txPr/>
+    <dgm:style>
+      <a:lnRef idx="2">
+        <a:scrgbClr r="0" g="0" b="0"/>
+      </a:lnRef>
+      <a:fillRef idx="1">
+        <a:scrgbClr r="0" g="0" b="0"/>
+      </a:fillRef>
+      <a:effectRef idx="0">
+        <a:scrgbClr r="0" g="0" b="0"/>
+      </a:effectRef>
+      <a:fontRef idx="minor"/>
+    </dgm:style>
+  </dgm:styleLbl>
+  <dgm:styleLbl name="alignAccFollowNode1">
+    <dgm:scene3d>
+      <a:camera prst="orthographicFront"/>
+      <a:lightRig rig="threePt" dir="t"/>
+    </dgm:scene3d>
+    <dgm:sp3d/>
+    <dgm:txPr/>
+    <dgm:style>
+      <a:lnRef idx="2">
+        <a:scrgbClr r="0" g="0" b="0"/>
+      </a:lnRef>
+      <a:fillRef idx="1">
+        <a:scrgbClr r="0" g="0" b="0"/>
+      </a:fillRef>
+      <a:effectRef idx="0">
+        <a:scrgbClr r="0" g="0" b="0"/>
+      </a:effectRef>
+      <a:fontRef idx="minor"/>
+    </dgm:style>
+  </dgm:styleLbl>
+  <dgm:styleLbl name="bgAccFollowNode1">
+    <dgm:scene3d>
+      <a:camera prst="orthographicFront"/>
+      <a:lightRig rig="threePt" dir="t"/>
+    </dgm:scene3d>
+    <dgm:sp3d/>
+    <dgm:txPr/>
+    <dgm:style>
+      <a:lnRef idx="2">
+        <a:scrgbClr r="0" g="0" b="0"/>
+      </a:lnRef>
+      <a:fillRef idx="1">
+        <a:scrgbClr r="0" g="0" b="0"/>
+      </a:fillRef>
+      <a:effectRef idx="0">
+        <a:scrgbClr r="0" g="0" b="0"/>
+      </a:effectRef>
+      <a:fontRef idx="minor"/>
+    </dgm:style>
+  </dgm:styleLbl>
+  <dgm:styleLbl name="fgAcc0">
+    <dgm:scene3d>
+      <a:camera prst="orthographicFront"/>
+      <a:lightRig rig="threePt" dir="t"/>
+    </dgm:scene3d>
+    <dgm:sp3d/>
+    <dgm:txPr/>
+    <dgm:style>
+      <a:lnRef idx="2">
+        <a:scrgbClr r="0" g="0" b="0"/>
+      </a:lnRef>
+      <a:fillRef idx="1">
+        <a:scrgbClr r="0" g="0" b="0"/>
+      </a:fillRef>
+      <a:effectRef idx="0">
+        <a:scrgbClr r="0" g="0" b="0"/>
+      </a:effectRef>
+      <a:fontRef idx="minor"/>
+    </dgm:style>
+  </dgm:styleLbl>
+  <dgm:styleLbl name="fgAcc2">
+    <dgm:scene3d>
+      <a:camera prst="orthographicFront"/>
+      <a:lightRig rig="threePt" dir="t"/>
+    </dgm:scene3d>
+    <dgm:sp3d/>
+    <dgm:txPr/>
+    <dgm:style>
+      <a:lnRef idx="2">
+        <a:scrgbClr r="0" g="0" b="0"/>
+      </a:lnRef>
+      <a:fillRef idx="1">
+        <a:scrgbClr r="0" g="0" b="0"/>
+      </a:fillRef>
+      <a:effectRef idx="0">
+        <a:scrgbClr r="0" g="0" b="0"/>
+      </a:effectRef>
+      <a:fontRef idx="minor"/>
+    </dgm:style>
+  </dgm:styleLbl>
+  <dgm:styleLbl name="fgAcc3">
+    <dgm:scene3d>
+      <a:camera prst="orthographicFront"/>
+      <a:lightRig rig="threePt" dir="t"/>
+    </dgm:scene3d>
+    <dgm:sp3d/>
+    <dgm:txPr/>
+    <dgm:style>
+      <a:lnRef idx="2">
+        <a:scrgbClr r="0" g="0" b="0"/>
+      </a:lnRef>
+      <a:fillRef idx="1">
+        <a:scrgbClr r="0" g="0" b="0"/>
+      </a:fillRef>
+      <a:effectRef idx="0">
+        <a:scrgbClr r="0" g="0" b="0"/>
+      </a:effectRef>
+      <a:fontRef idx="minor"/>
+    </dgm:style>
+  </dgm:styleLbl>
+  <dgm:styleLbl name="fgAcc4">
+    <dgm:scene3d>
+      <a:camera prst="orthographicFront"/>
+      <a:lightRig rig="threePt" dir="t"/>
+    </dgm:scene3d>
+    <dgm:sp3d/>
+    <dgm:txPr/>
+    <dgm:style>
+      <a:lnRef idx="2">
+        <a:scrgbClr r="0" g="0" b="0"/>
+      </a:lnRef>
+      <a:fillRef idx="1">
+        <a:scrgbClr r="0" g="0" b="0"/>
+      </a:fillRef>
+      <a:effectRef idx="0">
+        <a:scrgbClr r="0" g="0" b="0"/>
+      </a:effectRef>
+      <a:fontRef idx="minor"/>
+    </dgm:style>
+  </dgm:styleLbl>
+  <dgm:styleLbl name="bgShp">
+    <dgm:scene3d>
+      <a:camera prst="orthographicFront"/>
+      <a:lightRig rig="threePt" dir="t"/>
+    </dgm:scene3d>
+    <dgm:sp3d/>
+    <dgm:txPr/>
+    <dgm:style>
+      <a:lnRef idx="0">
+        <a:scrgbClr r="0" g="0" b="0"/>
+      </a:lnRef>
+      <a:fillRef idx="1">
+        <a:scrgbClr r="0" g="0" b="0"/>
+      </a:fillRef>
+      <a:effectRef idx="0">
+        <a:scrgbClr r="0" g="0" b="0"/>
+      </a:effectRef>
+      <a:fontRef idx="minor"/>
+    </dgm:style>
+  </dgm:styleLbl>
+  <dgm:styleLbl name="dkBgShp">
+    <dgm:scene3d>
+      <a:camera prst="orthographicFront"/>
+      <a:lightRig rig="threePt" dir="t"/>
+    </dgm:scene3d>
+    <dgm:sp3d/>
+    <dgm:txPr/>
+    <dgm:style>
+      <a:lnRef idx="0">
+        <a:scrgbClr r="0" g="0" b="0"/>
+      </a:lnRef>
+      <a:fillRef idx="1">
+        <a:scrgbClr r="0" g="0" b="0"/>
+      </a:fillRef>
+      <a:effectRef idx="0">
+        <a:scrgbClr r="0" g="0" b="0"/>
+      </a:effectRef>
+      <a:fontRef idx="minor"/>
+    </dgm:style>
+  </dgm:styleLbl>
+  <dgm:styleLbl name="trBgShp">
+    <dgm:scene3d>
+      <a:camera prst="orthographicFront"/>
+      <a:lightRig rig="threePt" dir="t"/>
+    </dgm:scene3d>
+    <dgm:sp3d/>
+    <dgm:txPr/>
+    <dgm:style>
+      <a:lnRef idx="0">
+        <a:scrgbClr r="0" g="0" b="0"/>
+      </a:lnRef>
+      <a:fillRef idx="1">
+        <a:scrgbClr r="0" g="0" b="0"/>
+      </a:fillRef>
+      <a:effectRef idx="0">
+        <a:scrgbClr r="0" g="0" b="0"/>
+      </a:effectRef>
+      <a:fontRef idx="minor"/>
+    </dgm:style>
+  </dgm:styleLbl>
+  <dgm:styleLbl name="fgShp">
+    <dgm:scene3d>
+      <a:camera prst="orthographicFront"/>
+      <a:lightRig rig="threePt" dir="t"/>
+    </dgm:scene3d>
+    <dgm:sp3d/>
+    <dgm:txPr/>
+    <dgm:style>
+      <a:lnRef idx="2">
+        <a:scrgbClr r="0" g="0" b="0"/>
+      </a:lnRef>
+      <a:fillRef idx="1">
+        <a:scrgbClr r="0" g="0" b="0"/>
+      </a:fillRef>
+      <a:effectRef idx="0">
+        <a:scrgbClr r="0" g="0" b="0"/>
+      </a:effectRef>
+      <a:fontRef idx="minor"/>
+    </dgm:style>
+  </dgm:styleLbl>
+  <dgm:styleLbl name="revTx">
+    <dgm:scene3d>
+      <a:camera prst="orthographicFront"/>
+      <a:lightRig rig="threePt" dir="t"/>
+    </dgm:scene3d>
+    <dgm:sp3d/>
+    <dgm:txPr/>
+    <dgm:style>
+      <a:lnRef idx="0">
+        <a:scrgbClr r="0" g="0" b="0"/>
+      </a:lnRef>
+      <a:fillRef idx="0">
+        <a:scrgbClr r="0" g="0" b="0"/>
+      </a:fillRef>
+      <a:effectRef idx="0">
+        <a:scrgbClr r="0" g="0" b="0"/>
+      </a:effectRef>
+      <a:fontRef idx="minor"/>
+    </dgm:style>
+  </dgm:styleLbl>
+</dgm:styleDef>
 </file>
 
 <file path=ppt/slideLayouts/slideLayout1.xml><?xml version="1.0" encoding="utf-8"?>
@@ -7243,7 +9671,7 @@
           <a:p>
             <a:pPr algn="l"/>
             <a:r>
-              <a:rPr lang="en-US" sz="4000" kern="1200">
+              <a:rPr lang="en-US" sz="4000" kern="1200" dirty="0">
                 <a:solidFill>
                   <a:schemeClr val="tx2"/>
                 </a:solidFill>
@@ -7251,7 +9679,7 @@
                 <a:ea typeface="+mj-ea"/>
                 <a:cs typeface="+mj-cs"/>
               </a:rPr>
-              <a:t>Slide Title</a:t>
+              <a:t>IND Discovery with Apache Spark</a:t>
             </a:r>
           </a:p>
         </p:txBody>
@@ -7293,28 +9721,55 @@
               <a:buChar char="•"/>
             </a:pPr>
             <a:r>
-              <a:rPr lang="en-US" sz="1800" b="0" i="0">
+              <a:rPr lang="en-US" sz="1800" b="0" i="0" dirty="0">
                 <a:solidFill>
                   <a:schemeClr val="tx2"/>
                 </a:solidFill>
                 <a:effectLst/>
               </a:rPr>
-              <a:t>Team Name: Xcess Denied</a:t>
+              <a:t>Team Name: </a:t>
+            </a:r>
+            <a:r>
+              <a:rPr lang="en-US" sz="1800" b="0" i="0" dirty="0" err="1">
+                <a:solidFill>
+                  <a:schemeClr val="tx2"/>
+                </a:solidFill>
+                <a:effectLst/>
+              </a:rPr>
+              <a:t>Xcess</a:t>
+            </a:r>
+            <a:r>
+              <a:rPr lang="en-US" sz="1800" b="0" i="0" dirty="0">
+                <a:solidFill>
+                  <a:schemeClr val="tx2"/>
+                </a:solidFill>
+                <a:effectLst/>
+              </a:rPr>
+              <a:t> Denied</a:t>
             </a:r>
             <a:br>
-              <a:rPr lang="en-US" sz="1800">
+              <a:rPr lang="en-US" sz="1800" dirty="0">
                 <a:solidFill>
                   <a:schemeClr val="tx2"/>
                 </a:solidFill>
               </a:rPr>
             </a:br>
             <a:br>
-              <a:rPr lang="en-US" sz="1800">
+              <a:rPr lang="en-US" sz="1800" dirty="0">
                 <a:solidFill>
                   <a:schemeClr val="tx2"/>
                 </a:solidFill>
               </a:rPr>
             </a:br>
+            <a:r>
+              <a:rPr lang="en-US" sz="1800" b="0" i="0" dirty="0">
+                <a:solidFill>
+                  <a:schemeClr val="tx2"/>
+                </a:solidFill>
+                <a:effectLst/>
+              </a:rPr>
+              <a:t>2. </a:t>
+            </a:r>
             <a:r>
               <a:rPr lang="en-US" sz="1800" b="0" i="0">
                 <a:solidFill>
@@ -7322,7 +9777,7 @@
                 </a:solidFill>
                 <a:effectLst/>
               </a:rPr>
-              <a:t>2. GitHub repository link:</a:t>
+              <a:t>GitHub repository link:</a:t>
             </a:r>
             <a:br>
               <a:rPr lang="en-US" sz="1800">
@@ -7579,29 +10034,43 @@
           <a:lstStyle/>
           <a:p>
             <a:r>
-              <a:rPr lang="en-US" sz="1900" b="1" i="0">
+              <a:rPr lang="en-US" sz="1900" b="1" i="0" dirty="0">
                 <a:effectLst/>
                 <a:latin typeface="Söhne"/>
               </a:rPr>
-              <a:t>Slide Title: SINDy Algorithm with Apache Spark</a:t>
+              <a:t>Slide Title: </a:t>
+            </a:r>
+            <a:r>
+              <a:rPr lang="en-US" sz="1900" b="1" i="0" dirty="0" err="1">
+                <a:effectLst/>
+                <a:latin typeface="Söhne"/>
+              </a:rPr>
+              <a:t>SINDy</a:t>
+            </a:r>
+            <a:r>
+              <a:rPr lang="en-US" sz="1900" b="1" i="0" dirty="0">
+                <a:effectLst/>
+                <a:latin typeface="Söhne"/>
+              </a:rPr>
+              <a:t> Algorithm with Apache Spark</a:t>
             </a:r>
             <a:br>
-              <a:rPr lang="en-US" sz="1900" b="1" i="0">
+              <a:rPr lang="en-US" sz="1900" b="1" i="0" dirty="0">
                 <a:effectLst/>
                 <a:latin typeface="Söhne"/>
               </a:rPr>
             </a:br>
             <a:r>
-              <a:rPr lang="de-DE" sz="1900"/>
+              <a:rPr lang="de-DE" sz="1900" dirty="0"/>
               <a:t>Objective:</a:t>
             </a:r>
             <a:br>
-              <a:rPr lang="de-DE" sz="1900"/>
+              <a:rPr lang="de-DE" sz="1900" dirty="0"/>
             </a:br>
             <a:br>
-              <a:rPr lang="en-US" sz="1900"/>
+              <a:rPr lang="en-US" sz="1900" dirty="0"/>
             </a:br>
-            <a:endParaRPr lang="de-DE" sz="1900"/>
+            <a:endParaRPr lang="de-DE" sz="1900" dirty="0"/>
           </a:p>
         </p:txBody>
       </p:sp>
@@ -9532,7 +12001,7 @@
           <a:lstStyle/>
           <a:p>
             <a:r>
-              <a:rPr lang="en-US" b="1" i="0" kern="1200" baseline="0">
+              <a:rPr lang="en-US" b="1" i="0" kern="1200" baseline="0" dirty="0">
                 <a:solidFill>
                   <a:schemeClr val="tx1"/>
                 </a:solidFill>
@@ -9543,7 +12012,7 @@
               <a:t>Data Loading:</a:t>
             </a:r>
             <a:br>
-              <a:rPr lang="en-US" kern="1200">
+              <a:rPr lang="en-US" kern="1200" dirty="0">
                 <a:solidFill>
                   <a:schemeClr val="tx1"/>
                 </a:solidFill>
@@ -9552,7 +12021,7 @@
                 <a:cs typeface="+mj-cs"/>
               </a:rPr>
             </a:br>
-            <a:endParaRPr lang="en-US" kern="1200">
+            <a:endParaRPr lang="en-US" kern="1200" dirty="0">
               <a:solidFill>
                 <a:schemeClr val="tx1"/>
               </a:solidFill>
@@ -9563,36 +12032,6 @@
           </a:p>
         </p:txBody>
       </p:sp>
-      <p:pic>
-        <p:nvPicPr>
-          <p:cNvPr id="6" name="Content Placeholder 5" descr="A computer screen shot of a program code&#10;&#10;Description automatically generated">
-            <a:extLst>
-              <a:ext uri="{FF2B5EF4-FFF2-40B4-BE49-F238E27FC236}">
-                <a16:creationId xmlns:a16="http://schemas.microsoft.com/office/drawing/2014/main" id="{3EF7BA1A-C775-C1FC-1D42-187EEA46F8DA}"/>
-              </a:ext>
-            </a:extLst>
-          </p:cNvPr>
-          <p:cNvPicPr>
-            <a:picLocks noChangeAspect="1"/>
-          </p:cNvPicPr>
-          <p:nvPr/>
-        </p:nvPicPr>
-        <p:blipFill>
-          <a:blip r:embed="rId2"/>
-          <a:stretch>
-            <a:fillRect/>
-          </a:stretch>
-        </p:blipFill>
-        <p:spPr>
-          <a:xfrm>
-            <a:off x="838200" y="2107870"/>
-            <a:ext cx="5412186" cy="1657353"/>
-          </a:xfrm>
-          <a:prstGeom prst="rect">
-            <a:avLst/>
-          </a:prstGeom>
-        </p:spPr>
-      </p:pic>
       <p:sp>
         <p:nvSpPr>
           <p:cNvPr id="3" name="Rectangle 2">
@@ -9607,8 +12046,8 @@
         </p:nvSpPr>
         <p:spPr>
           <a:xfrm>
-            <a:off x="838200" y="3877500"/>
-            <a:ext cx="5329825" cy="420144"/>
+            <a:off x="-4024" y="3877500"/>
+            <a:ext cx="6172050" cy="420144"/>
           </a:xfrm>
           <a:prstGeom prst="rect">
             <a:avLst/>
@@ -9653,8 +12092,8 @@
         </p:nvSpPr>
         <p:spPr>
           <a:xfrm>
-            <a:off x="838200" y="3907773"/>
-            <a:ext cx="5761973" cy="706668"/>
+            <a:off x="88043" y="3877500"/>
+            <a:ext cx="6079983" cy="1060611"/>
           </a:xfrm>
           <a:prstGeom prst="rect">
             <a:avLst/>
@@ -9673,27 +12112,120 @@
               </a:spcAft>
             </a:pPr>
             <a:r>
-              <a:rPr lang="de-DE" sz="1692" b="1" kern="1200">
+              <a:rPr lang="en-US" altLang="de-DE" sz="1800" b="1" kern="1200" dirty="0">
                 <a:solidFill>
-                  <a:schemeClr val="tx1"/>
+                  <a:srgbClr val="374151"/>
                 </a:solidFill>
-                <a:latin typeface="+mn-lt"/>
+                <a:highlight>
+                  <a:srgbClr val="FFFF00"/>
+                </a:highlight>
+                <a:latin typeface="Söhne"/>
                 <a:ea typeface="+mn-ea"/>
                 <a:cs typeface="+mn-cs"/>
               </a:rPr>
-              <a:t>loadTimeSeries Data</a:t>
+              <a:t>Read</a:t>
             </a:r>
             <a:r>
-              <a:rPr lang="de-DE" sz="1692" kern="1200">
+              <a:rPr lang="en-US" altLang="de-DE" sz="1800" b="1" kern="1200" dirty="0">
                 <a:solidFill>
-                  <a:schemeClr val="tx1"/>
+                  <a:srgbClr val="374151"/>
                 </a:solidFill>
-                <a:latin typeface="+mn-lt"/>
+                <a:latin typeface="Söhne"/>
                 <a:ea typeface="+mn-ea"/>
                 <a:cs typeface="+mn-cs"/>
               </a:rPr>
-              <a:t> loads CSV files into Spark DataFrames.</a:t>
+              <a:t> data from a specified </a:t>
             </a:r>
+            <a:r>
+              <a:rPr lang="en-US" altLang="de-DE" sz="1800" b="1" kern="1200" dirty="0">
+                <a:solidFill>
+                  <a:srgbClr val="374151"/>
+                </a:solidFill>
+                <a:highlight>
+                  <a:srgbClr val="FFFF00"/>
+                </a:highlight>
+                <a:latin typeface="Söhne"/>
+                <a:ea typeface="+mn-ea"/>
+                <a:cs typeface="+mn-cs"/>
+              </a:rPr>
+              <a:t>CSV</a:t>
+            </a:r>
+            <a:r>
+              <a:rPr lang="en-US" altLang="de-DE" sz="1800" b="1" kern="1200" dirty="0">
+                <a:solidFill>
+                  <a:srgbClr val="374151"/>
+                </a:solidFill>
+                <a:latin typeface="Söhne"/>
+                <a:ea typeface="+mn-ea"/>
+                <a:cs typeface="+mn-cs"/>
+              </a:rPr>
+              <a:t> file into a </a:t>
+            </a:r>
+            <a:r>
+              <a:rPr lang="en-US" altLang="de-DE" sz="1800" b="1" kern="1200" dirty="0">
+                <a:solidFill>
+                  <a:srgbClr val="374151"/>
+                </a:solidFill>
+                <a:highlight>
+                  <a:srgbClr val="FFFF00"/>
+                </a:highlight>
+                <a:latin typeface="Söhne"/>
+                <a:ea typeface="+mn-ea"/>
+                <a:cs typeface="+mn-cs"/>
+              </a:rPr>
+              <a:t>Spark</a:t>
+            </a:r>
+            <a:r>
+              <a:rPr lang="en-US" altLang="de-DE" sz="1800" b="1" kern="1200" dirty="0">
+                <a:solidFill>
+                  <a:srgbClr val="374151"/>
+                </a:solidFill>
+                <a:latin typeface="Söhne"/>
+                <a:ea typeface="+mn-ea"/>
+                <a:cs typeface="+mn-cs"/>
+              </a:rPr>
+              <a:t> </a:t>
+            </a:r>
+            <a:r>
+              <a:rPr lang="en-US" altLang="de-DE" sz="1800" b="1" kern="1200" dirty="0" err="1">
+                <a:solidFill>
+                  <a:srgbClr val="374151"/>
+                </a:solidFill>
+                <a:highlight>
+                  <a:srgbClr val="FFFF00"/>
+                </a:highlight>
+                <a:latin typeface="Söhne"/>
+                <a:ea typeface="+mn-ea"/>
+                <a:cs typeface="+mn-cs"/>
+              </a:rPr>
+              <a:t>DataFrame</a:t>
+            </a:r>
+            <a:r>
+              <a:rPr lang="en-US" altLang="de-DE" sz="1800" b="1" kern="1200" dirty="0">
+                <a:solidFill>
+                  <a:srgbClr val="374151"/>
+                </a:solidFill>
+                <a:latin typeface="Söhne"/>
+                <a:ea typeface="+mn-ea"/>
+                <a:cs typeface="+mn-cs"/>
+              </a:rPr>
+              <a:t>.</a:t>
+            </a:r>
+          </a:p>
+          <a:p>
+            <a:pPr defTabSz="859536">
+              <a:spcAft>
+                <a:spcPts val="600"/>
+              </a:spcAft>
+            </a:pPr>
+            <a:endParaRPr lang="de-DE" sz="1692" kern="1200" dirty="0">
+              <a:solidFill>
+                <a:schemeClr val="tx1"/>
+              </a:solidFill>
+              <a:latin typeface="+mn-lt"/>
+              <a:ea typeface="+mn-ea"/>
+              <a:cs typeface="+mn-cs"/>
+            </a:endParaRPr>
           </a:p>
           <a:p>
             <a:pPr lvl="0">
@@ -9701,7 +12233,7 @@
                 <a:spcPts val="600"/>
               </a:spcAft>
             </a:pPr>
-            <a:endParaRPr lang="de-DE"/>
+            <a:endParaRPr lang="de-DE" dirty="0"/>
           </a:p>
         </p:txBody>
       </p:sp>
@@ -9721,8 +12253,8 @@
         </p:nvSpPr>
         <p:spPr bwMode="auto">
           <a:xfrm>
-            <a:off x="6456123" y="2187057"/>
-            <a:ext cx="4292714" cy="3790527"/>
+            <a:off x="6456123" y="2417375"/>
+            <a:ext cx="4616648" cy="3329888"/>
           </a:xfrm>
           <a:prstGeom prst="rect">
             <a:avLst/>
@@ -9778,14 +12310,17 @@
                 <a:spcPts val="600"/>
               </a:spcAft>
             </a:pPr>
-            <a:endParaRPr lang="de-DE" altLang="de-DE" sz="1692" kern="1200">
-              <a:solidFill>
-                <a:schemeClr val="tx1"/>
-              </a:solidFill>
-              <a:latin typeface="Arial" panose="020B0604020202020204" pitchFamily="34" charset="0"/>
-              <a:ea typeface="+mn-ea"/>
-              <a:cs typeface="+mn-cs"/>
-            </a:endParaRPr>
+            <a:r>
+              <a:rPr lang="en-US" altLang="de-DE" sz="1128" kern="1200" dirty="0">
+                <a:solidFill>
+                  <a:srgbClr val="374151"/>
+                </a:solidFill>
+                <a:latin typeface="Söhne"/>
+                <a:ea typeface="+mn-ea"/>
+                <a:cs typeface="+mn-cs"/>
+              </a:rPr>
+              <a:t>input (String): Path to the target CSV file.</a:t>
+            </a:r>
           </a:p>
           <a:p>
             <a:pPr defTabSz="859536" eaLnBrk="0" fontAlgn="base" hangingPunct="0">
@@ -9799,7 +12334,7 @@
               <a:buChar char="•"/>
             </a:pPr>
             <a:r>
-              <a:rPr lang="de-DE" altLang="de-DE" sz="1128" kern="1200">
+              <a:rPr lang="en-US" altLang="de-DE" sz="1128" kern="1200" dirty="0">
                 <a:solidFill>
                   <a:srgbClr val="374151"/>
                 </a:solidFill>
@@ -9807,21 +12342,10 @@
                 <a:ea typeface="+mn-ea"/>
                 <a:cs typeface="+mn-cs"/>
               </a:rPr>
-              <a:t>Introduction to </a:t>
+              <a:t>spark (</a:t>
             </a:r>
             <a:r>
-              <a:rPr lang="de-DE" altLang="de-DE" sz="1692" b="1" kern="1200">
-                <a:solidFill>
-                  <a:srgbClr val="374151"/>
-                </a:solidFill>
-                <a:latin typeface="Söhne Mono"/>
-                <a:ea typeface="+mn-ea"/>
-                <a:cs typeface="+mn-cs"/>
-              </a:rPr>
-              <a:t>SINDyAlgorithm</a:t>
-            </a:r>
-            <a:r>
-              <a:rPr lang="de-DE" altLang="de-DE" sz="1128" kern="1200">
+              <a:rPr lang="en-US" altLang="de-DE" sz="1128" kern="1200" dirty="0" err="1">
                 <a:solidFill>
                   <a:srgbClr val="374151"/>
                 </a:solidFill>
@@ -9829,8 +12353,61 @@
                 <a:ea typeface="+mn-ea"/>
                 <a:cs typeface="+mn-cs"/>
               </a:rPr>
-              <a:t> Scala object.</a:t>
+              <a:t>SparkSession</a:t>
             </a:r>
+            <a:r>
+              <a:rPr lang="en-US" altLang="de-DE" sz="1128" kern="1200" dirty="0">
+                <a:solidFill>
+                  <a:srgbClr val="374151"/>
+                </a:solidFill>
+                <a:latin typeface="Söhne"/>
+                <a:ea typeface="+mn-ea"/>
+                <a:cs typeface="+mn-cs"/>
+              </a:rPr>
+              <a:t>): </a:t>
+            </a:r>
+            <a:r>
+              <a:rPr lang="en-US" altLang="de-DE" sz="1128" kern="1200" dirty="0" err="1">
+                <a:solidFill>
+                  <a:srgbClr val="374151"/>
+                </a:solidFill>
+                <a:latin typeface="Söhne"/>
+                <a:ea typeface="+mn-ea"/>
+                <a:cs typeface="+mn-cs"/>
+              </a:rPr>
+              <a:t>SparkSession</a:t>
+            </a:r>
+            <a:r>
+              <a:rPr lang="en-US" altLang="de-DE" sz="1128" kern="1200" dirty="0">
+                <a:solidFill>
+                  <a:srgbClr val="374151"/>
+                </a:solidFill>
+                <a:latin typeface="Söhne"/>
+                <a:ea typeface="+mn-ea"/>
+                <a:cs typeface="+mn-cs"/>
+              </a:rPr>
+              <a:t> for Spark functionality.</a:t>
+            </a:r>
+          </a:p>
+          <a:p>
+            <a:pPr defTabSz="859536" eaLnBrk="0" fontAlgn="base" hangingPunct="0">
+              <a:spcBef>
+                <a:spcPct val="0"/>
+              </a:spcBef>
+              <a:spcAft>
+                <a:spcPts val="600"/>
+              </a:spcAft>
+              <a:buFontTx/>
+              <a:buChar char="•"/>
+            </a:pPr>
+            <a:endParaRPr lang="en-US" altLang="de-DE" sz="1128" kern="1200" dirty="0">
+              <a:solidFill>
+                <a:srgbClr val="374151"/>
+              </a:solidFill>
+              <a:latin typeface="Söhne"/>
+              <a:ea typeface="+mn-ea"/>
+              <a:cs typeface="+mn-cs"/>
+            </a:endParaRPr>
           </a:p>
           <a:p>
             <a:pPr defTabSz="859536" eaLnBrk="0" fontAlgn="base" hangingPunct="0">
@@ -9844,161 +12421,18 @@
               <a:buChar char="•"/>
             </a:pPr>
             <a:r>
-              <a:rPr lang="de-DE" altLang="de-DE" sz="1692" b="1" kern="1200">
+              <a:rPr lang="en-US" altLang="de-DE" sz="1128" kern="1200" dirty="0">
                 <a:solidFill>
                   <a:srgbClr val="374151"/>
                 </a:solidFill>
-                <a:latin typeface="Söhne Mono"/>
-                <a:ea typeface="+mn-ea"/>
-                <a:cs typeface="+mn-cs"/>
-              </a:rPr>
-              <a:t>loadTimeSeriesData</a:t>
-            </a:r>
-            <a:r>
-              <a:rPr lang="de-DE" altLang="de-DE" sz="1128" kern="1200">
-                <a:solidFill>
-                  <a:srgbClr val="374151"/>
-                </a:solidFill>
+                <a:highlight>
+                  <a:srgbClr val="FFFF00"/>
+                </a:highlight>
                 <a:latin typeface="Söhne"/>
                 <a:ea typeface="+mn-ea"/>
                 <a:cs typeface="+mn-cs"/>
               </a:rPr>
-              <a:t> method breakdown:</a:t>
-            </a:r>
-          </a:p>
-          <a:p>
-            <a:pPr marL="429768" lvl="1" defTabSz="859536" eaLnBrk="0" fontAlgn="base" hangingPunct="0">
-              <a:spcBef>
-                <a:spcPct val="0"/>
-              </a:spcBef>
-              <a:spcAft>
-                <a:spcPts val="600"/>
-              </a:spcAft>
-              <a:buFontTx/>
-              <a:buChar char="•"/>
-            </a:pPr>
-            <a:r>
-              <a:rPr lang="de-DE" altLang="de-DE" sz="1128" kern="1200">
-                <a:solidFill>
-                  <a:srgbClr val="374151"/>
-                </a:solidFill>
-                <a:latin typeface="Söhne"/>
-                <a:ea typeface="+mn-ea"/>
-                <a:cs typeface="+mn-cs"/>
-              </a:rPr>
-              <a:t>Private method for loading time series data.</a:t>
-            </a:r>
-          </a:p>
-          <a:p>
-            <a:pPr marL="429768" lvl="1" defTabSz="859536" eaLnBrk="0" fontAlgn="base" hangingPunct="0">
-              <a:spcBef>
-                <a:spcPct val="0"/>
-              </a:spcBef>
-              <a:spcAft>
-                <a:spcPts val="600"/>
-              </a:spcAft>
-              <a:buFontTx/>
-              <a:buChar char="•"/>
-            </a:pPr>
-            <a:r>
-              <a:rPr lang="de-DE" altLang="de-DE" sz="1128" kern="1200">
-                <a:solidFill>
-                  <a:srgbClr val="374151"/>
-                </a:solidFill>
-                <a:latin typeface="Söhne"/>
-                <a:ea typeface="+mn-ea"/>
-                <a:cs typeface="+mn-cs"/>
-              </a:rPr>
-              <a:t>Parameters: </a:t>
-            </a:r>
-            <a:r>
-              <a:rPr lang="de-DE" altLang="de-DE" sz="1692" b="1" kern="1200">
-                <a:solidFill>
-                  <a:srgbClr val="374151"/>
-                </a:solidFill>
-                <a:latin typeface="Söhne Mono"/>
-                <a:ea typeface="+mn-ea"/>
-                <a:cs typeface="+mn-cs"/>
-              </a:rPr>
-              <a:t>inputPath</a:t>
-            </a:r>
-            <a:r>
-              <a:rPr lang="de-DE" altLang="de-DE" sz="1128" kern="1200">
-                <a:solidFill>
-                  <a:srgbClr val="374151"/>
-                </a:solidFill>
-                <a:latin typeface="Söhne"/>
-                <a:ea typeface="+mn-ea"/>
-                <a:cs typeface="+mn-cs"/>
-              </a:rPr>
-              <a:t> (String) and </a:t>
-            </a:r>
-            <a:r>
-              <a:rPr lang="de-DE" altLang="de-DE" sz="1692" b="1" kern="1200">
-                <a:solidFill>
-                  <a:srgbClr val="374151"/>
-                </a:solidFill>
-                <a:latin typeface="Söhne Mono"/>
-                <a:ea typeface="+mn-ea"/>
-                <a:cs typeface="+mn-cs"/>
-              </a:rPr>
-              <a:t>spark</a:t>
-            </a:r>
-            <a:r>
-              <a:rPr lang="de-DE" altLang="de-DE" sz="1128" kern="1200">
-                <a:solidFill>
-                  <a:srgbClr val="374151"/>
-                </a:solidFill>
-                <a:latin typeface="Söhne"/>
-                <a:ea typeface="+mn-ea"/>
-                <a:cs typeface="+mn-cs"/>
-              </a:rPr>
-              <a:t> (SparkSession).</a:t>
-            </a:r>
-          </a:p>
-          <a:p>
-            <a:pPr marL="429768" lvl="1" defTabSz="859536" eaLnBrk="0" fontAlgn="base" hangingPunct="0">
-              <a:spcBef>
-                <a:spcPct val="0"/>
-              </a:spcBef>
-              <a:spcAft>
-                <a:spcPts val="600"/>
-              </a:spcAft>
-              <a:buFontTx/>
-              <a:buChar char="•"/>
-            </a:pPr>
-            <a:r>
-              <a:rPr lang="de-DE" altLang="de-DE" sz="1128" kern="1200">
-                <a:solidFill>
-                  <a:srgbClr val="374151"/>
-                </a:solidFill>
-                <a:latin typeface="Söhne"/>
-                <a:ea typeface="+mn-ea"/>
-                <a:cs typeface="+mn-cs"/>
-              </a:rPr>
-              <a:t>Returns: </a:t>
-            </a:r>
-            <a:r>
-              <a:rPr lang="de-DE" altLang="de-DE" sz="1692" b="1" kern="1200">
-                <a:solidFill>
-                  <a:srgbClr val="374151"/>
-                </a:solidFill>
-                <a:latin typeface="Söhne Mono"/>
-                <a:ea typeface="+mn-ea"/>
-                <a:cs typeface="+mn-cs"/>
-              </a:rPr>
-              <a:t>Dataset[Row]</a:t>
-            </a:r>
-            <a:r>
-              <a:rPr lang="de-DE" altLang="de-DE" sz="1128" kern="1200">
-                <a:solidFill>
-                  <a:srgbClr val="374151"/>
-                </a:solidFill>
-                <a:latin typeface="Söhne"/>
-                <a:ea typeface="+mn-ea"/>
-                <a:cs typeface="+mn-cs"/>
-              </a:rPr>
-              <a:t>.</a:t>
+              <a:t>Customized Configuration:</a:t>
             </a:r>
           </a:p>
           <a:p>
@@ -10013,7 +12447,7 @@
               <a:buChar char="•"/>
             </a:pPr>
             <a:r>
-              <a:rPr lang="de-DE" altLang="de-DE" sz="1128" kern="1200">
+              <a:rPr lang="en-US" altLang="de-DE" sz="1128" kern="1200" dirty="0" err="1">
                 <a:solidFill>
                   <a:srgbClr val="374151"/>
                 </a:solidFill>
@@ -10021,21 +12455,10 @@
                 <a:ea typeface="+mn-ea"/>
                 <a:cs typeface="+mn-cs"/>
               </a:rPr>
-              <a:t>Utilizes Spark's </a:t>
+              <a:t>inferSchema</a:t>
             </a:r>
             <a:r>
-              <a:rPr lang="de-DE" altLang="de-DE" sz="1692" b="1" kern="1200">
-                <a:solidFill>
-                  <a:srgbClr val="374151"/>
-                </a:solidFill>
-                <a:latin typeface="Söhne Mono"/>
-                <a:ea typeface="+mn-ea"/>
-                <a:cs typeface="+mn-cs"/>
-              </a:rPr>
-              <a:t>read</a:t>
-            </a:r>
-            <a:r>
-              <a:rPr lang="de-DE" altLang="de-DE" sz="1128" kern="1200">
+              <a:rPr lang="en-US" altLang="de-DE" sz="1128" kern="1200" dirty="0">
                 <a:solidFill>
                   <a:srgbClr val="374151"/>
                 </a:solidFill>
@@ -10043,7 +12466,7 @@
                 <a:ea typeface="+mn-ea"/>
                 <a:cs typeface="+mn-cs"/>
               </a:rPr>
-              <a:t> method to read data.</a:t>
+              <a:t> set to "false": Disables automatic schema inference.</a:t>
             </a:r>
           </a:p>
           <a:p>
@@ -10058,7 +12481,7 @@
               <a:buChar char="•"/>
             </a:pPr>
             <a:r>
-              <a:rPr lang="de-DE" altLang="de-DE" sz="1128" kern="1200">
+              <a:rPr lang="en-US" altLang="de-DE" sz="1128" kern="1200" dirty="0">
                 <a:solidFill>
                   <a:srgbClr val="374151"/>
                 </a:solidFill>
@@ -10066,7 +12489,7 @@
                 <a:ea typeface="+mn-ea"/>
                 <a:cs typeface="+mn-cs"/>
               </a:rPr>
-              <a:t>Options set: "inferSchema" set to "true" for schema inference.</a:t>
+              <a:t>header set to "true": Treats the first row as headers for column identification.</a:t>
             </a:r>
           </a:p>
           <a:p>
@@ -10081,7 +12504,7 @@
               <a:buChar char="•"/>
             </a:pPr>
             <a:r>
-              <a:rPr lang="de-DE" altLang="de-DE" sz="1128" kern="1200">
+              <a:rPr lang="en-US" altLang="de-DE" sz="1128" kern="1200" dirty="0">
                 <a:solidFill>
                   <a:srgbClr val="374151"/>
                 </a:solidFill>
@@ -10089,29 +12512,7 @@
                 <a:ea typeface="+mn-ea"/>
                 <a:cs typeface="+mn-cs"/>
               </a:rPr>
-              <a:t>Reads data from a CSV file specified by </a:t>
-            </a:r>
-            <a:r>
-              <a:rPr lang="de-DE" altLang="de-DE" sz="1692" b="1" kern="1200">
-                <a:solidFill>
-                  <a:srgbClr val="374151"/>
-                </a:solidFill>
-                <a:latin typeface="Söhne Mono"/>
-                <a:ea typeface="+mn-ea"/>
-                <a:cs typeface="+mn-cs"/>
-              </a:rPr>
-              <a:t>inputPath</a:t>
-            </a:r>
-            <a:r>
-              <a:rPr lang="de-DE" altLang="de-DE" sz="1128" kern="1200">
-                <a:solidFill>
-                  <a:srgbClr val="374151"/>
-                </a:solidFill>
-                <a:latin typeface="Söhne"/>
-                <a:ea typeface="+mn-ea"/>
-                <a:cs typeface="+mn-cs"/>
-              </a:rPr>
-              <a:t>.</a:t>
+              <a:t>quote set to \"": Specifies double quotes (") as the quote character.</a:t>
             </a:r>
           </a:p>
           <a:p>
@@ -10126,7 +12527,7 @@
               <a:buChar char="•"/>
             </a:pPr>
             <a:r>
-              <a:rPr lang="de-DE" altLang="de-DE" sz="1128" kern="1200">
+              <a:rPr lang="en-US" altLang="de-DE" sz="1128" kern="1200" dirty="0">
                 <a:solidFill>
                   <a:srgbClr val="374151"/>
                 </a:solidFill>
@@ -10134,27 +12535,99 @@
                 <a:ea typeface="+mn-ea"/>
                 <a:cs typeface="+mn-cs"/>
               </a:rPr>
-              <a:t>Assumes the CSV file has an inferable schema.</a:t>
+              <a:t>delimiter set to ";": Uses semicolon (;) as the field delimiter.</a:t>
             </a:r>
           </a:p>
           <a:p>
-            <a:pPr marL="0" marR="0" lvl="0" indent="0" algn="l" defTabSz="914400" rtl="0" eaLnBrk="0" fontAlgn="base" latinLnBrk="0" hangingPunct="0">
-              <a:lnSpc>
-                <a:spcPct val="100000"/>
-              </a:lnSpc>
+            <a:pPr defTabSz="859536" eaLnBrk="0" fontAlgn="base" hangingPunct="0">
               <a:spcBef>
                 <a:spcPct val="0"/>
               </a:spcBef>
               <a:spcAft>
                 <a:spcPts val="600"/>
               </a:spcAft>
-              <a:buClrTx/>
-              <a:buSzTx/>
               <a:buFontTx/>
-              <a:buNone/>
-              <a:tabLst/>
+              <a:buChar char="•"/>
             </a:pPr>
-            <a:endParaRPr kumimoji="0" lang="de-DE" altLang="de-DE" sz="1800" b="0" i="0" u="none" strike="noStrike" cap="none" normalizeH="0" baseline="0">
+            <a:endParaRPr lang="en-US" altLang="de-DE" sz="1128" b="1" dirty="0">
+              <a:solidFill>
+                <a:srgbClr val="374151"/>
+              </a:solidFill>
+              <a:latin typeface="Söhne"/>
+            </a:endParaRPr>
+          </a:p>
+          <a:p>
+            <a:pPr defTabSz="859536" eaLnBrk="0" fontAlgn="base" hangingPunct="0">
+              <a:spcBef>
+                <a:spcPct val="0"/>
+              </a:spcBef>
+              <a:spcAft>
+                <a:spcPts val="600"/>
+              </a:spcAft>
+              <a:buFontTx/>
+              <a:buChar char="•"/>
+            </a:pPr>
+            <a:r>
+              <a:rPr lang="en-US" altLang="de-DE" sz="1128" b="1" kern="1200" dirty="0">
+                <a:solidFill>
+                  <a:srgbClr val="374151"/>
+                </a:solidFill>
+                <a:highlight>
+                  <a:srgbClr val="FFFF00"/>
+                </a:highlight>
+                <a:latin typeface="Söhne"/>
+                <a:ea typeface="+mn-ea"/>
+                <a:cs typeface="+mn-cs"/>
+              </a:rPr>
+              <a:t>CSV Reading Process:</a:t>
+            </a:r>
+          </a:p>
+          <a:p>
+            <a:pPr defTabSz="859536" eaLnBrk="0" fontAlgn="base" hangingPunct="0">
+              <a:spcBef>
+                <a:spcPct val="0"/>
+              </a:spcBef>
+              <a:spcAft>
+                <a:spcPts val="600"/>
+              </a:spcAft>
+              <a:buFontTx/>
+              <a:buChar char="•"/>
+            </a:pPr>
+            <a:r>
+              <a:rPr lang="en-US" altLang="de-DE" sz="1128" kern="1200" dirty="0">
+                <a:solidFill>
+                  <a:srgbClr val="374151"/>
+                </a:solidFill>
+                <a:latin typeface="Söhne"/>
+                <a:ea typeface="+mn-ea"/>
+                <a:cs typeface="+mn-cs"/>
+              </a:rPr>
+              <a:t>Utilizes Spark's read method to process CSV data.</a:t>
+            </a:r>
+          </a:p>
+          <a:p>
+            <a:pPr defTabSz="859536" eaLnBrk="0" fontAlgn="base" hangingPunct="0">
+              <a:spcBef>
+                <a:spcPct val="0"/>
+              </a:spcBef>
+              <a:spcAft>
+                <a:spcPts val="600"/>
+              </a:spcAft>
+              <a:buFontTx/>
+              <a:buChar char="•"/>
+            </a:pPr>
+            <a:r>
+              <a:rPr lang="en-US" altLang="de-DE" sz="1128" kern="1200" dirty="0">
+                <a:solidFill>
+                  <a:srgbClr val="374151"/>
+                </a:solidFill>
+                <a:latin typeface="Söhne"/>
+                <a:ea typeface="+mn-ea"/>
+                <a:cs typeface="+mn-cs"/>
+              </a:rPr>
+              <a:t>Configured options ensure specific reading behavior.</a:t>
+            </a:r>
+            <a:endParaRPr kumimoji="0" lang="de-DE" altLang="de-DE" sz="1800" b="0" i="0" u="none" strike="noStrike" cap="none" normalizeH="0" baseline="0" dirty="0">
               <a:ln>
                 <a:noFill/>
               </a:ln>
@@ -10167,6 +12640,36 @@
           </a:p>
         </p:txBody>
       </p:sp>
+      <p:pic>
+        <p:nvPicPr>
+          <p:cNvPr id="32" name="Picture 31">
+            <a:extLst>
+              <a:ext uri="{FF2B5EF4-FFF2-40B4-BE49-F238E27FC236}">
+                <a16:creationId xmlns:a16="http://schemas.microsoft.com/office/drawing/2014/main" id="{68FEF67E-AB16-9BE9-AA59-1BCEAFD29E4B}"/>
+              </a:ext>
+            </a:extLst>
+          </p:cNvPr>
+          <p:cNvPicPr>
+            <a:picLocks noChangeAspect="1"/>
+          </p:cNvPicPr>
+          <p:nvPr/>
+        </p:nvPicPr>
+        <p:blipFill>
+          <a:blip r:embed="rId2"/>
+          <a:stretch>
+            <a:fillRect/>
+          </a:stretch>
+        </p:blipFill>
+        <p:spPr>
+          <a:xfrm>
+            <a:off x="-4025" y="1586248"/>
+            <a:ext cx="6397992" cy="1974455"/>
+          </a:xfrm>
+          <a:prstGeom prst="rect">
+            <a:avLst/>
+          </a:prstGeom>
+        </p:spPr>
+      </p:pic>
     </p:spTree>
     <p:extLst>
       <p:ext uri="{BB962C8B-B14F-4D97-AF65-F5344CB8AC3E}">
@@ -10223,224 +12726,33 @@
         </p:nvSpPr>
         <p:spPr>
           <a:xfrm>
-            <a:off x="876693" y="741391"/>
-            <a:ext cx="3455821" cy="1616203"/>
+            <a:off x="481013" y="3752849"/>
+            <a:ext cx="3290887" cy="2452687"/>
           </a:xfrm>
         </p:spPr>
         <p:txBody>
-          <a:bodyPr vert="horz" lIns="91440" tIns="45720" rIns="91440" bIns="45720" rtlCol="0" anchor="b">
-            <a:normAutofit fontScale="90000"/>
+          <a:bodyPr vert="horz" lIns="91440" tIns="45720" rIns="91440" bIns="45720" rtlCol="0" anchor="ctr">
+            <a:normAutofit/>
           </a:bodyPr>
           <a:lstStyle/>
           <a:p>
             <a:r>
-              <a:rPr lang="en-US" altLang="de-DE" dirty="0">
+              <a:rPr lang="en-US" sz="3600" dirty="0">
                 <a:highlight>
                   <a:srgbClr val="FFFF00"/>
                 </a:highlight>
-                <a:latin typeface="Aharoni" panose="020F0502020204030204" pitchFamily="2" charset="-79"/>
-                <a:cs typeface="Aharoni" panose="020F0502020204030204" pitchFamily="2" charset="-79"/>
               </a:rPr>
-              <a:t>Apply </a:t>
-            </a:r>
-            <a:r>
-              <a:rPr lang="en-US" altLang="de-DE">
-                <a:highlight>
-                  <a:srgbClr val="FFFF00"/>
-                </a:highlight>
-                <a:latin typeface="Aharoni" panose="020F0502020204030204" pitchFamily="2" charset="-79"/>
-                <a:cs typeface="Aharoni" panose="020F0502020204030204" pitchFamily="2" charset="-79"/>
-              </a:rPr>
-              <a:t>SINDy </a:t>
-            </a:r>
-            <a:r>
-              <a:rPr lang="en-US" altLang="de-DE" dirty="0">
-                <a:highlight>
-                  <a:srgbClr val="FFFF00"/>
-                </a:highlight>
-                <a:latin typeface="Aharoni" panose="020F0502020204030204" pitchFamily="2" charset="-79"/>
-                <a:cs typeface="Aharoni" panose="020F0502020204030204" pitchFamily="2" charset="-79"/>
-              </a:rPr>
-              <a:t>Algorithm</a:t>
-            </a:r>
-            <a:endParaRPr lang="en-US" dirty="0">
-              <a:highlight>
-                <a:srgbClr val="FFFF00"/>
-              </a:highlight>
-              <a:latin typeface="Aharoni" panose="020F0502020204030204" pitchFamily="2" charset="-79"/>
-              <a:cs typeface="Aharoni" panose="020F0502020204030204" pitchFamily="2" charset="-79"/>
-            </a:endParaRPr>
-          </a:p>
-        </p:txBody>
-      </p:sp>
-      <p:sp>
-        <p:nvSpPr>
-          <p:cNvPr id="5" name="Rectangle 1">
-            <a:extLst>
-              <a:ext uri="{FF2B5EF4-FFF2-40B4-BE49-F238E27FC236}">
-                <a16:creationId xmlns:a16="http://schemas.microsoft.com/office/drawing/2014/main" id="{505AF113-72D1-941A-694E-69F72923ABEC}"/>
-              </a:ext>
-            </a:extLst>
-          </p:cNvPr>
-          <p:cNvSpPr>
-            <a:spLocks noGrp="1" noChangeArrowheads="1"/>
-          </p:cNvSpPr>
-          <p:nvPr>
-            <p:ph sz="half" idx="2"/>
-          </p:nvPr>
-        </p:nvSpPr>
-        <p:spPr bwMode="auto">
-          <a:xfrm>
-            <a:off x="876693" y="2533476"/>
-            <a:ext cx="3455821" cy="3447832"/>
-          </a:xfrm>
-          <a:prstGeom prst="rect">
-            <a:avLst/>
-          </a:prstGeom>
-          <a:extLst>
-            <a:ext uri="{909E8E84-426E-40DD-AFC4-6F175D3DCCD1}">
-              <a14:hiddenFill xmlns:a14="http://schemas.microsoft.com/office/drawing/2010/main">
-                <a:solidFill>
-                  <a:schemeClr val="accent1"/>
-                </a:solidFill>
-              </a14:hiddenFill>
-            </a:ext>
-            <a:ext uri="{91240B29-F687-4F45-9708-019B960494DF}">
-              <a14:hiddenLine xmlns:a14="http://schemas.microsoft.com/office/drawing/2010/main" w="9525">
-                <a:solidFill>
-                  <a:schemeClr val="tx1"/>
-                </a:solidFill>
-                <a:miter lim="800000"/>
-                <a:headEnd/>
-                <a:tailEnd/>
-              </a14:hiddenLine>
-            </a:ext>
-            <a:ext uri="{AF507438-7753-43E0-B8FC-AC1667EBCBE1}">
-              <a14:hiddenEffects xmlns:a14="http://schemas.microsoft.com/office/drawing/2010/main">
-                <a:effectLst>
-                  <a:outerShdw dist="35921" dir="2700000" algn="ctr" rotWithShape="0">
-                    <a:schemeClr val="bg2"/>
-                  </a:outerShdw>
-                </a:effectLst>
-              </a14:hiddenEffects>
-            </a:ext>
-          </a:extLst>
-        </p:spPr>
-        <p:txBody>
-          <a:bodyPr vert="horz" lIns="91440" tIns="45720" rIns="91440" bIns="45720" numCol="1" rtlCol="0" anchor="t" anchorCtr="0" compatLnSpc="1">
-            <a:prstTxWarp prst="textNoShape">
-              <a:avLst/>
-            </a:prstTxWarp>
-            <a:normAutofit/>
-          </a:bodyPr>
-          <a:lstStyle/>
-          <a:p>
-            <a:pPr marL="0" marR="0" lvl="0" fontAlgn="base">
-              <a:spcBef>
-                <a:spcPct val="0"/>
-              </a:spcBef>
-              <a:spcAft>
-                <a:spcPts val="600"/>
-              </a:spcAft>
-              <a:buClrTx/>
-              <a:buSzTx/>
-              <a:tabLst/>
-            </a:pPr>
-            <a:endParaRPr kumimoji="0" lang="en-US" altLang="de-DE" sz="2000" b="0" i="0" u="none" strike="noStrike" cap="none" normalizeH="0" baseline="0" dirty="0">
-              <a:ln>
-                <a:noFill/>
-              </a:ln>
-              <a:effectLst/>
-            </a:endParaRPr>
-          </a:p>
-          <a:p>
-            <a:pPr marL="457200" marR="0" lvl="1" fontAlgn="base">
-              <a:spcBef>
-                <a:spcPct val="0"/>
-              </a:spcBef>
-              <a:spcAft>
-                <a:spcPts val="600"/>
-              </a:spcAft>
-              <a:buClrTx/>
-              <a:buSzTx/>
-              <a:tabLst/>
-            </a:pPr>
-            <a:r>
-              <a:rPr kumimoji="0" lang="en-US" altLang="de-DE" sz="2000" b="0" i="0" u="none" strike="noStrike" cap="none" normalizeH="0" baseline="0" dirty="0">
-                <a:ln>
-                  <a:noFill/>
-                </a:ln>
-                <a:effectLst/>
-              </a:rPr>
-              <a:t>Public method processes a list of input paths.</a:t>
-            </a:r>
-          </a:p>
-          <a:p>
-            <a:pPr marL="457200" marR="0" lvl="1" fontAlgn="base">
-              <a:spcBef>
-                <a:spcPct val="0"/>
-              </a:spcBef>
-              <a:spcAft>
-                <a:spcPts val="600"/>
-              </a:spcAft>
-              <a:buClrTx/>
-              <a:buSzTx/>
-              <a:tabLst/>
-            </a:pPr>
-            <a:r>
-              <a:rPr kumimoji="0" lang="en-US" altLang="de-DE" sz="2000" b="0" i="0" u="none" strike="noStrike" cap="none" normalizeH="0" baseline="0" dirty="0">
-                <a:ln>
-                  <a:noFill/>
-                </a:ln>
-                <a:effectLst/>
-              </a:rPr>
-              <a:t>Data from multiple paths is merged into a single </a:t>
-            </a:r>
-            <a:r>
-              <a:rPr kumimoji="0" lang="en-US" altLang="de-DE" sz="2000" b="0" i="0" u="none" strike="noStrike" cap="none" normalizeH="0" baseline="0" dirty="0" err="1">
-                <a:ln>
-                  <a:noFill/>
-                </a:ln>
-                <a:effectLst/>
-              </a:rPr>
-              <a:t>DataFrame</a:t>
-            </a:r>
-            <a:r>
-              <a:rPr kumimoji="0" lang="en-US" altLang="de-DE" sz="2000" b="0" i="0" u="none" strike="noStrike" cap="none" normalizeH="0" baseline="0" dirty="0">
-                <a:ln>
-                  <a:noFill/>
-                </a:ln>
-                <a:effectLst/>
-              </a:rPr>
-              <a:t> (</a:t>
-            </a:r>
-            <a:r>
-              <a:rPr kumimoji="0" lang="en-US" altLang="de-DE" sz="2000" b="1" i="0" u="none" strike="noStrike" cap="none" normalizeH="0" baseline="0" dirty="0" err="1">
-                <a:ln>
-                  <a:noFill/>
-                </a:ln>
-                <a:effectLst/>
-              </a:rPr>
-              <a:t>combinedData</a:t>
-            </a:r>
-            <a:r>
-              <a:rPr kumimoji="0" lang="en-US" altLang="de-DE" sz="2000" b="0" i="0" u="none" strike="noStrike" cap="none" normalizeH="0" baseline="0" dirty="0">
-                <a:ln>
-                  <a:noFill/>
-                </a:ln>
-                <a:effectLst/>
-              </a:rPr>
-              <a:t>).</a:t>
+              <a:t>Extract the Data into DF</a:t>
             </a:r>
           </a:p>
         </p:txBody>
       </p:sp>
       <p:pic>
         <p:nvPicPr>
-          <p:cNvPr id="6" name="Content Placeholder 4" descr="A computer screen shot of a program code&#10;&#10;Description automatically generated">
+          <p:cNvPr id="8" name="Content Placeholder 7">
             <a:extLst>
               <a:ext uri="{FF2B5EF4-FFF2-40B4-BE49-F238E27FC236}">
-                <a16:creationId xmlns:a16="http://schemas.microsoft.com/office/drawing/2014/main" id="{9A59EFD2-3586-CAA3-6227-72E90C117F4D}"/>
+                <a16:creationId xmlns:a16="http://schemas.microsoft.com/office/drawing/2014/main" id="{558FA17A-6DCF-00F5-E580-20E31C752678}"/>
               </a:ext>
             </a:extLst>
           </p:cNvPr>
@@ -10453,34 +12765,148 @@
         </p:nvPicPr>
         <p:blipFill rotWithShape="1">
           <a:blip r:embed="rId2"/>
-          <a:srcRect r="29148" b="-1"/>
+          <a:srcRect r="7999" b="-1"/>
           <a:stretch/>
         </p:blipFill>
         <p:spPr>
           <a:xfrm>
-            <a:off x="4987672" y="1167891"/>
-            <a:ext cx="6389346" cy="4531527"/>
+            <a:off x="20" y="10"/>
+            <a:ext cx="12191980" cy="3710603"/>
           </a:xfrm>
-          <a:prstGeom prst="rect">
+          <a:custGeom>
             <a:avLst/>
-          </a:prstGeom>
+            <a:gdLst/>
+            <a:ahLst/>
+            <a:cxnLst/>
+            <a:rect l="l" t="t" r="r" b="b"/>
+            <a:pathLst>
+              <a:path w="12192000" h="3692092">
+                <a:moveTo>
+                  <a:pt x="0" y="0"/>
+                </a:moveTo>
+                <a:lnTo>
+                  <a:pt x="12192000" y="0"/>
+                </a:lnTo>
+                <a:lnTo>
+                  <a:pt x="12192000" y="3504824"/>
+                </a:lnTo>
+                <a:lnTo>
+                  <a:pt x="12024691" y="3517794"/>
+                </a:lnTo>
+                <a:cubicBezTo>
+                  <a:pt x="8077523" y="3783195"/>
+                  <a:pt x="4094678" y="3026959"/>
+                  <a:pt x="160485" y="3663863"/>
+                </a:cubicBezTo>
+                <a:lnTo>
+                  <a:pt x="0" y="3692092"/>
+                </a:lnTo>
+                <a:close/>
+              </a:path>
+            </a:pathLst>
+          </a:custGeom>
         </p:spPr>
       </p:pic>
-      <p:grpSp>
-        <p:nvGrpSpPr>
-          <p:cNvPr id="23" name="Group 22">
+      <p:sp>
+        <p:nvSpPr>
+          <p:cNvPr id="9" name="Content Placeholder 8">
             <a:extLst>
               <a:ext uri="{FF2B5EF4-FFF2-40B4-BE49-F238E27FC236}">
-                <a16:creationId xmlns:a16="http://schemas.microsoft.com/office/drawing/2014/main" id="{6258F736-B256-8039-9DC6-F4E49A5C5AD5}"/>
+                <a16:creationId xmlns:a16="http://schemas.microsoft.com/office/drawing/2014/main" id="{9D416014-2CF8-640D-296D-84A7ECE76E10}"/>
+              </a:ext>
+            </a:extLst>
+          </p:cNvPr>
+          <p:cNvSpPr>
+            <a:spLocks noGrp="1"/>
+          </p:cNvSpPr>
+          <p:nvPr>
+            <p:ph sz="half" idx="2"/>
+          </p:nvPr>
+        </p:nvSpPr>
+        <p:spPr>
+          <a:xfrm>
+            <a:off x="4223982" y="3752850"/>
+            <a:ext cx="7485413" cy="2452687"/>
+          </a:xfrm>
+        </p:spPr>
+        <p:txBody>
+          <a:bodyPr vert="horz" lIns="91440" tIns="45720" rIns="91440" bIns="45720" rtlCol="0" anchor="ctr">
+            <a:normAutofit/>
+          </a:bodyPr>
+          <a:lstStyle/>
+          <a:p>
+            <a:r>
+              <a:rPr lang="en-US" sz="1800"/>
+              <a:t>Loads tables from specified file paths into Spark DataFrames.</a:t>
+            </a:r>
+          </a:p>
+          <a:p>
+            <a:r>
+              <a:rPr lang="en-US" sz="1800"/>
+              <a:t>Combines DataFrames using unionByName to create a single DataFrame (unionDF).</a:t>
+            </a:r>
+          </a:p>
+          <a:p>
+            <a:r>
+              <a:rPr lang="en-US" sz="1800"/>
+              <a:t>Extracts attribute sets from each row of the combined DataFrame, grouping them by attribute values (attributeSets).</a:t>
+            </a:r>
+          </a:p>
+        </p:txBody>
+      </p:sp>
+    </p:spTree>
+    <p:extLst>
+      <p:ext uri="{BB962C8B-B14F-4D97-AF65-F5344CB8AC3E}">
+        <p14:creationId xmlns:p14="http://schemas.microsoft.com/office/powerpoint/2010/main" val="3677828"/>
+      </p:ext>
+    </p:extLst>
+  </p:cSld>
+  <p:clrMapOvr>
+    <a:masterClrMapping/>
+  </p:clrMapOvr>
+</p:sld>
+</file>
+
+<file path=ppt/slides/slide5.xml><?xml version="1.0" encoding="utf-8"?>
+<p:sld xmlns:a="http://schemas.openxmlformats.org/drawingml/2006/main" xmlns:r="http://schemas.openxmlformats.org/officeDocument/2006/relationships" xmlns:p="http://schemas.openxmlformats.org/presentationml/2006/main">
+  <p:cSld>
+    <p:bg>
+      <p:bgPr>
+        <a:solidFill>
+          <a:schemeClr val="bg1"/>
+        </a:solidFill>
+        <a:effectLst/>
+      </p:bgPr>
+    </p:bg>
+    <p:spTree>
+      <p:nvGrpSpPr>
+        <p:cNvPr id="1" name=""/>
+        <p:cNvGrpSpPr/>
+        <p:nvPr/>
+      </p:nvGrpSpPr>
+      <p:grpSpPr>
+        <a:xfrm>
+          <a:off x="0" y="0"/>
+          <a:ext cx="0" cy="0"/>
+          <a:chOff x="0" y="0"/>
+          <a:chExt cx="0" cy="0"/>
+        </a:xfrm>
+      </p:grpSpPr>
+      <p:sp useBgFill="1">
+        <p:nvSpPr>
+          <p:cNvPr id="10" name="Rectangle 9">
+            <a:extLst>
+              <a:ext uri="{FF2B5EF4-FFF2-40B4-BE49-F238E27FC236}">
+                <a16:creationId xmlns:a16="http://schemas.microsoft.com/office/drawing/2014/main" id="{2B97F24A-32CE-4C1C-A50D-3016B394DCFB}"/>
               </a:ext>
               <a:ext uri="{C183D7F6-B498-43B3-948B-1728B52AA6E4}">
                 <adec:decorative xmlns:adec="http://schemas.microsoft.com/office/drawing/2017/decorative" val="1"/>
               </a:ext>
             </a:extLst>
           </p:cNvPr>
-          <p:cNvGrpSpPr>
-            <a:grpSpLocks noGrp="1" noUngrp="1" noRot="1" noChangeAspect="1" noMove="1" noResize="1"/>
-          </p:cNvGrpSpPr>
+          <p:cNvSpPr>
+            <a:spLocks noGrp="1" noRot="1" noChangeAspect="1" noMove="1" noResize="1" noEditPoints="1" noAdjustHandles="1" noChangeArrowheads="1" noChangeShapeType="1" noTextEdit="1"/>
+          </p:cNvSpPr>
           <p:nvPr>
             <p:extLst>
               <p:ext uri="{386F3935-93C4-4BCD-93E2-E3B085C9AB24}">
@@ -10488,165 +12914,1038 @@
               </p:ext>
             </p:extLst>
           </p:nvPr>
-        </p:nvGrpSpPr>
-        <p:grpSpPr>
-          <a:xfrm flipH="1">
-            <a:off x="12068638" y="0"/>
-            <a:ext cx="123362" cy="6858000"/>
-            <a:chOff x="12068638" y="0"/>
-            <a:chExt cx="123362" cy="6858000"/>
+        </p:nvSpPr>
+        <p:spPr>
+          <a:xfrm>
+            <a:off x="0" y="0"/>
+            <a:ext cx="12192000" cy="6858000"/>
           </a:xfrm>
-        </p:grpSpPr>
-        <p:sp>
-          <p:nvSpPr>
-            <p:cNvPr id="24" name="Rectangle 23">
-              <a:extLst>
-                <a:ext uri="{FF2B5EF4-FFF2-40B4-BE49-F238E27FC236}">
-                  <a16:creationId xmlns:a16="http://schemas.microsoft.com/office/drawing/2014/main" id="{10B4520A-996E-330C-99DA-69CA4D89E906}"/>
-                </a:ext>
-                <a:ext uri="{C183D7F6-B498-43B3-948B-1728B52AA6E4}">
-                  <adec:decorative xmlns:adec="http://schemas.microsoft.com/office/drawing/2017/decorative" val="1"/>
-                </a:ext>
-              </a:extLst>
-            </p:cNvPr>
-            <p:cNvSpPr/>
-            <p:nvPr>
-              <p:extLst>
-                <p:ext uri="{386F3935-93C4-4BCD-93E2-E3B085C9AB24}">
-                  <p16:designElem xmlns:p16="http://schemas.microsoft.com/office/powerpoint/2015/main" val="1"/>
-                </p:ext>
-              </p:extLst>
-            </p:nvPr>
-          </p:nvSpPr>
-          <p:spPr>
-            <a:xfrm>
-              <a:off x="12068638" y="0"/>
-              <a:ext cx="123362" cy="6858000"/>
-            </a:xfrm>
-            <a:prstGeom prst="rect">
-              <a:avLst/>
-            </a:prstGeom>
-            <a:gradFill>
-              <a:gsLst>
-                <a:gs pos="0">
-                  <a:schemeClr val="accent2"/>
-                </a:gs>
-                <a:gs pos="100000">
-                  <a:schemeClr val="accent5"/>
-                </a:gs>
-              </a:gsLst>
-              <a:lin ang="1800000" scaled="0"/>
-            </a:gradFill>
-            <a:ln>
-              <a:noFill/>
-            </a:ln>
-          </p:spPr>
-          <p:style>
-            <a:lnRef idx="2">
-              <a:schemeClr val="accent1">
-                <a:shade val="50000"/>
-              </a:schemeClr>
-            </a:lnRef>
-            <a:fillRef idx="1">
-              <a:schemeClr val="accent1"/>
-            </a:fillRef>
-            <a:effectRef idx="0">
-              <a:schemeClr val="accent1"/>
-            </a:effectRef>
-            <a:fontRef idx="minor">
-              <a:schemeClr val="lt1"/>
-            </a:fontRef>
-          </p:style>
-          <p:txBody>
-            <a:bodyPr rtlCol="0" anchor="ctr"/>
-            <a:lstStyle/>
-            <a:p>
-              <a:pPr algn="ctr"/>
-              <a:endParaRPr lang="en-US"/>
-            </a:p>
-          </p:txBody>
-        </p:sp>
-        <p:sp>
-          <p:nvSpPr>
-            <p:cNvPr id="25" name="Rectangle 24">
-              <a:extLst>
-                <a:ext uri="{FF2B5EF4-FFF2-40B4-BE49-F238E27FC236}">
-                  <a16:creationId xmlns:a16="http://schemas.microsoft.com/office/drawing/2014/main" id="{EC8FA945-E356-695F-18D6-CAD4EF34FE4A}"/>
-                </a:ext>
-                <a:ext uri="{C183D7F6-B498-43B3-948B-1728B52AA6E4}">
-                  <adec:decorative xmlns:adec="http://schemas.microsoft.com/office/drawing/2017/decorative" val="1"/>
-                </a:ext>
-              </a:extLst>
-            </p:cNvPr>
-            <p:cNvSpPr/>
-            <p:nvPr>
-              <p:extLst>
-                <p:ext uri="{386F3935-93C4-4BCD-93E2-E3B085C9AB24}">
-                  <p16:designElem xmlns:p16="http://schemas.microsoft.com/office/powerpoint/2015/main" val="1"/>
-                </p:ext>
-              </p:extLst>
-            </p:nvPr>
-          </p:nvSpPr>
-          <p:spPr>
-            <a:xfrm>
-              <a:off x="12068638" y="3527553"/>
-              <a:ext cx="123362" cy="3330447"/>
-            </a:xfrm>
-            <a:prstGeom prst="rect">
-              <a:avLst/>
-            </a:prstGeom>
-            <a:gradFill>
-              <a:gsLst>
-                <a:gs pos="19000">
-                  <a:schemeClr val="accent5">
-                    <a:lumMod val="60000"/>
-                    <a:lumOff val="40000"/>
-                    <a:alpha val="0"/>
-                  </a:schemeClr>
-                </a:gs>
-                <a:gs pos="100000">
-                  <a:schemeClr val="accent5">
-                    <a:lumMod val="60000"/>
-                    <a:lumOff val="40000"/>
-                  </a:schemeClr>
-                </a:gs>
-              </a:gsLst>
-              <a:lin ang="600000" scaled="0"/>
-            </a:gradFill>
-            <a:ln>
-              <a:noFill/>
-            </a:ln>
-          </p:spPr>
-          <p:style>
-            <a:lnRef idx="2">
-              <a:schemeClr val="accent1">
-                <a:shade val="50000"/>
-              </a:schemeClr>
-            </a:lnRef>
-            <a:fillRef idx="1">
-              <a:schemeClr val="accent1"/>
-            </a:fillRef>
-            <a:effectRef idx="0">
-              <a:schemeClr val="accent1"/>
-            </a:effectRef>
-            <a:fontRef idx="minor">
-              <a:schemeClr val="lt1"/>
-            </a:fontRef>
-          </p:style>
-          <p:txBody>
-            <a:bodyPr rtlCol="0" anchor="ctr"/>
-            <a:lstStyle/>
-            <a:p>
-              <a:pPr algn="ctr"/>
-              <a:endParaRPr lang="en-US"/>
-            </a:p>
-          </p:txBody>
-        </p:sp>
-      </p:grpSp>
+          <a:prstGeom prst="rect">
+            <a:avLst/>
+          </a:prstGeom>
+          <a:ln>
+            <a:noFill/>
+          </a:ln>
+        </p:spPr>
+        <p:style>
+          <a:lnRef idx="2">
+            <a:schemeClr val="accent1">
+              <a:shade val="50000"/>
+            </a:schemeClr>
+          </a:lnRef>
+          <a:fillRef idx="1">
+            <a:schemeClr val="accent1"/>
+          </a:fillRef>
+          <a:effectRef idx="0">
+            <a:schemeClr val="accent1"/>
+          </a:effectRef>
+          <a:fontRef idx="minor">
+            <a:schemeClr val="lt1"/>
+          </a:fontRef>
+        </p:style>
+        <p:txBody>
+          <a:bodyPr rtlCol="0" anchor="ctr"/>
+          <a:lstStyle/>
+          <a:p>
+            <a:pPr algn="ctr"/>
+            <a:endParaRPr lang="en-US"/>
+          </a:p>
+        </p:txBody>
+      </p:sp>
+      <p:sp>
+        <p:nvSpPr>
+          <p:cNvPr id="2" name="Title 1">
+            <a:extLst>
+              <a:ext uri="{FF2B5EF4-FFF2-40B4-BE49-F238E27FC236}">
+                <a16:creationId xmlns:a16="http://schemas.microsoft.com/office/drawing/2014/main" id="{A946A21B-E5E8-A2EC-26C8-2F881B488159}"/>
+              </a:ext>
+            </a:extLst>
+          </p:cNvPr>
+          <p:cNvSpPr>
+            <a:spLocks noGrp="1"/>
+          </p:cNvSpPr>
+          <p:nvPr>
+            <p:ph type="title"/>
+          </p:nvPr>
+        </p:nvSpPr>
+        <p:spPr>
+          <a:xfrm>
+            <a:off x="630936" y="639520"/>
+            <a:ext cx="3429000" cy="1719072"/>
+          </a:xfrm>
+        </p:spPr>
+        <p:txBody>
+          <a:bodyPr vert="horz" lIns="91440" tIns="45720" rIns="91440" bIns="45720" rtlCol="0" anchor="b">
+            <a:normAutofit/>
+          </a:bodyPr>
+          <a:lstStyle/>
+          <a:p>
+            <a:r>
+              <a:rPr lang="en-US" sz="5400" kern="1200" dirty="0">
+                <a:solidFill>
+                  <a:schemeClr val="tx1"/>
+                </a:solidFill>
+                <a:latin typeface="+mj-lt"/>
+                <a:ea typeface="+mj-ea"/>
+                <a:cs typeface="+mj-cs"/>
+              </a:rPr>
+              <a:t>IND Discovery</a:t>
+            </a:r>
+          </a:p>
+        </p:txBody>
+      </p:sp>
+      <p:sp>
+        <p:nvSpPr>
+          <p:cNvPr id="12" name="sketch line">
+            <a:extLst>
+              <a:ext uri="{FF2B5EF4-FFF2-40B4-BE49-F238E27FC236}">
+                <a16:creationId xmlns:a16="http://schemas.microsoft.com/office/drawing/2014/main" id="{CD8B4F24-440B-49E9-B85D-733523DC064B}"/>
+              </a:ext>
+              <a:ext uri="{C183D7F6-B498-43B3-948B-1728B52AA6E4}">
+                <adec:decorative xmlns:adec="http://schemas.microsoft.com/office/drawing/2017/decorative" val="1"/>
+              </a:ext>
+            </a:extLst>
+          </p:cNvPr>
+          <p:cNvSpPr>
+            <a:spLocks noGrp="1" noRot="1" noChangeAspect="1" noMove="1" noResize="1" noEditPoints="1" noAdjustHandles="1" noChangeArrowheads="1" noChangeShapeType="1" noTextEdit="1"/>
+          </p:cNvSpPr>
+          <p:nvPr>
+            <p:extLst>
+              <p:ext uri="{386F3935-93C4-4BCD-93E2-E3B085C9AB24}">
+                <p16:designElem xmlns:p16="http://schemas.microsoft.com/office/powerpoint/2015/main" val="1"/>
+              </p:ext>
+            </p:extLst>
+          </p:nvPr>
+        </p:nvSpPr>
+        <p:spPr>
+          <a:xfrm>
+            <a:off x="643278" y="2573756"/>
+            <a:ext cx="3255095" cy="18288"/>
+          </a:xfrm>
+          <a:custGeom>
+            <a:avLst/>
+            <a:gdLst>
+              <a:gd name="connsiteX0" fmla="*/ 0 w 3255095"/>
+              <a:gd name="connsiteY0" fmla="*/ 0 h 18288"/>
+              <a:gd name="connsiteX1" fmla="*/ 618468 w 3255095"/>
+              <a:gd name="connsiteY1" fmla="*/ 0 h 18288"/>
+              <a:gd name="connsiteX2" fmla="*/ 1269487 w 3255095"/>
+              <a:gd name="connsiteY2" fmla="*/ 0 h 18288"/>
+              <a:gd name="connsiteX3" fmla="*/ 1953057 w 3255095"/>
+              <a:gd name="connsiteY3" fmla="*/ 0 h 18288"/>
+              <a:gd name="connsiteX4" fmla="*/ 2636627 w 3255095"/>
+              <a:gd name="connsiteY4" fmla="*/ 0 h 18288"/>
+              <a:gd name="connsiteX5" fmla="*/ 3255095 w 3255095"/>
+              <a:gd name="connsiteY5" fmla="*/ 0 h 18288"/>
+              <a:gd name="connsiteX6" fmla="*/ 3255095 w 3255095"/>
+              <a:gd name="connsiteY6" fmla="*/ 18288 h 18288"/>
+              <a:gd name="connsiteX7" fmla="*/ 2538974 w 3255095"/>
+              <a:gd name="connsiteY7" fmla="*/ 18288 h 18288"/>
+              <a:gd name="connsiteX8" fmla="*/ 1822853 w 3255095"/>
+              <a:gd name="connsiteY8" fmla="*/ 18288 h 18288"/>
+              <a:gd name="connsiteX9" fmla="*/ 1171834 w 3255095"/>
+              <a:gd name="connsiteY9" fmla="*/ 18288 h 18288"/>
+              <a:gd name="connsiteX10" fmla="*/ 0 w 3255095"/>
+              <a:gd name="connsiteY10" fmla="*/ 18288 h 18288"/>
+              <a:gd name="connsiteX11" fmla="*/ 0 w 3255095"/>
+              <a:gd name="connsiteY11" fmla="*/ 0 h 18288"/>
+            </a:gdLst>
+            <a:ahLst/>
+            <a:cxnLst>
+              <a:cxn ang="0">
+                <a:pos x="connsiteX0" y="connsiteY0"/>
+              </a:cxn>
+              <a:cxn ang="0">
+                <a:pos x="connsiteX1" y="connsiteY1"/>
+              </a:cxn>
+              <a:cxn ang="0">
+                <a:pos x="connsiteX2" y="connsiteY2"/>
+              </a:cxn>
+              <a:cxn ang="0">
+                <a:pos x="connsiteX3" y="connsiteY3"/>
+              </a:cxn>
+              <a:cxn ang="0">
+                <a:pos x="connsiteX4" y="connsiteY4"/>
+              </a:cxn>
+              <a:cxn ang="0">
+                <a:pos x="connsiteX5" y="connsiteY5"/>
+              </a:cxn>
+              <a:cxn ang="0">
+                <a:pos x="connsiteX6" y="connsiteY6"/>
+              </a:cxn>
+              <a:cxn ang="0">
+                <a:pos x="connsiteX7" y="connsiteY7"/>
+              </a:cxn>
+              <a:cxn ang="0">
+                <a:pos x="connsiteX8" y="connsiteY8"/>
+              </a:cxn>
+              <a:cxn ang="0">
+                <a:pos x="connsiteX9" y="connsiteY9"/>
+              </a:cxn>
+              <a:cxn ang="0">
+                <a:pos x="connsiteX10" y="connsiteY10"/>
+              </a:cxn>
+              <a:cxn ang="0">
+                <a:pos x="connsiteX11" y="connsiteY11"/>
+              </a:cxn>
+            </a:cxnLst>
+            <a:rect l="l" t="t" r="r" b="b"/>
+            <a:pathLst>
+              <a:path w="3255095" h="18288" fill="none" extrusionOk="0">
+                <a:moveTo>
+                  <a:pt x="0" y="0"/>
+                </a:moveTo>
+                <a:cubicBezTo>
+                  <a:pt x="240201" y="-22123"/>
+                  <a:pt x="462021" y="-19623"/>
+                  <a:pt x="618468" y="0"/>
+                </a:cubicBezTo>
+                <a:cubicBezTo>
+                  <a:pt x="774915" y="19623"/>
+                  <a:pt x="974734" y="2035"/>
+                  <a:pt x="1269487" y="0"/>
+                </a:cubicBezTo>
+                <a:cubicBezTo>
+                  <a:pt x="1564240" y="-2035"/>
+                  <a:pt x="1733579" y="10639"/>
+                  <a:pt x="1953057" y="0"/>
+                </a:cubicBezTo>
+                <a:cubicBezTo>
+                  <a:pt x="2172535" y="-10639"/>
+                  <a:pt x="2453962" y="14018"/>
+                  <a:pt x="2636627" y="0"/>
+                </a:cubicBezTo>
+                <a:cubicBezTo>
+                  <a:pt x="2819292" y="-14018"/>
+                  <a:pt x="3121375" y="5399"/>
+                  <a:pt x="3255095" y="0"/>
+                </a:cubicBezTo>
+                <a:cubicBezTo>
+                  <a:pt x="3254386" y="8157"/>
+                  <a:pt x="3254682" y="12125"/>
+                  <a:pt x="3255095" y="18288"/>
+                </a:cubicBezTo>
+                <a:cubicBezTo>
+                  <a:pt x="3088545" y="23203"/>
+                  <a:pt x="2687475" y="7419"/>
+                  <a:pt x="2538974" y="18288"/>
+                </a:cubicBezTo>
+                <a:cubicBezTo>
+                  <a:pt x="2390473" y="29157"/>
+                  <a:pt x="2137381" y="-8959"/>
+                  <a:pt x="1822853" y="18288"/>
+                </a:cubicBezTo>
+                <a:cubicBezTo>
+                  <a:pt x="1508325" y="45535"/>
+                  <a:pt x="1466437" y="20385"/>
+                  <a:pt x="1171834" y="18288"/>
+                </a:cubicBezTo>
+                <a:cubicBezTo>
+                  <a:pt x="877231" y="16191"/>
+                  <a:pt x="561097" y="37643"/>
+                  <a:pt x="0" y="18288"/>
+                </a:cubicBezTo>
+                <a:cubicBezTo>
+                  <a:pt x="-46" y="12483"/>
+                  <a:pt x="-203" y="6491"/>
+                  <a:pt x="0" y="0"/>
+                </a:cubicBezTo>
+                <a:close/>
+              </a:path>
+              <a:path w="3255095" h="18288" stroke="0" extrusionOk="0">
+                <a:moveTo>
+                  <a:pt x="0" y="0"/>
+                </a:moveTo>
+                <a:cubicBezTo>
+                  <a:pt x="291965" y="19429"/>
+                  <a:pt x="363155" y="8568"/>
+                  <a:pt x="618468" y="0"/>
+                </a:cubicBezTo>
+                <a:cubicBezTo>
+                  <a:pt x="873781" y="-8568"/>
+                  <a:pt x="904459" y="-19505"/>
+                  <a:pt x="1171834" y="0"/>
+                </a:cubicBezTo>
+                <a:cubicBezTo>
+                  <a:pt x="1439209" y="19505"/>
+                  <a:pt x="1744369" y="9790"/>
+                  <a:pt x="1887955" y="0"/>
+                </a:cubicBezTo>
+                <a:cubicBezTo>
+                  <a:pt x="2031541" y="-9790"/>
+                  <a:pt x="2346378" y="21240"/>
+                  <a:pt x="2506423" y="0"/>
+                </a:cubicBezTo>
+                <a:cubicBezTo>
+                  <a:pt x="2666468" y="-21240"/>
+                  <a:pt x="2990257" y="30414"/>
+                  <a:pt x="3255095" y="0"/>
+                </a:cubicBezTo>
+                <a:cubicBezTo>
+                  <a:pt x="3254831" y="4493"/>
+                  <a:pt x="3255479" y="9472"/>
+                  <a:pt x="3255095" y="18288"/>
+                </a:cubicBezTo>
+                <a:cubicBezTo>
+                  <a:pt x="3120743" y="16690"/>
+                  <a:pt x="2759628" y="42462"/>
+                  <a:pt x="2604076" y="18288"/>
+                </a:cubicBezTo>
+                <a:cubicBezTo>
+                  <a:pt x="2448524" y="-5886"/>
+                  <a:pt x="2184336" y="19599"/>
+                  <a:pt x="1887955" y="18288"/>
+                </a:cubicBezTo>
+                <a:cubicBezTo>
+                  <a:pt x="1591574" y="16977"/>
+                  <a:pt x="1548845" y="6870"/>
+                  <a:pt x="1334589" y="18288"/>
+                </a:cubicBezTo>
+                <a:cubicBezTo>
+                  <a:pt x="1120333" y="29706"/>
+                  <a:pt x="996014" y="9662"/>
+                  <a:pt x="683570" y="18288"/>
+                </a:cubicBezTo>
+                <a:cubicBezTo>
+                  <a:pt x="371126" y="26914"/>
+                  <a:pt x="198687" y="16167"/>
+                  <a:pt x="0" y="18288"/>
+                </a:cubicBezTo>
+                <a:cubicBezTo>
+                  <a:pt x="843" y="9577"/>
+                  <a:pt x="371" y="6900"/>
+                  <a:pt x="0" y="0"/>
+                </a:cubicBezTo>
+                <a:close/>
+              </a:path>
+            </a:pathLst>
+          </a:custGeom>
+          <a:solidFill>
+            <a:schemeClr val="accent2"/>
+          </a:solidFill>
+          <a:ln w="38100" cap="rnd">
+            <a:solidFill>
+              <a:schemeClr val="accent2"/>
+            </a:solidFill>
+            <a:round/>
+            <a:extLst>
+              <a:ext uri="{C807C97D-BFC1-408E-A445-0C87EB9F89A2}">
+                <ask:lineSketchStyleProps xmlns:ask="http://schemas.microsoft.com/office/drawing/2018/sketchyshapes" sd="1219033472">
+                  <a:prstGeom prst="rect">
+                    <a:avLst/>
+                  </a:prstGeom>
+                  <ask:type>
+                    <ask:lineSketchFreehand/>
+                  </ask:type>
+                </ask:lineSketchStyleProps>
+              </a:ext>
+            </a:extLst>
+          </a:ln>
+        </p:spPr>
+        <p:style>
+          <a:lnRef idx="2">
+            <a:schemeClr val="accent1">
+              <a:shade val="50000"/>
+            </a:schemeClr>
+          </a:lnRef>
+          <a:fillRef idx="1">
+            <a:schemeClr val="accent1"/>
+          </a:fillRef>
+          <a:effectRef idx="0">
+            <a:schemeClr val="accent1"/>
+          </a:effectRef>
+          <a:fontRef idx="minor">
+            <a:schemeClr val="lt1"/>
+          </a:fontRef>
+        </p:style>
+        <p:txBody>
+          <a:bodyPr rtlCol="0" anchor="ctr"/>
+          <a:lstStyle/>
+          <a:p>
+            <a:pPr algn="ctr"/>
+            <a:endParaRPr lang="en-US"/>
+          </a:p>
+        </p:txBody>
+      </p:sp>
+      <p:sp>
+        <p:nvSpPr>
+          <p:cNvPr id="4" name="Content Placeholder 3">
+            <a:extLst>
+              <a:ext uri="{FF2B5EF4-FFF2-40B4-BE49-F238E27FC236}">
+                <a16:creationId xmlns:a16="http://schemas.microsoft.com/office/drawing/2014/main" id="{0D7F0AB8-F1C6-C79A-4128-B6CD2041EBD6}"/>
+              </a:ext>
+            </a:extLst>
+          </p:cNvPr>
+          <p:cNvSpPr>
+            <a:spLocks noGrp="1"/>
+          </p:cNvSpPr>
+          <p:nvPr>
+            <p:ph sz="half" idx="2"/>
+          </p:nvPr>
+        </p:nvSpPr>
+        <p:spPr>
+          <a:xfrm>
+            <a:off x="630936" y="2807208"/>
+            <a:ext cx="3429000" cy="3410712"/>
+          </a:xfrm>
+        </p:spPr>
+        <p:txBody>
+          <a:bodyPr vert="horz" lIns="91440" tIns="45720" rIns="91440" bIns="45720" rtlCol="0" anchor="t">
+            <a:normAutofit/>
+          </a:bodyPr>
+          <a:lstStyle/>
+          <a:p>
+            <a:r>
+              <a:rPr lang="en-US" sz="1700" b="0" i="0">
+                <a:effectLst/>
+              </a:rPr>
+              <a:t>Utilizes attribute sets to systematically discover INDs.</a:t>
+            </a:r>
+          </a:p>
+          <a:p>
+            <a:r>
+              <a:rPr lang="en-US" sz="1700" b="0" i="0">
+                <a:effectLst/>
+              </a:rPr>
+              <a:t>Generates pairs for each attribute and groups them by the current attribute.</a:t>
+            </a:r>
+          </a:p>
+          <a:p>
+            <a:r>
+              <a:rPr lang="en-US" sz="1700" b="0" i="0">
+                <a:effectLst/>
+              </a:rPr>
+              <a:t>Computes the intersection of sets within each group, representing the INDs.</a:t>
+            </a:r>
+          </a:p>
+          <a:p>
+            <a:r>
+              <a:rPr lang="en-US" sz="1700" b="0" i="0">
+                <a:effectLst/>
+              </a:rPr>
+              <a:t>Displays and prints the discovered INDs, sorted by attribute.</a:t>
+            </a:r>
+          </a:p>
+          <a:p>
+            <a:r>
+              <a:rPr lang="en-US" sz="1700" b="0" i="0">
+                <a:effectLst/>
+              </a:rPr>
+              <a:t>Releases persisted data for optimization.</a:t>
+            </a:r>
+          </a:p>
+          <a:p>
+            <a:endParaRPr lang="en-US" sz="1700"/>
+          </a:p>
+        </p:txBody>
+      </p:sp>
+      <p:pic>
+        <p:nvPicPr>
+          <p:cNvPr id="5" name="Content Placeholder 4">
+            <a:extLst>
+              <a:ext uri="{FF2B5EF4-FFF2-40B4-BE49-F238E27FC236}">
+                <a16:creationId xmlns:a16="http://schemas.microsoft.com/office/drawing/2014/main" id="{5C685159-55DA-5193-94DB-E503EBA2992F}"/>
+              </a:ext>
+            </a:extLst>
+          </p:cNvPr>
+          <p:cNvPicPr>
+            <a:picLocks noGrp="1" noChangeAspect="1"/>
+          </p:cNvPicPr>
+          <p:nvPr>
+            <p:ph sz="half" idx="1"/>
+          </p:nvPr>
+        </p:nvPicPr>
+        <p:blipFill>
+          <a:blip r:embed="rId2"/>
+          <a:stretch>
+            <a:fillRect/>
+          </a:stretch>
+        </p:blipFill>
+        <p:spPr>
+          <a:xfrm>
+            <a:off x="4654296" y="1685810"/>
+            <a:ext cx="6903720" cy="3486379"/>
+          </a:xfrm>
+          <a:prstGeom prst="rect">
+            <a:avLst/>
+          </a:prstGeom>
+        </p:spPr>
+      </p:pic>
     </p:spTree>
     <p:extLst>
       <p:ext uri="{BB962C8B-B14F-4D97-AF65-F5344CB8AC3E}">
-        <p14:creationId xmlns:p14="http://schemas.microsoft.com/office/powerpoint/2010/main" val="3677828"/>
+        <p14:creationId xmlns:p14="http://schemas.microsoft.com/office/powerpoint/2010/main" val="2995039079"/>
+      </p:ext>
+    </p:extLst>
+  </p:cSld>
+  <p:clrMapOvr>
+    <a:masterClrMapping/>
+  </p:clrMapOvr>
+</p:sld>
+</file>
+
+<file path=ppt/slides/slide6.xml><?xml version="1.0" encoding="utf-8"?>
+<p:sld xmlns:a="http://schemas.openxmlformats.org/drawingml/2006/main" xmlns:r="http://schemas.openxmlformats.org/officeDocument/2006/relationships" xmlns:p="http://schemas.openxmlformats.org/presentationml/2006/main">
+  <p:cSld>
+    <p:bg>
+      <p:bgPr>
+        <a:solidFill>
+          <a:schemeClr val="bg1"/>
+        </a:solidFill>
+        <a:effectLst/>
+      </p:bgPr>
+    </p:bg>
+    <p:spTree>
+      <p:nvGrpSpPr>
+        <p:cNvPr id="1" name=""/>
+        <p:cNvGrpSpPr/>
+        <p:nvPr/>
+      </p:nvGrpSpPr>
+      <p:grpSpPr>
+        <a:xfrm>
+          <a:off x="0" y="0"/>
+          <a:ext cx="0" cy="0"/>
+          <a:chOff x="0" y="0"/>
+          <a:chExt cx="0" cy="0"/>
+        </a:xfrm>
+      </p:grpSpPr>
+      <p:sp useBgFill="1">
+        <p:nvSpPr>
+          <p:cNvPr id="9" name="Rectangle 8">
+            <a:extLst>
+              <a:ext uri="{FF2B5EF4-FFF2-40B4-BE49-F238E27FC236}">
+                <a16:creationId xmlns:a16="http://schemas.microsoft.com/office/drawing/2014/main" id="{5D11FD0E-2D27-4A5A-949D-222E61ECBCC3}"/>
+              </a:ext>
+              <a:ext uri="{C183D7F6-B498-43B3-948B-1728B52AA6E4}">
+                <adec:decorative xmlns:adec="http://schemas.microsoft.com/office/drawing/2017/decorative" val="1"/>
+              </a:ext>
+            </a:extLst>
+          </p:cNvPr>
+          <p:cNvSpPr>
+            <a:spLocks noGrp="1" noRot="1" noChangeAspect="1" noMove="1" noResize="1" noEditPoints="1" noAdjustHandles="1" noChangeArrowheads="1" noChangeShapeType="1" noTextEdit="1"/>
+          </p:cNvSpPr>
+          <p:nvPr>
+            <p:extLst>
+              <p:ext uri="{386F3935-93C4-4BCD-93E2-E3B085C9AB24}">
+                <p16:designElem xmlns:p16="http://schemas.microsoft.com/office/powerpoint/2015/main" val="1"/>
+              </p:ext>
+            </p:extLst>
+          </p:nvPr>
+        </p:nvSpPr>
+        <p:spPr>
+          <a:xfrm>
+            <a:off x="0" y="0"/>
+            <a:ext cx="12188952" cy="6858000"/>
+          </a:xfrm>
+          <a:prstGeom prst="rect">
+            <a:avLst/>
+          </a:prstGeom>
+          <a:ln>
+            <a:noFill/>
+          </a:ln>
+        </p:spPr>
+        <p:style>
+          <a:lnRef idx="2">
+            <a:schemeClr val="accent1">
+              <a:shade val="50000"/>
+            </a:schemeClr>
+          </a:lnRef>
+          <a:fillRef idx="1">
+            <a:schemeClr val="accent1"/>
+          </a:fillRef>
+          <a:effectRef idx="0">
+            <a:schemeClr val="accent1"/>
+          </a:effectRef>
+          <a:fontRef idx="minor">
+            <a:schemeClr val="lt1"/>
+          </a:fontRef>
+        </p:style>
+        <p:txBody>
+          <a:bodyPr rtlCol="0" anchor="ctr"/>
+          <a:lstStyle/>
+          <a:p>
+            <a:pPr algn="ctr"/>
+            <a:endParaRPr lang="en-US"/>
+          </a:p>
+        </p:txBody>
+      </p:sp>
+      <p:sp>
+        <p:nvSpPr>
+          <p:cNvPr id="11" name="Freeform: Shape 10">
+            <a:extLst>
+              <a:ext uri="{FF2B5EF4-FFF2-40B4-BE49-F238E27FC236}">
+                <a16:creationId xmlns:a16="http://schemas.microsoft.com/office/drawing/2014/main" id="{1BC8109F-B452-45EE-8BB3-65433C039601}"/>
+              </a:ext>
+              <a:ext uri="{C183D7F6-B498-43B3-948B-1728B52AA6E4}">
+                <adec:decorative xmlns:adec="http://schemas.microsoft.com/office/drawing/2017/decorative" val="1"/>
+              </a:ext>
+            </a:extLst>
+          </p:cNvPr>
+          <p:cNvSpPr>
+            <a:spLocks noGrp="1" noRot="1" noChangeAspect="1" noMove="1" noResize="1" noEditPoints="1" noAdjustHandles="1" noChangeArrowheads="1" noChangeShapeType="1" noTextEdit="1"/>
+          </p:cNvSpPr>
+          <p:nvPr>
+            <p:extLst>
+              <p:ext uri="{386F3935-93C4-4BCD-93E2-E3B085C9AB24}">
+                <p16:designElem xmlns:p16="http://schemas.microsoft.com/office/powerpoint/2015/main" val="1"/>
+              </p:ext>
+            </p:extLst>
+          </p:nvPr>
+        </p:nvSpPr>
+        <p:spPr>
+          <a:xfrm>
+            <a:off x="1768100" y="-1"/>
+            <a:ext cx="10423900" cy="5920155"/>
+          </a:xfrm>
+          <a:custGeom>
+            <a:avLst/>
+            <a:gdLst>
+              <a:gd name="connsiteX0" fmla="*/ 10423900 w 10423900"/>
+              <a:gd name="connsiteY0" fmla="*/ 0 h 5491534"/>
+              <a:gd name="connsiteX1" fmla="*/ 3493157 w 10423900"/>
+              <a:gd name="connsiteY1" fmla="*/ 0 h 5491534"/>
+              <a:gd name="connsiteX2" fmla="*/ 3493018 w 10423900"/>
+              <a:gd name="connsiteY2" fmla="*/ 31 h 5491534"/>
+              <a:gd name="connsiteX3" fmla="*/ 3245493 w 10423900"/>
+              <a:gd name="connsiteY3" fmla="*/ 104839 h 5491534"/>
+              <a:gd name="connsiteX4" fmla="*/ 4434802 w 10423900"/>
+              <a:gd name="connsiteY4" fmla="*/ 284558 h 5491534"/>
+              <a:gd name="connsiteX5" fmla="*/ 4011937 w 10423900"/>
+              <a:gd name="connsiteY5" fmla="*/ 395559 h 5491534"/>
+              <a:gd name="connsiteX6" fmla="*/ 3573213 w 10423900"/>
+              <a:gd name="connsiteY6" fmla="*/ 474847 h 5491534"/>
+              <a:gd name="connsiteX7" fmla="*/ 3097489 w 10423900"/>
+              <a:gd name="connsiteY7" fmla="*/ 532990 h 5491534"/>
+              <a:gd name="connsiteX8" fmla="*/ 2664052 w 10423900"/>
+              <a:gd name="connsiteY8" fmla="*/ 649279 h 5491534"/>
+              <a:gd name="connsiteX9" fmla="*/ 3795218 w 10423900"/>
+              <a:gd name="connsiteY9" fmla="*/ 696852 h 5491534"/>
+              <a:gd name="connsiteX10" fmla="*/ 3208492 w 10423900"/>
+              <a:gd name="connsiteY10" fmla="*/ 802568 h 5491534"/>
+              <a:gd name="connsiteX11" fmla="*/ 2727483 w 10423900"/>
+              <a:gd name="connsiteY11" fmla="*/ 939999 h 5491534"/>
+              <a:gd name="connsiteX12" fmla="*/ 2389190 w 10423900"/>
+              <a:gd name="connsiteY12" fmla="*/ 1003429 h 5491534"/>
+              <a:gd name="connsiteX13" fmla="*/ 2029754 w 10423900"/>
+              <a:gd name="connsiteY13" fmla="*/ 1019287 h 5491534"/>
+              <a:gd name="connsiteX14" fmla="*/ 1945181 w 10423900"/>
+              <a:gd name="connsiteY14" fmla="*/ 1119716 h 5491534"/>
+              <a:gd name="connsiteX15" fmla="*/ 2056184 w 10423900"/>
+              <a:gd name="connsiteY15" fmla="*/ 1225434 h 5491534"/>
+              <a:gd name="connsiteX16" fmla="*/ 2225329 w 10423900"/>
+              <a:gd name="connsiteY16" fmla="*/ 1236004 h 5491534"/>
+              <a:gd name="connsiteX17" fmla="*/ 3234920 w 10423900"/>
+              <a:gd name="connsiteY17" fmla="*/ 1262435 h 5491534"/>
+              <a:gd name="connsiteX18" fmla="*/ 0 w 10423900"/>
+              <a:gd name="connsiteY18" fmla="*/ 1495009 h 5491534"/>
+              <a:gd name="connsiteX19" fmla="*/ 438724 w 10423900"/>
+              <a:gd name="connsiteY19" fmla="*/ 1637728 h 5491534"/>
+              <a:gd name="connsiteX20" fmla="*/ 586726 w 10423900"/>
+              <a:gd name="connsiteY20" fmla="*/ 2028877 h 5491534"/>
+              <a:gd name="connsiteX21" fmla="*/ 1125878 w 10423900"/>
+              <a:gd name="connsiteY21" fmla="*/ 2250882 h 5491534"/>
+              <a:gd name="connsiteX22" fmla="*/ 1474744 w 10423900"/>
+              <a:gd name="connsiteY22" fmla="*/ 2330169 h 5491534"/>
+              <a:gd name="connsiteX23" fmla="*/ 2272901 w 10423900"/>
+              <a:gd name="connsiteY23" fmla="*/ 2446458 h 5491534"/>
+              <a:gd name="connsiteX24" fmla="*/ 2389190 w 10423900"/>
+              <a:gd name="connsiteY24" fmla="*/ 2636747 h 5491534"/>
+              <a:gd name="connsiteX25" fmla="*/ 2489621 w 10423900"/>
+              <a:gd name="connsiteY25" fmla="*/ 2848179 h 5491534"/>
+              <a:gd name="connsiteX26" fmla="*/ 2701053 w 10423900"/>
+              <a:gd name="connsiteY26" fmla="*/ 2985611 h 5491534"/>
+              <a:gd name="connsiteX27" fmla="*/ 1057165 w 10423900"/>
+              <a:gd name="connsiteY27" fmla="*/ 2964468 h 5491534"/>
+              <a:gd name="connsiteX28" fmla="*/ 2912485 w 10423900"/>
+              <a:gd name="connsiteY28" fmla="*/ 3408477 h 5491534"/>
+              <a:gd name="connsiteX29" fmla="*/ 2748626 w 10423900"/>
+              <a:gd name="connsiteY29" fmla="*/ 3582909 h 5491534"/>
+              <a:gd name="connsiteX30" fmla="*/ 3763503 w 10423900"/>
+              <a:gd name="connsiteY30" fmla="*/ 3820771 h 5491534"/>
+              <a:gd name="connsiteX31" fmla="*/ 3219063 w 10423900"/>
+              <a:gd name="connsiteY31" fmla="*/ 3847199 h 5491534"/>
+              <a:gd name="connsiteX32" fmla="*/ 6385269 w 10423900"/>
+              <a:gd name="connsiteY32" fmla="*/ 4840933 h 5491534"/>
+              <a:gd name="connsiteX33" fmla="*/ 10285854 w 10423900"/>
+              <a:gd name="connsiteY33" fmla="*/ 5471118 h 5491534"/>
+              <a:gd name="connsiteX34" fmla="*/ 10423900 w 10423900"/>
+              <a:gd name="connsiteY34" fmla="*/ 5491534 h 5491534"/>
+            </a:gdLst>
+            <a:ahLst/>
+            <a:cxnLst>
+              <a:cxn ang="0">
+                <a:pos x="connsiteX0" y="connsiteY0"/>
+              </a:cxn>
+              <a:cxn ang="0">
+                <a:pos x="connsiteX1" y="connsiteY1"/>
+              </a:cxn>
+              <a:cxn ang="0">
+                <a:pos x="connsiteX2" y="connsiteY2"/>
+              </a:cxn>
+              <a:cxn ang="0">
+                <a:pos x="connsiteX3" y="connsiteY3"/>
+              </a:cxn>
+              <a:cxn ang="0">
+                <a:pos x="connsiteX4" y="connsiteY4"/>
+              </a:cxn>
+              <a:cxn ang="0">
+                <a:pos x="connsiteX5" y="connsiteY5"/>
+              </a:cxn>
+              <a:cxn ang="0">
+                <a:pos x="connsiteX6" y="connsiteY6"/>
+              </a:cxn>
+              <a:cxn ang="0">
+                <a:pos x="connsiteX7" y="connsiteY7"/>
+              </a:cxn>
+              <a:cxn ang="0">
+                <a:pos x="connsiteX8" y="connsiteY8"/>
+              </a:cxn>
+              <a:cxn ang="0">
+                <a:pos x="connsiteX9" y="connsiteY9"/>
+              </a:cxn>
+              <a:cxn ang="0">
+                <a:pos x="connsiteX10" y="connsiteY10"/>
+              </a:cxn>
+              <a:cxn ang="0">
+                <a:pos x="connsiteX11" y="connsiteY11"/>
+              </a:cxn>
+              <a:cxn ang="0">
+                <a:pos x="connsiteX12" y="connsiteY12"/>
+              </a:cxn>
+              <a:cxn ang="0">
+                <a:pos x="connsiteX13" y="connsiteY13"/>
+              </a:cxn>
+              <a:cxn ang="0">
+                <a:pos x="connsiteX14" y="connsiteY14"/>
+              </a:cxn>
+              <a:cxn ang="0">
+                <a:pos x="connsiteX15" y="connsiteY15"/>
+              </a:cxn>
+              <a:cxn ang="0">
+                <a:pos x="connsiteX16" y="connsiteY16"/>
+              </a:cxn>
+              <a:cxn ang="0">
+                <a:pos x="connsiteX17" y="connsiteY17"/>
+              </a:cxn>
+              <a:cxn ang="0">
+                <a:pos x="connsiteX18" y="connsiteY18"/>
+              </a:cxn>
+              <a:cxn ang="0">
+                <a:pos x="connsiteX19" y="connsiteY19"/>
+              </a:cxn>
+              <a:cxn ang="0">
+                <a:pos x="connsiteX20" y="connsiteY20"/>
+              </a:cxn>
+              <a:cxn ang="0">
+                <a:pos x="connsiteX21" y="connsiteY21"/>
+              </a:cxn>
+              <a:cxn ang="0">
+                <a:pos x="connsiteX22" y="connsiteY22"/>
+              </a:cxn>
+              <a:cxn ang="0">
+                <a:pos x="connsiteX23" y="connsiteY23"/>
+              </a:cxn>
+              <a:cxn ang="0">
+                <a:pos x="connsiteX24" y="connsiteY24"/>
+              </a:cxn>
+              <a:cxn ang="0">
+                <a:pos x="connsiteX25" y="connsiteY25"/>
+              </a:cxn>
+              <a:cxn ang="0">
+                <a:pos x="connsiteX26" y="connsiteY26"/>
+              </a:cxn>
+              <a:cxn ang="0">
+                <a:pos x="connsiteX27" y="connsiteY27"/>
+              </a:cxn>
+              <a:cxn ang="0">
+                <a:pos x="connsiteX28" y="connsiteY28"/>
+              </a:cxn>
+              <a:cxn ang="0">
+                <a:pos x="connsiteX29" y="connsiteY29"/>
+              </a:cxn>
+              <a:cxn ang="0">
+                <a:pos x="connsiteX30" y="connsiteY30"/>
+              </a:cxn>
+              <a:cxn ang="0">
+                <a:pos x="connsiteX31" y="connsiteY31"/>
+              </a:cxn>
+              <a:cxn ang="0">
+                <a:pos x="connsiteX32" y="connsiteY32"/>
+              </a:cxn>
+              <a:cxn ang="0">
+                <a:pos x="connsiteX33" y="connsiteY33"/>
+              </a:cxn>
+              <a:cxn ang="0">
+                <a:pos x="connsiteX34" y="connsiteY34"/>
+              </a:cxn>
+            </a:cxnLst>
+            <a:rect l="l" t="t" r="r" b="b"/>
+            <a:pathLst>
+              <a:path w="10423900" h="5491534">
+                <a:moveTo>
+                  <a:pt x="10423900" y="0"/>
+                </a:moveTo>
+                <a:lnTo>
+                  <a:pt x="3493157" y="0"/>
+                </a:lnTo>
+                <a:lnTo>
+                  <a:pt x="3493018" y="31"/>
+                </a:lnTo>
+                <a:cubicBezTo>
+                  <a:pt x="3414969" y="12668"/>
+                  <a:pt x="3328744" y="21588"/>
+                  <a:pt x="3245493" y="104839"/>
+                </a:cubicBezTo>
+                <a:cubicBezTo>
+                  <a:pt x="3668357" y="162984"/>
+                  <a:pt x="4075366" y="51981"/>
+                  <a:pt x="4434802" y="284558"/>
+                </a:cubicBezTo>
+                <a:cubicBezTo>
+                  <a:pt x="4302656" y="400846"/>
+                  <a:pt x="4154654" y="374416"/>
+                  <a:pt x="4011937" y="395559"/>
+                </a:cubicBezTo>
+                <a:cubicBezTo>
+                  <a:pt x="3863934" y="416704"/>
+                  <a:pt x="3721217" y="453704"/>
+                  <a:pt x="3573213" y="474847"/>
+                </a:cubicBezTo>
+                <a:cubicBezTo>
+                  <a:pt x="3414639" y="501275"/>
+                  <a:pt x="3256063" y="506562"/>
+                  <a:pt x="3097489" y="532990"/>
+                </a:cubicBezTo>
+                <a:cubicBezTo>
+                  <a:pt x="2965345" y="554135"/>
+                  <a:pt x="2822627" y="517133"/>
+                  <a:pt x="2664052" y="649279"/>
+                </a:cubicBezTo>
+                <a:cubicBezTo>
+                  <a:pt x="3055203" y="744424"/>
+                  <a:pt x="3409352" y="601706"/>
+                  <a:pt x="3795218" y="696852"/>
+                </a:cubicBezTo>
+                <a:cubicBezTo>
+                  <a:pt x="3567928" y="781425"/>
+                  <a:pt x="3382924" y="754995"/>
+                  <a:pt x="3208492" y="802568"/>
+                </a:cubicBezTo>
+                <a:cubicBezTo>
+                  <a:pt x="3049916" y="850140"/>
+                  <a:pt x="2859627" y="797282"/>
+                  <a:pt x="2727483" y="939999"/>
+                </a:cubicBezTo>
+                <a:cubicBezTo>
+                  <a:pt x="2627052" y="1051000"/>
+                  <a:pt x="2521336" y="1066858"/>
+                  <a:pt x="2389190" y="1003429"/>
+                </a:cubicBezTo>
+                <a:cubicBezTo>
+                  <a:pt x="2272901" y="945284"/>
+                  <a:pt x="2146043" y="961142"/>
+                  <a:pt x="2029754" y="1019287"/>
+                </a:cubicBezTo>
+                <a:cubicBezTo>
+                  <a:pt x="1987468" y="1040430"/>
+                  <a:pt x="1945181" y="1066858"/>
+                  <a:pt x="1945181" y="1119716"/>
+                </a:cubicBezTo>
+                <a:cubicBezTo>
+                  <a:pt x="1945181" y="1193719"/>
+                  <a:pt x="1998039" y="1214862"/>
+                  <a:pt x="2056184" y="1225434"/>
+                </a:cubicBezTo>
+                <a:cubicBezTo>
+                  <a:pt x="2109042" y="1236004"/>
+                  <a:pt x="2172471" y="1246577"/>
+                  <a:pt x="2225329" y="1236004"/>
+                </a:cubicBezTo>
+                <a:cubicBezTo>
+                  <a:pt x="2563622" y="1177861"/>
+                  <a:pt x="2896629" y="1273005"/>
+                  <a:pt x="3234920" y="1262435"/>
+                </a:cubicBezTo>
+                <a:cubicBezTo>
+                  <a:pt x="2172471" y="1489724"/>
+                  <a:pt x="1099450" y="1415723"/>
+                  <a:pt x="0" y="1495009"/>
+                </a:cubicBezTo>
+                <a:cubicBezTo>
+                  <a:pt x="142717" y="1653583"/>
+                  <a:pt x="327721" y="1521439"/>
+                  <a:pt x="438724" y="1637728"/>
+                </a:cubicBezTo>
+                <a:cubicBezTo>
+                  <a:pt x="333006" y="1880875"/>
+                  <a:pt x="375293" y="2013020"/>
+                  <a:pt x="586726" y="2028877"/>
+                </a:cubicBezTo>
+                <a:cubicBezTo>
+                  <a:pt x="792873" y="2044734"/>
+                  <a:pt x="1014877" y="1960161"/>
+                  <a:pt x="1125878" y="2250882"/>
+                </a:cubicBezTo>
+                <a:cubicBezTo>
+                  <a:pt x="1157593" y="2340740"/>
+                  <a:pt x="1353170" y="2314312"/>
+                  <a:pt x="1474744" y="2330169"/>
+                </a:cubicBezTo>
+                <a:cubicBezTo>
+                  <a:pt x="1739034" y="2367170"/>
+                  <a:pt x="2019183" y="2330169"/>
+                  <a:pt x="2272901" y="2446458"/>
+                </a:cubicBezTo>
+                <a:cubicBezTo>
+                  <a:pt x="2373332" y="2488744"/>
+                  <a:pt x="2442048" y="2520459"/>
+                  <a:pt x="2389190" y="2636747"/>
+                </a:cubicBezTo>
+                <a:cubicBezTo>
+                  <a:pt x="2336332" y="2758321"/>
+                  <a:pt x="2405048" y="2800607"/>
+                  <a:pt x="2489621" y="2848179"/>
+                </a:cubicBezTo>
+                <a:cubicBezTo>
+                  <a:pt x="2553051" y="2885180"/>
+                  <a:pt x="2648195" y="2874609"/>
+                  <a:pt x="2701053" y="2985611"/>
+                </a:cubicBezTo>
+                <a:cubicBezTo>
+                  <a:pt x="2146043" y="2969753"/>
+                  <a:pt x="1606888" y="2879895"/>
+                  <a:pt x="1057165" y="2964468"/>
+                </a:cubicBezTo>
+                <a:cubicBezTo>
+                  <a:pt x="1659748" y="3175900"/>
+                  <a:pt x="2320474" y="3165328"/>
+                  <a:pt x="2912485" y="3408477"/>
+                </a:cubicBezTo>
+                <a:cubicBezTo>
+                  <a:pt x="2891342" y="3493050"/>
+                  <a:pt x="2753911" y="3456048"/>
+                  <a:pt x="2748626" y="3582909"/>
+                </a:cubicBezTo>
+                <a:cubicBezTo>
+                  <a:pt x="3060489" y="3715055"/>
+                  <a:pt x="3435782" y="3625195"/>
+                  <a:pt x="3763503" y="3820771"/>
+                </a:cubicBezTo>
+                <a:cubicBezTo>
+                  <a:pt x="3573213" y="3910629"/>
+                  <a:pt x="3398782" y="3762626"/>
+                  <a:pt x="3219063" y="3847199"/>
+                </a:cubicBezTo>
+                <a:cubicBezTo>
+                  <a:pt x="3277208" y="3974060"/>
+                  <a:pt x="5909545" y="4756360"/>
+                  <a:pt x="6385269" y="4840933"/>
+                </a:cubicBezTo>
+                <a:cubicBezTo>
+                  <a:pt x="7171204" y="4982659"/>
+                  <a:pt x="9157515" y="5302348"/>
+                  <a:pt x="10285854" y="5471118"/>
+                </a:cubicBezTo>
+                <a:lnTo>
+                  <a:pt x="10423900" y="5491534"/>
+                </a:lnTo>
+                <a:close/>
+              </a:path>
+            </a:pathLst>
+          </a:custGeom>
+          <a:solidFill>
+            <a:schemeClr val="bg2">
+              <a:alpha val="50000"/>
+            </a:schemeClr>
+          </a:solidFill>
+          <a:ln w="32707" cap="flat">
+            <a:noFill/>
+            <a:prstDash val="solid"/>
+            <a:miter/>
+          </a:ln>
+        </p:spPr>
+        <p:txBody>
+          <a:bodyPr wrap="square" rtlCol="0" anchor="ctr">
+            <a:noAutofit/>
+          </a:bodyPr>
+          <a:lstStyle/>
+          <a:p>
+            <a:pPr algn="ctr"/>
+            <a:endParaRPr lang="en-US"/>
+          </a:p>
+        </p:txBody>
+      </p:sp>
+      <p:sp>
+        <p:nvSpPr>
+          <p:cNvPr id="2" name="Title 1">
+            <a:extLst>
+              <a:ext uri="{FF2B5EF4-FFF2-40B4-BE49-F238E27FC236}">
+                <a16:creationId xmlns:a16="http://schemas.microsoft.com/office/drawing/2014/main" id="{E0765D79-C526-02F9-F001-D9DE45A4011D}"/>
+              </a:ext>
+            </a:extLst>
+          </p:cNvPr>
+          <p:cNvSpPr>
+            <a:spLocks noGrp="1"/>
+          </p:cNvSpPr>
+          <p:nvPr>
+            <p:ph type="title"/>
+          </p:nvPr>
+        </p:nvSpPr>
+        <p:spPr>
+          <a:xfrm>
+            <a:off x="3311460" y="401638"/>
+            <a:ext cx="5362576" cy="1892300"/>
+          </a:xfrm>
+        </p:spPr>
+        <p:txBody>
+          <a:bodyPr>
+            <a:normAutofit/>
+          </a:bodyPr>
+          <a:lstStyle/>
+          <a:p>
+            <a:pPr algn="ctr"/>
+            <a:r>
+              <a:rPr lang="de-DE" dirty="0"/>
+              <a:t>Conclusion</a:t>
+            </a:r>
+          </a:p>
+        </p:txBody>
+      </p:sp>
+      <p:graphicFrame>
+        <p:nvGraphicFramePr>
+          <p:cNvPr id="5" name="Content Placeholder 2">
+            <a:extLst>
+              <a:ext uri="{FF2B5EF4-FFF2-40B4-BE49-F238E27FC236}">
+                <a16:creationId xmlns:a16="http://schemas.microsoft.com/office/drawing/2014/main" id="{FC95377E-29AE-5FA0-9826-9B4922CB2D57}"/>
+              </a:ext>
+            </a:extLst>
+          </p:cNvPr>
+          <p:cNvGraphicFramePr>
+            <a:graphicFrameLocks noGrp="1"/>
+          </p:cNvGraphicFramePr>
+          <p:nvPr>
+            <p:ph idx="1"/>
+            <p:extLst>
+              <p:ext uri="{D42A27DB-BD31-4B8C-83A1-F6EECF244321}">
+                <p14:modId xmlns:p14="http://schemas.microsoft.com/office/powerpoint/2010/main" val="4087015150"/>
+              </p:ext>
+            </p:extLst>
+          </p:nvPr>
+        </p:nvGraphicFramePr>
+        <p:xfrm>
+          <a:off x="838200" y="2028825"/>
+          <a:ext cx="10515600" cy="4148138"/>
+        </p:xfrm>
+        <a:graphic>
+          <a:graphicData uri="http://schemas.openxmlformats.org/drawingml/2006/diagram">
+            <dgm:relIds xmlns:dgm="http://schemas.openxmlformats.org/drawingml/2006/diagram" xmlns:r="http://schemas.openxmlformats.org/officeDocument/2006/relationships" r:dm="rId2" r:lo="rId3" r:qs="rId4" r:cs="rId5"/>
+          </a:graphicData>
+        </a:graphic>
+      </p:graphicFrame>
+    </p:spTree>
+    <p:extLst>
+      <p:ext uri="{BB962C8B-B14F-4D97-AF65-F5344CB8AC3E}">
+        <p14:creationId xmlns:p14="http://schemas.microsoft.com/office/powerpoint/2010/main" val="3884096647"/>
       </p:ext>
     </p:extLst>
   </p:cSld>
